--- a/Storyboard Design.pptx
+++ b/Storyboard Design.pptx
@@ -5,18 +5,19 @@
     <p:sldMasterId id="2147483648" r:id="rId1"/>
   </p:sldMasterIdLst>
   <p:notesMasterIdLst>
-    <p:notesMasterId r:id="rId11"/>
+    <p:notesMasterId r:id="rId12"/>
   </p:notesMasterIdLst>
   <p:sldIdLst>
-    <p:sldId id="256" r:id="rId2"/>
-    <p:sldId id="257" r:id="rId3"/>
-    <p:sldId id="258" r:id="rId4"/>
-    <p:sldId id="259" r:id="rId5"/>
-    <p:sldId id="260" r:id="rId6"/>
-    <p:sldId id="263" r:id="rId7"/>
-    <p:sldId id="262" r:id="rId8"/>
-    <p:sldId id="261" r:id="rId9"/>
-    <p:sldId id="264" r:id="rId10"/>
+    <p:sldId id="261" r:id="rId2"/>
+    <p:sldId id="265" r:id="rId3"/>
+    <p:sldId id="256" r:id="rId4"/>
+    <p:sldId id="257" r:id="rId5"/>
+    <p:sldId id="258" r:id="rId6"/>
+    <p:sldId id="259" r:id="rId7"/>
+    <p:sldId id="260" r:id="rId8"/>
+    <p:sldId id="263" r:id="rId9"/>
+    <p:sldId id="262" r:id="rId10"/>
+    <p:sldId id="264" r:id="rId11"/>
   </p:sldIdLst>
   <p:sldSz cx="12192000" cy="6858000"/>
   <p:notesSz cx="6858000" cy="9144000"/>
@@ -514,7 +515,7 @@
           <a:p>
             <a:r>
               <a:rPr lang="en-US" dirty="0" smtClean="0"/>
-              <a:t>Login</a:t>
+              <a:t>TEMPLATES</a:t>
             </a:r>
             <a:endParaRPr lang="en-US" dirty="0"/>
           </a:p>
@@ -546,7 +547,7 @@
     </p:spTree>
     <p:extLst>
       <p:ext uri="{BB962C8B-B14F-4D97-AF65-F5344CB8AC3E}">
-        <p14:creationId xmlns:p14="http://schemas.microsoft.com/office/powerpoint/2010/main" val="626358615"/>
+        <p14:creationId xmlns:p14="http://schemas.microsoft.com/office/powerpoint/2010/main" val="1234513662"/>
       </p:ext>
     </p:extLst>
   </p:cSld>
@@ -600,6 +601,10 @@
           <a:bodyPr/>
           <a:lstStyle/>
           <a:p>
+            <a:r>
+              <a:rPr lang="en-US" dirty="0" smtClean="0"/>
+              <a:t>Login</a:t>
+            </a:r>
             <a:endParaRPr lang="en-US" dirty="0"/>
           </a:p>
         </p:txBody>
@@ -621,7 +626,7 @@
           <a:p>
             <a:fld id="{780750F4-F706-D848-81FD-B8DFCE8B732E}" type="slidenum">
               <a:rPr lang="en-US" smtClean="0"/>
-              <a:t>2</a:t>
+              <a:t>3</a:t>
             </a:fld>
             <a:endParaRPr lang="en-US"/>
           </a:p>
@@ -630,7 +635,7 @@
     </p:spTree>
     <p:extLst>
       <p:ext uri="{BB962C8B-B14F-4D97-AF65-F5344CB8AC3E}">
-        <p14:creationId xmlns:p14="http://schemas.microsoft.com/office/powerpoint/2010/main" val="394672740"/>
+        <p14:creationId xmlns:p14="http://schemas.microsoft.com/office/powerpoint/2010/main" val="626358615"/>
       </p:ext>
     </p:extLst>
   </p:cSld>
@@ -684,14 +689,6 @@
           <a:bodyPr/>
           <a:lstStyle/>
           <a:p>
-            <a:r>
-              <a:rPr lang="en-US" dirty="0" smtClean="0"/>
-              <a:t>Will parse automatically the texts </a:t>
-            </a:r>
-            <a:r>
-              <a:rPr lang="en-US" dirty="0" err="1" smtClean="0"/>
-              <a:t>inputed</a:t>
-            </a:r>
             <a:endParaRPr lang="en-US" dirty="0"/>
           </a:p>
         </p:txBody>
@@ -713,7 +710,7 @@
           <a:p>
             <a:fld id="{780750F4-F706-D848-81FD-B8DFCE8B732E}" type="slidenum">
               <a:rPr lang="en-US" smtClean="0"/>
-              <a:t>3</a:t>
+              <a:t>4</a:t>
             </a:fld>
             <a:endParaRPr lang="en-US"/>
           </a:p>
@@ -722,7 +719,7 @@
     </p:spTree>
     <p:extLst>
       <p:ext uri="{BB962C8B-B14F-4D97-AF65-F5344CB8AC3E}">
-        <p14:creationId xmlns:p14="http://schemas.microsoft.com/office/powerpoint/2010/main" val="844848586"/>
+        <p14:creationId xmlns:p14="http://schemas.microsoft.com/office/powerpoint/2010/main" val="394672740"/>
       </p:ext>
     </p:extLst>
   </p:cSld>
@@ -778,7 +775,11 @@
           <a:p>
             <a:r>
               <a:rPr lang="en-US" dirty="0" smtClean="0"/>
-              <a:t>Get either a text message a email </a:t>
+              <a:t>Will parse automatically the texts </a:t>
+            </a:r>
+            <a:r>
+              <a:rPr lang="en-US" dirty="0" err="1" smtClean="0"/>
+              <a:t>inputed</a:t>
             </a:r>
             <a:endParaRPr lang="en-US" dirty="0"/>
           </a:p>
@@ -801,7 +802,7 @@
           <a:p>
             <a:fld id="{780750F4-F706-D848-81FD-B8DFCE8B732E}" type="slidenum">
               <a:rPr lang="en-US" smtClean="0"/>
-              <a:t>4</a:t>
+              <a:t>5</a:t>
             </a:fld>
             <a:endParaRPr lang="en-US"/>
           </a:p>
@@ -810,7 +811,7 @@
     </p:spTree>
     <p:extLst>
       <p:ext uri="{BB962C8B-B14F-4D97-AF65-F5344CB8AC3E}">
-        <p14:creationId xmlns:p14="http://schemas.microsoft.com/office/powerpoint/2010/main" val="143752978"/>
+        <p14:creationId xmlns:p14="http://schemas.microsoft.com/office/powerpoint/2010/main" val="844848586"/>
       </p:ext>
     </p:extLst>
   </p:cSld>
@@ -866,13 +867,9 @@
           <a:p>
             <a:r>
               <a:rPr lang="en-US" dirty="0" smtClean="0"/>
-              <a:t>Add list of items to bring button</a:t>
-            </a:r>
-            <a:r>
-              <a:rPr lang="en-US" baseline="0" dirty="0" smtClean="0"/>
-              <a:t> (checklist of game items)</a:t>
-            </a:r>
-            <a:endParaRPr lang="en-US" dirty="0" smtClean="0"/>
+              <a:t>Get either a text message a email </a:t>
+            </a:r>
+            <a:endParaRPr lang="en-US" dirty="0"/>
           </a:p>
         </p:txBody>
       </p:sp>
@@ -894,6 +891,98 @@
             <a:fld id="{780750F4-F706-D848-81FD-B8DFCE8B732E}" type="slidenum">
               <a:rPr lang="en-US" smtClean="0"/>
               <a:t>6</a:t>
+            </a:fld>
+            <a:endParaRPr lang="en-US"/>
+          </a:p>
+        </p:txBody>
+      </p:sp>
+    </p:spTree>
+    <p:extLst>
+      <p:ext uri="{BB962C8B-B14F-4D97-AF65-F5344CB8AC3E}">
+        <p14:creationId xmlns:p14="http://schemas.microsoft.com/office/powerpoint/2010/main" val="143752978"/>
+      </p:ext>
+    </p:extLst>
+  </p:cSld>
+  <p:clrMapOvr>
+    <a:masterClrMapping/>
+  </p:clrMapOvr>
+</p:notes>
+</file>
+
+<file path=ppt/notesSlides/notesSlide6.xml><?xml version="1.0" encoding="utf-8"?>
+<p:notes xmlns:a="http://schemas.openxmlformats.org/drawingml/2006/main" xmlns:r="http://schemas.openxmlformats.org/officeDocument/2006/relationships" xmlns:p="http://schemas.openxmlformats.org/presentationml/2006/main">
+  <p:cSld>
+    <p:spTree>
+      <p:nvGrpSpPr>
+        <p:cNvPr id="1" name=""/>
+        <p:cNvGrpSpPr/>
+        <p:nvPr/>
+      </p:nvGrpSpPr>
+      <p:grpSpPr>
+        <a:xfrm>
+          <a:off x="0" y="0"/>
+          <a:ext cx="0" cy="0"/>
+          <a:chOff x="0" y="0"/>
+          <a:chExt cx="0" cy="0"/>
+        </a:xfrm>
+      </p:grpSpPr>
+      <p:sp>
+        <p:nvSpPr>
+          <p:cNvPr id="2" name="Slide Image Placeholder 1"/>
+          <p:cNvSpPr>
+            <a:spLocks noGrp="1" noRot="1" noChangeAspect="1"/>
+          </p:cNvSpPr>
+          <p:nvPr>
+            <p:ph type="sldImg"/>
+          </p:nvPr>
+        </p:nvSpPr>
+        <p:spPr/>
+      </p:sp>
+      <p:sp>
+        <p:nvSpPr>
+          <p:cNvPr id="3" name="Notes Placeholder 2"/>
+          <p:cNvSpPr>
+            <a:spLocks noGrp="1"/>
+          </p:cNvSpPr>
+          <p:nvPr>
+            <p:ph type="body" idx="1"/>
+          </p:nvPr>
+        </p:nvSpPr>
+        <p:spPr/>
+        <p:txBody>
+          <a:bodyPr/>
+          <a:lstStyle/>
+          <a:p>
+            <a:r>
+              <a:rPr lang="en-US" dirty="0" smtClean="0"/>
+              <a:t>Add list of items to bring button</a:t>
+            </a:r>
+            <a:r>
+              <a:rPr lang="en-US" baseline="0" dirty="0" smtClean="0"/>
+              <a:t> (checklist of game items)</a:t>
+            </a:r>
+            <a:endParaRPr lang="en-US" dirty="0" smtClean="0"/>
+          </a:p>
+        </p:txBody>
+      </p:sp>
+      <p:sp>
+        <p:nvSpPr>
+          <p:cNvPr id="4" name="Slide Number Placeholder 3"/>
+          <p:cNvSpPr>
+            <a:spLocks noGrp="1"/>
+          </p:cNvSpPr>
+          <p:nvPr>
+            <p:ph type="sldNum" sz="quarter" idx="10"/>
+          </p:nvPr>
+        </p:nvSpPr>
+        <p:spPr/>
+        <p:txBody>
+          <a:bodyPr/>
+          <a:lstStyle/>
+          <a:p>
+            <a:fld id="{780750F4-F706-D848-81FD-B8DFCE8B732E}" type="slidenum">
+              <a:rPr lang="en-US" smtClean="0"/>
+              <a:t>8</a:t>
             </a:fld>
             <a:endParaRPr lang="en-US"/>
           </a:p>
@@ -3769,532 +3858,150 @@
           <a:chExt cx="0" cy="0"/>
         </a:xfrm>
       </p:grpSpPr>
-      <p:sp>
-        <p:nvSpPr>
-          <p:cNvPr id="5" name="Rounded Rectangle 4"/>
-          <p:cNvSpPr/>
-          <p:nvPr/>
-        </p:nvSpPr>
-        <p:spPr>
-          <a:xfrm>
-            <a:off x="4116651" y="210312"/>
-            <a:ext cx="4114800" cy="6318504"/>
-          </a:xfrm>
-          <a:prstGeom prst="roundRect">
-            <a:avLst/>
-          </a:prstGeom>
-          <a:solidFill>
-            <a:schemeClr val="bg1"/>
-          </a:solidFill>
-        </p:spPr>
-        <p:style>
-          <a:lnRef idx="2">
-            <a:schemeClr val="accent1">
-              <a:shade val="50000"/>
-            </a:schemeClr>
-          </a:lnRef>
-          <a:fillRef idx="1">
-            <a:schemeClr val="accent1"/>
-          </a:fillRef>
-          <a:effectRef idx="0">
-            <a:schemeClr val="accent1"/>
-          </a:effectRef>
-          <a:fontRef idx="minor">
-            <a:schemeClr val="lt1"/>
-          </a:fontRef>
-        </p:style>
-        <p:txBody>
-          <a:bodyPr rtlCol="0" anchor="ctr"/>
-          <a:lstStyle/>
-          <a:p>
-            <a:pPr algn="ctr"/>
-            <a:endParaRPr lang="en-US"/>
-          </a:p>
-        </p:txBody>
-      </p:sp>
-      <p:sp>
-        <p:nvSpPr>
-          <p:cNvPr id="6" name="TextBox 5"/>
-          <p:cNvSpPr txBox="1"/>
-          <p:nvPr/>
-        </p:nvSpPr>
-        <p:spPr>
-          <a:xfrm>
-            <a:off x="4520565" y="762250"/>
-            <a:ext cx="3383280" cy="584775"/>
+      <p:pic>
+        <p:nvPicPr>
+          <p:cNvPr id="3" name="Picture 2"/>
+          <p:cNvPicPr>
+            <a:picLocks noChangeAspect="1"/>
+          </p:cNvPicPr>
+          <p:nvPr/>
+        </p:nvPicPr>
+        <p:blipFill>
+          <a:blip r:embed="rId3">
+            <a:extLst>
+              <a:ext uri="{28A0092B-C50C-407E-A947-70E740481C1C}">
+                <a14:useLocalDpi xmlns:a14="http://schemas.microsoft.com/office/drawing/2010/main" val="0"/>
+              </a:ext>
+            </a:extLst>
+          </a:blip>
+          <a:stretch>
+            <a:fillRect/>
+          </a:stretch>
+        </p:blipFill>
+        <p:spPr>
+          <a:xfrm>
+            <a:off x="254000" y="0"/>
+            <a:ext cx="3440545" cy="6858000"/>
           </a:xfrm>
           <a:prstGeom prst="rect">
             <a:avLst/>
           </a:prstGeom>
-          <a:noFill/>
-        </p:spPr>
-        <p:txBody>
-          <a:bodyPr wrap="square" rtlCol="0">
-            <a:spAutoFit/>
-          </a:bodyPr>
-          <a:lstStyle/>
-          <a:p>
-            <a:pPr algn="ctr"/>
-            <a:r>
-              <a:rPr lang="en-US" sz="3200" dirty="0" smtClean="0"/>
-              <a:t>Who’s </a:t>
-            </a:r>
-            <a:r>
-              <a:rPr lang="en-US" sz="3200" dirty="0" err="1" smtClean="0"/>
-              <a:t>Playin</a:t>
-            </a:r>
-            <a:r>
-              <a:rPr lang="en-US" sz="3200" dirty="0" smtClean="0"/>
-              <a:t>’</a:t>
-            </a:r>
-            <a:endParaRPr lang="en-US" sz="3200" dirty="0"/>
-          </a:p>
-        </p:txBody>
-      </p:sp>
-      <p:sp>
-        <p:nvSpPr>
-          <p:cNvPr id="9" name="TextBox 8"/>
-          <p:cNvSpPr txBox="1"/>
-          <p:nvPr/>
-        </p:nvSpPr>
-        <p:spPr>
-          <a:xfrm>
-            <a:off x="5392239" y="1542288"/>
-            <a:ext cx="1563624" cy="369332"/>
+        </p:spPr>
+      </p:pic>
+      <p:pic>
+        <p:nvPicPr>
+          <p:cNvPr id="4" name="Picture 3"/>
+          <p:cNvPicPr>
+            <a:picLocks noChangeAspect="1"/>
+          </p:cNvPicPr>
+          <p:nvPr/>
+        </p:nvPicPr>
+        <p:blipFill>
+          <a:blip r:embed="rId4">
+            <a:extLst>
+              <a:ext uri="{28A0092B-C50C-407E-A947-70E740481C1C}">
+                <a14:useLocalDpi xmlns:a14="http://schemas.microsoft.com/office/drawing/2010/main" val="0"/>
+              </a:ext>
+            </a:extLst>
+          </a:blip>
+          <a:stretch>
+            <a:fillRect/>
+          </a:stretch>
+        </p:blipFill>
+        <p:spPr>
+          <a:xfrm>
+            <a:off x="3945890" y="0"/>
+            <a:ext cx="3440545" cy="6858000"/>
           </a:xfrm>
           <a:prstGeom prst="rect">
             <a:avLst/>
           </a:prstGeom>
-          <a:noFill/>
-        </p:spPr>
-        <p:txBody>
-          <a:bodyPr wrap="square" rtlCol="0">
-            <a:spAutoFit/>
-          </a:bodyPr>
-          <a:lstStyle/>
-          <a:p>
-            <a:pPr algn="ctr"/>
-            <a:r>
-              <a:rPr lang="en-US" dirty="0" smtClean="0"/>
-              <a:t>“Logo Here”</a:t>
-            </a:r>
-          </a:p>
-        </p:txBody>
-      </p:sp>
-      <p:sp>
-        <p:nvSpPr>
-          <p:cNvPr id="11" name="Rounded Rectangle 10"/>
-          <p:cNvSpPr/>
-          <p:nvPr/>
-        </p:nvSpPr>
-        <p:spPr>
-          <a:xfrm>
-            <a:off x="5040630" y="2928890"/>
-            <a:ext cx="2343150" cy="411480"/>
-          </a:xfrm>
-          <a:prstGeom prst="roundRect">
-            <a:avLst/>
-          </a:prstGeom>
-        </p:spPr>
-        <p:style>
-          <a:lnRef idx="2">
-            <a:schemeClr val="accent1">
-              <a:shade val="50000"/>
-            </a:schemeClr>
-          </a:lnRef>
-          <a:fillRef idx="1">
-            <a:schemeClr val="accent1"/>
-          </a:fillRef>
-          <a:effectRef idx="0">
-            <a:schemeClr val="accent1"/>
-          </a:effectRef>
-          <a:fontRef idx="minor">
-            <a:schemeClr val="lt1"/>
-          </a:fontRef>
-        </p:style>
-        <p:txBody>
-          <a:bodyPr rtlCol="0" anchor="ctr"/>
-          <a:lstStyle/>
-          <a:p>
-            <a:pPr algn="ctr"/>
-            <a:endParaRPr lang="en-US"/>
-          </a:p>
-        </p:txBody>
-      </p:sp>
-      <p:sp>
-        <p:nvSpPr>
-          <p:cNvPr id="13" name="Rounded Rectangle 12"/>
-          <p:cNvSpPr/>
-          <p:nvPr/>
-        </p:nvSpPr>
-        <p:spPr>
-          <a:xfrm>
-            <a:off x="5040630" y="3536156"/>
-            <a:ext cx="2343150" cy="411480"/>
-          </a:xfrm>
-          <a:prstGeom prst="roundRect">
-            <a:avLst/>
-          </a:prstGeom>
-        </p:spPr>
-        <p:style>
-          <a:lnRef idx="2">
-            <a:schemeClr val="accent1">
-              <a:shade val="50000"/>
-            </a:schemeClr>
-          </a:lnRef>
-          <a:fillRef idx="1">
-            <a:schemeClr val="accent1"/>
-          </a:fillRef>
-          <a:effectRef idx="0">
-            <a:schemeClr val="accent1"/>
-          </a:effectRef>
-          <a:fontRef idx="minor">
-            <a:schemeClr val="lt1"/>
-          </a:fontRef>
-        </p:style>
-        <p:txBody>
-          <a:bodyPr rtlCol="0" anchor="ctr"/>
-          <a:lstStyle/>
-          <a:p>
-            <a:pPr algn="ctr"/>
-            <a:endParaRPr lang="en-US"/>
-          </a:p>
-        </p:txBody>
-      </p:sp>
-      <p:sp>
-        <p:nvSpPr>
-          <p:cNvPr id="14" name="Rounded Rectangle 13"/>
-          <p:cNvSpPr/>
-          <p:nvPr/>
-        </p:nvSpPr>
-        <p:spPr>
-          <a:xfrm>
-            <a:off x="4520565" y="5318903"/>
-            <a:ext cx="1445895" cy="556546"/>
-          </a:xfrm>
-          <a:prstGeom prst="roundRect">
-            <a:avLst/>
-          </a:prstGeom>
-        </p:spPr>
-        <p:style>
-          <a:lnRef idx="2">
-            <a:schemeClr val="accent1">
-              <a:shade val="50000"/>
-            </a:schemeClr>
-          </a:lnRef>
-          <a:fillRef idx="1">
-            <a:schemeClr val="accent1"/>
-          </a:fillRef>
-          <a:effectRef idx="0">
-            <a:schemeClr val="accent1"/>
-          </a:effectRef>
-          <a:fontRef idx="minor">
-            <a:schemeClr val="lt1"/>
-          </a:fontRef>
-        </p:style>
-        <p:txBody>
-          <a:bodyPr rtlCol="0" anchor="ctr"/>
-          <a:lstStyle/>
-          <a:p>
-            <a:pPr algn="ctr"/>
-            <a:endParaRPr lang="en-US"/>
-          </a:p>
-        </p:txBody>
-      </p:sp>
-      <p:sp>
-        <p:nvSpPr>
-          <p:cNvPr id="15" name="TextBox 14"/>
-          <p:cNvSpPr txBox="1"/>
-          <p:nvPr/>
-        </p:nvSpPr>
-        <p:spPr>
-          <a:xfrm>
-            <a:off x="5430393" y="4915900"/>
-            <a:ext cx="1563624" cy="369332"/>
+        </p:spPr>
+      </p:pic>
+      <p:pic>
+        <p:nvPicPr>
+          <p:cNvPr id="5" name="Picture 4"/>
+          <p:cNvPicPr>
+            <a:picLocks noChangeAspect="1"/>
+          </p:cNvPicPr>
+          <p:nvPr/>
+        </p:nvPicPr>
+        <p:blipFill>
+          <a:blip r:embed="rId5">
+            <a:extLst>
+              <a:ext uri="{28A0092B-C50C-407E-A947-70E740481C1C}">
+                <a14:useLocalDpi xmlns:a14="http://schemas.microsoft.com/office/drawing/2010/main" val="0"/>
+              </a:ext>
+            </a:extLst>
+          </a:blip>
+          <a:stretch>
+            <a:fillRect/>
+          </a:stretch>
+        </p:blipFill>
+        <p:spPr>
+          <a:xfrm>
+            <a:off x="7552690" y="96520"/>
+            <a:ext cx="3098800" cy="1943100"/>
           </a:xfrm>
           <a:prstGeom prst="rect">
             <a:avLst/>
           </a:prstGeom>
-          <a:noFill/>
-        </p:spPr>
-        <p:txBody>
-          <a:bodyPr wrap="square" rtlCol="0">
-            <a:spAutoFit/>
-          </a:bodyPr>
-          <a:lstStyle/>
-          <a:p>
-            <a:pPr algn="ctr"/>
-            <a:r>
-              <a:rPr lang="en-US" dirty="0" smtClean="0"/>
-              <a:t>Register</a:t>
-            </a:r>
-            <a:endParaRPr lang="en-US" dirty="0"/>
-          </a:p>
-        </p:txBody>
-      </p:sp>
-      <p:sp>
-        <p:nvSpPr>
-          <p:cNvPr id="16" name="TextBox 15"/>
-          <p:cNvSpPr txBox="1"/>
-          <p:nvPr/>
-        </p:nvSpPr>
-        <p:spPr>
-          <a:xfrm>
-            <a:off x="5430393" y="3974270"/>
-            <a:ext cx="1563624" cy="369332"/>
-          </a:xfrm>
-          <a:prstGeom prst="rect">
-            <a:avLst/>
-          </a:prstGeom>
-          <a:noFill/>
-        </p:spPr>
-        <p:txBody>
-          <a:bodyPr wrap="square" rtlCol="0">
-            <a:spAutoFit/>
-          </a:bodyPr>
-          <a:lstStyle/>
-          <a:p>
-            <a:pPr algn="ctr"/>
-            <a:r>
-              <a:rPr lang="en-US" smtClean="0"/>
-              <a:t>Login</a:t>
-            </a:r>
-            <a:endParaRPr lang="en-US" dirty="0"/>
-          </a:p>
-        </p:txBody>
-      </p:sp>
-      <p:sp>
-        <p:nvSpPr>
-          <p:cNvPr id="17" name="TextBox 16"/>
-          <p:cNvSpPr txBox="1"/>
-          <p:nvPr/>
-        </p:nvSpPr>
-        <p:spPr>
-          <a:xfrm>
-            <a:off x="5299656" y="2937367"/>
-            <a:ext cx="1748790" cy="369332"/>
-          </a:xfrm>
-          <a:prstGeom prst="rect">
-            <a:avLst/>
-          </a:prstGeom>
-          <a:noFill/>
-        </p:spPr>
-        <p:txBody>
-          <a:bodyPr wrap="square" rtlCol="0">
-            <a:spAutoFit/>
-          </a:bodyPr>
-          <a:lstStyle/>
-          <a:p>
-            <a:pPr algn="ctr"/>
-            <a:r>
-              <a:rPr lang="en-US" dirty="0" smtClean="0"/>
-              <a:t>Username</a:t>
-            </a:r>
-            <a:endParaRPr lang="en-US" dirty="0"/>
-          </a:p>
-        </p:txBody>
-      </p:sp>
-      <p:sp>
-        <p:nvSpPr>
-          <p:cNvPr id="18" name="TextBox 17"/>
-          <p:cNvSpPr txBox="1"/>
-          <p:nvPr/>
-        </p:nvSpPr>
-        <p:spPr>
-          <a:xfrm>
-            <a:off x="5337810" y="3536156"/>
-            <a:ext cx="1748790" cy="369332"/>
-          </a:xfrm>
-          <a:prstGeom prst="rect">
-            <a:avLst/>
-          </a:prstGeom>
-          <a:noFill/>
-        </p:spPr>
-        <p:txBody>
-          <a:bodyPr wrap="square" rtlCol="0">
-            <a:spAutoFit/>
-          </a:bodyPr>
-          <a:lstStyle/>
-          <a:p>
-            <a:pPr algn="ctr"/>
-            <a:r>
-              <a:rPr lang="en-US" dirty="0" smtClean="0"/>
-              <a:t>Password</a:t>
-            </a:r>
-          </a:p>
-        </p:txBody>
-      </p:sp>
-      <p:sp>
-        <p:nvSpPr>
-          <p:cNvPr id="19" name="TextBox 18"/>
-          <p:cNvSpPr txBox="1"/>
-          <p:nvPr/>
-        </p:nvSpPr>
-        <p:spPr>
-          <a:xfrm>
-            <a:off x="5261502" y="4646587"/>
-            <a:ext cx="1812525" cy="369332"/>
-          </a:xfrm>
-          <a:prstGeom prst="rect">
-            <a:avLst/>
-          </a:prstGeom>
-          <a:noFill/>
-        </p:spPr>
-        <p:txBody>
-          <a:bodyPr wrap="square" rtlCol="0">
-            <a:spAutoFit/>
-          </a:bodyPr>
-          <a:lstStyle/>
-          <a:p>
-            <a:pPr algn="ctr"/>
-            <a:r>
-              <a:rPr lang="en-US" smtClean="0"/>
-              <a:t>Forgot Password</a:t>
-            </a:r>
-            <a:endParaRPr lang="en-US" dirty="0"/>
-          </a:p>
-        </p:txBody>
-      </p:sp>
-      <p:sp>
-        <p:nvSpPr>
-          <p:cNvPr id="20" name="TextBox 19"/>
-          <p:cNvSpPr txBox="1"/>
-          <p:nvPr/>
-        </p:nvSpPr>
-        <p:spPr>
-          <a:xfrm>
-            <a:off x="4355239" y="5403550"/>
-            <a:ext cx="1812525" cy="369332"/>
-          </a:xfrm>
-          <a:prstGeom prst="rect">
-            <a:avLst/>
-          </a:prstGeom>
-          <a:noFill/>
-        </p:spPr>
-        <p:txBody>
-          <a:bodyPr wrap="square" rtlCol="0">
-            <a:spAutoFit/>
-          </a:bodyPr>
-          <a:lstStyle/>
-          <a:p>
-            <a:pPr algn="ctr"/>
-            <a:r>
-              <a:rPr lang="en-US" dirty="0" smtClean="0"/>
-              <a:t>Facebook</a:t>
-            </a:r>
-          </a:p>
-        </p:txBody>
-      </p:sp>
-      <p:sp>
-        <p:nvSpPr>
-          <p:cNvPr id="21" name="Rounded Rectangle 20"/>
-          <p:cNvSpPr/>
-          <p:nvPr/>
-        </p:nvSpPr>
-        <p:spPr>
-          <a:xfrm>
-            <a:off x="6333090" y="5318903"/>
-            <a:ext cx="1445895" cy="556546"/>
-          </a:xfrm>
-          <a:prstGeom prst="roundRect">
-            <a:avLst/>
-          </a:prstGeom>
-        </p:spPr>
-        <p:style>
-          <a:lnRef idx="2">
-            <a:schemeClr val="accent1">
-              <a:shade val="50000"/>
-            </a:schemeClr>
-          </a:lnRef>
-          <a:fillRef idx="1">
-            <a:schemeClr val="accent1"/>
-          </a:fillRef>
-          <a:effectRef idx="0">
-            <a:schemeClr val="accent1"/>
-          </a:effectRef>
-          <a:fontRef idx="minor">
-            <a:schemeClr val="lt1"/>
-          </a:fontRef>
-        </p:style>
-        <p:txBody>
-          <a:bodyPr rtlCol="0" anchor="ctr"/>
-          <a:lstStyle/>
-          <a:p>
-            <a:pPr algn="ctr"/>
-            <a:endParaRPr lang="en-US"/>
-          </a:p>
-        </p:txBody>
-      </p:sp>
-      <p:sp>
-        <p:nvSpPr>
-          <p:cNvPr id="22" name="TextBox 21"/>
-          <p:cNvSpPr txBox="1"/>
-          <p:nvPr/>
-        </p:nvSpPr>
-        <p:spPr>
-          <a:xfrm>
-            <a:off x="6180337" y="5412510"/>
-            <a:ext cx="1812525" cy="369332"/>
-          </a:xfrm>
-          <a:prstGeom prst="rect">
-            <a:avLst/>
-          </a:prstGeom>
-          <a:noFill/>
-        </p:spPr>
-        <p:txBody>
-          <a:bodyPr wrap="square" rtlCol="0">
-            <a:spAutoFit/>
-          </a:bodyPr>
-          <a:lstStyle/>
-          <a:p>
-            <a:pPr algn="ctr"/>
-            <a:r>
-              <a:rPr lang="en-US" dirty="0" smtClean="0"/>
-              <a:t>Google</a:t>
-            </a:r>
-          </a:p>
-        </p:txBody>
-      </p:sp>
-      <p:sp>
-        <p:nvSpPr>
-          <p:cNvPr id="24" name="TextBox 23"/>
-          <p:cNvSpPr txBox="1"/>
-          <p:nvPr/>
-        </p:nvSpPr>
-        <p:spPr>
-          <a:xfrm>
-            <a:off x="331470" y="502920"/>
-            <a:ext cx="2023110" cy="369332"/>
-          </a:xfrm>
-          <a:prstGeom prst="rect">
-            <a:avLst/>
-          </a:prstGeom>
-          <a:noFill/>
-        </p:spPr>
-        <p:txBody>
-          <a:bodyPr wrap="square" rtlCol="0">
-            <a:spAutoFit/>
-          </a:bodyPr>
-          <a:lstStyle/>
-          <a:p>
-            <a:r>
-              <a:rPr lang="en-US" dirty="0" smtClean="0"/>
-              <a:t>Login</a:t>
-            </a:r>
-            <a:endParaRPr lang="en-US" dirty="0"/>
-          </a:p>
-        </p:txBody>
-      </p:sp>
+        </p:spPr>
+      </p:pic>
     </p:spTree>
     <p:extLst>
       <p:ext uri="{BB962C8B-B14F-4D97-AF65-F5344CB8AC3E}">
-        <p14:creationId xmlns:p14="http://schemas.microsoft.com/office/powerpoint/2010/main" val="482659821"/>
+        <p14:creationId xmlns:p14="http://schemas.microsoft.com/office/powerpoint/2010/main" val="1521178765"/>
       </p:ext>
     </p:extLst>
   </p:cSld>
   <p:clrMapOvr>
     <a:masterClrMapping/>
   </p:clrMapOvr>
+  <p:timing>
+    <p:tnLst>
+      <p:par>
+        <p:cTn id="1" dur="indefinite" restart="never" nodeType="tmRoot"/>
+      </p:par>
+    </p:tnLst>
+  </p:timing>
+</p:sld>
+</file>
+
+<file path=ppt/slides/slide10.xml><?xml version="1.0" encoding="utf-8"?>
+<p:sld xmlns:a="http://schemas.openxmlformats.org/drawingml/2006/main" xmlns:r="http://schemas.openxmlformats.org/officeDocument/2006/relationships" xmlns:p="http://schemas.openxmlformats.org/presentationml/2006/main">
+  <p:cSld>
+    <p:spTree>
+      <p:nvGrpSpPr>
+        <p:cNvPr id="1" name=""/>
+        <p:cNvGrpSpPr/>
+        <p:nvPr/>
+      </p:nvGrpSpPr>
+      <p:grpSpPr>
+        <a:xfrm>
+          <a:off x="0" y="0"/>
+          <a:ext cx="0" cy="0"/>
+          <a:chOff x="0" y="0"/>
+          <a:chExt cx="0" cy="0"/>
+        </a:xfrm>
+      </p:grpSpPr>
+    </p:spTree>
+    <p:extLst>
+      <p:ext uri="{BB962C8B-B14F-4D97-AF65-F5344CB8AC3E}">
+        <p14:creationId xmlns:p14="http://schemas.microsoft.com/office/powerpoint/2010/main" val="841040547"/>
+      </p:ext>
+    </p:extLst>
+  </p:cSld>
+  <p:clrMapOvr>
+    <a:masterClrMapping/>
+  </p:clrMapOvr>
+  <p:timing>
+    <p:tnLst>
+      <p:par>
+        <p:cTn id="1" dur="indefinite" restart="never" nodeType="tmRoot"/>
+      </p:par>
+    </p:tnLst>
+  </p:timing>
 </p:sld>
 </file>
 
@@ -4315,23 +4022,50 @@
           <a:chExt cx="0" cy="0"/>
         </a:xfrm>
       </p:grpSpPr>
-      <p:sp>
-        <p:nvSpPr>
-          <p:cNvPr id="4" name="Rounded Rectangle 3"/>
+      <p:pic>
+        <p:nvPicPr>
+          <p:cNvPr id="4" name="Picture 3"/>
+          <p:cNvPicPr>
+            <a:picLocks noChangeAspect="1"/>
+          </p:cNvPicPr>
+          <p:nvPr/>
+        </p:nvPicPr>
+        <p:blipFill>
+          <a:blip r:embed="rId2">
+            <a:extLst>
+              <a:ext uri="{28A0092B-C50C-407E-A947-70E740481C1C}">
+                <a14:useLocalDpi xmlns:a14="http://schemas.microsoft.com/office/drawing/2010/main" val="0"/>
+              </a:ext>
+            </a:extLst>
+          </a:blip>
+          <a:stretch>
+            <a:fillRect/>
+          </a:stretch>
+        </p:blipFill>
+        <p:spPr>
+          <a:xfrm>
+            <a:off x="3945890" y="0"/>
+            <a:ext cx="3440545" cy="6858000"/>
+          </a:xfrm>
+          <a:prstGeom prst="rect">
+            <a:avLst/>
+          </a:prstGeom>
+        </p:spPr>
+      </p:pic>
+      <p:sp>
+        <p:nvSpPr>
+          <p:cNvPr id="7" name="Rectangle 6"/>
           <p:cNvSpPr/>
           <p:nvPr/>
         </p:nvSpPr>
         <p:spPr>
           <a:xfrm>
-            <a:off x="4116651" y="234077"/>
-            <a:ext cx="4114800" cy="6318504"/>
-          </a:xfrm>
-          <a:prstGeom prst="roundRect">
-            <a:avLst/>
-          </a:prstGeom>
-          <a:solidFill>
-            <a:schemeClr val="bg1"/>
-          </a:solidFill>
+            <a:off x="4108436" y="777240"/>
+            <a:ext cx="3108960" cy="4949190"/>
+          </a:xfrm>
+          <a:prstGeom prst="rect">
+            <a:avLst/>
+          </a:prstGeom>
         </p:spPr>
         <p:style>
           <a:lnRef idx="2">
@@ -4339,8 +4073,8 @@
               <a:shade val="50000"/>
             </a:schemeClr>
           </a:lnRef>
-          <a:fillRef idx="1">
-            <a:schemeClr val="accent1"/>
+          <a:fillRef idx="1003">
+            <a:schemeClr val="dk2"/>
           </a:fillRef>
           <a:effectRef idx="0">
             <a:schemeClr val="accent1"/>
@@ -4354,39 +4088,230 @@
           <a:lstStyle/>
           <a:p>
             <a:pPr algn="ctr"/>
-            <a:endParaRPr lang="en-US"/>
-          </a:p>
-        </p:txBody>
-      </p:sp>
-      <p:sp>
-        <p:nvSpPr>
-          <p:cNvPr id="5" name="Rounded Rectangle 4"/>
+            <a:endParaRPr lang="en-US" smtClean="0">
+              <a:solidFill>
+                <a:schemeClr val="bg1">
+                  <a:lumMod val="75000"/>
+                </a:schemeClr>
+              </a:solidFill>
+              <a:effectLst>
+                <a:outerShdw blurRad="50800" dist="177800" dir="4080000" algn="ctr" rotWithShape="0">
+                  <a:srgbClr val="000000">
+                    <a:alpha val="43137"/>
+                  </a:srgbClr>
+                </a:outerShdw>
+              </a:effectLst>
+            </a:endParaRPr>
+          </a:p>
+          <a:p>
+            <a:pPr algn="ctr"/>
+            <a:endParaRPr lang="en-US" dirty="0" smtClean="0">
+              <a:solidFill>
+                <a:schemeClr val="bg1">
+                  <a:lumMod val="75000"/>
+                </a:schemeClr>
+              </a:solidFill>
+              <a:effectLst>
+                <a:outerShdw blurRad="50800" dist="177800" dir="4080000" algn="ctr" rotWithShape="0">
+                  <a:srgbClr val="000000">
+                    <a:alpha val="43137"/>
+                  </a:srgbClr>
+                </a:outerShdw>
+              </a:effectLst>
+            </a:endParaRPr>
+          </a:p>
+          <a:p>
+            <a:pPr algn="ctr"/>
+            <a:endParaRPr lang="en-US" dirty="0" smtClean="0">
+              <a:solidFill>
+                <a:schemeClr val="bg1">
+                  <a:lumMod val="75000"/>
+                </a:schemeClr>
+              </a:solidFill>
+              <a:effectLst>
+                <a:outerShdw blurRad="50800" dist="177800" dir="4080000" algn="ctr" rotWithShape="0">
+                  <a:srgbClr val="000000">
+                    <a:alpha val="43137"/>
+                  </a:srgbClr>
+                </a:outerShdw>
+              </a:effectLst>
+            </a:endParaRPr>
+          </a:p>
+          <a:p>
+            <a:pPr algn="ctr"/>
+            <a:endParaRPr lang="en-US" dirty="0" smtClean="0">
+              <a:solidFill>
+                <a:schemeClr val="bg1">
+                  <a:lumMod val="75000"/>
+                </a:schemeClr>
+              </a:solidFill>
+              <a:effectLst>
+                <a:outerShdw blurRad="50800" dist="177800" dir="4080000" algn="ctr" rotWithShape="0">
+                  <a:srgbClr val="000000">
+                    <a:alpha val="43137"/>
+                  </a:srgbClr>
+                </a:outerShdw>
+              </a:effectLst>
+            </a:endParaRPr>
+          </a:p>
+          <a:p>
+            <a:pPr algn="ctr"/>
+            <a:endParaRPr lang="en-US" dirty="0" smtClean="0">
+              <a:solidFill>
+                <a:schemeClr val="bg1">
+                  <a:lumMod val="75000"/>
+                </a:schemeClr>
+              </a:solidFill>
+              <a:effectLst>
+                <a:outerShdw blurRad="50800" dist="177800" dir="4080000" algn="ctr" rotWithShape="0">
+                  <a:srgbClr val="000000">
+                    <a:alpha val="43137"/>
+                  </a:srgbClr>
+                </a:outerShdw>
+              </a:effectLst>
+            </a:endParaRPr>
+          </a:p>
+          <a:p>
+            <a:pPr algn="ctr"/>
+            <a:endParaRPr lang="en-US" dirty="0" smtClean="0">
+              <a:solidFill>
+                <a:schemeClr val="bg1">
+                  <a:lumMod val="75000"/>
+                </a:schemeClr>
+              </a:solidFill>
+              <a:effectLst>
+                <a:outerShdw blurRad="50800" dist="177800" dir="4080000" algn="ctr" rotWithShape="0">
+                  <a:srgbClr val="000000">
+                    <a:alpha val="43137"/>
+                  </a:srgbClr>
+                </a:outerShdw>
+              </a:effectLst>
+            </a:endParaRPr>
+          </a:p>
+          <a:p>
+            <a:pPr algn="ctr"/>
+            <a:endParaRPr lang="en-US" dirty="0" smtClean="0">
+              <a:solidFill>
+                <a:schemeClr val="bg1">
+                  <a:lumMod val="75000"/>
+                </a:schemeClr>
+              </a:solidFill>
+              <a:effectLst>
+                <a:outerShdw blurRad="50800" dist="177800" dir="4080000" algn="ctr" rotWithShape="0">
+                  <a:srgbClr val="000000">
+                    <a:alpha val="43137"/>
+                  </a:srgbClr>
+                </a:outerShdw>
+              </a:effectLst>
+            </a:endParaRPr>
+          </a:p>
+          <a:p>
+            <a:pPr algn="ctr"/>
+            <a:endParaRPr lang="en-US" dirty="0" smtClean="0">
+              <a:solidFill>
+                <a:schemeClr val="bg1">
+                  <a:lumMod val="75000"/>
+                </a:schemeClr>
+              </a:solidFill>
+              <a:effectLst>
+                <a:outerShdw blurRad="50800" dist="177800" dir="4080000" algn="ctr" rotWithShape="0">
+                  <a:srgbClr val="000000">
+                    <a:alpha val="43137"/>
+                  </a:srgbClr>
+                </a:outerShdw>
+              </a:effectLst>
+            </a:endParaRPr>
+          </a:p>
+          <a:p>
+            <a:pPr algn="ctr"/>
+            <a:endParaRPr lang="en-US" dirty="0" smtClean="0">
+              <a:solidFill>
+                <a:schemeClr val="bg1">
+                  <a:lumMod val="75000"/>
+                </a:schemeClr>
+              </a:solidFill>
+              <a:effectLst>
+                <a:outerShdw blurRad="50800" dist="177800" dir="4080000" algn="ctr" rotWithShape="0">
+                  <a:srgbClr val="000000">
+                    <a:alpha val="43137"/>
+                  </a:srgbClr>
+                </a:outerShdw>
+              </a:effectLst>
+            </a:endParaRPr>
+          </a:p>
+          <a:p>
+            <a:pPr algn="ctr"/>
+            <a:endParaRPr lang="en-US" dirty="0" smtClean="0">
+              <a:solidFill>
+                <a:schemeClr val="bg1">
+                  <a:lumMod val="75000"/>
+                </a:schemeClr>
+              </a:solidFill>
+              <a:effectLst>
+                <a:outerShdw blurRad="50800" dist="177800" dir="4080000" algn="ctr" rotWithShape="0">
+                  <a:srgbClr val="000000">
+                    <a:alpha val="43137"/>
+                  </a:srgbClr>
+                </a:outerShdw>
+              </a:effectLst>
+            </a:endParaRPr>
+          </a:p>
+          <a:p>
+            <a:pPr algn="ctr"/>
+            <a:r>
+              <a:rPr lang="en-US" sz="2400" dirty="0" smtClean="0">
+                <a:solidFill>
+                  <a:schemeClr val="bg1">
+                    <a:lumMod val="75000"/>
+                  </a:schemeClr>
+                </a:solidFill>
+                <a:effectLst>
+                  <a:outerShdw blurRad="50800" dist="177800" dir="4080000" sx="105000" sy="105000" algn="ctr" rotWithShape="0">
+                    <a:srgbClr val="000000">
+                      <a:alpha val="43137"/>
+                    </a:srgbClr>
+                  </a:outerShdw>
+                </a:effectLst>
+              </a:rPr>
+              <a:t>LOGIN</a:t>
+            </a:r>
+          </a:p>
+        </p:txBody>
+      </p:sp>
+      <p:sp>
+        <p:nvSpPr>
+          <p:cNvPr id="8" name="Rounded Rectangle 7"/>
           <p:cNvSpPr/>
           <p:nvPr/>
         </p:nvSpPr>
         <p:spPr>
           <a:xfrm>
-            <a:off x="4979616" y="1931486"/>
-            <a:ext cx="2343150" cy="411480"/>
+            <a:off x="4194810" y="3268980"/>
+            <a:ext cx="2937510" cy="457200"/>
           </a:xfrm>
           <a:prstGeom prst="roundRect">
             <a:avLst/>
           </a:prstGeom>
+          <a:effectLst>
+            <a:outerShdw blurRad="50800" dist="25400" dir="2880000" algn="ctr" rotWithShape="0">
+              <a:srgbClr val="000000">
+                <a:alpha val="43137"/>
+              </a:srgbClr>
+            </a:outerShdw>
+          </a:effectLst>
         </p:spPr>
         <p:style>
-          <a:lnRef idx="2">
-            <a:schemeClr val="accent1">
-              <a:shade val="50000"/>
-            </a:schemeClr>
+          <a:lnRef idx="1">
+            <a:schemeClr val="dk1"/>
           </a:lnRef>
-          <a:fillRef idx="1">
-            <a:schemeClr val="accent1"/>
+          <a:fillRef idx="1003">
+            <a:schemeClr val="lt2"/>
           </a:fillRef>
-          <a:effectRef idx="0">
-            <a:schemeClr val="accent1"/>
+          <a:effectRef idx="1">
+            <a:schemeClr val="dk1"/>
           </a:effectRef>
           <a:fontRef idx="minor">
-            <a:schemeClr val="lt1"/>
+            <a:schemeClr val="dk1"/>
           </a:fontRef>
         </p:style>
         <p:txBody>
@@ -4394,39 +4319,91 @@
           <a:lstStyle/>
           <a:p>
             <a:pPr algn="ctr"/>
-            <a:endParaRPr lang="en-US"/>
-          </a:p>
-        </p:txBody>
-      </p:sp>
-      <p:sp>
-        <p:nvSpPr>
-          <p:cNvPr id="6" name="Rounded Rectangle 5"/>
+            <a:r>
+              <a:rPr lang="en-US" dirty="0" smtClean="0"/>
+              <a:t>Username Text</a:t>
+            </a:r>
+            <a:endParaRPr lang="en-US" dirty="0"/>
+          </a:p>
+        </p:txBody>
+      </p:sp>
+      <p:pic>
+        <p:nvPicPr>
+          <p:cNvPr id="10" name="Picture 9"/>
+          <p:cNvPicPr>
+            <a:picLocks noChangeAspect="1"/>
+          </p:cNvPicPr>
+          <p:nvPr/>
+        </p:nvPicPr>
+        <p:blipFill>
+          <a:blip r:embed="rId3">
+            <a:extLst>
+              <a:ext uri="{28A0092B-C50C-407E-A947-70E740481C1C}">
+                <a14:useLocalDpi xmlns:a14="http://schemas.microsoft.com/office/drawing/2010/main" val="0"/>
+              </a:ext>
+            </a:extLst>
+          </a:blip>
+          <a:stretch>
+            <a:fillRect/>
+          </a:stretch>
+        </p:blipFill>
+        <p:spPr>
+          <a:xfrm>
+            <a:off x="4637578" y="1380173"/>
+            <a:ext cx="2050676" cy="1285875"/>
+          </a:xfrm>
+          <a:prstGeom prst="rect">
+            <a:avLst/>
+          </a:prstGeom>
+          <a:effectLst>
+            <a:glow rad="101600">
+              <a:schemeClr val="accent3">
+                <a:satMod val="175000"/>
+                <a:alpha val="40000"/>
+              </a:schemeClr>
+            </a:glow>
+            <a:outerShdw blurRad="50800" dist="88900" dir="2760000" algn="ctr" rotWithShape="0">
+              <a:srgbClr val="000000">
+                <a:alpha val="43137"/>
+              </a:srgbClr>
+            </a:outerShdw>
+          </a:effectLst>
+        </p:spPr>
+      </p:pic>
+      <p:sp>
+        <p:nvSpPr>
+          <p:cNvPr id="13" name="Rounded Rectangle 12"/>
           <p:cNvSpPr/>
           <p:nvPr/>
         </p:nvSpPr>
         <p:spPr>
           <a:xfrm>
-            <a:off x="4979616" y="2505242"/>
-            <a:ext cx="2343150" cy="411480"/>
+            <a:off x="4194810" y="3834765"/>
+            <a:ext cx="2937510" cy="457200"/>
           </a:xfrm>
           <a:prstGeom prst="roundRect">
             <a:avLst/>
           </a:prstGeom>
+          <a:effectLst>
+            <a:outerShdw blurRad="50800" dist="25400" dir="2880000" algn="ctr" rotWithShape="0">
+              <a:srgbClr val="000000">
+                <a:alpha val="43137"/>
+              </a:srgbClr>
+            </a:outerShdw>
+          </a:effectLst>
         </p:spPr>
         <p:style>
-          <a:lnRef idx="2">
-            <a:schemeClr val="accent1">
-              <a:shade val="50000"/>
-            </a:schemeClr>
+          <a:lnRef idx="1">
+            <a:schemeClr val="dk1"/>
           </a:lnRef>
-          <a:fillRef idx="1">
-            <a:schemeClr val="accent1"/>
+          <a:fillRef idx="1003">
+            <a:schemeClr val="lt2"/>
           </a:fillRef>
-          <a:effectRef idx="0">
-            <a:schemeClr val="accent1"/>
+          <a:effectRef idx="1">
+            <a:schemeClr val="dk1"/>
           </a:effectRef>
           <a:fontRef idx="minor">
-            <a:schemeClr val="lt1"/>
+            <a:schemeClr val="dk1"/>
           </a:fontRef>
         </p:style>
         <p:txBody>
@@ -4434,39 +4411,152 @@
           <a:lstStyle/>
           <a:p>
             <a:pPr algn="ctr"/>
-            <a:endParaRPr lang="en-US"/>
-          </a:p>
-        </p:txBody>
-      </p:sp>
-      <p:sp>
-        <p:nvSpPr>
-          <p:cNvPr id="7" name="Rounded Rectangle 6"/>
+            <a:r>
+              <a:rPr lang="en-US" dirty="0" smtClean="0"/>
+              <a:t>Password Text</a:t>
+            </a:r>
+          </a:p>
+        </p:txBody>
+      </p:sp>
+      <p:sp>
+        <p:nvSpPr>
+          <p:cNvPr id="14" name="Rectangle 13"/>
           <p:cNvSpPr/>
           <p:nvPr/>
         </p:nvSpPr>
         <p:spPr>
           <a:xfrm>
-            <a:off x="4981031" y="3063551"/>
-            <a:ext cx="2343150" cy="411480"/>
+            <a:off x="4194810" y="5357098"/>
+            <a:ext cx="940515" cy="369332"/>
+          </a:xfrm>
+          <a:prstGeom prst="rect">
+            <a:avLst/>
+          </a:prstGeom>
+        </p:spPr>
+        <p:txBody>
+          <a:bodyPr wrap="none">
+            <a:spAutoFit/>
+          </a:bodyPr>
+          <a:lstStyle/>
+          <a:p>
+            <a:pPr algn="ctr"/>
+            <a:r>
+              <a:rPr lang="en-US" dirty="0" smtClean="0">
+                <a:solidFill>
+                  <a:schemeClr val="bg1">
+                    <a:lumMod val="75000"/>
+                  </a:schemeClr>
+                </a:solidFill>
+                <a:effectLst>
+                  <a:outerShdw blurRad="50800" dist="177800" dir="4080000" sx="105000" sy="105000" algn="ctr" rotWithShape="0">
+                    <a:srgbClr val="000000">
+                      <a:alpha val="43137"/>
+                    </a:srgbClr>
+                  </a:outerShdw>
+                </a:effectLst>
+              </a:rPr>
+              <a:t>Register</a:t>
+            </a:r>
+            <a:endParaRPr lang="en-US" dirty="0" smtClean="0">
+              <a:solidFill>
+                <a:schemeClr val="bg1">
+                  <a:lumMod val="75000"/>
+                </a:schemeClr>
+              </a:solidFill>
+              <a:effectLst>
+                <a:outerShdw blurRad="50800" dist="177800" dir="4080000" sx="105000" sy="105000" algn="ctr" rotWithShape="0">
+                  <a:srgbClr val="000000">
+                    <a:alpha val="43137"/>
+                  </a:srgbClr>
+                </a:outerShdw>
+              </a:effectLst>
+            </a:endParaRPr>
+          </a:p>
+        </p:txBody>
+      </p:sp>
+      <p:sp>
+        <p:nvSpPr>
+          <p:cNvPr id="15" name="Rectangle 14"/>
+          <p:cNvSpPr/>
+          <p:nvPr/>
+        </p:nvSpPr>
+        <p:spPr>
+          <a:xfrm>
+            <a:off x="5850061" y="5357098"/>
+            <a:ext cx="1367335" cy="369332"/>
+          </a:xfrm>
+          <a:prstGeom prst="rect">
+            <a:avLst/>
+          </a:prstGeom>
+        </p:spPr>
+        <p:txBody>
+          <a:bodyPr wrap="square">
+            <a:spAutoFit/>
+          </a:bodyPr>
+          <a:lstStyle/>
+          <a:p>
+            <a:pPr algn="ctr"/>
+            <a:r>
+              <a:rPr lang="en-US" smtClean="0">
+                <a:solidFill>
+                  <a:schemeClr val="bg1">
+                    <a:lumMod val="75000"/>
+                  </a:schemeClr>
+                </a:solidFill>
+                <a:effectLst>
+                  <a:outerShdw blurRad="50800" dist="177800" dir="4080000" sx="105000" sy="105000" algn="ctr" rotWithShape="0">
+                    <a:srgbClr val="000000">
+                      <a:alpha val="43137"/>
+                    </a:srgbClr>
+                  </a:outerShdw>
+                </a:effectLst>
+              </a:rPr>
+              <a:t>Forgot Stuff</a:t>
+            </a:r>
+            <a:endParaRPr lang="en-US" dirty="0" smtClean="0">
+              <a:solidFill>
+                <a:schemeClr val="bg1">
+                  <a:lumMod val="75000"/>
+                </a:schemeClr>
+              </a:solidFill>
+              <a:effectLst>
+                <a:outerShdw blurRad="50800" dist="177800" dir="4080000" sx="105000" sy="105000" algn="ctr" rotWithShape="0">
+                  <a:srgbClr val="000000">
+                    <a:alpha val="43137"/>
+                  </a:srgbClr>
+                </a:outerShdw>
+              </a:effectLst>
+            </a:endParaRPr>
+          </a:p>
+        </p:txBody>
+      </p:sp>
+      <p:sp>
+        <p:nvSpPr>
+          <p:cNvPr id="16" name="Rounded Rectangle 15"/>
+          <p:cNvSpPr/>
+          <p:nvPr/>
+        </p:nvSpPr>
+        <p:spPr>
+          <a:xfrm>
+            <a:off x="5076176" y="4840605"/>
+            <a:ext cx="1173480" cy="457200"/>
           </a:xfrm>
           <a:prstGeom prst="roundRect">
             <a:avLst/>
           </a:prstGeom>
         </p:spPr>
         <p:style>
-          <a:lnRef idx="2">
-            <a:schemeClr val="accent1">
-              <a:shade val="50000"/>
-            </a:schemeClr>
+          <a:lnRef idx="1">
+            <a:schemeClr val="accent5"/>
           </a:lnRef>
-          <a:fillRef idx="1">
-            <a:schemeClr val="accent1"/>
+          <a:fillRef idx="2">
+            <a:schemeClr val="accent5"/>
           </a:fillRef>
-          <a:effectRef idx="0">
-            <a:schemeClr val="accent1"/>
+          <a:effectRef idx="1">
+            <a:schemeClr val="accent5"/>
           </a:effectRef>
           <a:fontRef idx="minor">
-            <a:schemeClr val="lt1"/>
+            <a:schemeClr val="dk1"/>
           </a:fontRef>
         </p:style>
         <p:txBody>
@@ -4474,528 +4564,31 @@
           <a:lstStyle/>
           <a:p>
             <a:pPr algn="ctr"/>
-            <a:endParaRPr lang="en-US"/>
-          </a:p>
-        </p:txBody>
-      </p:sp>
-      <p:sp>
-        <p:nvSpPr>
-          <p:cNvPr id="8" name="Rounded Rectangle 7"/>
-          <p:cNvSpPr/>
-          <p:nvPr/>
-        </p:nvSpPr>
-        <p:spPr>
-          <a:xfrm>
-            <a:off x="5017770" y="3665185"/>
-            <a:ext cx="2343150" cy="411480"/>
-          </a:xfrm>
-          <a:prstGeom prst="roundRect">
-            <a:avLst/>
-          </a:prstGeom>
-        </p:spPr>
-        <p:style>
-          <a:lnRef idx="2">
-            <a:schemeClr val="accent1">
-              <a:shade val="50000"/>
-            </a:schemeClr>
-          </a:lnRef>
-          <a:fillRef idx="1">
-            <a:schemeClr val="accent1"/>
-          </a:fillRef>
-          <a:effectRef idx="0">
-            <a:schemeClr val="accent1"/>
-          </a:effectRef>
-          <a:fontRef idx="minor">
-            <a:schemeClr val="lt1"/>
-          </a:fontRef>
-        </p:style>
-        <p:txBody>
-          <a:bodyPr rtlCol="0" anchor="ctr"/>
-          <a:lstStyle/>
-          <a:p>
-            <a:pPr algn="ctr"/>
-            <a:endParaRPr lang="en-US"/>
-          </a:p>
-        </p:txBody>
-      </p:sp>
-      <p:sp>
-        <p:nvSpPr>
-          <p:cNvPr id="9" name="TextBox 8"/>
-          <p:cNvSpPr txBox="1"/>
-          <p:nvPr/>
-        </p:nvSpPr>
-        <p:spPr>
-          <a:xfrm>
-            <a:off x="5276796" y="1952560"/>
-            <a:ext cx="1748790" cy="369332"/>
-          </a:xfrm>
-          <a:prstGeom prst="rect">
-            <a:avLst/>
-          </a:prstGeom>
-          <a:noFill/>
-        </p:spPr>
-        <p:txBody>
-          <a:bodyPr wrap="square" rtlCol="0">
-            <a:spAutoFit/>
-          </a:bodyPr>
-          <a:lstStyle/>
-          <a:p>
-            <a:pPr algn="ctr"/>
-            <a:r>
-              <a:rPr lang="en-US" dirty="0" smtClean="0"/>
-              <a:t>Name</a:t>
-            </a:r>
-            <a:endParaRPr lang="en-US" dirty="0"/>
-          </a:p>
-        </p:txBody>
-      </p:sp>
-      <p:sp>
-        <p:nvSpPr>
-          <p:cNvPr id="10" name="TextBox 9"/>
-          <p:cNvSpPr txBox="1"/>
-          <p:nvPr/>
-        </p:nvSpPr>
-        <p:spPr>
-          <a:xfrm>
-            <a:off x="5166360" y="3686259"/>
-            <a:ext cx="2045970" cy="369332"/>
-          </a:xfrm>
-          <a:prstGeom prst="rect">
-            <a:avLst/>
-          </a:prstGeom>
-          <a:noFill/>
-        </p:spPr>
-        <p:txBody>
-          <a:bodyPr wrap="square" rtlCol="0">
-            <a:spAutoFit/>
-          </a:bodyPr>
-          <a:lstStyle/>
-          <a:p>
-            <a:pPr algn="ctr"/>
-            <a:r>
-              <a:rPr lang="en-US" dirty="0" smtClean="0"/>
-              <a:t>Confirm Password</a:t>
-            </a:r>
-            <a:endParaRPr lang="en-US" dirty="0"/>
-          </a:p>
-        </p:txBody>
-      </p:sp>
-      <p:sp>
-        <p:nvSpPr>
-          <p:cNvPr id="11" name="TextBox 10"/>
-          <p:cNvSpPr txBox="1"/>
-          <p:nvPr/>
-        </p:nvSpPr>
-        <p:spPr>
-          <a:xfrm>
-            <a:off x="5278211" y="3042608"/>
-            <a:ext cx="1748790" cy="369332"/>
-          </a:xfrm>
-          <a:prstGeom prst="rect">
-            <a:avLst/>
-          </a:prstGeom>
-          <a:noFill/>
-        </p:spPr>
-        <p:txBody>
-          <a:bodyPr wrap="square" rtlCol="0">
-            <a:spAutoFit/>
-          </a:bodyPr>
-          <a:lstStyle/>
-          <a:p>
-            <a:pPr algn="ctr"/>
-            <a:r>
-              <a:rPr lang="en-US" dirty="0" smtClean="0"/>
-              <a:t>Password</a:t>
-            </a:r>
-            <a:endParaRPr lang="en-US" dirty="0"/>
-          </a:p>
-        </p:txBody>
-      </p:sp>
-      <p:sp>
-        <p:nvSpPr>
-          <p:cNvPr id="12" name="TextBox 11"/>
-          <p:cNvSpPr txBox="1"/>
-          <p:nvPr/>
-        </p:nvSpPr>
-        <p:spPr>
-          <a:xfrm>
-            <a:off x="5276796" y="2526316"/>
-            <a:ext cx="1748790" cy="369332"/>
-          </a:xfrm>
-          <a:prstGeom prst="rect">
-            <a:avLst/>
-          </a:prstGeom>
-          <a:noFill/>
-        </p:spPr>
-        <p:txBody>
-          <a:bodyPr wrap="square" rtlCol="0">
-            <a:spAutoFit/>
-          </a:bodyPr>
-          <a:lstStyle/>
-          <a:p>
-            <a:pPr algn="ctr"/>
-            <a:r>
-              <a:rPr lang="en-US" dirty="0" smtClean="0"/>
-              <a:t>Username</a:t>
-            </a:r>
-            <a:endParaRPr lang="en-US" dirty="0"/>
-          </a:p>
-        </p:txBody>
-      </p:sp>
-      <p:sp>
-        <p:nvSpPr>
-          <p:cNvPr id="16" name="Rounded Rectangle 15"/>
-          <p:cNvSpPr/>
-          <p:nvPr/>
-        </p:nvSpPr>
-        <p:spPr>
-          <a:xfrm>
-            <a:off x="5017770" y="4261187"/>
-            <a:ext cx="2343150" cy="411480"/>
-          </a:xfrm>
-          <a:prstGeom prst="roundRect">
-            <a:avLst/>
-          </a:prstGeom>
-        </p:spPr>
-        <p:style>
-          <a:lnRef idx="2">
-            <a:schemeClr val="accent1">
-              <a:shade val="50000"/>
-            </a:schemeClr>
-          </a:lnRef>
-          <a:fillRef idx="1">
-            <a:schemeClr val="accent1"/>
-          </a:fillRef>
-          <a:effectRef idx="0">
-            <a:schemeClr val="accent1"/>
-          </a:effectRef>
-          <a:fontRef idx="minor">
-            <a:schemeClr val="lt1"/>
-          </a:fontRef>
-        </p:style>
-        <p:txBody>
-          <a:bodyPr rtlCol="0" anchor="ctr"/>
-          <a:lstStyle/>
-          <a:p>
-            <a:pPr algn="ctr"/>
-            <a:endParaRPr lang="en-US"/>
-          </a:p>
-        </p:txBody>
-      </p:sp>
-      <p:sp>
-        <p:nvSpPr>
-          <p:cNvPr id="17" name="TextBox 16"/>
-          <p:cNvSpPr txBox="1"/>
-          <p:nvPr/>
-        </p:nvSpPr>
-        <p:spPr>
-          <a:xfrm>
-            <a:off x="5166360" y="4282261"/>
-            <a:ext cx="2045970" cy="369332"/>
-          </a:xfrm>
-          <a:prstGeom prst="rect">
-            <a:avLst/>
-          </a:prstGeom>
-          <a:noFill/>
-        </p:spPr>
-        <p:txBody>
-          <a:bodyPr wrap="square" rtlCol="0">
-            <a:spAutoFit/>
-          </a:bodyPr>
-          <a:lstStyle/>
-          <a:p>
-            <a:pPr algn="ctr"/>
-            <a:r>
-              <a:rPr lang="en-US" dirty="0" smtClean="0"/>
-              <a:t>Email</a:t>
-            </a:r>
-            <a:endParaRPr lang="en-US" dirty="0"/>
-          </a:p>
-        </p:txBody>
-      </p:sp>
-      <p:sp>
-        <p:nvSpPr>
-          <p:cNvPr id="18" name="Rounded Rectangle 17"/>
-          <p:cNvSpPr/>
-          <p:nvPr/>
-        </p:nvSpPr>
-        <p:spPr>
-          <a:xfrm>
-            <a:off x="5017770" y="4879302"/>
-            <a:ext cx="2343150" cy="411480"/>
-          </a:xfrm>
-          <a:prstGeom prst="roundRect">
-            <a:avLst/>
-          </a:prstGeom>
-        </p:spPr>
-        <p:style>
-          <a:lnRef idx="2">
-            <a:schemeClr val="accent1">
-              <a:shade val="50000"/>
-            </a:schemeClr>
-          </a:lnRef>
-          <a:fillRef idx="1">
-            <a:schemeClr val="accent1"/>
-          </a:fillRef>
-          <a:effectRef idx="0">
-            <a:schemeClr val="accent1"/>
-          </a:effectRef>
-          <a:fontRef idx="minor">
-            <a:schemeClr val="lt1"/>
-          </a:fontRef>
-        </p:style>
-        <p:txBody>
-          <a:bodyPr rtlCol="0" anchor="ctr"/>
-          <a:lstStyle/>
-          <a:p>
-            <a:pPr algn="ctr"/>
-            <a:endParaRPr lang="en-US"/>
-          </a:p>
-        </p:txBody>
-      </p:sp>
-      <p:sp>
-        <p:nvSpPr>
-          <p:cNvPr id="19" name="TextBox 18"/>
-          <p:cNvSpPr txBox="1"/>
-          <p:nvPr/>
-        </p:nvSpPr>
-        <p:spPr>
-          <a:xfrm>
-            <a:off x="5166360" y="4900376"/>
-            <a:ext cx="2045970" cy="369332"/>
-          </a:xfrm>
-          <a:prstGeom prst="rect">
-            <a:avLst/>
-          </a:prstGeom>
-          <a:noFill/>
-        </p:spPr>
-        <p:txBody>
-          <a:bodyPr wrap="square" rtlCol="0">
-            <a:spAutoFit/>
-          </a:bodyPr>
-          <a:lstStyle/>
-          <a:p>
-            <a:pPr algn="ctr"/>
-            <a:r>
-              <a:rPr lang="en-US" dirty="0" smtClean="0"/>
-              <a:t>Phone Number</a:t>
-            </a:r>
-            <a:endParaRPr lang="en-US" dirty="0"/>
-          </a:p>
-        </p:txBody>
-      </p:sp>
-      <p:sp>
-        <p:nvSpPr>
-          <p:cNvPr id="20" name="Rounded Rectangle 19"/>
-          <p:cNvSpPr/>
-          <p:nvPr/>
-        </p:nvSpPr>
-        <p:spPr>
-          <a:xfrm>
-            <a:off x="5040630" y="5790117"/>
-            <a:ext cx="1036320" cy="411480"/>
-          </a:xfrm>
-          <a:prstGeom prst="roundRect">
-            <a:avLst/>
-          </a:prstGeom>
-        </p:spPr>
-        <p:style>
-          <a:lnRef idx="2">
-            <a:schemeClr val="accent1">
-              <a:shade val="50000"/>
-            </a:schemeClr>
-          </a:lnRef>
-          <a:fillRef idx="1">
-            <a:schemeClr val="accent1"/>
-          </a:fillRef>
-          <a:effectRef idx="0">
-            <a:schemeClr val="accent1"/>
-          </a:effectRef>
-          <a:fontRef idx="minor">
-            <a:schemeClr val="lt1"/>
-          </a:fontRef>
-        </p:style>
-        <p:txBody>
-          <a:bodyPr rtlCol="0" anchor="ctr"/>
-          <a:lstStyle/>
-          <a:p>
-            <a:pPr algn="ctr"/>
-            <a:endParaRPr lang="en-US"/>
-          </a:p>
-        </p:txBody>
-      </p:sp>
-      <p:sp>
-        <p:nvSpPr>
-          <p:cNvPr id="21" name="Rounded Rectangle 20"/>
-          <p:cNvSpPr/>
-          <p:nvPr/>
-        </p:nvSpPr>
-        <p:spPr>
-          <a:xfrm>
-            <a:off x="6347460" y="5790117"/>
-            <a:ext cx="1036320" cy="411480"/>
-          </a:xfrm>
-          <a:prstGeom prst="roundRect">
-            <a:avLst/>
-          </a:prstGeom>
-        </p:spPr>
-        <p:style>
-          <a:lnRef idx="2">
-            <a:schemeClr val="accent1">
-              <a:shade val="50000"/>
-            </a:schemeClr>
-          </a:lnRef>
-          <a:fillRef idx="1">
-            <a:schemeClr val="accent1"/>
-          </a:fillRef>
-          <a:effectRef idx="0">
-            <a:schemeClr val="accent1"/>
-          </a:effectRef>
-          <a:fontRef idx="minor">
-            <a:schemeClr val="lt1"/>
-          </a:fontRef>
-        </p:style>
-        <p:txBody>
-          <a:bodyPr rtlCol="0" anchor="ctr"/>
-          <a:lstStyle/>
-          <a:p>
-            <a:pPr algn="ctr"/>
-            <a:endParaRPr lang="en-US"/>
-          </a:p>
-        </p:txBody>
-      </p:sp>
-      <p:sp>
-        <p:nvSpPr>
-          <p:cNvPr id="22" name="TextBox 21"/>
-          <p:cNvSpPr txBox="1"/>
-          <p:nvPr/>
-        </p:nvSpPr>
-        <p:spPr>
-          <a:xfrm>
-            <a:off x="5144915" y="5790117"/>
-            <a:ext cx="827750" cy="369332"/>
-          </a:xfrm>
-          <a:prstGeom prst="rect">
-            <a:avLst/>
-          </a:prstGeom>
-          <a:noFill/>
-        </p:spPr>
-        <p:txBody>
-          <a:bodyPr wrap="square" rtlCol="0">
-            <a:spAutoFit/>
-          </a:bodyPr>
-          <a:lstStyle/>
-          <a:p>
-            <a:pPr algn="ctr"/>
-            <a:r>
-              <a:rPr lang="en-US" smtClean="0"/>
-              <a:t>Create</a:t>
-            </a:r>
-            <a:endParaRPr lang="en-US" dirty="0"/>
-          </a:p>
-        </p:txBody>
-      </p:sp>
-      <p:sp>
-        <p:nvSpPr>
-          <p:cNvPr id="23" name="TextBox 22"/>
-          <p:cNvSpPr txBox="1"/>
-          <p:nvPr/>
-        </p:nvSpPr>
-        <p:spPr>
-          <a:xfrm>
-            <a:off x="6451745" y="5815942"/>
-            <a:ext cx="827750" cy="369332"/>
-          </a:xfrm>
-          <a:prstGeom prst="rect">
-            <a:avLst/>
-          </a:prstGeom>
-          <a:noFill/>
-        </p:spPr>
-        <p:txBody>
-          <a:bodyPr wrap="square" rtlCol="0">
-            <a:spAutoFit/>
-          </a:bodyPr>
-          <a:lstStyle/>
-          <a:p>
-            <a:pPr algn="ctr"/>
-            <a:r>
-              <a:rPr lang="en-US" dirty="0" smtClean="0"/>
-              <a:t>Cancel</a:t>
-            </a:r>
-          </a:p>
-        </p:txBody>
-      </p:sp>
-      <p:sp>
-        <p:nvSpPr>
-          <p:cNvPr id="24" name="TextBox 23"/>
-          <p:cNvSpPr txBox="1"/>
-          <p:nvPr/>
-        </p:nvSpPr>
-        <p:spPr>
-          <a:xfrm>
-            <a:off x="331470" y="502920"/>
-            <a:ext cx="2023110" cy="369332"/>
-          </a:xfrm>
-          <a:prstGeom prst="rect">
-            <a:avLst/>
-          </a:prstGeom>
-          <a:noFill/>
-        </p:spPr>
-        <p:txBody>
-          <a:bodyPr wrap="square" rtlCol="0">
-            <a:spAutoFit/>
-          </a:bodyPr>
-          <a:lstStyle/>
-          <a:p>
-            <a:r>
-              <a:rPr lang="en-US" dirty="0" smtClean="0"/>
-              <a:t>Create Account</a:t>
-            </a:r>
-            <a:endParaRPr lang="en-US" dirty="0"/>
-          </a:p>
-        </p:txBody>
-      </p:sp>
-      <p:sp>
-        <p:nvSpPr>
-          <p:cNvPr id="25" name="TextBox 24"/>
-          <p:cNvSpPr txBox="1"/>
-          <p:nvPr/>
-        </p:nvSpPr>
-        <p:spPr>
-          <a:xfrm>
-            <a:off x="599287" y="1722644"/>
-            <a:ext cx="2023110" cy="1077218"/>
-          </a:xfrm>
-          <a:prstGeom prst="rect">
-            <a:avLst/>
-          </a:prstGeom>
-          <a:noFill/>
-        </p:spPr>
-        <p:txBody>
-          <a:bodyPr wrap="square" rtlCol="0">
-            <a:spAutoFit/>
-          </a:bodyPr>
-          <a:lstStyle/>
-          <a:p>
-            <a:pPr algn="ctr"/>
-            <a:r>
-              <a:rPr lang="en-US" sz="3200" smtClean="0"/>
-              <a:t>Create Account</a:t>
-            </a:r>
-            <a:endParaRPr lang="en-US" sz="3200" dirty="0"/>
+            <a:r>
+              <a:rPr lang="en-US" smtClean="0"/>
+              <a:t>Facebook</a:t>
+            </a:r>
+            <a:endParaRPr lang="en-US" dirty="0" smtClean="0"/>
           </a:p>
         </p:txBody>
       </p:sp>
     </p:spTree>
     <p:extLst>
       <p:ext uri="{BB962C8B-B14F-4D97-AF65-F5344CB8AC3E}">
-        <p14:creationId xmlns:p14="http://schemas.microsoft.com/office/powerpoint/2010/main" val="1632788802"/>
+        <p14:creationId xmlns:p14="http://schemas.microsoft.com/office/powerpoint/2010/main" val="539706509"/>
       </p:ext>
     </p:extLst>
   </p:cSld>
   <p:clrMapOvr>
     <a:masterClrMapping/>
   </p:clrMapOvr>
+  <p:timing>
+    <p:tnLst>
+      <p:par>
+        <p:cTn id="1" dur="indefinite" restart="never" nodeType="tmRoot"/>
+      </p:par>
+    </p:tnLst>
+  </p:timing>
 </p:sld>
 </file>
 
@@ -5018,13 +4611,13 @@
       </p:grpSpPr>
       <p:sp>
         <p:nvSpPr>
-          <p:cNvPr id="4" name="Rounded Rectangle 3"/>
+          <p:cNvPr id="5" name="Rounded Rectangle 4"/>
           <p:cNvSpPr/>
           <p:nvPr/>
         </p:nvSpPr>
         <p:spPr>
           <a:xfrm>
-            <a:off x="4116651" y="244602"/>
+            <a:off x="4116651" y="210312"/>
             <a:ext cx="4114800" cy="6318504"/>
           </a:xfrm>
           <a:prstGeom prst="roundRect">
@@ -5055,20 +4648,20 @@
           <a:lstStyle/>
           <a:p>
             <a:pPr algn="ctr"/>
-            <a:endParaRPr lang="en-US" dirty="0"/>
-          </a:p>
-        </p:txBody>
-      </p:sp>
-      <p:sp>
-        <p:nvSpPr>
-          <p:cNvPr id="5" name="TextBox 4"/>
+            <a:endParaRPr lang="en-US"/>
+          </a:p>
+        </p:txBody>
+      </p:sp>
+      <p:sp>
+        <p:nvSpPr>
+          <p:cNvPr id="6" name="TextBox 5"/>
           <p:cNvSpPr txBox="1"/>
           <p:nvPr/>
         </p:nvSpPr>
         <p:spPr>
           <a:xfrm>
-            <a:off x="331470" y="502920"/>
-            <a:ext cx="2023110" cy="369332"/>
+            <a:off x="4520565" y="762250"/>
+            <a:ext cx="3383280" cy="584775"/>
           </a:xfrm>
           <a:prstGeom prst="rect">
             <a:avLst/>
@@ -5081,22 +4674,62 @@
           </a:bodyPr>
           <a:lstStyle/>
           <a:p>
+            <a:pPr algn="ctr"/>
+            <a:r>
+              <a:rPr lang="en-US" sz="3200" dirty="0" smtClean="0"/>
+              <a:t>Who’s </a:t>
+            </a:r>
+            <a:r>
+              <a:rPr lang="en-US" sz="3200" dirty="0" err="1" smtClean="0"/>
+              <a:t>Playin</a:t>
+            </a:r>
+            <a:r>
+              <a:rPr lang="en-US" sz="3200" dirty="0" smtClean="0"/>
+              <a:t>’</a:t>
+            </a:r>
+            <a:endParaRPr lang="en-US" sz="3200" dirty="0"/>
+          </a:p>
+        </p:txBody>
+      </p:sp>
+      <p:sp>
+        <p:nvSpPr>
+          <p:cNvPr id="9" name="TextBox 8"/>
+          <p:cNvSpPr txBox="1"/>
+          <p:nvPr/>
+        </p:nvSpPr>
+        <p:spPr>
+          <a:xfrm>
+            <a:off x="5392239" y="1542288"/>
+            <a:ext cx="1563624" cy="369332"/>
+          </a:xfrm>
+          <a:prstGeom prst="rect">
+            <a:avLst/>
+          </a:prstGeom>
+          <a:noFill/>
+        </p:spPr>
+        <p:txBody>
+          <a:bodyPr wrap="square" rtlCol="0">
+            <a:spAutoFit/>
+          </a:bodyPr>
+          <a:lstStyle/>
+          <a:p>
+            <a:pPr algn="ctr"/>
             <a:r>
               <a:rPr lang="en-US" dirty="0" smtClean="0"/>
-              <a:t>Forgot Password</a:t>
-            </a:r>
-          </a:p>
-        </p:txBody>
-      </p:sp>
-      <p:sp>
-        <p:nvSpPr>
-          <p:cNvPr id="6" name="Rounded Rectangle 5"/>
+              <a:t>“Logo Here”</a:t>
+            </a:r>
+          </a:p>
+        </p:txBody>
+      </p:sp>
+      <p:sp>
+        <p:nvSpPr>
+          <p:cNvPr id="11" name="Rounded Rectangle 10"/>
           <p:cNvSpPr/>
           <p:nvPr/>
         </p:nvSpPr>
         <p:spPr>
           <a:xfrm>
-            <a:off x="5002476" y="3820430"/>
+            <a:off x="5040630" y="2928890"/>
             <a:ext cx="2343150" cy="411480"/>
           </a:xfrm>
           <a:prstGeom prst="roundRect">
@@ -5130,14 +4763,94 @@
       </p:sp>
       <p:sp>
         <p:nvSpPr>
-          <p:cNvPr id="11" name="TextBox 10"/>
+          <p:cNvPr id="13" name="Rounded Rectangle 12"/>
+          <p:cNvSpPr/>
+          <p:nvPr/>
+        </p:nvSpPr>
+        <p:spPr>
+          <a:xfrm>
+            <a:off x="5040630" y="3536156"/>
+            <a:ext cx="2343150" cy="411480"/>
+          </a:xfrm>
+          <a:prstGeom prst="roundRect">
+            <a:avLst/>
+          </a:prstGeom>
+        </p:spPr>
+        <p:style>
+          <a:lnRef idx="2">
+            <a:schemeClr val="accent1">
+              <a:shade val="50000"/>
+            </a:schemeClr>
+          </a:lnRef>
+          <a:fillRef idx="1">
+            <a:schemeClr val="accent1"/>
+          </a:fillRef>
+          <a:effectRef idx="0">
+            <a:schemeClr val="accent1"/>
+          </a:effectRef>
+          <a:fontRef idx="minor">
+            <a:schemeClr val="lt1"/>
+          </a:fontRef>
+        </p:style>
+        <p:txBody>
+          <a:bodyPr rtlCol="0" anchor="ctr"/>
+          <a:lstStyle/>
+          <a:p>
+            <a:pPr algn="ctr"/>
+            <a:endParaRPr lang="en-US"/>
+          </a:p>
+        </p:txBody>
+      </p:sp>
+      <p:sp>
+        <p:nvSpPr>
+          <p:cNvPr id="14" name="Rounded Rectangle 13"/>
+          <p:cNvSpPr/>
+          <p:nvPr/>
+        </p:nvSpPr>
+        <p:spPr>
+          <a:xfrm>
+            <a:off x="4520565" y="5318903"/>
+            <a:ext cx="1445895" cy="556546"/>
+          </a:xfrm>
+          <a:prstGeom prst="roundRect">
+            <a:avLst/>
+          </a:prstGeom>
+        </p:spPr>
+        <p:style>
+          <a:lnRef idx="2">
+            <a:schemeClr val="accent1">
+              <a:shade val="50000"/>
+            </a:schemeClr>
+          </a:lnRef>
+          <a:fillRef idx="1">
+            <a:schemeClr val="accent1"/>
+          </a:fillRef>
+          <a:effectRef idx="0">
+            <a:schemeClr val="accent1"/>
+          </a:effectRef>
+          <a:fontRef idx="minor">
+            <a:schemeClr val="lt1"/>
+          </a:fontRef>
+        </p:style>
+        <p:txBody>
+          <a:bodyPr rtlCol="0" anchor="ctr"/>
+          <a:lstStyle/>
+          <a:p>
+            <a:pPr algn="ctr"/>
+            <a:endParaRPr lang="en-US"/>
+          </a:p>
+        </p:txBody>
+      </p:sp>
+      <p:sp>
+        <p:nvSpPr>
+          <p:cNvPr id="15" name="TextBox 14"/>
           <p:cNvSpPr txBox="1"/>
           <p:nvPr/>
         </p:nvSpPr>
         <p:spPr>
           <a:xfrm>
-            <a:off x="5082486" y="1166967"/>
-            <a:ext cx="2183130" cy="1200329"/>
+            <a:off x="5430393" y="4915900"/>
+            <a:ext cx="1563624" cy="369332"/>
           </a:xfrm>
           <a:prstGeom prst="rect">
             <a:avLst/>
@@ -5152,23 +4865,23 @@
           <a:p>
             <a:pPr algn="ctr"/>
             <a:r>
-              <a:rPr lang="en-US" sz="3600" dirty="0" smtClean="0"/>
-              <a:t>Reset Password</a:t>
-            </a:r>
-            <a:endParaRPr lang="en-US" sz="3600" dirty="0"/>
-          </a:p>
-        </p:txBody>
-      </p:sp>
-      <p:sp>
-        <p:nvSpPr>
-          <p:cNvPr id="12" name="TextBox 11"/>
+              <a:rPr lang="en-US" dirty="0" smtClean="0"/>
+              <a:t>Register</a:t>
+            </a:r>
+            <a:endParaRPr lang="en-US" dirty="0"/>
+          </a:p>
+        </p:txBody>
+      </p:sp>
+      <p:sp>
+        <p:nvSpPr>
+          <p:cNvPr id="16" name="TextBox 15"/>
           <p:cNvSpPr txBox="1"/>
           <p:nvPr/>
         </p:nvSpPr>
         <p:spPr>
           <a:xfrm>
-            <a:off x="4350966" y="3543431"/>
-            <a:ext cx="3646170" cy="276999"/>
+            <a:off x="5430393" y="3974270"/>
+            <a:ext cx="1563624" cy="369332"/>
           </a:xfrm>
           <a:prstGeom prst="rect">
             <a:avLst/>
@@ -5183,43 +4896,164 @@
           <a:p>
             <a:pPr algn="ctr"/>
             <a:r>
-              <a:rPr lang="en-US" sz="1200" smtClean="0"/>
-              <a:t>*Enter Email </a:t>
-            </a:r>
-            <a:r>
-              <a:rPr lang="en-US" sz="1200" dirty="0" smtClean="0"/>
-              <a:t>Phone Number Or Username</a:t>
-            </a:r>
-          </a:p>
-        </p:txBody>
-      </p:sp>
-      <p:sp>
-        <p:nvSpPr>
-          <p:cNvPr id="14" name="Rounded Rectangle 13"/>
+              <a:rPr lang="en-US" smtClean="0"/>
+              <a:t>Login</a:t>
+            </a:r>
+            <a:endParaRPr lang="en-US" dirty="0"/>
+          </a:p>
+        </p:txBody>
+      </p:sp>
+      <p:sp>
+        <p:nvSpPr>
+          <p:cNvPr id="17" name="TextBox 16"/>
+          <p:cNvSpPr txBox="1"/>
+          <p:nvPr/>
+        </p:nvSpPr>
+        <p:spPr>
+          <a:xfrm>
+            <a:off x="5299656" y="2937367"/>
+            <a:ext cx="1748790" cy="369332"/>
+          </a:xfrm>
+          <a:prstGeom prst="rect">
+            <a:avLst/>
+          </a:prstGeom>
+          <a:noFill/>
+        </p:spPr>
+        <p:txBody>
+          <a:bodyPr wrap="square" rtlCol="0">
+            <a:spAutoFit/>
+          </a:bodyPr>
+          <a:lstStyle/>
+          <a:p>
+            <a:pPr algn="ctr"/>
+            <a:r>
+              <a:rPr lang="en-US" dirty="0" smtClean="0"/>
+              <a:t>Username</a:t>
+            </a:r>
+            <a:endParaRPr lang="en-US" dirty="0"/>
+          </a:p>
+        </p:txBody>
+      </p:sp>
+      <p:sp>
+        <p:nvSpPr>
+          <p:cNvPr id="18" name="TextBox 17"/>
+          <p:cNvSpPr txBox="1"/>
+          <p:nvPr/>
+        </p:nvSpPr>
+        <p:spPr>
+          <a:xfrm>
+            <a:off x="5337810" y="3536156"/>
+            <a:ext cx="1748790" cy="369332"/>
+          </a:xfrm>
+          <a:prstGeom prst="rect">
+            <a:avLst/>
+          </a:prstGeom>
+          <a:noFill/>
+        </p:spPr>
+        <p:txBody>
+          <a:bodyPr wrap="square" rtlCol="0">
+            <a:spAutoFit/>
+          </a:bodyPr>
+          <a:lstStyle/>
+          <a:p>
+            <a:pPr algn="ctr"/>
+            <a:r>
+              <a:rPr lang="en-US" dirty="0" smtClean="0"/>
+              <a:t>Password</a:t>
+            </a:r>
+          </a:p>
+        </p:txBody>
+      </p:sp>
+      <p:sp>
+        <p:nvSpPr>
+          <p:cNvPr id="19" name="TextBox 18"/>
+          <p:cNvSpPr txBox="1"/>
+          <p:nvPr/>
+        </p:nvSpPr>
+        <p:spPr>
+          <a:xfrm>
+            <a:off x="5261502" y="4646587"/>
+            <a:ext cx="1812525" cy="369332"/>
+          </a:xfrm>
+          <a:prstGeom prst="rect">
+            <a:avLst/>
+          </a:prstGeom>
+          <a:noFill/>
+        </p:spPr>
+        <p:txBody>
+          <a:bodyPr wrap="square" rtlCol="0">
+            <a:spAutoFit/>
+          </a:bodyPr>
+          <a:lstStyle/>
+          <a:p>
+            <a:pPr algn="ctr"/>
+            <a:r>
+              <a:rPr lang="en-US" smtClean="0"/>
+              <a:t>Forgot Password</a:t>
+            </a:r>
+            <a:endParaRPr lang="en-US" dirty="0"/>
+          </a:p>
+        </p:txBody>
+      </p:sp>
+      <p:sp>
+        <p:nvSpPr>
+          <p:cNvPr id="20" name="TextBox 19"/>
+          <p:cNvSpPr txBox="1"/>
+          <p:nvPr/>
+        </p:nvSpPr>
+        <p:spPr>
+          <a:xfrm>
+            <a:off x="4355239" y="5403550"/>
+            <a:ext cx="1812525" cy="369332"/>
+          </a:xfrm>
+          <a:prstGeom prst="rect">
+            <a:avLst/>
+          </a:prstGeom>
+          <a:noFill/>
+        </p:spPr>
+        <p:txBody>
+          <a:bodyPr wrap="square" rtlCol="0">
+            <a:spAutoFit/>
+          </a:bodyPr>
+          <a:lstStyle/>
+          <a:p>
+            <a:pPr algn="ctr"/>
+            <a:r>
+              <a:rPr lang="en-US" dirty="0" smtClean="0"/>
+              <a:t>Facebook</a:t>
+            </a:r>
+          </a:p>
+        </p:txBody>
+      </p:sp>
+      <p:sp>
+        <p:nvSpPr>
+          <p:cNvPr id="21" name="Rounded Rectangle 20"/>
           <p:cNvSpPr/>
           <p:nvPr/>
         </p:nvSpPr>
         <p:spPr>
           <a:xfrm>
-            <a:off x="5774001" y="4780288"/>
-            <a:ext cx="800100" cy="580382"/>
+            <a:off x="6333090" y="5318903"/>
+            <a:ext cx="1445895" cy="556546"/>
           </a:xfrm>
           <a:prstGeom prst="roundRect">
             <a:avLst/>
           </a:prstGeom>
         </p:spPr>
         <p:style>
-          <a:lnRef idx="1">
-            <a:schemeClr val="dk1"/>
+          <a:lnRef idx="2">
+            <a:schemeClr val="accent1">
+              <a:shade val="50000"/>
+            </a:schemeClr>
           </a:lnRef>
-          <a:fillRef idx="2">
-            <a:schemeClr val="dk1"/>
+          <a:fillRef idx="1">
+            <a:schemeClr val="accent1"/>
           </a:fillRef>
-          <a:effectRef idx="1">
-            <a:schemeClr val="dk1"/>
+          <a:effectRef idx="0">
+            <a:schemeClr val="accent1"/>
           </a:effectRef>
           <a:fontRef idx="minor">
-            <a:schemeClr val="dk1"/>
+            <a:schemeClr val="lt1"/>
           </a:fontRef>
         </p:style>
         <p:txBody>
@@ -5227,9 +5061,65 @@
           <a:lstStyle/>
           <a:p>
             <a:pPr algn="ctr"/>
-            <a:r>
-              <a:rPr lang="en-US" smtClean="0"/>
-              <a:t>Send Email</a:t>
+            <a:endParaRPr lang="en-US"/>
+          </a:p>
+        </p:txBody>
+      </p:sp>
+      <p:sp>
+        <p:nvSpPr>
+          <p:cNvPr id="22" name="TextBox 21"/>
+          <p:cNvSpPr txBox="1"/>
+          <p:nvPr/>
+        </p:nvSpPr>
+        <p:spPr>
+          <a:xfrm>
+            <a:off x="6180337" y="5412510"/>
+            <a:ext cx="1812525" cy="369332"/>
+          </a:xfrm>
+          <a:prstGeom prst="rect">
+            <a:avLst/>
+          </a:prstGeom>
+          <a:noFill/>
+        </p:spPr>
+        <p:txBody>
+          <a:bodyPr wrap="square" rtlCol="0">
+            <a:spAutoFit/>
+          </a:bodyPr>
+          <a:lstStyle/>
+          <a:p>
+            <a:pPr algn="ctr"/>
+            <a:r>
+              <a:rPr lang="en-US" dirty="0" smtClean="0"/>
+              <a:t>Google</a:t>
+            </a:r>
+          </a:p>
+        </p:txBody>
+      </p:sp>
+      <p:sp>
+        <p:nvSpPr>
+          <p:cNvPr id="24" name="TextBox 23"/>
+          <p:cNvSpPr txBox="1"/>
+          <p:nvPr/>
+        </p:nvSpPr>
+        <p:spPr>
+          <a:xfrm>
+            <a:off x="331470" y="502920"/>
+            <a:ext cx="2023110" cy="369332"/>
+          </a:xfrm>
+          <a:prstGeom prst="rect">
+            <a:avLst/>
+          </a:prstGeom>
+          <a:noFill/>
+        </p:spPr>
+        <p:txBody>
+          <a:bodyPr wrap="square" rtlCol="0">
+            <a:spAutoFit/>
+          </a:bodyPr>
+          <a:lstStyle/>
+          <a:p>
+            <a:r>
+              <a:rPr lang="en-US" dirty="0" smtClean="0"/>
+              <a:t>Login</a:t>
             </a:r>
             <a:endParaRPr lang="en-US" dirty="0"/>
           </a:p>
@@ -5238,13 +5128,20 @@
     </p:spTree>
     <p:extLst>
       <p:ext uri="{BB962C8B-B14F-4D97-AF65-F5344CB8AC3E}">
-        <p14:creationId xmlns:p14="http://schemas.microsoft.com/office/powerpoint/2010/main" val="406891855"/>
+        <p14:creationId xmlns:p14="http://schemas.microsoft.com/office/powerpoint/2010/main" val="482659821"/>
       </p:ext>
     </p:extLst>
   </p:cSld>
   <p:clrMapOvr>
     <a:masterClrMapping/>
   </p:clrMapOvr>
+  <p:timing>
+    <p:tnLst>
+      <p:par>
+        <p:cTn id="1" dur="indefinite" restart="never" nodeType="tmRoot"/>
+      </p:par>
+    </p:tnLst>
+  </p:timing>
 </p:sld>
 </file>
 
@@ -5273,7 +5170,7 @@
         </p:nvSpPr>
         <p:spPr>
           <a:xfrm>
-            <a:off x="4116651" y="244602"/>
+            <a:off x="4116651" y="234077"/>
             <a:ext cx="4114800" cy="6318504"/>
           </a:xfrm>
           <a:prstGeom prst="roundRect">
@@ -5304,7 +5201,7 @@
           <a:lstStyle/>
           <a:p>
             <a:pPr algn="ctr"/>
-            <a:endParaRPr lang="en-US" dirty="0"/>
+            <a:endParaRPr lang="en-US"/>
           </a:p>
         </p:txBody>
       </p:sp>
@@ -5350,44 +5247,13 @@
       </p:sp>
       <p:sp>
         <p:nvSpPr>
-          <p:cNvPr id="6" name="TextBox 5"/>
-          <p:cNvSpPr txBox="1"/>
-          <p:nvPr/>
-        </p:nvSpPr>
-        <p:spPr>
-          <a:xfrm>
-            <a:off x="5229144" y="1973634"/>
-            <a:ext cx="1889814" cy="369332"/>
-          </a:xfrm>
-          <a:prstGeom prst="rect">
-            <a:avLst/>
-          </a:prstGeom>
-          <a:noFill/>
-        </p:spPr>
-        <p:txBody>
-          <a:bodyPr wrap="square" rtlCol="0">
-            <a:spAutoFit/>
-          </a:bodyPr>
-          <a:lstStyle/>
-          <a:p>
-            <a:pPr algn="ctr"/>
-            <a:r>
-              <a:rPr lang="en-US" smtClean="0"/>
-              <a:t>Verification Code</a:t>
-            </a:r>
-            <a:endParaRPr lang="en-US" dirty="0"/>
-          </a:p>
-        </p:txBody>
-      </p:sp>
-      <p:sp>
-        <p:nvSpPr>
-          <p:cNvPr id="8" name="Rounded Rectangle 7"/>
+          <p:cNvPr id="6" name="Rounded Rectangle 5"/>
           <p:cNvSpPr/>
           <p:nvPr/>
         </p:nvSpPr>
         <p:spPr>
           <a:xfrm>
-            <a:off x="4979616" y="2598236"/>
+            <a:off x="4979616" y="2505242"/>
             <a:ext cx="2343150" cy="411480"/>
           </a:xfrm>
           <a:prstGeom prst="roundRect">
@@ -5421,44 +5287,13 @@
       </p:sp>
       <p:sp>
         <p:nvSpPr>
-          <p:cNvPr id="9" name="TextBox 8"/>
-          <p:cNvSpPr txBox="1"/>
-          <p:nvPr/>
-        </p:nvSpPr>
-        <p:spPr>
-          <a:xfrm>
-            <a:off x="5229144" y="2640384"/>
-            <a:ext cx="1889814" cy="369332"/>
-          </a:xfrm>
-          <a:prstGeom prst="rect">
-            <a:avLst/>
-          </a:prstGeom>
-          <a:noFill/>
-        </p:spPr>
-        <p:txBody>
-          <a:bodyPr wrap="square" rtlCol="0">
-            <a:spAutoFit/>
-          </a:bodyPr>
-          <a:lstStyle/>
-          <a:p>
-            <a:pPr algn="ctr"/>
-            <a:r>
-              <a:rPr lang="en-US" dirty="0" smtClean="0"/>
-              <a:t>New Password</a:t>
-            </a:r>
-            <a:endParaRPr lang="en-US" dirty="0"/>
-          </a:p>
-        </p:txBody>
-      </p:sp>
-      <p:sp>
-        <p:nvSpPr>
-          <p:cNvPr id="10" name="Rounded Rectangle 9"/>
+          <p:cNvPr id="7" name="Rounded Rectangle 6"/>
           <p:cNvSpPr/>
           <p:nvPr/>
         </p:nvSpPr>
         <p:spPr>
           <a:xfrm>
-            <a:off x="4979616" y="3264986"/>
+            <a:off x="4981031" y="3063551"/>
             <a:ext cx="2343150" cy="411480"/>
           </a:xfrm>
           <a:prstGeom prst="roundRect">
@@ -5492,14 +5327,54 @@
       </p:sp>
       <p:sp>
         <p:nvSpPr>
-          <p:cNvPr id="11" name="TextBox 10"/>
+          <p:cNvPr id="8" name="Rounded Rectangle 7"/>
+          <p:cNvSpPr/>
+          <p:nvPr/>
+        </p:nvSpPr>
+        <p:spPr>
+          <a:xfrm>
+            <a:off x="5017770" y="3665185"/>
+            <a:ext cx="2343150" cy="411480"/>
+          </a:xfrm>
+          <a:prstGeom prst="roundRect">
+            <a:avLst/>
+          </a:prstGeom>
+        </p:spPr>
+        <p:style>
+          <a:lnRef idx="2">
+            <a:schemeClr val="accent1">
+              <a:shade val="50000"/>
+            </a:schemeClr>
+          </a:lnRef>
+          <a:fillRef idx="1">
+            <a:schemeClr val="accent1"/>
+          </a:fillRef>
+          <a:effectRef idx="0">
+            <a:schemeClr val="accent1"/>
+          </a:effectRef>
+          <a:fontRef idx="minor">
+            <a:schemeClr val="lt1"/>
+          </a:fontRef>
+        </p:style>
+        <p:txBody>
+          <a:bodyPr rtlCol="0" anchor="ctr"/>
+          <a:lstStyle/>
+          <a:p>
+            <a:pPr algn="ctr"/>
+            <a:endParaRPr lang="en-US"/>
+          </a:p>
+        </p:txBody>
+      </p:sp>
+      <p:sp>
+        <p:nvSpPr>
+          <p:cNvPr id="9" name="TextBox 8"/>
           <p:cNvSpPr txBox="1"/>
           <p:nvPr/>
         </p:nvSpPr>
         <p:spPr>
           <a:xfrm>
-            <a:off x="5229144" y="3307134"/>
-            <a:ext cx="1889814" cy="369332"/>
+            <a:off x="5276796" y="1952560"/>
+            <a:ext cx="1748790" cy="369332"/>
           </a:xfrm>
           <a:prstGeom prst="rect">
             <a:avLst/>
@@ -5515,7 +5390,7 @@
             <a:pPr algn="ctr"/>
             <a:r>
               <a:rPr lang="en-US" dirty="0" smtClean="0"/>
-              <a:t>Confirm Password</a:t>
+              <a:t>Name</a:t>
             </a:r>
             <a:endParaRPr lang="en-US" dirty="0"/>
           </a:p>
@@ -5523,56 +5398,14 @@
       </p:sp>
       <p:sp>
         <p:nvSpPr>
-          <p:cNvPr id="12" name="Rounded Rectangle 11"/>
-          <p:cNvSpPr/>
-          <p:nvPr/>
-        </p:nvSpPr>
-        <p:spPr>
-          <a:xfrm>
-            <a:off x="5749290" y="4214846"/>
-            <a:ext cx="800100" cy="411480"/>
-          </a:xfrm>
-          <a:prstGeom prst="roundRect">
-            <a:avLst/>
-          </a:prstGeom>
-        </p:spPr>
-        <p:style>
-          <a:lnRef idx="1">
-            <a:schemeClr val="dk1"/>
-          </a:lnRef>
-          <a:fillRef idx="2">
-            <a:schemeClr val="dk1"/>
-          </a:fillRef>
-          <a:effectRef idx="1">
-            <a:schemeClr val="dk1"/>
-          </a:effectRef>
-          <a:fontRef idx="minor">
-            <a:schemeClr val="dk1"/>
-          </a:fontRef>
-        </p:style>
-        <p:txBody>
-          <a:bodyPr rtlCol="0" anchor="ctr"/>
-          <a:lstStyle/>
-          <a:p>
-            <a:pPr algn="ctr"/>
-            <a:r>
-              <a:rPr lang="en-US" dirty="0" smtClean="0"/>
-              <a:t>Go</a:t>
-            </a:r>
-            <a:endParaRPr lang="en-US" dirty="0"/>
-          </a:p>
-        </p:txBody>
-      </p:sp>
-      <p:sp>
-        <p:nvSpPr>
-          <p:cNvPr id="16" name="TextBox 15"/>
+          <p:cNvPr id="10" name="TextBox 9"/>
           <p:cNvSpPr txBox="1"/>
           <p:nvPr/>
         </p:nvSpPr>
         <p:spPr>
           <a:xfrm>
-            <a:off x="331470" y="502920"/>
-            <a:ext cx="2697480" cy="369332"/>
+            <a:off x="5166360" y="3686259"/>
+            <a:ext cx="2045970" cy="369332"/>
           </a:xfrm>
           <a:prstGeom prst="rect">
             <a:avLst/>
@@ -5585,27 +5418,438 @@
           </a:bodyPr>
           <a:lstStyle/>
           <a:p>
-            <a:r>
-              <a:rPr lang="en-US" smtClean="0"/>
-              <a:t>Change Password </a:t>
-            </a:r>
+            <a:pPr algn="ctr"/>
             <a:r>
               <a:rPr lang="en-US" dirty="0" smtClean="0"/>
-              <a:t>Page</a:t>
-            </a:r>
+              <a:t>Confirm Password</a:t>
+            </a:r>
+            <a:endParaRPr lang="en-US" dirty="0"/>
+          </a:p>
+        </p:txBody>
+      </p:sp>
+      <p:sp>
+        <p:nvSpPr>
+          <p:cNvPr id="11" name="TextBox 10"/>
+          <p:cNvSpPr txBox="1"/>
+          <p:nvPr/>
+        </p:nvSpPr>
+        <p:spPr>
+          <a:xfrm>
+            <a:off x="5278211" y="3042608"/>
+            <a:ext cx="1748790" cy="369332"/>
+          </a:xfrm>
+          <a:prstGeom prst="rect">
+            <a:avLst/>
+          </a:prstGeom>
+          <a:noFill/>
+        </p:spPr>
+        <p:txBody>
+          <a:bodyPr wrap="square" rtlCol="0">
+            <a:spAutoFit/>
+          </a:bodyPr>
+          <a:lstStyle/>
+          <a:p>
+            <a:pPr algn="ctr"/>
+            <a:r>
+              <a:rPr lang="en-US" dirty="0" smtClean="0"/>
+              <a:t>Password</a:t>
+            </a:r>
+            <a:endParaRPr lang="en-US" dirty="0"/>
+          </a:p>
+        </p:txBody>
+      </p:sp>
+      <p:sp>
+        <p:nvSpPr>
+          <p:cNvPr id="12" name="TextBox 11"/>
+          <p:cNvSpPr txBox="1"/>
+          <p:nvPr/>
+        </p:nvSpPr>
+        <p:spPr>
+          <a:xfrm>
+            <a:off x="5276796" y="2526316"/>
+            <a:ext cx="1748790" cy="369332"/>
+          </a:xfrm>
+          <a:prstGeom prst="rect">
+            <a:avLst/>
+          </a:prstGeom>
+          <a:noFill/>
+        </p:spPr>
+        <p:txBody>
+          <a:bodyPr wrap="square" rtlCol="0">
+            <a:spAutoFit/>
+          </a:bodyPr>
+          <a:lstStyle/>
+          <a:p>
+            <a:pPr algn="ctr"/>
+            <a:r>
+              <a:rPr lang="en-US" dirty="0" smtClean="0"/>
+              <a:t>Username</a:t>
+            </a:r>
+            <a:endParaRPr lang="en-US" dirty="0"/>
+          </a:p>
+        </p:txBody>
+      </p:sp>
+      <p:sp>
+        <p:nvSpPr>
+          <p:cNvPr id="16" name="Rounded Rectangle 15"/>
+          <p:cNvSpPr/>
+          <p:nvPr/>
+        </p:nvSpPr>
+        <p:spPr>
+          <a:xfrm>
+            <a:off x="5017770" y="4261187"/>
+            <a:ext cx="2343150" cy="411480"/>
+          </a:xfrm>
+          <a:prstGeom prst="roundRect">
+            <a:avLst/>
+          </a:prstGeom>
+        </p:spPr>
+        <p:style>
+          <a:lnRef idx="2">
+            <a:schemeClr val="accent1">
+              <a:shade val="50000"/>
+            </a:schemeClr>
+          </a:lnRef>
+          <a:fillRef idx="1">
+            <a:schemeClr val="accent1"/>
+          </a:fillRef>
+          <a:effectRef idx="0">
+            <a:schemeClr val="accent1"/>
+          </a:effectRef>
+          <a:fontRef idx="minor">
+            <a:schemeClr val="lt1"/>
+          </a:fontRef>
+        </p:style>
+        <p:txBody>
+          <a:bodyPr rtlCol="0" anchor="ctr"/>
+          <a:lstStyle/>
+          <a:p>
+            <a:pPr algn="ctr"/>
+            <a:endParaRPr lang="en-US"/>
+          </a:p>
+        </p:txBody>
+      </p:sp>
+      <p:sp>
+        <p:nvSpPr>
+          <p:cNvPr id="17" name="TextBox 16"/>
+          <p:cNvSpPr txBox="1"/>
+          <p:nvPr/>
+        </p:nvSpPr>
+        <p:spPr>
+          <a:xfrm>
+            <a:off x="5166360" y="4282261"/>
+            <a:ext cx="2045970" cy="369332"/>
+          </a:xfrm>
+          <a:prstGeom prst="rect">
+            <a:avLst/>
+          </a:prstGeom>
+          <a:noFill/>
+        </p:spPr>
+        <p:txBody>
+          <a:bodyPr wrap="square" rtlCol="0">
+            <a:spAutoFit/>
+          </a:bodyPr>
+          <a:lstStyle/>
+          <a:p>
+            <a:pPr algn="ctr"/>
+            <a:r>
+              <a:rPr lang="en-US" dirty="0" smtClean="0"/>
+              <a:t>Email</a:t>
+            </a:r>
+            <a:endParaRPr lang="en-US" dirty="0"/>
+          </a:p>
+        </p:txBody>
+      </p:sp>
+      <p:sp>
+        <p:nvSpPr>
+          <p:cNvPr id="18" name="Rounded Rectangle 17"/>
+          <p:cNvSpPr/>
+          <p:nvPr/>
+        </p:nvSpPr>
+        <p:spPr>
+          <a:xfrm>
+            <a:off x="5017770" y="4879302"/>
+            <a:ext cx="2343150" cy="411480"/>
+          </a:xfrm>
+          <a:prstGeom prst="roundRect">
+            <a:avLst/>
+          </a:prstGeom>
+        </p:spPr>
+        <p:style>
+          <a:lnRef idx="2">
+            <a:schemeClr val="accent1">
+              <a:shade val="50000"/>
+            </a:schemeClr>
+          </a:lnRef>
+          <a:fillRef idx="1">
+            <a:schemeClr val="accent1"/>
+          </a:fillRef>
+          <a:effectRef idx="0">
+            <a:schemeClr val="accent1"/>
+          </a:effectRef>
+          <a:fontRef idx="minor">
+            <a:schemeClr val="lt1"/>
+          </a:fontRef>
+        </p:style>
+        <p:txBody>
+          <a:bodyPr rtlCol="0" anchor="ctr"/>
+          <a:lstStyle/>
+          <a:p>
+            <a:pPr algn="ctr"/>
+            <a:endParaRPr lang="en-US"/>
+          </a:p>
+        </p:txBody>
+      </p:sp>
+      <p:sp>
+        <p:nvSpPr>
+          <p:cNvPr id="19" name="TextBox 18"/>
+          <p:cNvSpPr txBox="1"/>
+          <p:nvPr/>
+        </p:nvSpPr>
+        <p:spPr>
+          <a:xfrm>
+            <a:off x="5166360" y="4900376"/>
+            <a:ext cx="2045970" cy="369332"/>
+          </a:xfrm>
+          <a:prstGeom prst="rect">
+            <a:avLst/>
+          </a:prstGeom>
+          <a:noFill/>
+        </p:spPr>
+        <p:txBody>
+          <a:bodyPr wrap="square" rtlCol="0">
+            <a:spAutoFit/>
+          </a:bodyPr>
+          <a:lstStyle/>
+          <a:p>
+            <a:pPr algn="ctr"/>
+            <a:r>
+              <a:rPr lang="en-US" dirty="0" smtClean="0"/>
+              <a:t>Phone Number</a:t>
+            </a:r>
+            <a:endParaRPr lang="en-US" dirty="0"/>
+          </a:p>
+        </p:txBody>
+      </p:sp>
+      <p:sp>
+        <p:nvSpPr>
+          <p:cNvPr id="20" name="Rounded Rectangle 19"/>
+          <p:cNvSpPr/>
+          <p:nvPr/>
+        </p:nvSpPr>
+        <p:spPr>
+          <a:xfrm>
+            <a:off x="5040630" y="5790117"/>
+            <a:ext cx="1036320" cy="411480"/>
+          </a:xfrm>
+          <a:prstGeom prst="roundRect">
+            <a:avLst/>
+          </a:prstGeom>
+        </p:spPr>
+        <p:style>
+          <a:lnRef idx="2">
+            <a:schemeClr val="accent1">
+              <a:shade val="50000"/>
+            </a:schemeClr>
+          </a:lnRef>
+          <a:fillRef idx="1">
+            <a:schemeClr val="accent1"/>
+          </a:fillRef>
+          <a:effectRef idx="0">
+            <a:schemeClr val="accent1"/>
+          </a:effectRef>
+          <a:fontRef idx="minor">
+            <a:schemeClr val="lt1"/>
+          </a:fontRef>
+        </p:style>
+        <p:txBody>
+          <a:bodyPr rtlCol="0" anchor="ctr"/>
+          <a:lstStyle/>
+          <a:p>
+            <a:pPr algn="ctr"/>
+            <a:endParaRPr lang="en-US"/>
+          </a:p>
+        </p:txBody>
+      </p:sp>
+      <p:sp>
+        <p:nvSpPr>
+          <p:cNvPr id="21" name="Rounded Rectangle 20"/>
+          <p:cNvSpPr/>
+          <p:nvPr/>
+        </p:nvSpPr>
+        <p:spPr>
+          <a:xfrm>
+            <a:off x="6347460" y="5790117"/>
+            <a:ext cx="1036320" cy="411480"/>
+          </a:xfrm>
+          <a:prstGeom prst="roundRect">
+            <a:avLst/>
+          </a:prstGeom>
+        </p:spPr>
+        <p:style>
+          <a:lnRef idx="2">
+            <a:schemeClr val="accent1">
+              <a:shade val="50000"/>
+            </a:schemeClr>
+          </a:lnRef>
+          <a:fillRef idx="1">
+            <a:schemeClr val="accent1"/>
+          </a:fillRef>
+          <a:effectRef idx="0">
+            <a:schemeClr val="accent1"/>
+          </a:effectRef>
+          <a:fontRef idx="minor">
+            <a:schemeClr val="lt1"/>
+          </a:fontRef>
+        </p:style>
+        <p:txBody>
+          <a:bodyPr rtlCol="0" anchor="ctr"/>
+          <a:lstStyle/>
+          <a:p>
+            <a:pPr algn="ctr"/>
+            <a:endParaRPr lang="en-US"/>
+          </a:p>
+        </p:txBody>
+      </p:sp>
+      <p:sp>
+        <p:nvSpPr>
+          <p:cNvPr id="22" name="TextBox 21"/>
+          <p:cNvSpPr txBox="1"/>
+          <p:nvPr/>
+        </p:nvSpPr>
+        <p:spPr>
+          <a:xfrm>
+            <a:off x="5144915" y="5790117"/>
+            <a:ext cx="827750" cy="369332"/>
+          </a:xfrm>
+          <a:prstGeom prst="rect">
+            <a:avLst/>
+          </a:prstGeom>
+          <a:noFill/>
+        </p:spPr>
+        <p:txBody>
+          <a:bodyPr wrap="square" rtlCol="0">
+            <a:spAutoFit/>
+          </a:bodyPr>
+          <a:lstStyle/>
+          <a:p>
+            <a:pPr algn="ctr"/>
+            <a:r>
+              <a:rPr lang="en-US" smtClean="0"/>
+              <a:t>Create</a:t>
+            </a:r>
+            <a:endParaRPr lang="en-US" dirty="0"/>
+          </a:p>
+        </p:txBody>
+      </p:sp>
+      <p:sp>
+        <p:nvSpPr>
+          <p:cNvPr id="23" name="TextBox 22"/>
+          <p:cNvSpPr txBox="1"/>
+          <p:nvPr/>
+        </p:nvSpPr>
+        <p:spPr>
+          <a:xfrm>
+            <a:off x="6451745" y="5815942"/>
+            <a:ext cx="827750" cy="369332"/>
+          </a:xfrm>
+          <a:prstGeom prst="rect">
+            <a:avLst/>
+          </a:prstGeom>
+          <a:noFill/>
+        </p:spPr>
+        <p:txBody>
+          <a:bodyPr wrap="square" rtlCol="0">
+            <a:spAutoFit/>
+          </a:bodyPr>
+          <a:lstStyle/>
+          <a:p>
+            <a:pPr algn="ctr"/>
+            <a:r>
+              <a:rPr lang="en-US" dirty="0" smtClean="0"/>
+              <a:t>Cancel</a:t>
+            </a:r>
+          </a:p>
+        </p:txBody>
+      </p:sp>
+      <p:sp>
+        <p:nvSpPr>
+          <p:cNvPr id="24" name="TextBox 23"/>
+          <p:cNvSpPr txBox="1"/>
+          <p:nvPr/>
+        </p:nvSpPr>
+        <p:spPr>
+          <a:xfrm>
+            <a:off x="331470" y="502920"/>
+            <a:ext cx="2023110" cy="369332"/>
+          </a:xfrm>
+          <a:prstGeom prst="rect">
+            <a:avLst/>
+          </a:prstGeom>
+          <a:noFill/>
+        </p:spPr>
+        <p:txBody>
+          <a:bodyPr wrap="square" rtlCol="0">
+            <a:spAutoFit/>
+          </a:bodyPr>
+          <a:lstStyle/>
+          <a:p>
+            <a:r>
+              <a:rPr lang="en-US" dirty="0" smtClean="0"/>
+              <a:t>Create Account</a:t>
+            </a:r>
+            <a:endParaRPr lang="en-US" dirty="0"/>
+          </a:p>
+        </p:txBody>
+      </p:sp>
+      <p:sp>
+        <p:nvSpPr>
+          <p:cNvPr id="25" name="TextBox 24"/>
+          <p:cNvSpPr txBox="1"/>
+          <p:nvPr/>
+        </p:nvSpPr>
+        <p:spPr>
+          <a:xfrm>
+            <a:off x="599287" y="1722644"/>
+            <a:ext cx="2023110" cy="1077218"/>
+          </a:xfrm>
+          <a:prstGeom prst="rect">
+            <a:avLst/>
+          </a:prstGeom>
+          <a:noFill/>
+        </p:spPr>
+        <p:txBody>
+          <a:bodyPr wrap="square" rtlCol="0">
+            <a:spAutoFit/>
+          </a:bodyPr>
+          <a:lstStyle/>
+          <a:p>
+            <a:pPr algn="ctr"/>
+            <a:r>
+              <a:rPr lang="en-US" sz="3200" smtClean="0"/>
+              <a:t>Create Account</a:t>
+            </a:r>
+            <a:endParaRPr lang="en-US" sz="3200" dirty="0"/>
           </a:p>
         </p:txBody>
       </p:sp>
     </p:spTree>
     <p:extLst>
       <p:ext uri="{BB962C8B-B14F-4D97-AF65-F5344CB8AC3E}">
-        <p14:creationId xmlns:p14="http://schemas.microsoft.com/office/powerpoint/2010/main" val="2068519270"/>
+        <p14:creationId xmlns:p14="http://schemas.microsoft.com/office/powerpoint/2010/main" val="1632788802"/>
       </p:ext>
     </p:extLst>
   </p:cSld>
   <p:clrMapOvr>
     <a:masterClrMapping/>
   </p:clrMapOvr>
+  <p:timing>
+    <p:tnLst>
+      <p:par>
+        <p:cTn id="1" dur="indefinite" restart="never" nodeType="tmRoot"/>
+      </p:par>
+    </p:tnLst>
+  </p:timing>
 </p:sld>
 </file>
 
@@ -5634,6 +5878,630 @@
         </p:nvSpPr>
         <p:spPr>
           <a:xfrm>
+            <a:off x="4116651" y="244602"/>
+            <a:ext cx="4114800" cy="6318504"/>
+          </a:xfrm>
+          <a:prstGeom prst="roundRect">
+            <a:avLst/>
+          </a:prstGeom>
+          <a:solidFill>
+            <a:schemeClr val="bg1"/>
+          </a:solidFill>
+        </p:spPr>
+        <p:style>
+          <a:lnRef idx="2">
+            <a:schemeClr val="accent1">
+              <a:shade val="50000"/>
+            </a:schemeClr>
+          </a:lnRef>
+          <a:fillRef idx="1">
+            <a:schemeClr val="accent1"/>
+          </a:fillRef>
+          <a:effectRef idx="0">
+            <a:schemeClr val="accent1"/>
+          </a:effectRef>
+          <a:fontRef idx="minor">
+            <a:schemeClr val="lt1"/>
+          </a:fontRef>
+        </p:style>
+        <p:txBody>
+          <a:bodyPr rtlCol="0" anchor="ctr"/>
+          <a:lstStyle/>
+          <a:p>
+            <a:pPr algn="ctr"/>
+            <a:endParaRPr lang="en-US" dirty="0"/>
+          </a:p>
+        </p:txBody>
+      </p:sp>
+      <p:sp>
+        <p:nvSpPr>
+          <p:cNvPr id="5" name="TextBox 4"/>
+          <p:cNvSpPr txBox="1"/>
+          <p:nvPr/>
+        </p:nvSpPr>
+        <p:spPr>
+          <a:xfrm>
+            <a:off x="331470" y="502920"/>
+            <a:ext cx="2023110" cy="369332"/>
+          </a:xfrm>
+          <a:prstGeom prst="rect">
+            <a:avLst/>
+          </a:prstGeom>
+          <a:noFill/>
+        </p:spPr>
+        <p:txBody>
+          <a:bodyPr wrap="square" rtlCol="0">
+            <a:spAutoFit/>
+          </a:bodyPr>
+          <a:lstStyle/>
+          <a:p>
+            <a:r>
+              <a:rPr lang="en-US" dirty="0" smtClean="0"/>
+              <a:t>Forgot Password</a:t>
+            </a:r>
+          </a:p>
+        </p:txBody>
+      </p:sp>
+      <p:sp>
+        <p:nvSpPr>
+          <p:cNvPr id="6" name="Rounded Rectangle 5"/>
+          <p:cNvSpPr/>
+          <p:nvPr/>
+        </p:nvSpPr>
+        <p:spPr>
+          <a:xfrm>
+            <a:off x="5002476" y="3820430"/>
+            <a:ext cx="2343150" cy="411480"/>
+          </a:xfrm>
+          <a:prstGeom prst="roundRect">
+            <a:avLst/>
+          </a:prstGeom>
+        </p:spPr>
+        <p:style>
+          <a:lnRef idx="2">
+            <a:schemeClr val="accent1">
+              <a:shade val="50000"/>
+            </a:schemeClr>
+          </a:lnRef>
+          <a:fillRef idx="1">
+            <a:schemeClr val="accent1"/>
+          </a:fillRef>
+          <a:effectRef idx="0">
+            <a:schemeClr val="accent1"/>
+          </a:effectRef>
+          <a:fontRef idx="minor">
+            <a:schemeClr val="lt1"/>
+          </a:fontRef>
+        </p:style>
+        <p:txBody>
+          <a:bodyPr rtlCol="0" anchor="ctr"/>
+          <a:lstStyle/>
+          <a:p>
+            <a:pPr algn="ctr"/>
+            <a:endParaRPr lang="en-US"/>
+          </a:p>
+        </p:txBody>
+      </p:sp>
+      <p:sp>
+        <p:nvSpPr>
+          <p:cNvPr id="11" name="TextBox 10"/>
+          <p:cNvSpPr txBox="1"/>
+          <p:nvPr/>
+        </p:nvSpPr>
+        <p:spPr>
+          <a:xfrm>
+            <a:off x="5082486" y="1166967"/>
+            <a:ext cx="2183130" cy="1200329"/>
+          </a:xfrm>
+          <a:prstGeom prst="rect">
+            <a:avLst/>
+          </a:prstGeom>
+          <a:noFill/>
+        </p:spPr>
+        <p:txBody>
+          <a:bodyPr wrap="square" rtlCol="0">
+            <a:spAutoFit/>
+          </a:bodyPr>
+          <a:lstStyle/>
+          <a:p>
+            <a:pPr algn="ctr"/>
+            <a:r>
+              <a:rPr lang="en-US" sz="3600" dirty="0" smtClean="0"/>
+              <a:t>Reset Password</a:t>
+            </a:r>
+            <a:endParaRPr lang="en-US" sz="3600" dirty="0"/>
+          </a:p>
+        </p:txBody>
+      </p:sp>
+      <p:sp>
+        <p:nvSpPr>
+          <p:cNvPr id="12" name="TextBox 11"/>
+          <p:cNvSpPr txBox="1"/>
+          <p:nvPr/>
+        </p:nvSpPr>
+        <p:spPr>
+          <a:xfrm>
+            <a:off x="4350966" y="3543431"/>
+            <a:ext cx="3646170" cy="276999"/>
+          </a:xfrm>
+          <a:prstGeom prst="rect">
+            <a:avLst/>
+          </a:prstGeom>
+          <a:noFill/>
+        </p:spPr>
+        <p:txBody>
+          <a:bodyPr wrap="square" rtlCol="0">
+            <a:spAutoFit/>
+          </a:bodyPr>
+          <a:lstStyle/>
+          <a:p>
+            <a:pPr algn="ctr"/>
+            <a:r>
+              <a:rPr lang="en-US" sz="1200" smtClean="0"/>
+              <a:t>*Enter Email </a:t>
+            </a:r>
+            <a:r>
+              <a:rPr lang="en-US" sz="1200" dirty="0" smtClean="0"/>
+              <a:t>Phone Number Or Username</a:t>
+            </a:r>
+          </a:p>
+        </p:txBody>
+      </p:sp>
+      <p:sp>
+        <p:nvSpPr>
+          <p:cNvPr id="14" name="Rounded Rectangle 13"/>
+          <p:cNvSpPr/>
+          <p:nvPr/>
+        </p:nvSpPr>
+        <p:spPr>
+          <a:xfrm>
+            <a:off x="5774001" y="4780288"/>
+            <a:ext cx="800100" cy="580382"/>
+          </a:xfrm>
+          <a:prstGeom prst="roundRect">
+            <a:avLst/>
+          </a:prstGeom>
+        </p:spPr>
+        <p:style>
+          <a:lnRef idx="1">
+            <a:schemeClr val="dk1"/>
+          </a:lnRef>
+          <a:fillRef idx="2">
+            <a:schemeClr val="dk1"/>
+          </a:fillRef>
+          <a:effectRef idx="1">
+            <a:schemeClr val="dk1"/>
+          </a:effectRef>
+          <a:fontRef idx="minor">
+            <a:schemeClr val="dk1"/>
+          </a:fontRef>
+        </p:style>
+        <p:txBody>
+          <a:bodyPr rtlCol="0" anchor="ctr"/>
+          <a:lstStyle/>
+          <a:p>
+            <a:pPr algn="ctr"/>
+            <a:r>
+              <a:rPr lang="en-US" smtClean="0"/>
+              <a:t>Send Email</a:t>
+            </a:r>
+            <a:endParaRPr lang="en-US" dirty="0"/>
+          </a:p>
+        </p:txBody>
+      </p:sp>
+    </p:spTree>
+    <p:extLst>
+      <p:ext uri="{BB962C8B-B14F-4D97-AF65-F5344CB8AC3E}">
+        <p14:creationId xmlns:p14="http://schemas.microsoft.com/office/powerpoint/2010/main" val="406891855"/>
+      </p:ext>
+    </p:extLst>
+  </p:cSld>
+  <p:clrMapOvr>
+    <a:masterClrMapping/>
+  </p:clrMapOvr>
+  <p:timing>
+    <p:tnLst>
+      <p:par>
+        <p:cTn id="1" dur="indefinite" restart="never" nodeType="tmRoot"/>
+      </p:par>
+    </p:tnLst>
+  </p:timing>
+</p:sld>
+</file>
+
+<file path=ppt/slides/slide6.xml><?xml version="1.0" encoding="utf-8"?>
+<p:sld xmlns:a="http://schemas.openxmlformats.org/drawingml/2006/main" xmlns:r="http://schemas.openxmlformats.org/officeDocument/2006/relationships" xmlns:p="http://schemas.openxmlformats.org/presentationml/2006/main">
+  <p:cSld>
+    <p:spTree>
+      <p:nvGrpSpPr>
+        <p:cNvPr id="1" name=""/>
+        <p:cNvGrpSpPr/>
+        <p:nvPr/>
+      </p:nvGrpSpPr>
+      <p:grpSpPr>
+        <a:xfrm>
+          <a:off x="0" y="0"/>
+          <a:ext cx="0" cy="0"/>
+          <a:chOff x="0" y="0"/>
+          <a:chExt cx="0" cy="0"/>
+        </a:xfrm>
+      </p:grpSpPr>
+      <p:sp>
+        <p:nvSpPr>
+          <p:cNvPr id="4" name="Rounded Rectangle 3"/>
+          <p:cNvSpPr/>
+          <p:nvPr/>
+        </p:nvSpPr>
+        <p:spPr>
+          <a:xfrm>
+            <a:off x="4116651" y="244602"/>
+            <a:ext cx="4114800" cy="6318504"/>
+          </a:xfrm>
+          <a:prstGeom prst="roundRect">
+            <a:avLst/>
+          </a:prstGeom>
+          <a:solidFill>
+            <a:schemeClr val="bg1"/>
+          </a:solidFill>
+        </p:spPr>
+        <p:style>
+          <a:lnRef idx="2">
+            <a:schemeClr val="accent1">
+              <a:shade val="50000"/>
+            </a:schemeClr>
+          </a:lnRef>
+          <a:fillRef idx="1">
+            <a:schemeClr val="accent1"/>
+          </a:fillRef>
+          <a:effectRef idx="0">
+            <a:schemeClr val="accent1"/>
+          </a:effectRef>
+          <a:fontRef idx="minor">
+            <a:schemeClr val="lt1"/>
+          </a:fontRef>
+        </p:style>
+        <p:txBody>
+          <a:bodyPr rtlCol="0" anchor="ctr"/>
+          <a:lstStyle/>
+          <a:p>
+            <a:pPr algn="ctr"/>
+            <a:endParaRPr lang="en-US" dirty="0"/>
+          </a:p>
+        </p:txBody>
+      </p:sp>
+      <p:sp>
+        <p:nvSpPr>
+          <p:cNvPr id="5" name="Rounded Rectangle 4"/>
+          <p:cNvSpPr/>
+          <p:nvPr/>
+        </p:nvSpPr>
+        <p:spPr>
+          <a:xfrm>
+            <a:off x="4979616" y="1931486"/>
+            <a:ext cx="2343150" cy="411480"/>
+          </a:xfrm>
+          <a:prstGeom prst="roundRect">
+            <a:avLst/>
+          </a:prstGeom>
+        </p:spPr>
+        <p:style>
+          <a:lnRef idx="2">
+            <a:schemeClr val="accent1">
+              <a:shade val="50000"/>
+            </a:schemeClr>
+          </a:lnRef>
+          <a:fillRef idx="1">
+            <a:schemeClr val="accent1"/>
+          </a:fillRef>
+          <a:effectRef idx="0">
+            <a:schemeClr val="accent1"/>
+          </a:effectRef>
+          <a:fontRef idx="minor">
+            <a:schemeClr val="lt1"/>
+          </a:fontRef>
+        </p:style>
+        <p:txBody>
+          <a:bodyPr rtlCol="0" anchor="ctr"/>
+          <a:lstStyle/>
+          <a:p>
+            <a:pPr algn="ctr"/>
+            <a:endParaRPr lang="en-US"/>
+          </a:p>
+        </p:txBody>
+      </p:sp>
+      <p:sp>
+        <p:nvSpPr>
+          <p:cNvPr id="6" name="TextBox 5"/>
+          <p:cNvSpPr txBox="1"/>
+          <p:nvPr/>
+        </p:nvSpPr>
+        <p:spPr>
+          <a:xfrm>
+            <a:off x="5229144" y="1973634"/>
+            <a:ext cx="1889814" cy="369332"/>
+          </a:xfrm>
+          <a:prstGeom prst="rect">
+            <a:avLst/>
+          </a:prstGeom>
+          <a:noFill/>
+        </p:spPr>
+        <p:txBody>
+          <a:bodyPr wrap="square" rtlCol="0">
+            <a:spAutoFit/>
+          </a:bodyPr>
+          <a:lstStyle/>
+          <a:p>
+            <a:pPr algn="ctr"/>
+            <a:r>
+              <a:rPr lang="en-US" smtClean="0"/>
+              <a:t>Verification Code</a:t>
+            </a:r>
+            <a:endParaRPr lang="en-US" dirty="0"/>
+          </a:p>
+        </p:txBody>
+      </p:sp>
+      <p:sp>
+        <p:nvSpPr>
+          <p:cNvPr id="8" name="Rounded Rectangle 7"/>
+          <p:cNvSpPr/>
+          <p:nvPr/>
+        </p:nvSpPr>
+        <p:spPr>
+          <a:xfrm>
+            <a:off x="4979616" y="2598236"/>
+            <a:ext cx="2343150" cy="411480"/>
+          </a:xfrm>
+          <a:prstGeom prst="roundRect">
+            <a:avLst/>
+          </a:prstGeom>
+        </p:spPr>
+        <p:style>
+          <a:lnRef idx="2">
+            <a:schemeClr val="accent1">
+              <a:shade val="50000"/>
+            </a:schemeClr>
+          </a:lnRef>
+          <a:fillRef idx="1">
+            <a:schemeClr val="accent1"/>
+          </a:fillRef>
+          <a:effectRef idx="0">
+            <a:schemeClr val="accent1"/>
+          </a:effectRef>
+          <a:fontRef idx="minor">
+            <a:schemeClr val="lt1"/>
+          </a:fontRef>
+        </p:style>
+        <p:txBody>
+          <a:bodyPr rtlCol="0" anchor="ctr"/>
+          <a:lstStyle/>
+          <a:p>
+            <a:pPr algn="ctr"/>
+            <a:endParaRPr lang="en-US"/>
+          </a:p>
+        </p:txBody>
+      </p:sp>
+      <p:sp>
+        <p:nvSpPr>
+          <p:cNvPr id="9" name="TextBox 8"/>
+          <p:cNvSpPr txBox="1"/>
+          <p:nvPr/>
+        </p:nvSpPr>
+        <p:spPr>
+          <a:xfrm>
+            <a:off x="5229144" y="2640384"/>
+            <a:ext cx="1889814" cy="369332"/>
+          </a:xfrm>
+          <a:prstGeom prst="rect">
+            <a:avLst/>
+          </a:prstGeom>
+          <a:noFill/>
+        </p:spPr>
+        <p:txBody>
+          <a:bodyPr wrap="square" rtlCol="0">
+            <a:spAutoFit/>
+          </a:bodyPr>
+          <a:lstStyle/>
+          <a:p>
+            <a:pPr algn="ctr"/>
+            <a:r>
+              <a:rPr lang="en-US" dirty="0" smtClean="0"/>
+              <a:t>New Password</a:t>
+            </a:r>
+            <a:endParaRPr lang="en-US" dirty="0"/>
+          </a:p>
+        </p:txBody>
+      </p:sp>
+      <p:sp>
+        <p:nvSpPr>
+          <p:cNvPr id="10" name="Rounded Rectangle 9"/>
+          <p:cNvSpPr/>
+          <p:nvPr/>
+        </p:nvSpPr>
+        <p:spPr>
+          <a:xfrm>
+            <a:off x="4979616" y="3264986"/>
+            <a:ext cx="2343150" cy="411480"/>
+          </a:xfrm>
+          <a:prstGeom prst="roundRect">
+            <a:avLst/>
+          </a:prstGeom>
+        </p:spPr>
+        <p:style>
+          <a:lnRef idx="2">
+            <a:schemeClr val="accent1">
+              <a:shade val="50000"/>
+            </a:schemeClr>
+          </a:lnRef>
+          <a:fillRef idx="1">
+            <a:schemeClr val="accent1"/>
+          </a:fillRef>
+          <a:effectRef idx="0">
+            <a:schemeClr val="accent1"/>
+          </a:effectRef>
+          <a:fontRef idx="minor">
+            <a:schemeClr val="lt1"/>
+          </a:fontRef>
+        </p:style>
+        <p:txBody>
+          <a:bodyPr rtlCol="0" anchor="ctr"/>
+          <a:lstStyle/>
+          <a:p>
+            <a:pPr algn="ctr"/>
+            <a:endParaRPr lang="en-US"/>
+          </a:p>
+        </p:txBody>
+      </p:sp>
+      <p:sp>
+        <p:nvSpPr>
+          <p:cNvPr id="11" name="TextBox 10"/>
+          <p:cNvSpPr txBox="1"/>
+          <p:nvPr/>
+        </p:nvSpPr>
+        <p:spPr>
+          <a:xfrm>
+            <a:off x="5229144" y="3307134"/>
+            <a:ext cx="1889814" cy="369332"/>
+          </a:xfrm>
+          <a:prstGeom prst="rect">
+            <a:avLst/>
+          </a:prstGeom>
+          <a:noFill/>
+        </p:spPr>
+        <p:txBody>
+          <a:bodyPr wrap="square" rtlCol="0">
+            <a:spAutoFit/>
+          </a:bodyPr>
+          <a:lstStyle/>
+          <a:p>
+            <a:pPr algn="ctr"/>
+            <a:r>
+              <a:rPr lang="en-US" dirty="0" smtClean="0"/>
+              <a:t>Confirm Password</a:t>
+            </a:r>
+            <a:endParaRPr lang="en-US" dirty="0"/>
+          </a:p>
+        </p:txBody>
+      </p:sp>
+      <p:sp>
+        <p:nvSpPr>
+          <p:cNvPr id="12" name="Rounded Rectangle 11"/>
+          <p:cNvSpPr/>
+          <p:nvPr/>
+        </p:nvSpPr>
+        <p:spPr>
+          <a:xfrm>
+            <a:off x="5749290" y="4214846"/>
+            <a:ext cx="800100" cy="411480"/>
+          </a:xfrm>
+          <a:prstGeom prst="roundRect">
+            <a:avLst/>
+          </a:prstGeom>
+        </p:spPr>
+        <p:style>
+          <a:lnRef idx="1">
+            <a:schemeClr val="dk1"/>
+          </a:lnRef>
+          <a:fillRef idx="2">
+            <a:schemeClr val="dk1"/>
+          </a:fillRef>
+          <a:effectRef idx="1">
+            <a:schemeClr val="dk1"/>
+          </a:effectRef>
+          <a:fontRef idx="minor">
+            <a:schemeClr val="dk1"/>
+          </a:fontRef>
+        </p:style>
+        <p:txBody>
+          <a:bodyPr rtlCol="0" anchor="ctr"/>
+          <a:lstStyle/>
+          <a:p>
+            <a:pPr algn="ctr"/>
+            <a:r>
+              <a:rPr lang="en-US" dirty="0" smtClean="0"/>
+              <a:t>Go</a:t>
+            </a:r>
+            <a:endParaRPr lang="en-US" dirty="0"/>
+          </a:p>
+        </p:txBody>
+      </p:sp>
+      <p:sp>
+        <p:nvSpPr>
+          <p:cNvPr id="16" name="TextBox 15"/>
+          <p:cNvSpPr txBox="1"/>
+          <p:nvPr/>
+        </p:nvSpPr>
+        <p:spPr>
+          <a:xfrm>
+            <a:off x="331470" y="502920"/>
+            <a:ext cx="2697480" cy="369332"/>
+          </a:xfrm>
+          <a:prstGeom prst="rect">
+            <a:avLst/>
+          </a:prstGeom>
+          <a:noFill/>
+        </p:spPr>
+        <p:txBody>
+          <a:bodyPr wrap="square" rtlCol="0">
+            <a:spAutoFit/>
+          </a:bodyPr>
+          <a:lstStyle/>
+          <a:p>
+            <a:r>
+              <a:rPr lang="en-US" smtClean="0"/>
+              <a:t>Change Password </a:t>
+            </a:r>
+            <a:r>
+              <a:rPr lang="en-US" dirty="0" smtClean="0"/>
+              <a:t>Page</a:t>
+            </a:r>
+          </a:p>
+        </p:txBody>
+      </p:sp>
+    </p:spTree>
+    <p:extLst>
+      <p:ext uri="{BB962C8B-B14F-4D97-AF65-F5344CB8AC3E}">
+        <p14:creationId xmlns:p14="http://schemas.microsoft.com/office/powerpoint/2010/main" val="2068519270"/>
+      </p:ext>
+    </p:extLst>
+  </p:cSld>
+  <p:clrMapOvr>
+    <a:masterClrMapping/>
+  </p:clrMapOvr>
+  <p:timing>
+    <p:tnLst>
+      <p:par>
+        <p:cTn id="1" dur="indefinite" restart="never" nodeType="tmRoot"/>
+      </p:par>
+    </p:tnLst>
+  </p:timing>
+</p:sld>
+</file>
+
+<file path=ppt/slides/slide7.xml><?xml version="1.0" encoding="utf-8"?>
+<p:sld xmlns:a="http://schemas.openxmlformats.org/drawingml/2006/main" xmlns:r="http://schemas.openxmlformats.org/officeDocument/2006/relationships" xmlns:p="http://schemas.openxmlformats.org/presentationml/2006/main">
+  <p:cSld>
+    <p:spTree>
+      <p:nvGrpSpPr>
+        <p:cNvPr id="1" name=""/>
+        <p:cNvGrpSpPr/>
+        <p:nvPr/>
+      </p:nvGrpSpPr>
+      <p:grpSpPr>
+        <a:xfrm>
+          <a:off x="0" y="0"/>
+          <a:ext cx="0" cy="0"/>
+          <a:chOff x="0" y="0"/>
+          <a:chExt cx="0" cy="0"/>
+        </a:xfrm>
+      </p:grpSpPr>
+      <p:sp>
+        <p:nvSpPr>
+          <p:cNvPr id="4" name="Rounded Rectangle 3"/>
+          <p:cNvSpPr/>
+          <p:nvPr/>
+        </p:nvSpPr>
+        <p:spPr>
+          <a:xfrm>
             <a:off x="1851660" y="244602"/>
             <a:ext cx="4114800" cy="6318504"/>
           </a:xfrm>
@@ -6750,7 +7618,7 @@
 </p:sld>
 </file>
 
-<file path=ppt/slides/slide6.xml><?xml version="1.0" encoding="utf-8"?>
+<file path=ppt/slides/slide8.xml><?xml version="1.0" encoding="utf-8"?>
 <p:sld xmlns:a="http://schemas.openxmlformats.org/drawingml/2006/main" xmlns:r="http://schemas.openxmlformats.org/officeDocument/2006/relationships" xmlns:p="http://schemas.openxmlformats.org/presentationml/2006/main">
   <p:cSld>
     <p:spTree>
@@ -7600,7 +8468,7 @@
 </p:sld>
 </file>
 
-<file path=ppt/slides/slide7.xml><?xml version="1.0" encoding="utf-8"?>
+<file path=ppt/slides/slide9.xml><?xml version="1.0" encoding="utf-8"?>
 <p:sld xmlns:a="http://schemas.openxmlformats.org/drawingml/2006/main" xmlns:r="http://schemas.openxmlformats.org/officeDocument/2006/relationships" xmlns:p="http://schemas.openxmlformats.org/presentationml/2006/main">
   <p:cSld>
     <p:spTree>
@@ -8470,80 +9338,6 @@
     <p:extLst>
       <p:ext uri="{BB962C8B-B14F-4D97-AF65-F5344CB8AC3E}">
         <p14:creationId xmlns:p14="http://schemas.microsoft.com/office/powerpoint/2010/main" val="254376455"/>
-      </p:ext>
-    </p:extLst>
-  </p:cSld>
-  <p:clrMapOvr>
-    <a:masterClrMapping/>
-  </p:clrMapOvr>
-  <p:timing>
-    <p:tnLst>
-      <p:par>
-        <p:cTn id="1" dur="indefinite" restart="never" nodeType="tmRoot"/>
-      </p:par>
-    </p:tnLst>
-  </p:timing>
-</p:sld>
-</file>
-
-<file path=ppt/slides/slide8.xml><?xml version="1.0" encoding="utf-8"?>
-<p:sld xmlns:a="http://schemas.openxmlformats.org/drawingml/2006/main" xmlns:r="http://schemas.openxmlformats.org/officeDocument/2006/relationships" xmlns:p="http://schemas.openxmlformats.org/presentationml/2006/main">
-  <p:cSld>
-    <p:spTree>
-      <p:nvGrpSpPr>
-        <p:cNvPr id="1" name=""/>
-        <p:cNvGrpSpPr/>
-        <p:nvPr/>
-      </p:nvGrpSpPr>
-      <p:grpSpPr>
-        <a:xfrm>
-          <a:off x="0" y="0"/>
-          <a:ext cx="0" cy="0"/>
-          <a:chOff x="0" y="0"/>
-          <a:chExt cx="0" cy="0"/>
-        </a:xfrm>
-      </p:grpSpPr>
-    </p:spTree>
-    <p:extLst>
-      <p:ext uri="{BB962C8B-B14F-4D97-AF65-F5344CB8AC3E}">
-        <p14:creationId xmlns:p14="http://schemas.microsoft.com/office/powerpoint/2010/main" val="1521178765"/>
-      </p:ext>
-    </p:extLst>
-  </p:cSld>
-  <p:clrMapOvr>
-    <a:masterClrMapping/>
-  </p:clrMapOvr>
-  <p:timing>
-    <p:tnLst>
-      <p:par>
-        <p:cTn id="1" dur="indefinite" restart="never" nodeType="tmRoot"/>
-      </p:par>
-    </p:tnLst>
-  </p:timing>
-</p:sld>
-</file>
-
-<file path=ppt/slides/slide9.xml><?xml version="1.0" encoding="utf-8"?>
-<p:sld xmlns:a="http://schemas.openxmlformats.org/drawingml/2006/main" xmlns:r="http://schemas.openxmlformats.org/officeDocument/2006/relationships" xmlns:p="http://schemas.openxmlformats.org/presentationml/2006/main">
-  <p:cSld>
-    <p:spTree>
-      <p:nvGrpSpPr>
-        <p:cNvPr id="1" name=""/>
-        <p:cNvGrpSpPr/>
-        <p:nvPr/>
-      </p:nvGrpSpPr>
-      <p:grpSpPr>
-        <a:xfrm>
-          <a:off x="0" y="0"/>
-          <a:ext cx="0" cy="0"/>
-          <a:chOff x="0" y="0"/>
-          <a:chExt cx="0" cy="0"/>
-        </a:xfrm>
-      </p:grpSpPr>
-    </p:spTree>
-    <p:extLst>
-      <p:ext uri="{BB962C8B-B14F-4D97-AF65-F5344CB8AC3E}">
-        <p14:creationId xmlns:p14="http://schemas.microsoft.com/office/powerpoint/2010/main" val="841040547"/>
       </p:ext>
     </p:extLst>
   </p:cSld>

--- a/Storyboard Design.pptx
+++ b/Storyboard Design.pptx
@@ -10,9 +10,9 @@
   <p:sldIdLst>
     <p:sldId id="261" r:id="rId2"/>
     <p:sldId id="265" r:id="rId3"/>
-    <p:sldId id="256" r:id="rId4"/>
-    <p:sldId id="257" r:id="rId5"/>
-    <p:sldId id="258" r:id="rId6"/>
+    <p:sldId id="266" r:id="rId4"/>
+    <p:sldId id="267" r:id="rId5"/>
+    <p:sldId id="268" r:id="rId6"/>
     <p:sldId id="259" r:id="rId7"/>
     <p:sldId id="260" r:id="rId8"/>
     <p:sldId id="263" r:id="rId9"/>
@@ -603,7 +603,7 @@
           <a:p>
             <a:r>
               <a:rPr lang="en-US" dirty="0" smtClean="0"/>
-              <a:t>Login</a:t>
+              <a:t>Need to check against existing usernames</a:t>
             </a:r>
             <a:endParaRPr lang="en-US" dirty="0"/>
           </a:p>
@@ -635,7 +635,7 @@
     </p:spTree>
     <p:extLst>
       <p:ext uri="{BB962C8B-B14F-4D97-AF65-F5344CB8AC3E}">
-        <p14:creationId xmlns:p14="http://schemas.microsoft.com/office/powerpoint/2010/main" val="626358615"/>
+        <p14:creationId xmlns:p14="http://schemas.microsoft.com/office/powerpoint/2010/main" val="1012401531"/>
       </p:ext>
     </p:extLst>
   </p:cSld>
@@ -689,6 +689,39 @@
           <a:bodyPr/>
           <a:lstStyle/>
           <a:p>
+            <a:r>
+              <a:rPr lang="en-US" dirty="0" smtClean="0"/>
+              <a:t>Can throw</a:t>
+            </a:r>
+            <a:r>
+              <a:rPr lang="en-US" baseline="0" dirty="0" smtClean="0"/>
+              <a:t> an error under the text field if the user doesn’t exist</a:t>
+            </a:r>
+          </a:p>
+          <a:p>
+            <a:pPr marL="0" marR="0" indent="0" algn="l" defTabSz="914400" rtl="0" eaLnBrk="1" fontAlgn="auto" latinLnBrk="0" hangingPunct="1">
+              <a:lnSpc>
+                <a:spcPct val="100000"/>
+              </a:lnSpc>
+              <a:spcBef>
+                <a:spcPts val="0"/>
+              </a:spcBef>
+              <a:spcAft>
+                <a:spcPts val="0"/>
+              </a:spcAft>
+              <a:buClrTx/>
+              <a:buSzTx/>
+              <a:buFontTx/>
+              <a:buNone/>
+              <a:tabLst/>
+              <a:defRPr/>
+            </a:pPr>
+            <a:r>
+              <a:rPr lang="en-US" dirty="0" smtClean="0"/>
+              <a:t>Will parse automatically the texts inputted</a:t>
+            </a:r>
+          </a:p>
+          <a:p>
             <a:endParaRPr lang="en-US" dirty="0"/>
           </a:p>
         </p:txBody>
@@ -719,7 +752,7 @@
     </p:spTree>
     <p:extLst>
       <p:ext uri="{BB962C8B-B14F-4D97-AF65-F5344CB8AC3E}">
-        <p14:creationId xmlns:p14="http://schemas.microsoft.com/office/powerpoint/2010/main" val="394672740"/>
+        <p14:creationId xmlns:p14="http://schemas.microsoft.com/office/powerpoint/2010/main" val="1294844252"/>
       </p:ext>
     </p:extLst>
   </p:cSld>
@@ -775,12 +808,37 @@
           <a:p>
             <a:r>
               <a:rPr lang="en-US" dirty="0" smtClean="0"/>
-              <a:t>Will parse automatically the texts </a:t>
-            </a:r>
-            <a:r>
-              <a:rPr lang="en-US" dirty="0" err="1" smtClean="0"/>
-              <a:t>inputed</a:t>
-            </a:r>
+              <a:t>Can throw</a:t>
+            </a:r>
+            <a:r>
+              <a:rPr lang="en-US" baseline="0" dirty="0" smtClean="0"/>
+              <a:t> an error under the text field if the user doesn’t exist</a:t>
+            </a:r>
+          </a:p>
+          <a:p>
+            <a:pPr marL="0" marR="0" indent="0" algn="l" defTabSz="914400" rtl="0" eaLnBrk="1" fontAlgn="auto" latinLnBrk="0" hangingPunct="1">
+              <a:lnSpc>
+                <a:spcPct val="100000"/>
+              </a:lnSpc>
+              <a:spcBef>
+                <a:spcPts val="0"/>
+              </a:spcBef>
+              <a:spcAft>
+                <a:spcPts val="0"/>
+              </a:spcAft>
+              <a:buClrTx/>
+              <a:buSzTx/>
+              <a:buFontTx/>
+              <a:buNone/>
+              <a:tabLst/>
+              <a:defRPr/>
+            </a:pPr>
+            <a:r>
+              <a:rPr lang="en-US" dirty="0" smtClean="0"/>
+              <a:t>Will parse automatically the texts inputted</a:t>
+            </a:r>
+          </a:p>
+          <a:p>
             <a:endParaRPr lang="en-US" dirty="0"/>
           </a:p>
         </p:txBody>
@@ -811,7 +869,7 @@
     </p:spTree>
     <p:extLst>
       <p:ext uri="{BB962C8B-B14F-4D97-AF65-F5344CB8AC3E}">
-        <p14:creationId xmlns:p14="http://schemas.microsoft.com/office/powerpoint/2010/main" val="844848586"/>
+        <p14:creationId xmlns:p14="http://schemas.microsoft.com/office/powerpoint/2010/main" val="393491078"/>
       </p:ext>
     </p:extLst>
   </p:cSld>
@@ -4088,23 +4146,6 @@
           <a:lstStyle/>
           <a:p>
             <a:pPr algn="ctr"/>
-            <a:endParaRPr lang="en-US" smtClean="0">
-              <a:solidFill>
-                <a:schemeClr val="bg1">
-                  <a:lumMod val="75000"/>
-                </a:schemeClr>
-              </a:solidFill>
-              <a:effectLst>
-                <a:outerShdw blurRad="50800" dist="177800" dir="4080000" algn="ctr" rotWithShape="0">
-                  <a:srgbClr val="000000">
-                    <a:alpha val="43137"/>
-                  </a:srgbClr>
-                </a:outerShdw>
-              </a:effectLst>
-            </a:endParaRPr>
-          </a:p>
-          <a:p>
-            <a:pPr algn="ctr"/>
             <a:endParaRPr lang="en-US" dirty="0" smtClean="0">
               <a:solidFill>
                 <a:schemeClr val="bg1">
@@ -4258,35 +4299,75 @@
           </a:p>
           <a:p>
             <a:pPr algn="ctr"/>
-            <a:r>
-              <a:rPr lang="en-US" sz="2400" dirty="0" smtClean="0">
-                <a:solidFill>
-                  <a:schemeClr val="bg1">
-                    <a:lumMod val="75000"/>
-                  </a:schemeClr>
-                </a:solidFill>
-                <a:effectLst>
-                  <a:outerShdw blurRad="50800" dist="177800" dir="4080000" sx="105000" sy="105000" algn="ctr" rotWithShape="0">
-                    <a:srgbClr val="000000">
-                      <a:alpha val="43137"/>
-                    </a:srgbClr>
-                  </a:outerShdw>
-                </a:effectLst>
-              </a:rPr>
-              <a:t>LOGIN</a:t>
-            </a:r>
-          </a:p>
-        </p:txBody>
-      </p:sp>
-      <p:sp>
-        <p:nvSpPr>
-          <p:cNvPr id="8" name="Rounded Rectangle 7"/>
+            <a:endParaRPr lang="en-US" dirty="0" smtClean="0">
+              <a:solidFill>
+                <a:schemeClr val="bg1">
+                  <a:lumMod val="75000"/>
+                </a:schemeClr>
+              </a:solidFill>
+              <a:effectLst>
+                <a:outerShdw blurRad="50800" dist="177800" dir="4080000" algn="ctr" rotWithShape="0">
+                  <a:srgbClr val="000000">
+                    <a:alpha val="43137"/>
+                  </a:srgbClr>
+                </a:outerShdw>
+              </a:effectLst>
+            </a:endParaRPr>
+          </a:p>
+        </p:txBody>
+      </p:sp>
+      <p:pic>
+        <p:nvPicPr>
+          <p:cNvPr id="10" name="Picture 9"/>
+          <p:cNvPicPr>
+            <a:picLocks noChangeAspect="1"/>
+          </p:cNvPicPr>
+          <p:nvPr/>
+        </p:nvPicPr>
+        <p:blipFill>
+          <a:blip r:embed="rId3">
+            <a:extLst>
+              <a:ext uri="{28A0092B-C50C-407E-A947-70E740481C1C}">
+                <a14:useLocalDpi xmlns:a14="http://schemas.microsoft.com/office/drawing/2010/main" val="0"/>
+              </a:ext>
+            </a:extLst>
+          </a:blip>
+          <a:stretch>
+            <a:fillRect/>
+          </a:stretch>
+        </p:blipFill>
+        <p:spPr>
+          <a:xfrm>
+            <a:off x="4637578" y="1380173"/>
+            <a:ext cx="2050676" cy="1285875"/>
+          </a:xfrm>
+          <a:prstGeom prst="rect">
+            <a:avLst/>
+          </a:prstGeom>
+          <a:effectLst>
+            <a:glow rad="101600">
+              <a:schemeClr val="accent3">
+                <a:satMod val="175000"/>
+                <a:alpha val="40000"/>
+              </a:schemeClr>
+            </a:glow>
+            <a:outerShdw blurRad="50800" dist="88900" dir="2760000" algn="ctr" rotWithShape="0">
+              <a:srgbClr val="000000">
+                <a:alpha val="43137"/>
+              </a:srgbClr>
+            </a:outerShdw>
+          </a:effectLst>
+        </p:spPr>
+      </p:pic>
+      <p:sp>
+        <p:nvSpPr>
+          <p:cNvPr id="13" name="Rounded Rectangle 12"/>
           <p:cNvSpPr/>
           <p:nvPr/>
         </p:nvSpPr>
         <p:spPr>
           <a:xfrm>
-            <a:off x="4194810" y="3268980"/>
+            <a:off x="4167290" y="3535799"/>
             <a:ext cx="2937510" cy="457200"/>
           </a:xfrm>
           <a:prstGeom prst="roundRect">
@@ -4321,99 +4402,7 @@
             <a:pPr algn="ctr"/>
             <a:r>
               <a:rPr lang="en-US" dirty="0" smtClean="0"/>
-              <a:t>Username Text</a:t>
-            </a:r>
-            <a:endParaRPr lang="en-US" dirty="0"/>
-          </a:p>
-        </p:txBody>
-      </p:sp>
-      <p:pic>
-        <p:nvPicPr>
-          <p:cNvPr id="10" name="Picture 9"/>
-          <p:cNvPicPr>
-            <a:picLocks noChangeAspect="1"/>
-          </p:cNvPicPr>
-          <p:nvPr/>
-        </p:nvPicPr>
-        <p:blipFill>
-          <a:blip r:embed="rId3">
-            <a:extLst>
-              <a:ext uri="{28A0092B-C50C-407E-A947-70E740481C1C}">
-                <a14:useLocalDpi xmlns:a14="http://schemas.microsoft.com/office/drawing/2010/main" val="0"/>
-              </a:ext>
-            </a:extLst>
-          </a:blip>
-          <a:stretch>
-            <a:fillRect/>
-          </a:stretch>
-        </p:blipFill>
-        <p:spPr>
-          <a:xfrm>
-            <a:off x="4637578" y="1380173"/>
-            <a:ext cx="2050676" cy="1285875"/>
-          </a:xfrm>
-          <a:prstGeom prst="rect">
-            <a:avLst/>
-          </a:prstGeom>
-          <a:effectLst>
-            <a:glow rad="101600">
-              <a:schemeClr val="accent3">
-                <a:satMod val="175000"/>
-                <a:alpha val="40000"/>
-              </a:schemeClr>
-            </a:glow>
-            <a:outerShdw blurRad="50800" dist="88900" dir="2760000" algn="ctr" rotWithShape="0">
-              <a:srgbClr val="000000">
-                <a:alpha val="43137"/>
-              </a:srgbClr>
-            </a:outerShdw>
-          </a:effectLst>
-        </p:spPr>
-      </p:pic>
-      <p:sp>
-        <p:nvSpPr>
-          <p:cNvPr id="13" name="Rounded Rectangle 12"/>
-          <p:cNvSpPr/>
-          <p:nvPr/>
-        </p:nvSpPr>
-        <p:spPr>
-          <a:xfrm>
-            <a:off x="4194810" y="3834765"/>
-            <a:ext cx="2937510" cy="457200"/>
-          </a:xfrm>
-          <a:prstGeom prst="roundRect">
-            <a:avLst/>
-          </a:prstGeom>
-          <a:effectLst>
-            <a:outerShdw blurRad="50800" dist="25400" dir="2880000" algn="ctr" rotWithShape="0">
-              <a:srgbClr val="000000">
-                <a:alpha val="43137"/>
-              </a:srgbClr>
-            </a:outerShdw>
-          </a:effectLst>
-        </p:spPr>
-        <p:style>
-          <a:lnRef idx="1">
-            <a:schemeClr val="dk1"/>
-          </a:lnRef>
-          <a:fillRef idx="1003">
-            <a:schemeClr val="lt2"/>
-          </a:fillRef>
-          <a:effectRef idx="1">
-            <a:schemeClr val="dk1"/>
-          </a:effectRef>
-          <a:fontRef idx="minor">
-            <a:schemeClr val="dk1"/>
-          </a:fontRef>
-        </p:style>
-        <p:txBody>
-          <a:bodyPr rtlCol="0" anchor="ctr"/>
-          <a:lstStyle/>
-          <a:p>
-            <a:pPr algn="ctr"/>
-            <a:r>
-              <a:rPr lang="en-US" dirty="0" smtClean="0"/>
-              <a:t>Password Text</a:t>
+              <a:t>Password</a:t>
             </a:r>
           </a:p>
         </p:txBody>
@@ -4426,7 +4415,7 @@
         </p:nvSpPr>
         <p:spPr>
           <a:xfrm>
-            <a:off x="4194810" y="5357098"/>
+            <a:off x="5165787" y="5004554"/>
             <a:ext cx="940515" cy="369332"/>
           </a:xfrm>
           <a:prstGeom prst="rect">
@@ -4482,8 +4471,8 @@
         </p:nvSpPr>
         <p:spPr>
           <a:xfrm>
-            <a:off x="5850061" y="5357098"/>
-            <a:ext cx="1367335" cy="369332"/>
+            <a:off x="4621736" y="5324594"/>
+            <a:ext cx="2082359" cy="369332"/>
           </a:xfrm>
           <a:prstGeom prst="rect">
             <a:avLst/>
@@ -4497,7 +4486,7 @@
           <a:p>
             <a:pPr algn="ctr"/>
             <a:r>
-              <a:rPr lang="en-US" smtClean="0">
+              <a:rPr lang="en-US" dirty="0" smtClean="0">
                 <a:solidFill>
                   <a:schemeClr val="bg1">
                     <a:lumMod val="75000"/>
@@ -4511,7 +4500,7 @@
                   </a:outerShdw>
                 </a:effectLst>
               </a:rPr>
-              <a:t>Forgot Stuff</a:t>
+              <a:t>Forgot Password</a:t>
             </a:r>
             <a:endParaRPr lang="en-US" dirty="0" smtClean="0">
               <a:solidFill>
@@ -4538,7 +4527,7 @@
         </p:nvSpPr>
         <p:spPr>
           <a:xfrm>
-            <a:off x="5076176" y="4840605"/>
+            <a:off x="4351644" y="4583787"/>
             <a:ext cx="1173480" cy="457200"/>
           </a:xfrm>
           <a:prstGeom prst="roundRect">
@@ -4565,10 +4554,196 @@
           <a:p>
             <a:pPr algn="ctr"/>
             <a:r>
-              <a:rPr lang="en-US" smtClean="0"/>
+              <a:rPr lang="en-US" dirty="0" smtClean="0"/>
               <a:t>Facebook</a:t>
             </a:r>
-            <a:endParaRPr lang="en-US" dirty="0" smtClean="0"/>
+          </a:p>
+        </p:txBody>
+      </p:sp>
+      <p:sp>
+        <p:nvSpPr>
+          <p:cNvPr id="17" name="Rounded Rectangle 16"/>
+          <p:cNvSpPr/>
+          <p:nvPr/>
+        </p:nvSpPr>
+        <p:spPr>
+          <a:xfrm>
+            <a:off x="5891339" y="4583787"/>
+            <a:ext cx="1173480" cy="457200"/>
+          </a:xfrm>
+          <a:prstGeom prst="roundRect">
+            <a:avLst/>
+          </a:prstGeom>
+          <a:solidFill>
+            <a:srgbClr val="DD5424"/>
+          </a:solidFill>
+        </p:spPr>
+        <p:style>
+          <a:lnRef idx="1">
+            <a:schemeClr val="accent2"/>
+          </a:lnRef>
+          <a:fillRef idx="2">
+            <a:schemeClr val="accent2"/>
+          </a:fillRef>
+          <a:effectRef idx="1">
+            <a:schemeClr val="accent2"/>
+          </a:effectRef>
+          <a:fontRef idx="minor">
+            <a:schemeClr val="dk1"/>
+          </a:fontRef>
+        </p:style>
+        <p:txBody>
+          <a:bodyPr rtlCol="0" anchor="ctr"/>
+          <a:lstStyle/>
+          <a:p>
+            <a:pPr algn="ctr"/>
+            <a:r>
+              <a:rPr lang="en-US" dirty="0" smtClean="0"/>
+              <a:t>Google</a:t>
+            </a:r>
+          </a:p>
+        </p:txBody>
+      </p:sp>
+      <p:sp>
+        <p:nvSpPr>
+          <p:cNvPr id="18" name="Rounded Rectangle 17"/>
+          <p:cNvSpPr/>
+          <p:nvPr/>
+        </p:nvSpPr>
+        <p:spPr>
+          <a:xfrm>
+            <a:off x="4194161" y="2970014"/>
+            <a:ext cx="2937510" cy="457200"/>
+          </a:xfrm>
+          <a:prstGeom prst="roundRect">
+            <a:avLst/>
+          </a:prstGeom>
+          <a:effectLst>
+            <a:outerShdw blurRad="50800" dist="25400" dir="2880000" algn="ctr" rotWithShape="0">
+              <a:srgbClr val="000000">
+                <a:alpha val="43137"/>
+              </a:srgbClr>
+            </a:outerShdw>
+          </a:effectLst>
+        </p:spPr>
+        <p:style>
+          <a:lnRef idx="1">
+            <a:schemeClr val="dk1"/>
+          </a:lnRef>
+          <a:fillRef idx="1003">
+            <a:schemeClr val="lt2"/>
+          </a:fillRef>
+          <a:effectRef idx="1">
+            <a:schemeClr val="dk1"/>
+          </a:effectRef>
+          <a:fontRef idx="minor">
+            <a:schemeClr val="dk1"/>
+          </a:fontRef>
+        </p:style>
+        <p:txBody>
+          <a:bodyPr rtlCol="0" anchor="ctr"/>
+          <a:lstStyle/>
+          <a:p>
+            <a:pPr algn="ctr"/>
+            <a:r>
+              <a:rPr lang="en-US" dirty="0" smtClean="0"/>
+              <a:t>Username</a:t>
+            </a:r>
+          </a:p>
+        </p:txBody>
+      </p:sp>
+      <p:sp>
+        <p:nvSpPr>
+          <p:cNvPr id="19" name="TextBox 18"/>
+          <p:cNvSpPr txBox="1"/>
+          <p:nvPr/>
+        </p:nvSpPr>
+        <p:spPr>
+          <a:xfrm>
+            <a:off x="331470" y="502920"/>
+            <a:ext cx="2251710" cy="584775"/>
+          </a:xfrm>
+          <a:prstGeom prst="rect">
+            <a:avLst/>
+          </a:prstGeom>
+          <a:noFill/>
+        </p:spPr>
+        <p:txBody>
+          <a:bodyPr wrap="square" rtlCol="0">
+            <a:spAutoFit/>
+          </a:bodyPr>
+          <a:lstStyle/>
+          <a:p>
+            <a:pPr algn="ctr"/>
+            <a:r>
+              <a:rPr lang="en-US" sz="3200" u="sng" dirty="0" smtClean="0">
+                <a:latin typeface="Arial" charset="0"/>
+                <a:ea typeface="Arial" charset="0"/>
+                <a:cs typeface="Arial" charset="0"/>
+              </a:rPr>
+              <a:t>Login Page</a:t>
+            </a:r>
+            <a:endParaRPr lang="en-US" sz="3200" u="sng" dirty="0">
+              <a:latin typeface="Arial" charset="0"/>
+              <a:ea typeface="Arial" charset="0"/>
+              <a:cs typeface="Arial" charset="0"/>
+            </a:endParaRPr>
+          </a:p>
+        </p:txBody>
+      </p:sp>
+      <p:sp>
+        <p:nvSpPr>
+          <p:cNvPr id="20" name="Rectangle 19"/>
+          <p:cNvSpPr/>
+          <p:nvPr/>
+        </p:nvSpPr>
+        <p:spPr>
+          <a:xfrm>
+            <a:off x="5294379" y="4128373"/>
+            <a:ext cx="782522" cy="369332"/>
+          </a:xfrm>
+          <a:prstGeom prst="rect">
+            <a:avLst/>
+          </a:prstGeom>
+        </p:spPr>
+        <p:txBody>
+          <a:bodyPr wrap="none">
+            <a:spAutoFit/>
+          </a:bodyPr>
+          <a:lstStyle/>
+          <a:p>
+            <a:pPr algn="ctr"/>
+            <a:r>
+              <a:rPr lang="en-US" dirty="0" smtClean="0">
+                <a:solidFill>
+                  <a:schemeClr val="bg1">
+                    <a:lumMod val="75000"/>
+                  </a:schemeClr>
+                </a:solidFill>
+                <a:effectLst>
+                  <a:outerShdw blurRad="50800" dist="177800" dir="4080000" sx="105000" sy="105000" algn="ctr" rotWithShape="0">
+                    <a:srgbClr val="000000">
+                      <a:alpha val="43137"/>
+                    </a:srgbClr>
+                  </a:outerShdw>
+                </a:effectLst>
+              </a:rPr>
+              <a:t>LOGIN</a:t>
+            </a:r>
+            <a:endParaRPr lang="en-US" dirty="0" smtClean="0">
+              <a:solidFill>
+                <a:schemeClr val="bg1">
+                  <a:lumMod val="75000"/>
+                </a:schemeClr>
+              </a:solidFill>
+              <a:effectLst>
+                <a:outerShdw blurRad="50800" dist="177800" dir="4080000" sx="105000" sy="105000" algn="ctr" rotWithShape="0">
+                  <a:srgbClr val="000000">
+                    <a:alpha val="43137"/>
+                  </a:srgbClr>
+                </a:outerShdw>
+              </a:effectLst>
+            </a:endParaRPr>
           </a:p>
         </p:txBody>
       </p:sp>
@@ -4609,23 +4784,922 @@
           <a:chExt cx="0" cy="0"/>
         </a:xfrm>
       </p:grpSpPr>
-      <p:sp>
-        <p:nvSpPr>
-          <p:cNvPr id="5" name="Rounded Rectangle 4"/>
+      <p:pic>
+        <p:nvPicPr>
+          <p:cNvPr id="4" name="Picture 3"/>
+          <p:cNvPicPr>
+            <a:picLocks noChangeAspect="1"/>
+          </p:cNvPicPr>
+          <p:nvPr/>
+        </p:nvPicPr>
+        <p:blipFill>
+          <a:blip r:embed="rId3">
+            <a:extLst>
+              <a:ext uri="{28A0092B-C50C-407E-A947-70E740481C1C}">
+                <a14:useLocalDpi xmlns:a14="http://schemas.microsoft.com/office/drawing/2010/main" val="0"/>
+              </a:ext>
+            </a:extLst>
+          </a:blip>
+          <a:stretch>
+            <a:fillRect/>
+          </a:stretch>
+        </p:blipFill>
+        <p:spPr>
+          <a:xfrm>
+            <a:off x="3945890" y="0"/>
+            <a:ext cx="3440545" cy="6858000"/>
+          </a:xfrm>
+          <a:prstGeom prst="rect">
+            <a:avLst/>
+          </a:prstGeom>
+        </p:spPr>
+      </p:pic>
+      <p:sp>
+        <p:nvSpPr>
+          <p:cNvPr id="7" name="Rectangle 6"/>
           <p:cNvSpPr/>
           <p:nvPr/>
         </p:nvSpPr>
         <p:spPr>
           <a:xfrm>
-            <a:off x="4116651" y="210312"/>
-            <a:ext cx="4114800" cy="6318504"/>
+            <a:off x="4103370" y="765810"/>
+            <a:ext cx="3143250" cy="4926329"/>
+          </a:xfrm>
+          <a:prstGeom prst="rect">
+            <a:avLst/>
+          </a:prstGeom>
+        </p:spPr>
+        <p:style>
+          <a:lnRef idx="2">
+            <a:schemeClr val="accent1">
+              <a:shade val="50000"/>
+            </a:schemeClr>
+          </a:lnRef>
+          <a:fillRef idx="1003">
+            <a:schemeClr val="dk2"/>
+          </a:fillRef>
+          <a:effectRef idx="0">
+            <a:schemeClr val="accent1"/>
+          </a:effectRef>
+          <a:fontRef idx="minor">
+            <a:schemeClr val="lt1"/>
+          </a:fontRef>
+        </p:style>
+        <p:txBody>
+          <a:bodyPr rtlCol="0" anchor="ctr"/>
+          <a:lstStyle/>
+          <a:p>
+            <a:pPr algn="ctr"/>
+            <a:endParaRPr lang="en-US" dirty="0" smtClean="0">
+              <a:solidFill>
+                <a:schemeClr val="bg1">
+                  <a:lumMod val="75000"/>
+                </a:schemeClr>
+              </a:solidFill>
+              <a:effectLst>
+                <a:outerShdw blurRad="50800" dist="177800" dir="4080000" algn="ctr" rotWithShape="0">
+                  <a:srgbClr val="000000">
+                    <a:alpha val="43137"/>
+                  </a:srgbClr>
+                </a:outerShdw>
+              </a:effectLst>
+            </a:endParaRPr>
+          </a:p>
+          <a:p>
+            <a:pPr algn="ctr"/>
+            <a:endParaRPr lang="en-US" dirty="0" smtClean="0">
+              <a:solidFill>
+                <a:schemeClr val="bg1">
+                  <a:lumMod val="75000"/>
+                </a:schemeClr>
+              </a:solidFill>
+              <a:effectLst>
+                <a:outerShdw blurRad="50800" dist="177800" dir="4080000" algn="ctr" rotWithShape="0">
+                  <a:srgbClr val="000000">
+                    <a:alpha val="43137"/>
+                  </a:srgbClr>
+                </a:outerShdw>
+              </a:effectLst>
+            </a:endParaRPr>
+          </a:p>
+          <a:p>
+            <a:pPr algn="ctr"/>
+            <a:endParaRPr lang="en-US" dirty="0" smtClean="0">
+              <a:solidFill>
+                <a:schemeClr val="bg1">
+                  <a:lumMod val="75000"/>
+                </a:schemeClr>
+              </a:solidFill>
+              <a:effectLst>
+                <a:outerShdw blurRad="50800" dist="177800" dir="4080000" algn="ctr" rotWithShape="0">
+                  <a:srgbClr val="000000">
+                    <a:alpha val="43137"/>
+                  </a:srgbClr>
+                </a:outerShdw>
+              </a:effectLst>
+            </a:endParaRPr>
+          </a:p>
+          <a:p>
+            <a:pPr algn="ctr"/>
+            <a:endParaRPr lang="en-US" dirty="0" smtClean="0">
+              <a:solidFill>
+                <a:schemeClr val="bg1">
+                  <a:lumMod val="75000"/>
+                </a:schemeClr>
+              </a:solidFill>
+              <a:effectLst>
+                <a:outerShdw blurRad="50800" dist="177800" dir="4080000" algn="ctr" rotWithShape="0">
+                  <a:srgbClr val="000000">
+                    <a:alpha val="43137"/>
+                  </a:srgbClr>
+                </a:outerShdw>
+              </a:effectLst>
+            </a:endParaRPr>
+          </a:p>
+          <a:p>
+            <a:pPr algn="ctr"/>
+            <a:endParaRPr lang="en-US" dirty="0" smtClean="0">
+              <a:solidFill>
+                <a:schemeClr val="bg1">
+                  <a:lumMod val="75000"/>
+                </a:schemeClr>
+              </a:solidFill>
+              <a:effectLst>
+                <a:outerShdw blurRad="50800" dist="177800" dir="4080000" algn="ctr" rotWithShape="0">
+                  <a:srgbClr val="000000">
+                    <a:alpha val="43137"/>
+                  </a:srgbClr>
+                </a:outerShdw>
+              </a:effectLst>
+            </a:endParaRPr>
+          </a:p>
+          <a:p>
+            <a:pPr algn="ctr"/>
+            <a:endParaRPr lang="en-US" dirty="0" smtClean="0">
+              <a:solidFill>
+                <a:schemeClr val="bg1">
+                  <a:lumMod val="75000"/>
+                </a:schemeClr>
+              </a:solidFill>
+              <a:effectLst>
+                <a:outerShdw blurRad="50800" dist="177800" dir="4080000" algn="ctr" rotWithShape="0">
+                  <a:srgbClr val="000000">
+                    <a:alpha val="43137"/>
+                  </a:srgbClr>
+                </a:outerShdw>
+              </a:effectLst>
+            </a:endParaRPr>
+          </a:p>
+          <a:p>
+            <a:pPr algn="ctr"/>
+            <a:endParaRPr lang="en-US" dirty="0" smtClean="0">
+              <a:solidFill>
+                <a:schemeClr val="bg1">
+                  <a:lumMod val="75000"/>
+                </a:schemeClr>
+              </a:solidFill>
+              <a:effectLst>
+                <a:outerShdw blurRad="50800" dist="177800" dir="4080000" algn="ctr" rotWithShape="0">
+                  <a:srgbClr val="000000">
+                    <a:alpha val="43137"/>
+                  </a:srgbClr>
+                </a:outerShdw>
+              </a:effectLst>
+            </a:endParaRPr>
+          </a:p>
+          <a:p>
+            <a:pPr algn="ctr"/>
+            <a:endParaRPr lang="en-US" dirty="0" smtClean="0">
+              <a:solidFill>
+                <a:schemeClr val="bg1">
+                  <a:lumMod val="75000"/>
+                </a:schemeClr>
+              </a:solidFill>
+              <a:effectLst>
+                <a:outerShdw blurRad="50800" dist="177800" dir="4080000" algn="ctr" rotWithShape="0">
+                  <a:srgbClr val="000000">
+                    <a:alpha val="43137"/>
+                  </a:srgbClr>
+                </a:outerShdw>
+              </a:effectLst>
+            </a:endParaRPr>
+          </a:p>
+          <a:p>
+            <a:pPr algn="ctr"/>
+            <a:endParaRPr lang="en-US" dirty="0" smtClean="0">
+              <a:solidFill>
+                <a:schemeClr val="bg1">
+                  <a:lumMod val="75000"/>
+                </a:schemeClr>
+              </a:solidFill>
+              <a:effectLst>
+                <a:outerShdw blurRad="50800" dist="177800" dir="4080000" algn="ctr" rotWithShape="0">
+                  <a:srgbClr val="000000">
+                    <a:alpha val="43137"/>
+                  </a:srgbClr>
+                </a:outerShdw>
+              </a:effectLst>
+            </a:endParaRPr>
+          </a:p>
+          <a:p>
+            <a:pPr algn="ctr"/>
+            <a:endParaRPr lang="en-US" dirty="0" smtClean="0">
+              <a:solidFill>
+                <a:schemeClr val="bg1">
+                  <a:lumMod val="75000"/>
+                </a:schemeClr>
+              </a:solidFill>
+              <a:effectLst>
+                <a:outerShdw blurRad="50800" dist="177800" dir="4080000" algn="ctr" rotWithShape="0">
+                  <a:srgbClr val="000000">
+                    <a:alpha val="43137"/>
+                  </a:srgbClr>
+                </a:outerShdw>
+              </a:effectLst>
+            </a:endParaRPr>
+          </a:p>
+        </p:txBody>
+      </p:sp>
+      <p:sp>
+        <p:nvSpPr>
+          <p:cNvPr id="2" name="TextBox 1"/>
+          <p:cNvSpPr txBox="1"/>
+          <p:nvPr/>
+        </p:nvSpPr>
+        <p:spPr>
+          <a:xfrm>
+            <a:off x="5166360" y="2114550"/>
+            <a:ext cx="184731" cy="369332"/>
+          </a:xfrm>
+          <a:prstGeom prst="rect">
+            <a:avLst/>
+          </a:prstGeom>
+          <a:noFill/>
+        </p:spPr>
+        <p:txBody>
+          <a:bodyPr wrap="none" rtlCol="0">
+            <a:spAutoFit/>
+          </a:bodyPr>
+          <a:lstStyle/>
+          <a:p>
+            <a:endParaRPr lang="en-US" dirty="0"/>
+          </a:p>
+        </p:txBody>
+      </p:sp>
+      <p:sp>
+        <p:nvSpPr>
+          <p:cNvPr id="22" name="Rounded Rectangle 21"/>
+          <p:cNvSpPr/>
+          <p:nvPr/>
+        </p:nvSpPr>
+        <p:spPr>
+          <a:xfrm>
+            <a:off x="4206239" y="2090261"/>
+            <a:ext cx="2937510" cy="325755"/>
           </a:xfrm>
           <a:prstGeom prst="roundRect">
             <a:avLst/>
           </a:prstGeom>
-          <a:solidFill>
-            <a:schemeClr val="bg1"/>
-          </a:solidFill>
+          <a:gradFill>
+            <a:gsLst>
+              <a:gs pos="0">
+                <a:schemeClr val="lt2">
+                  <a:tint val="93000"/>
+                  <a:satMod val="150000"/>
+                  <a:shade val="98000"/>
+                  <a:lumMod val="102000"/>
+                </a:schemeClr>
+              </a:gs>
+              <a:gs pos="50000">
+                <a:schemeClr val="lt2">
+                  <a:tint val="98000"/>
+                  <a:satMod val="130000"/>
+                  <a:shade val="90000"/>
+                  <a:lumMod val="103000"/>
+                </a:schemeClr>
+              </a:gs>
+              <a:gs pos="100000">
+                <a:schemeClr val="bg2"/>
+              </a:gs>
+            </a:gsLst>
+          </a:gradFill>
+          <a:effectLst>
+            <a:outerShdw blurRad="50800" dist="25400" dir="2880000" algn="ctr" rotWithShape="0">
+              <a:srgbClr val="000000">
+                <a:alpha val="43137"/>
+              </a:srgbClr>
+            </a:outerShdw>
+          </a:effectLst>
+        </p:spPr>
+        <p:style>
+          <a:lnRef idx="1">
+            <a:schemeClr val="dk1"/>
+          </a:lnRef>
+          <a:fillRef idx="1003">
+            <a:schemeClr val="lt2"/>
+          </a:fillRef>
+          <a:effectRef idx="1">
+            <a:schemeClr val="dk1"/>
+          </a:effectRef>
+          <a:fontRef idx="minor">
+            <a:schemeClr val="dk1"/>
+          </a:fontRef>
+        </p:style>
+        <p:txBody>
+          <a:bodyPr rtlCol="0" anchor="ctr"/>
+          <a:lstStyle/>
+          <a:p>
+            <a:pPr algn="ctr"/>
+            <a:r>
+              <a:rPr lang="en-US" smtClean="0"/>
+              <a:t>First Name</a:t>
+            </a:r>
+            <a:endParaRPr lang="en-US" dirty="0"/>
+          </a:p>
+        </p:txBody>
+      </p:sp>
+      <p:sp>
+        <p:nvSpPr>
+          <p:cNvPr id="24" name="Rounded Rectangle 23"/>
+          <p:cNvSpPr/>
+          <p:nvPr/>
+        </p:nvSpPr>
+        <p:spPr>
+          <a:xfrm>
+            <a:off x="4206239" y="2487453"/>
+            <a:ext cx="2937510" cy="325755"/>
+          </a:xfrm>
+          <a:prstGeom prst="roundRect">
+            <a:avLst/>
+          </a:prstGeom>
+          <a:gradFill>
+            <a:gsLst>
+              <a:gs pos="0">
+                <a:schemeClr val="lt2">
+                  <a:tint val="93000"/>
+                  <a:satMod val="150000"/>
+                  <a:shade val="98000"/>
+                  <a:lumMod val="102000"/>
+                </a:schemeClr>
+              </a:gs>
+              <a:gs pos="50000">
+                <a:schemeClr val="lt2">
+                  <a:tint val="98000"/>
+                  <a:satMod val="130000"/>
+                  <a:shade val="90000"/>
+                  <a:lumMod val="103000"/>
+                </a:schemeClr>
+              </a:gs>
+              <a:gs pos="100000">
+                <a:schemeClr val="bg2"/>
+              </a:gs>
+            </a:gsLst>
+          </a:gradFill>
+          <a:effectLst>
+            <a:outerShdw blurRad="50800" dist="25400" dir="2880000" algn="ctr" rotWithShape="0">
+              <a:srgbClr val="000000">
+                <a:alpha val="43137"/>
+              </a:srgbClr>
+            </a:outerShdw>
+          </a:effectLst>
+        </p:spPr>
+        <p:style>
+          <a:lnRef idx="1">
+            <a:schemeClr val="dk1"/>
+          </a:lnRef>
+          <a:fillRef idx="1003">
+            <a:schemeClr val="lt2"/>
+          </a:fillRef>
+          <a:effectRef idx="1">
+            <a:schemeClr val="dk1"/>
+          </a:effectRef>
+          <a:fontRef idx="minor">
+            <a:schemeClr val="dk1"/>
+          </a:fontRef>
+        </p:style>
+        <p:txBody>
+          <a:bodyPr rtlCol="0" anchor="ctr"/>
+          <a:lstStyle/>
+          <a:p>
+            <a:pPr algn="ctr"/>
+            <a:r>
+              <a:rPr lang="en-US" dirty="0" smtClean="0"/>
+              <a:t>Last Name</a:t>
+            </a:r>
+            <a:endParaRPr lang="en-US" dirty="0"/>
+          </a:p>
+        </p:txBody>
+      </p:sp>
+      <p:sp>
+        <p:nvSpPr>
+          <p:cNvPr id="25" name="Rounded Rectangle 24"/>
+          <p:cNvSpPr/>
+          <p:nvPr/>
+        </p:nvSpPr>
+        <p:spPr>
+          <a:xfrm>
+            <a:off x="4206239" y="2896076"/>
+            <a:ext cx="2937510" cy="325755"/>
+          </a:xfrm>
+          <a:prstGeom prst="roundRect">
+            <a:avLst/>
+          </a:prstGeom>
+          <a:gradFill>
+            <a:gsLst>
+              <a:gs pos="0">
+                <a:schemeClr val="lt2">
+                  <a:tint val="93000"/>
+                  <a:satMod val="150000"/>
+                  <a:shade val="98000"/>
+                  <a:lumMod val="102000"/>
+                </a:schemeClr>
+              </a:gs>
+              <a:gs pos="50000">
+                <a:schemeClr val="lt2">
+                  <a:tint val="98000"/>
+                  <a:satMod val="130000"/>
+                  <a:shade val="90000"/>
+                  <a:lumMod val="103000"/>
+                </a:schemeClr>
+              </a:gs>
+              <a:gs pos="100000">
+                <a:schemeClr val="bg2"/>
+              </a:gs>
+            </a:gsLst>
+          </a:gradFill>
+          <a:effectLst>
+            <a:outerShdw blurRad="50800" dist="25400" dir="2880000" algn="ctr" rotWithShape="0">
+              <a:srgbClr val="000000">
+                <a:alpha val="43137"/>
+              </a:srgbClr>
+            </a:outerShdw>
+          </a:effectLst>
+        </p:spPr>
+        <p:style>
+          <a:lnRef idx="1">
+            <a:schemeClr val="dk1"/>
+          </a:lnRef>
+          <a:fillRef idx="1003">
+            <a:schemeClr val="lt2"/>
+          </a:fillRef>
+          <a:effectRef idx="1">
+            <a:schemeClr val="dk1"/>
+          </a:effectRef>
+          <a:fontRef idx="minor">
+            <a:schemeClr val="dk1"/>
+          </a:fontRef>
+        </p:style>
+        <p:txBody>
+          <a:bodyPr rtlCol="0" anchor="ctr"/>
+          <a:lstStyle/>
+          <a:p>
+            <a:pPr algn="ctr"/>
+            <a:r>
+              <a:rPr lang="en-US" smtClean="0"/>
+              <a:t>Email</a:t>
+            </a:r>
+            <a:endParaRPr lang="en-US" dirty="0"/>
+          </a:p>
+        </p:txBody>
+      </p:sp>
+      <p:sp>
+        <p:nvSpPr>
+          <p:cNvPr id="26" name="Rounded Rectangle 25"/>
+          <p:cNvSpPr/>
+          <p:nvPr/>
+        </p:nvSpPr>
+        <p:spPr>
+          <a:xfrm>
+            <a:off x="4206239" y="3304699"/>
+            <a:ext cx="2937510" cy="325755"/>
+          </a:xfrm>
+          <a:prstGeom prst="roundRect">
+            <a:avLst/>
+          </a:prstGeom>
+          <a:gradFill>
+            <a:gsLst>
+              <a:gs pos="0">
+                <a:schemeClr val="lt2">
+                  <a:tint val="93000"/>
+                  <a:satMod val="150000"/>
+                  <a:shade val="98000"/>
+                  <a:lumMod val="102000"/>
+                </a:schemeClr>
+              </a:gs>
+              <a:gs pos="50000">
+                <a:schemeClr val="lt2">
+                  <a:tint val="98000"/>
+                  <a:satMod val="130000"/>
+                  <a:shade val="90000"/>
+                  <a:lumMod val="103000"/>
+                </a:schemeClr>
+              </a:gs>
+              <a:gs pos="100000">
+                <a:schemeClr val="bg2"/>
+              </a:gs>
+            </a:gsLst>
+          </a:gradFill>
+          <a:effectLst>
+            <a:outerShdw blurRad="50800" dist="25400" dir="2880000" algn="ctr" rotWithShape="0">
+              <a:srgbClr val="000000">
+                <a:alpha val="43137"/>
+              </a:srgbClr>
+            </a:outerShdw>
+          </a:effectLst>
+        </p:spPr>
+        <p:style>
+          <a:lnRef idx="1">
+            <a:schemeClr val="dk1"/>
+          </a:lnRef>
+          <a:fillRef idx="1003">
+            <a:schemeClr val="lt2"/>
+          </a:fillRef>
+          <a:effectRef idx="1">
+            <a:schemeClr val="dk1"/>
+          </a:effectRef>
+          <a:fontRef idx="minor">
+            <a:schemeClr val="dk1"/>
+          </a:fontRef>
+        </p:style>
+        <p:txBody>
+          <a:bodyPr rtlCol="0" anchor="ctr"/>
+          <a:lstStyle/>
+          <a:p>
+            <a:pPr algn="ctr"/>
+            <a:r>
+              <a:rPr lang="en-US" dirty="0" smtClean="0"/>
+              <a:t>Phone Number</a:t>
+            </a:r>
+            <a:endParaRPr lang="en-US" dirty="0"/>
+          </a:p>
+        </p:txBody>
+      </p:sp>
+      <p:sp>
+        <p:nvSpPr>
+          <p:cNvPr id="27" name="Rounded Rectangle 26"/>
+          <p:cNvSpPr/>
+          <p:nvPr/>
+        </p:nvSpPr>
+        <p:spPr>
+          <a:xfrm>
+            <a:off x="4206239" y="3701891"/>
+            <a:ext cx="2937510" cy="325755"/>
+          </a:xfrm>
+          <a:prstGeom prst="roundRect">
+            <a:avLst/>
+          </a:prstGeom>
+          <a:gradFill>
+            <a:gsLst>
+              <a:gs pos="0">
+                <a:schemeClr val="lt2">
+                  <a:tint val="93000"/>
+                  <a:satMod val="150000"/>
+                  <a:shade val="98000"/>
+                  <a:lumMod val="102000"/>
+                </a:schemeClr>
+              </a:gs>
+              <a:gs pos="50000">
+                <a:schemeClr val="lt2">
+                  <a:tint val="98000"/>
+                  <a:satMod val="130000"/>
+                  <a:shade val="90000"/>
+                  <a:lumMod val="103000"/>
+                </a:schemeClr>
+              </a:gs>
+              <a:gs pos="100000">
+                <a:schemeClr val="bg2"/>
+              </a:gs>
+            </a:gsLst>
+          </a:gradFill>
+          <a:effectLst>
+            <a:outerShdw blurRad="50800" dist="25400" dir="2880000" algn="ctr" rotWithShape="0">
+              <a:srgbClr val="000000">
+                <a:alpha val="43137"/>
+              </a:srgbClr>
+            </a:outerShdw>
+          </a:effectLst>
+        </p:spPr>
+        <p:style>
+          <a:lnRef idx="1">
+            <a:schemeClr val="dk1"/>
+          </a:lnRef>
+          <a:fillRef idx="1003">
+            <a:schemeClr val="lt2"/>
+          </a:fillRef>
+          <a:effectRef idx="1">
+            <a:schemeClr val="dk1"/>
+          </a:effectRef>
+          <a:fontRef idx="minor">
+            <a:schemeClr val="dk1"/>
+          </a:fontRef>
+        </p:style>
+        <p:txBody>
+          <a:bodyPr rtlCol="0" anchor="ctr"/>
+          <a:lstStyle/>
+          <a:p>
+            <a:pPr algn="ctr"/>
+            <a:r>
+              <a:rPr lang="en-US" dirty="0" smtClean="0"/>
+              <a:t>Zip-Code</a:t>
+            </a:r>
+            <a:endParaRPr lang="en-US" dirty="0"/>
+          </a:p>
+        </p:txBody>
+      </p:sp>
+      <p:sp>
+        <p:nvSpPr>
+          <p:cNvPr id="28" name="Rounded Rectangle 27"/>
+          <p:cNvSpPr/>
+          <p:nvPr/>
+        </p:nvSpPr>
+        <p:spPr>
+          <a:xfrm>
+            <a:off x="4206239" y="4099083"/>
+            <a:ext cx="2937510" cy="325755"/>
+          </a:xfrm>
+          <a:prstGeom prst="roundRect">
+            <a:avLst/>
+          </a:prstGeom>
+          <a:gradFill>
+            <a:gsLst>
+              <a:gs pos="0">
+                <a:schemeClr val="lt2">
+                  <a:tint val="93000"/>
+                  <a:satMod val="150000"/>
+                  <a:shade val="98000"/>
+                  <a:lumMod val="102000"/>
+                </a:schemeClr>
+              </a:gs>
+              <a:gs pos="50000">
+                <a:schemeClr val="lt2">
+                  <a:tint val="98000"/>
+                  <a:satMod val="130000"/>
+                  <a:shade val="90000"/>
+                  <a:lumMod val="103000"/>
+                </a:schemeClr>
+              </a:gs>
+              <a:gs pos="100000">
+                <a:schemeClr val="bg2"/>
+              </a:gs>
+            </a:gsLst>
+          </a:gradFill>
+          <a:effectLst>
+            <a:outerShdw blurRad="50800" dist="25400" dir="2880000" algn="ctr" rotWithShape="0">
+              <a:srgbClr val="000000">
+                <a:alpha val="43137"/>
+              </a:srgbClr>
+            </a:outerShdw>
+          </a:effectLst>
+        </p:spPr>
+        <p:style>
+          <a:lnRef idx="1">
+            <a:schemeClr val="dk1"/>
+          </a:lnRef>
+          <a:fillRef idx="1003">
+            <a:schemeClr val="lt2"/>
+          </a:fillRef>
+          <a:effectRef idx="1">
+            <a:schemeClr val="dk1"/>
+          </a:effectRef>
+          <a:fontRef idx="minor">
+            <a:schemeClr val="dk1"/>
+          </a:fontRef>
+        </p:style>
+        <p:txBody>
+          <a:bodyPr rtlCol="0" anchor="ctr"/>
+          <a:lstStyle/>
+          <a:p>
+            <a:pPr algn="ctr"/>
+            <a:r>
+              <a:rPr lang="en-US" smtClean="0"/>
+              <a:t>Password</a:t>
+            </a:r>
+            <a:endParaRPr lang="en-US" dirty="0"/>
+          </a:p>
+        </p:txBody>
+      </p:sp>
+      <p:sp>
+        <p:nvSpPr>
+          <p:cNvPr id="29" name="Rounded Rectangle 28"/>
+          <p:cNvSpPr/>
+          <p:nvPr/>
+        </p:nvSpPr>
+        <p:spPr>
+          <a:xfrm>
+            <a:off x="4206239" y="4490561"/>
+            <a:ext cx="2937510" cy="325755"/>
+          </a:xfrm>
+          <a:prstGeom prst="roundRect">
+            <a:avLst/>
+          </a:prstGeom>
+          <a:gradFill>
+            <a:gsLst>
+              <a:gs pos="0">
+                <a:schemeClr val="lt2">
+                  <a:tint val="93000"/>
+                  <a:satMod val="150000"/>
+                  <a:shade val="98000"/>
+                  <a:lumMod val="102000"/>
+                </a:schemeClr>
+              </a:gs>
+              <a:gs pos="50000">
+                <a:schemeClr val="lt2">
+                  <a:tint val="98000"/>
+                  <a:satMod val="130000"/>
+                  <a:shade val="90000"/>
+                  <a:lumMod val="103000"/>
+                </a:schemeClr>
+              </a:gs>
+              <a:gs pos="100000">
+                <a:schemeClr val="bg2"/>
+              </a:gs>
+            </a:gsLst>
+          </a:gradFill>
+          <a:effectLst>
+            <a:outerShdw blurRad="50800" dist="25400" dir="2880000" algn="ctr" rotWithShape="0">
+              <a:srgbClr val="000000">
+                <a:alpha val="43137"/>
+              </a:srgbClr>
+            </a:outerShdw>
+          </a:effectLst>
+        </p:spPr>
+        <p:style>
+          <a:lnRef idx="1">
+            <a:schemeClr val="dk1"/>
+          </a:lnRef>
+          <a:fillRef idx="1003">
+            <a:schemeClr val="lt2"/>
+          </a:fillRef>
+          <a:effectRef idx="1">
+            <a:schemeClr val="dk1"/>
+          </a:effectRef>
+          <a:fontRef idx="minor">
+            <a:schemeClr val="dk1"/>
+          </a:fontRef>
+        </p:style>
+        <p:txBody>
+          <a:bodyPr rtlCol="0" anchor="ctr"/>
+          <a:lstStyle/>
+          <a:p>
+            <a:pPr algn="ctr"/>
+            <a:r>
+              <a:rPr lang="en-US" dirty="0" smtClean="0"/>
+              <a:t>Confirm Password</a:t>
+            </a:r>
+            <a:endParaRPr lang="en-US" dirty="0"/>
+          </a:p>
+        </p:txBody>
+      </p:sp>
+      <p:sp>
+        <p:nvSpPr>
+          <p:cNvPr id="30" name="Rounded Rectangle 29"/>
+          <p:cNvSpPr/>
+          <p:nvPr/>
+        </p:nvSpPr>
+        <p:spPr>
+          <a:xfrm>
+            <a:off x="4197278" y="1693069"/>
+            <a:ext cx="2937510" cy="325755"/>
+          </a:xfrm>
+          <a:prstGeom prst="roundRect">
+            <a:avLst/>
+          </a:prstGeom>
+          <a:gradFill>
+            <a:gsLst>
+              <a:gs pos="0">
+                <a:schemeClr val="lt2">
+                  <a:tint val="93000"/>
+                  <a:satMod val="150000"/>
+                  <a:shade val="98000"/>
+                  <a:lumMod val="102000"/>
+                </a:schemeClr>
+              </a:gs>
+              <a:gs pos="50000">
+                <a:schemeClr val="lt2">
+                  <a:tint val="98000"/>
+                  <a:satMod val="130000"/>
+                  <a:shade val="90000"/>
+                  <a:lumMod val="103000"/>
+                </a:schemeClr>
+              </a:gs>
+              <a:gs pos="100000">
+                <a:schemeClr val="bg2"/>
+              </a:gs>
+            </a:gsLst>
+          </a:gradFill>
+          <a:effectLst>
+            <a:outerShdw blurRad="50800" dist="25400" dir="2880000" algn="ctr" rotWithShape="0">
+              <a:srgbClr val="000000">
+                <a:alpha val="43137"/>
+              </a:srgbClr>
+            </a:outerShdw>
+          </a:effectLst>
+        </p:spPr>
+        <p:style>
+          <a:lnRef idx="1">
+            <a:schemeClr val="dk1"/>
+          </a:lnRef>
+          <a:fillRef idx="1003">
+            <a:schemeClr val="lt2"/>
+          </a:fillRef>
+          <a:effectRef idx="1">
+            <a:schemeClr val="dk1"/>
+          </a:effectRef>
+          <a:fontRef idx="minor">
+            <a:schemeClr val="dk1"/>
+          </a:fontRef>
+        </p:style>
+        <p:txBody>
+          <a:bodyPr rtlCol="0" anchor="ctr"/>
+          <a:lstStyle/>
+          <a:p>
+            <a:pPr algn="ctr"/>
+            <a:r>
+              <a:rPr lang="en-US" dirty="0" smtClean="0"/>
+              <a:t>Username</a:t>
+            </a:r>
+            <a:endParaRPr lang="en-US" dirty="0"/>
+          </a:p>
+        </p:txBody>
+      </p:sp>
+      <p:sp>
+        <p:nvSpPr>
+          <p:cNvPr id="31" name="Rectangle 30"/>
+          <p:cNvSpPr/>
+          <p:nvPr/>
+        </p:nvSpPr>
+        <p:spPr>
+          <a:xfrm>
+            <a:off x="4576087" y="5301017"/>
+            <a:ext cx="940515" cy="369332"/>
+          </a:xfrm>
+          <a:prstGeom prst="rect">
+            <a:avLst/>
+          </a:prstGeom>
+        </p:spPr>
+        <p:txBody>
+          <a:bodyPr wrap="none">
+            <a:spAutoFit/>
+          </a:bodyPr>
+          <a:lstStyle/>
+          <a:p>
+            <a:pPr algn="ctr"/>
+            <a:r>
+              <a:rPr lang="en-US" dirty="0" smtClean="0">
+                <a:solidFill>
+                  <a:schemeClr val="bg1">
+                    <a:lumMod val="75000"/>
+                  </a:schemeClr>
+                </a:solidFill>
+                <a:effectLst>
+                  <a:outerShdw blurRad="50800" dist="177800" dir="4080000" sx="105000" sy="105000" algn="ctr" rotWithShape="0">
+                    <a:srgbClr val="000000">
+                      <a:alpha val="43137"/>
+                    </a:srgbClr>
+                  </a:outerShdw>
+                </a:effectLst>
+              </a:rPr>
+              <a:t>Register</a:t>
+            </a:r>
+            <a:endParaRPr lang="en-US" dirty="0" smtClean="0">
+              <a:solidFill>
+                <a:schemeClr val="bg1">
+                  <a:lumMod val="75000"/>
+                </a:schemeClr>
+              </a:solidFill>
+              <a:effectLst>
+                <a:outerShdw blurRad="50800" dist="177800" dir="4080000" sx="105000" sy="105000" algn="ctr" rotWithShape="0">
+                  <a:srgbClr val="000000">
+                    <a:alpha val="43137"/>
+                  </a:srgbClr>
+                </a:outerShdw>
+              </a:effectLst>
+            </a:endParaRPr>
+          </a:p>
+        </p:txBody>
+      </p:sp>
+      <p:sp>
+        <p:nvSpPr>
+          <p:cNvPr id="3" name="Rectangle 2"/>
+          <p:cNvSpPr/>
+          <p:nvPr/>
+        </p:nvSpPr>
+        <p:spPr>
+          <a:xfrm>
+            <a:off x="4947339" y="4941867"/>
+            <a:ext cx="240030" cy="233600"/>
+          </a:xfrm>
+          <a:prstGeom prst="rect">
+            <a:avLst/>
+          </a:prstGeom>
+          <a:effectLst>
+            <a:glow rad="63500">
+              <a:schemeClr val="accent3">
+                <a:satMod val="175000"/>
+                <a:alpha val="40000"/>
+              </a:schemeClr>
+            </a:glow>
+          </a:effectLst>
         </p:spPr>
         <p:style>
           <a:lnRef idx="2">
@@ -4660,8 +5734,89 @@
         </p:nvSpPr>
         <p:spPr>
           <a:xfrm>
-            <a:off x="4520565" y="762250"/>
-            <a:ext cx="3383280" cy="584775"/>
+            <a:off x="5166360" y="4920167"/>
+            <a:ext cx="1671420" cy="276999"/>
+          </a:xfrm>
+          <a:prstGeom prst="rect">
+            <a:avLst/>
+          </a:prstGeom>
+          <a:noFill/>
+        </p:spPr>
+        <p:txBody>
+          <a:bodyPr wrap="none" rtlCol="0">
+            <a:spAutoFit/>
+          </a:bodyPr>
+          <a:lstStyle/>
+          <a:p>
+            <a:r>
+              <a:rPr lang="en-US" sz="1200" dirty="0" smtClean="0">
+                <a:solidFill>
+                  <a:schemeClr val="bg1"/>
+                </a:solidFill>
+              </a:rPr>
+              <a:t>Accept User Agreement</a:t>
+            </a:r>
+            <a:endParaRPr lang="en-US" sz="1200" dirty="0">
+              <a:solidFill>
+                <a:schemeClr val="bg1"/>
+              </a:solidFill>
+            </a:endParaRPr>
+          </a:p>
+        </p:txBody>
+      </p:sp>
+      <p:pic>
+        <p:nvPicPr>
+          <p:cNvPr id="32" name="Picture 31"/>
+          <p:cNvPicPr>
+            <a:picLocks noChangeAspect="1"/>
+          </p:cNvPicPr>
+          <p:nvPr/>
+        </p:nvPicPr>
+        <p:blipFill>
+          <a:blip r:embed="rId4">
+            <a:extLst>
+              <a:ext uri="{28A0092B-C50C-407E-A947-70E740481C1C}">
+                <a14:useLocalDpi xmlns:a14="http://schemas.microsoft.com/office/drawing/2010/main" val="0"/>
+              </a:ext>
+            </a:extLst>
+          </a:blip>
+          <a:stretch>
+            <a:fillRect/>
+          </a:stretch>
+        </p:blipFill>
+        <p:spPr>
+          <a:xfrm>
+            <a:off x="5046345" y="773414"/>
+            <a:ext cx="1294592" cy="811773"/>
+          </a:xfrm>
+          <a:prstGeom prst="rect">
+            <a:avLst/>
+          </a:prstGeom>
+          <a:effectLst>
+            <a:glow rad="101600">
+              <a:schemeClr val="accent3">
+                <a:satMod val="175000"/>
+                <a:alpha val="40000"/>
+              </a:schemeClr>
+            </a:glow>
+            <a:outerShdw blurRad="50800" dist="88900" dir="2760000" algn="ctr" rotWithShape="0">
+              <a:srgbClr val="000000">
+                <a:alpha val="43137"/>
+              </a:srgbClr>
+            </a:outerShdw>
+          </a:effectLst>
+        </p:spPr>
+      </p:pic>
+      <p:sp>
+        <p:nvSpPr>
+          <p:cNvPr id="33" name="TextBox 32"/>
+          <p:cNvSpPr txBox="1"/>
+          <p:nvPr/>
+        </p:nvSpPr>
+        <p:spPr>
+          <a:xfrm>
+            <a:off x="331470" y="502920"/>
+            <a:ext cx="2251710" cy="1077218"/>
           </a:xfrm>
           <a:prstGeom prst="rect">
             <a:avLst/>
@@ -4676,459 +5831,67 @@
           <a:p>
             <a:pPr algn="ctr"/>
             <a:r>
-              <a:rPr lang="en-US" sz="3200" dirty="0" smtClean="0"/>
-              <a:t>Who’s </a:t>
-            </a:r>
-            <a:r>
-              <a:rPr lang="en-US" sz="3200" dirty="0" err="1" smtClean="0"/>
-              <a:t>Playin</a:t>
-            </a:r>
-            <a:r>
-              <a:rPr lang="en-US" sz="3200" dirty="0" smtClean="0"/>
-              <a:t>’</a:t>
-            </a:r>
-            <a:endParaRPr lang="en-US" sz="3200" dirty="0"/>
-          </a:p>
-        </p:txBody>
-      </p:sp>
-      <p:sp>
-        <p:nvSpPr>
-          <p:cNvPr id="9" name="TextBox 8"/>
-          <p:cNvSpPr txBox="1"/>
-          <p:nvPr/>
-        </p:nvSpPr>
-        <p:spPr>
-          <a:xfrm>
-            <a:off x="5392239" y="1542288"/>
-            <a:ext cx="1563624" cy="369332"/>
+              <a:rPr lang="en-US" sz="3200" u="sng" dirty="0" smtClean="0">
+                <a:latin typeface="Arial" charset="0"/>
+                <a:ea typeface="Arial" charset="0"/>
+                <a:cs typeface="Arial" charset="0"/>
+              </a:rPr>
+              <a:t>Register Page</a:t>
+            </a:r>
+            <a:endParaRPr lang="en-US" sz="3200" u="sng" dirty="0">
+              <a:latin typeface="Arial" charset="0"/>
+              <a:ea typeface="Arial" charset="0"/>
+              <a:cs typeface="Arial" charset="0"/>
+            </a:endParaRPr>
+          </a:p>
+        </p:txBody>
+      </p:sp>
+      <p:sp>
+        <p:nvSpPr>
+          <p:cNvPr id="34" name="Rectangle 33"/>
+          <p:cNvSpPr/>
+          <p:nvPr/>
+        </p:nvSpPr>
+        <p:spPr>
+          <a:xfrm>
+            <a:off x="5806122" y="5301017"/>
+            <a:ext cx="806631" cy="369332"/>
           </a:xfrm>
           <a:prstGeom prst="rect">
             <a:avLst/>
           </a:prstGeom>
-          <a:noFill/>
-        </p:spPr>
-        <p:txBody>
-          <a:bodyPr wrap="square" rtlCol="0">
+        </p:spPr>
+        <p:txBody>
+          <a:bodyPr wrap="none">
             <a:spAutoFit/>
           </a:bodyPr>
           <a:lstStyle/>
           <a:p>
             <a:pPr algn="ctr"/>
             <a:r>
-              <a:rPr lang="en-US" dirty="0" smtClean="0"/>
-              <a:t>“Logo Here”</a:t>
-            </a:r>
-          </a:p>
-        </p:txBody>
-      </p:sp>
-      <p:sp>
-        <p:nvSpPr>
-          <p:cNvPr id="11" name="Rounded Rectangle 10"/>
-          <p:cNvSpPr/>
-          <p:nvPr/>
-        </p:nvSpPr>
-        <p:spPr>
-          <a:xfrm>
-            <a:off x="5040630" y="2928890"/>
-            <a:ext cx="2343150" cy="411480"/>
-          </a:xfrm>
-          <a:prstGeom prst="roundRect">
-            <a:avLst/>
-          </a:prstGeom>
-        </p:spPr>
-        <p:style>
-          <a:lnRef idx="2">
-            <a:schemeClr val="accent1">
-              <a:shade val="50000"/>
-            </a:schemeClr>
-          </a:lnRef>
-          <a:fillRef idx="1">
-            <a:schemeClr val="accent1"/>
-          </a:fillRef>
-          <a:effectRef idx="0">
-            <a:schemeClr val="accent1"/>
-          </a:effectRef>
-          <a:fontRef idx="minor">
-            <a:schemeClr val="lt1"/>
-          </a:fontRef>
-        </p:style>
-        <p:txBody>
-          <a:bodyPr rtlCol="0" anchor="ctr"/>
-          <a:lstStyle/>
-          <a:p>
-            <a:pPr algn="ctr"/>
-            <a:endParaRPr lang="en-US"/>
-          </a:p>
-        </p:txBody>
-      </p:sp>
-      <p:sp>
-        <p:nvSpPr>
-          <p:cNvPr id="13" name="Rounded Rectangle 12"/>
-          <p:cNvSpPr/>
-          <p:nvPr/>
-        </p:nvSpPr>
-        <p:spPr>
-          <a:xfrm>
-            <a:off x="5040630" y="3536156"/>
-            <a:ext cx="2343150" cy="411480"/>
-          </a:xfrm>
-          <a:prstGeom prst="roundRect">
-            <a:avLst/>
-          </a:prstGeom>
-        </p:spPr>
-        <p:style>
-          <a:lnRef idx="2">
-            <a:schemeClr val="accent1">
-              <a:shade val="50000"/>
-            </a:schemeClr>
-          </a:lnRef>
-          <a:fillRef idx="1">
-            <a:schemeClr val="accent1"/>
-          </a:fillRef>
-          <a:effectRef idx="0">
-            <a:schemeClr val="accent1"/>
-          </a:effectRef>
-          <a:fontRef idx="minor">
-            <a:schemeClr val="lt1"/>
-          </a:fontRef>
-        </p:style>
-        <p:txBody>
-          <a:bodyPr rtlCol="0" anchor="ctr"/>
-          <a:lstStyle/>
-          <a:p>
-            <a:pPr algn="ctr"/>
-            <a:endParaRPr lang="en-US"/>
-          </a:p>
-        </p:txBody>
-      </p:sp>
-      <p:sp>
-        <p:nvSpPr>
-          <p:cNvPr id="14" name="Rounded Rectangle 13"/>
-          <p:cNvSpPr/>
-          <p:nvPr/>
-        </p:nvSpPr>
-        <p:spPr>
-          <a:xfrm>
-            <a:off x="4520565" y="5318903"/>
-            <a:ext cx="1445895" cy="556546"/>
-          </a:xfrm>
-          <a:prstGeom prst="roundRect">
-            <a:avLst/>
-          </a:prstGeom>
-        </p:spPr>
-        <p:style>
-          <a:lnRef idx="2">
-            <a:schemeClr val="accent1">
-              <a:shade val="50000"/>
-            </a:schemeClr>
-          </a:lnRef>
-          <a:fillRef idx="1">
-            <a:schemeClr val="accent1"/>
-          </a:fillRef>
-          <a:effectRef idx="0">
-            <a:schemeClr val="accent1"/>
-          </a:effectRef>
-          <a:fontRef idx="minor">
-            <a:schemeClr val="lt1"/>
-          </a:fontRef>
-        </p:style>
-        <p:txBody>
-          <a:bodyPr rtlCol="0" anchor="ctr"/>
-          <a:lstStyle/>
-          <a:p>
-            <a:pPr algn="ctr"/>
-            <a:endParaRPr lang="en-US"/>
-          </a:p>
-        </p:txBody>
-      </p:sp>
-      <p:sp>
-        <p:nvSpPr>
-          <p:cNvPr id="15" name="TextBox 14"/>
-          <p:cNvSpPr txBox="1"/>
-          <p:nvPr/>
-        </p:nvSpPr>
-        <p:spPr>
-          <a:xfrm>
-            <a:off x="5430393" y="4915900"/>
-            <a:ext cx="1563624" cy="369332"/>
-          </a:xfrm>
-          <a:prstGeom prst="rect">
-            <a:avLst/>
-          </a:prstGeom>
-          <a:noFill/>
-        </p:spPr>
-        <p:txBody>
-          <a:bodyPr wrap="square" rtlCol="0">
-            <a:spAutoFit/>
-          </a:bodyPr>
-          <a:lstStyle/>
-          <a:p>
-            <a:pPr algn="ctr"/>
-            <a:r>
-              <a:rPr lang="en-US" dirty="0" smtClean="0"/>
-              <a:t>Register</a:t>
-            </a:r>
-            <a:endParaRPr lang="en-US" dirty="0"/>
-          </a:p>
-        </p:txBody>
-      </p:sp>
-      <p:sp>
-        <p:nvSpPr>
-          <p:cNvPr id="16" name="TextBox 15"/>
-          <p:cNvSpPr txBox="1"/>
-          <p:nvPr/>
-        </p:nvSpPr>
-        <p:spPr>
-          <a:xfrm>
-            <a:off x="5430393" y="3974270"/>
-            <a:ext cx="1563624" cy="369332"/>
-          </a:xfrm>
-          <a:prstGeom prst="rect">
-            <a:avLst/>
-          </a:prstGeom>
-          <a:noFill/>
-        </p:spPr>
-        <p:txBody>
-          <a:bodyPr wrap="square" rtlCol="0">
-            <a:spAutoFit/>
-          </a:bodyPr>
-          <a:lstStyle/>
-          <a:p>
-            <a:pPr algn="ctr"/>
-            <a:r>
-              <a:rPr lang="en-US" smtClean="0"/>
-              <a:t>Login</a:t>
-            </a:r>
-            <a:endParaRPr lang="en-US" dirty="0"/>
-          </a:p>
-        </p:txBody>
-      </p:sp>
-      <p:sp>
-        <p:nvSpPr>
-          <p:cNvPr id="17" name="TextBox 16"/>
-          <p:cNvSpPr txBox="1"/>
-          <p:nvPr/>
-        </p:nvSpPr>
-        <p:spPr>
-          <a:xfrm>
-            <a:off x="5299656" y="2937367"/>
-            <a:ext cx="1748790" cy="369332"/>
-          </a:xfrm>
-          <a:prstGeom prst="rect">
-            <a:avLst/>
-          </a:prstGeom>
-          <a:noFill/>
-        </p:spPr>
-        <p:txBody>
-          <a:bodyPr wrap="square" rtlCol="0">
-            <a:spAutoFit/>
-          </a:bodyPr>
-          <a:lstStyle/>
-          <a:p>
-            <a:pPr algn="ctr"/>
-            <a:r>
-              <a:rPr lang="en-US" dirty="0" smtClean="0"/>
-              <a:t>Username</a:t>
-            </a:r>
-            <a:endParaRPr lang="en-US" dirty="0"/>
-          </a:p>
-        </p:txBody>
-      </p:sp>
-      <p:sp>
-        <p:nvSpPr>
-          <p:cNvPr id="18" name="TextBox 17"/>
-          <p:cNvSpPr txBox="1"/>
-          <p:nvPr/>
-        </p:nvSpPr>
-        <p:spPr>
-          <a:xfrm>
-            <a:off x="5337810" y="3536156"/>
-            <a:ext cx="1748790" cy="369332"/>
-          </a:xfrm>
-          <a:prstGeom prst="rect">
-            <a:avLst/>
-          </a:prstGeom>
-          <a:noFill/>
-        </p:spPr>
-        <p:txBody>
-          <a:bodyPr wrap="square" rtlCol="0">
-            <a:spAutoFit/>
-          </a:bodyPr>
-          <a:lstStyle/>
-          <a:p>
-            <a:pPr algn="ctr"/>
-            <a:r>
-              <a:rPr lang="en-US" dirty="0" smtClean="0"/>
-              <a:t>Password</a:t>
-            </a:r>
-          </a:p>
-        </p:txBody>
-      </p:sp>
-      <p:sp>
-        <p:nvSpPr>
-          <p:cNvPr id="19" name="TextBox 18"/>
-          <p:cNvSpPr txBox="1"/>
-          <p:nvPr/>
-        </p:nvSpPr>
-        <p:spPr>
-          <a:xfrm>
-            <a:off x="5261502" y="4646587"/>
-            <a:ext cx="1812525" cy="369332"/>
-          </a:xfrm>
-          <a:prstGeom prst="rect">
-            <a:avLst/>
-          </a:prstGeom>
-          <a:noFill/>
-        </p:spPr>
-        <p:txBody>
-          <a:bodyPr wrap="square" rtlCol="0">
-            <a:spAutoFit/>
-          </a:bodyPr>
-          <a:lstStyle/>
-          <a:p>
-            <a:pPr algn="ctr"/>
-            <a:r>
-              <a:rPr lang="en-US" smtClean="0"/>
-              <a:t>Forgot Password</a:t>
-            </a:r>
-            <a:endParaRPr lang="en-US" dirty="0"/>
-          </a:p>
-        </p:txBody>
-      </p:sp>
-      <p:sp>
-        <p:nvSpPr>
-          <p:cNvPr id="20" name="TextBox 19"/>
-          <p:cNvSpPr txBox="1"/>
-          <p:nvPr/>
-        </p:nvSpPr>
-        <p:spPr>
-          <a:xfrm>
-            <a:off x="4355239" y="5403550"/>
-            <a:ext cx="1812525" cy="369332"/>
-          </a:xfrm>
-          <a:prstGeom prst="rect">
-            <a:avLst/>
-          </a:prstGeom>
-          <a:noFill/>
-        </p:spPr>
-        <p:txBody>
-          <a:bodyPr wrap="square" rtlCol="0">
-            <a:spAutoFit/>
-          </a:bodyPr>
-          <a:lstStyle/>
-          <a:p>
-            <a:pPr algn="ctr"/>
-            <a:r>
-              <a:rPr lang="en-US" dirty="0" smtClean="0"/>
-              <a:t>Facebook</a:t>
-            </a:r>
-          </a:p>
-        </p:txBody>
-      </p:sp>
-      <p:sp>
-        <p:nvSpPr>
-          <p:cNvPr id="21" name="Rounded Rectangle 20"/>
-          <p:cNvSpPr/>
-          <p:nvPr/>
-        </p:nvSpPr>
-        <p:spPr>
-          <a:xfrm>
-            <a:off x="6333090" y="5318903"/>
-            <a:ext cx="1445895" cy="556546"/>
-          </a:xfrm>
-          <a:prstGeom prst="roundRect">
-            <a:avLst/>
-          </a:prstGeom>
-        </p:spPr>
-        <p:style>
-          <a:lnRef idx="2">
-            <a:schemeClr val="accent1">
-              <a:shade val="50000"/>
-            </a:schemeClr>
-          </a:lnRef>
-          <a:fillRef idx="1">
-            <a:schemeClr val="accent1"/>
-          </a:fillRef>
-          <a:effectRef idx="0">
-            <a:schemeClr val="accent1"/>
-          </a:effectRef>
-          <a:fontRef idx="minor">
-            <a:schemeClr val="lt1"/>
-          </a:fontRef>
-        </p:style>
-        <p:txBody>
-          <a:bodyPr rtlCol="0" anchor="ctr"/>
-          <a:lstStyle/>
-          <a:p>
-            <a:pPr algn="ctr"/>
-            <a:endParaRPr lang="en-US"/>
-          </a:p>
-        </p:txBody>
-      </p:sp>
-      <p:sp>
-        <p:nvSpPr>
-          <p:cNvPr id="22" name="TextBox 21"/>
-          <p:cNvSpPr txBox="1"/>
-          <p:nvPr/>
-        </p:nvSpPr>
-        <p:spPr>
-          <a:xfrm>
-            <a:off x="6180337" y="5412510"/>
-            <a:ext cx="1812525" cy="369332"/>
-          </a:xfrm>
-          <a:prstGeom prst="rect">
-            <a:avLst/>
-          </a:prstGeom>
-          <a:noFill/>
-        </p:spPr>
-        <p:txBody>
-          <a:bodyPr wrap="square" rtlCol="0">
-            <a:spAutoFit/>
-          </a:bodyPr>
-          <a:lstStyle/>
-          <a:p>
-            <a:pPr algn="ctr"/>
-            <a:r>
-              <a:rPr lang="en-US" dirty="0" smtClean="0"/>
-              <a:t>Google</a:t>
-            </a:r>
-          </a:p>
-        </p:txBody>
-      </p:sp>
-      <p:sp>
-        <p:nvSpPr>
-          <p:cNvPr id="24" name="TextBox 23"/>
-          <p:cNvSpPr txBox="1"/>
-          <p:nvPr/>
-        </p:nvSpPr>
-        <p:spPr>
-          <a:xfrm>
-            <a:off x="331470" y="502920"/>
-            <a:ext cx="2023110" cy="369332"/>
-          </a:xfrm>
-          <a:prstGeom prst="rect">
-            <a:avLst/>
-          </a:prstGeom>
-          <a:noFill/>
-        </p:spPr>
-        <p:txBody>
-          <a:bodyPr wrap="square" rtlCol="0">
-            <a:spAutoFit/>
-          </a:bodyPr>
-          <a:lstStyle/>
-          <a:p>
-            <a:r>
-              <a:rPr lang="en-US" dirty="0" smtClean="0"/>
-              <a:t>Login</a:t>
-            </a:r>
-            <a:endParaRPr lang="en-US" dirty="0"/>
+              <a:rPr lang="en-US" dirty="0" smtClean="0">
+                <a:solidFill>
+                  <a:schemeClr val="bg1">
+                    <a:lumMod val="75000"/>
+                  </a:schemeClr>
+                </a:solidFill>
+                <a:effectLst>
+                  <a:outerShdw blurRad="50800" dist="177800" dir="4080000" sx="105000" sy="105000" algn="ctr" rotWithShape="0">
+                    <a:srgbClr val="000000">
+                      <a:alpha val="43137"/>
+                    </a:srgbClr>
+                  </a:outerShdw>
+                </a:effectLst>
+              </a:rPr>
+              <a:t>Cancel</a:t>
+            </a:r>
           </a:p>
         </p:txBody>
       </p:sp>
     </p:spTree>
     <p:extLst>
       <p:ext uri="{BB962C8B-B14F-4D97-AF65-F5344CB8AC3E}">
-        <p14:creationId xmlns:p14="http://schemas.microsoft.com/office/powerpoint/2010/main" val="482659821"/>
+        <p14:creationId xmlns:p14="http://schemas.microsoft.com/office/powerpoint/2010/main" val="1110992321"/>
       </p:ext>
     </p:extLst>
   </p:cSld>
@@ -5162,23 +5925,50 @@
           <a:chExt cx="0" cy="0"/>
         </a:xfrm>
       </p:grpSpPr>
-      <p:sp>
-        <p:nvSpPr>
-          <p:cNvPr id="4" name="Rounded Rectangle 3"/>
+      <p:pic>
+        <p:nvPicPr>
+          <p:cNvPr id="4" name="Picture 3"/>
+          <p:cNvPicPr>
+            <a:picLocks noChangeAspect="1"/>
+          </p:cNvPicPr>
+          <p:nvPr/>
+        </p:nvPicPr>
+        <p:blipFill>
+          <a:blip r:embed="rId3">
+            <a:extLst>
+              <a:ext uri="{28A0092B-C50C-407E-A947-70E740481C1C}">
+                <a14:useLocalDpi xmlns:a14="http://schemas.microsoft.com/office/drawing/2010/main" val="0"/>
+              </a:ext>
+            </a:extLst>
+          </a:blip>
+          <a:stretch>
+            <a:fillRect/>
+          </a:stretch>
+        </p:blipFill>
+        <p:spPr>
+          <a:xfrm>
+            <a:off x="3945890" y="0"/>
+            <a:ext cx="3440545" cy="6858000"/>
+          </a:xfrm>
+          <a:prstGeom prst="rect">
+            <a:avLst/>
+          </a:prstGeom>
+        </p:spPr>
+      </p:pic>
+      <p:sp>
+        <p:nvSpPr>
+          <p:cNvPr id="6" name="Rectangle 5"/>
           <p:cNvSpPr/>
           <p:nvPr/>
         </p:nvSpPr>
         <p:spPr>
           <a:xfrm>
-            <a:off x="4116651" y="234077"/>
-            <a:ext cx="4114800" cy="6318504"/>
-          </a:xfrm>
-          <a:prstGeom prst="roundRect">
-            <a:avLst/>
-          </a:prstGeom>
-          <a:solidFill>
-            <a:schemeClr val="bg1"/>
-          </a:solidFill>
+            <a:off x="4108436" y="777240"/>
+            <a:ext cx="3108960" cy="4949190"/>
+          </a:xfrm>
+          <a:prstGeom prst="rect">
+            <a:avLst/>
+          </a:prstGeom>
         </p:spPr>
         <p:style>
           <a:lnRef idx="2">
@@ -5186,8 +5976,8 @@
               <a:shade val="50000"/>
             </a:schemeClr>
           </a:lnRef>
-          <a:fillRef idx="1">
-            <a:schemeClr val="accent1"/>
+          <a:fillRef idx="1003">
+            <a:schemeClr val="dk2"/>
           </a:fillRef>
           <a:effectRef idx="0">
             <a:schemeClr val="accent1"/>
@@ -5201,180 +5991,186 @@
           <a:lstStyle/>
           <a:p>
             <a:pPr algn="ctr"/>
-            <a:endParaRPr lang="en-US"/>
-          </a:p>
-        </p:txBody>
-      </p:sp>
-      <p:sp>
-        <p:nvSpPr>
-          <p:cNvPr id="5" name="Rounded Rectangle 4"/>
-          <p:cNvSpPr/>
-          <p:nvPr/>
-        </p:nvSpPr>
-        <p:spPr>
-          <a:xfrm>
-            <a:off x="4979616" y="1931486"/>
-            <a:ext cx="2343150" cy="411480"/>
-          </a:xfrm>
-          <a:prstGeom prst="roundRect">
-            <a:avLst/>
-          </a:prstGeom>
-        </p:spPr>
-        <p:style>
-          <a:lnRef idx="2">
-            <a:schemeClr val="accent1">
-              <a:shade val="50000"/>
-            </a:schemeClr>
-          </a:lnRef>
-          <a:fillRef idx="1">
-            <a:schemeClr val="accent1"/>
-          </a:fillRef>
-          <a:effectRef idx="0">
-            <a:schemeClr val="accent1"/>
-          </a:effectRef>
-          <a:fontRef idx="minor">
-            <a:schemeClr val="lt1"/>
-          </a:fontRef>
-        </p:style>
-        <p:txBody>
-          <a:bodyPr rtlCol="0" anchor="ctr"/>
-          <a:lstStyle/>
-          <a:p>
-            <a:pPr algn="ctr"/>
-            <a:endParaRPr lang="en-US"/>
-          </a:p>
-        </p:txBody>
-      </p:sp>
-      <p:sp>
-        <p:nvSpPr>
-          <p:cNvPr id="6" name="Rounded Rectangle 5"/>
-          <p:cNvSpPr/>
-          <p:nvPr/>
-        </p:nvSpPr>
-        <p:spPr>
-          <a:xfrm>
-            <a:off x="4979616" y="2505242"/>
-            <a:ext cx="2343150" cy="411480"/>
-          </a:xfrm>
-          <a:prstGeom prst="roundRect">
-            <a:avLst/>
-          </a:prstGeom>
-        </p:spPr>
-        <p:style>
-          <a:lnRef idx="2">
-            <a:schemeClr val="accent1">
-              <a:shade val="50000"/>
-            </a:schemeClr>
-          </a:lnRef>
-          <a:fillRef idx="1">
-            <a:schemeClr val="accent1"/>
-          </a:fillRef>
-          <a:effectRef idx="0">
-            <a:schemeClr val="accent1"/>
-          </a:effectRef>
-          <a:fontRef idx="minor">
-            <a:schemeClr val="lt1"/>
-          </a:fontRef>
-        </p:style>
-        <p:txBody>
-          <a:bodyPr rtlCol="0" anchor="ctr"/>
-          <a:lstStyle/>
-          <a:p>
-            <a:pPr algn="ctr"/>
-            <a:endParaRPr lang="en-US"/>
-          </a:p>
-        </p:txBody>
-      </p:sp>
-      <p:sp>
-        <p:nvSpPr>
-          <p:cNvPr id="7" name="Rounded Rectangle 6"/>
-          <p:cNvSpPr/>
-          <p:nvPr/>
-        </p:nvSpPr>
-        <p:spPr>
-          <a:xfrm>
-            <a:off x="4981031" y="3063551"/>
-            <a:ext cx="2343150" cy="411480"/>
-          </a:xfrm>
-          <a:prstGeom prst="roundRect">
-            <a:avLst/>
-          </a:prstGeom>
-        </p:spPr>
-        <p:style>
-          <a:lnRef idx="2">
-            <a:schemeClr val="accent1">
-              <a:shade val="50000"/>
-            </a:schemeClr>
-          </a:lnRef>
-          <a:fillRef idx="1">
-            <a:schemeClr val="accent1"/>
-          </a:fillRef>
-          <a:effectRef idx="0">
-            <a:schemeClr val="accent1"/>
-          </a:effectRef>
-          <a:fontRef idx="minor">
-            <a:schemeClr val="lt1"/>
-          </a:fontRef>
-        </p:style>
-        <p:txBody>
-          <a:bodyPr rtlCol="0" anchor="ctr"/>
-          <a:lstStyle/>
-          <a:p>
-            <a:pPr algn="ctr"/>
-            <a:endParaRPr lang="en-US"/>
-          </a:p>
-        </p:txBody>
-      </p:sp>
-      <p:sp>
-        <p:nvSpPr>
-          <p:cNvPr id="8" name="Rounded Rectangle 7"/>
-          <p:cNvSpPr/>
-          <p:nvPr/>
-        </p:nvSpPr>
-        <p:spPr>
-          <a:xfrm>
-            <a:off x="5017770" y="3665185"/>
-            <a:ext cx="2343150" cy="411480"/>
-          </a:xfrm>
-          <a:prstGeom prst="roundRect">
-            <a:avLst/>
-          </a:prstGeom>
-        </p:spPr>
-        <p:style>
-          <a:lnRef idx="2">
-            <a:schemeClr val="accent1">
-              <a:shade val="50000"/>
-            </a:schemeClr>
-          </a:lnRef>
-          <a:fillRef idx="1">
-            <a:schemeClr val="accent1"/>
-          </a:fillRef>
-          <a:effectRef idx="0">
-            <a:schemeClr val="accent1"/>
-          </a:effectRef>
-          <a:fontRef idx="minor">
-            <a:schemeClr val="lt1"/>
-          </a:fontRef>
-        </p:style>
-        <p:txBody>
-          <a:bodyPr rtlCol="0" anchor="ctr"/>
-          <a:lstStyle/>
-          <a:p>
-            <a:pPr algn="ctr"/>
-            <a:endParaRPr lang="en-US"/>
-          </a:p>
-        </p:txBody>
-      </p:sp>
-      <p:sp>
-        <p:nvSpPr>
-          <p:cNvPr id="9" name="TextBox 8"/>
+            <a:endParaRPr lang="en-US" dirty="0" smtClean="0">
+              <a:solidFill>
+                <a:schemeClr val="bg1">
+                  <a:lumMod val="75000"/>
+                </a:schemeClr>
+              </a:solidFill>
+              <a:effectLst>
+                <a:outerShdw blurRad="50800" dist="177800" dir="4080000" algn="ctr" rotWithShape="0">
+                  <a:srgbClr val="000000">
+                    <a:alpha val="43137"/>
+                  </a:srgbClr>
+                </a:outerShdw>
+              </a:effectLst>
+            </a:endParaRPr>
+          </a:p>
+          <a:p>
+            <a:pPr algn="ctr"/>
+            <a:endParaRPr lang="en-US" dirty="0" smtClean="0">
+              <a:solidFill>
+                <a:schemeClr val="bg1">
+                  <a:lumMod val="75000"/>
+                </a:schemeClr>
+              </a:solidFill>
+              <a:effectLst>
+                <a:outerShdw blurRad="50800" dist="177800" dir="4080000" algn="ctr" rotWithShape="0">
+                  <a:srgbClr val="000000">
+                    <a:alpha val="43137"/>
+                  </a:srgbClr>
+                </a:outerShdw>
+              </a:effectLst>
+            </a:endParaRPr>
+          </a:p>
+          <a:p>
+            <a:pPr algn="ctr"/>
+            <a:endParaRPr lang="en-US" dirty="0" smtClean="0">
+              <a:solidFill>
+                <a:schemeClr val="bg1">
+                  <a:lumMod val="75000"/>
+                </a:schemeClr>
+              </a:solidFill>
+              <a:effectLst>
+                <a:outerShdw blurRad="50800" dist="177800" dir="4080000" algn="ctr" rotWithShape="0">
+                  <a:srgbClr val="000000">
+                    <a:alpha val="43137"/>
+                  </a:srgbClr>
+                </a:outerShdw>
+              </a:effectLst>
+            </a:endParaRPr>
+          </a:p>
+          <a:p>
+            <a:pPr algn="ctr"/>
+            <a:endParaRPr lang="en-US" dirty="0" smtClean="0">
+              <a:solidFill>
+                <a:schemeClr val="bg1">
+                  <a:lumMod val="75000"/>
+                </a:schemeClr>
+              </a:solidFill>
+              <a:effectLst>
+                <a:outerShdw blurRad="50800" dist="177800" dir="4080000" algn="ctr" rotWithShape="0">
+                  <a:srgbClr val="000000">
+                    <a:alpha val="43137"/>
+                  </a:srgbClr>
+                </a:outerShdw>
+              </a:effectLst>
+            </a:endParaRPr>
+          </a:p>
+          <a:p>
+            <a:pPr algn="ctr"/>
+            <a:endParaRPr lang="en-US" dirty="0" smtClean="0">
+              <a:solidFill>
+                <a:schemeClr val="bg1">
+                  <a:lumMod val="75000"/>
+                </a:schemeClr>
+              </a:solidFill>
+              <a:effectLst>
+                <a:outerShdw blurRad="50800" dist="177800" dir="4080000" algn="ctr" rotWithShape="0">
+                  <a:srgbClr val="000000">
+                    <a:alpha val="43137"/>
+                  </a:srgbClr>
+                </a:outerShdw>
+              </a:effectLst>
+            </a:endParaRPr>
+          </a:p>
+          <a:p>
+            <a:pPr algn="ctr"/>
+            <a:endParaRPr lang="en-US" dirty="0" smtClean="0">
+              <a:solidFill>
+                <a:schemeClr val="bg1">
+                  <a:lumMod val="75000"/>
+                </a:schemeClr>
+              </a:solidFill>
+              <a:effectLst>
+                <a:outerShdw blurRad="50800" dist="177800" dir="4080000" algn="ctr" rotWithShape="0">
+                  <a:srgbClr val="000000">
+                    <a:alpha val="43137"/>
+                  </a:srgbClr>
+                </a:outerShdw>
+              </a:effectLst>
+            </a:endParaRPr>
+          </a:p>
+          <a:p>
+            <a:pPr algn="ctr"/>
+            <a:endParaRPr lang="en-US" dirty="0" smtClean="0">
+              <a:solidFill>
+                <a:schemeClr val="bg1">
+                  <a:lumMod val="75000"/>
+                </a:schemeClr>
+              </a:solidFill>
+              <a:effectLst>
+                <a:outerShdw blurRad="50800" dist="177800" dir="4080000" algn="ctr" rotWithShape="0">
+                  <a:srgbClr val="000000">
+                    <a:alpha val="43137"/>
+                  </a:srgbClr>
+                </a:outerShdw>
+              </a:effectLst>
+            </a:endParaRPr>
+          </a:p>
+          <a:p>
+            <a:pPr algn="ctr"/>
+            <a:endParaRPr lang="en-US" dirty="0" smtClean="0">
+              <a:solidFill>
+                <a:schemeClr val="bg1">
+                  <a:lumMod val="75000"/>
+                </a:schemeClr>
+              </a:solidFill>
+              <a:effectLst>
+                <a:outerShdw blurRad="50800" dist="177800" dir="4080000" algn="ctr" rotWithShape="0">
+                  <a:srgbClr val="000000">
+                    <a:alpha val="43137"/>
+                  </a:srgbClr>
+                </a:outerShdw>
+              </a:effectLst>
+            </a:endParaRPr>
+          </a:p>
+          <a:p>
+            <a:pPr algn="ctr"/>
+            <a:endParaRPr lang="en-US" dirty="0" smtClean="0">
+              <a:solidFill>
+                <a:schemeClr val="bg1">
+                  <a:lumMod val="75000"/>
+                </a:schemeClr>
+              </a:solidFill>
+              <a:effectLst>
+                <a:outerShdw blurRad="50800" dist="177800" dir="4080000" algn="ctr" rotWithShape="0">
+                  <a:srgbClr val="000000">
+                    <a:alpha val="43137"/>
+                  </a:srgbClr>
+                </a:outerShdw>
+              </a:effectLst>
+            </a:endParaRPr>
+          </a:p>
+          <a:p>
+            <a:pPr algn="ctr"/>
+            <a:endParaRPr lang="en-US" dirty="0" smtClean="0">
+              <a:solidFill>
+                <a:schemeClr val="bg1">
+                  <a:lumMod val="75000"/>
+                </a:schemeClr>
+              </a:solidFill>
+              <a:effectLst>
+                <a:outerShdw blurRad="50800" dist="177800" dir="4080000" algn="ctr" rotWithShape="0">
+                  <a:srgbClr val="000000">
+                    <a:alpha val="43137"/>
+                  </a:srgbClr>
+                </a:outerShdw>
+              </a:effectLst>
+            </a:endParaRPr>
+          </a:p>
+        </p:txBody>
+      </p:sp>
+      <p:sp>
+        <p:nvSpPr>
+          <p:cNvPr id="7" name="TextBox 6"/>
           <p:cNvSpPr txBox="1"/>
           <p:nvPr/>
         </p:nvSpPr>
         <p:spPr>
           <a:xfrm>
-            <a:off x="5276796" y="1952560"/>
-            <a:ext cx="1748790" cy="369332"/>
+            <a:off x="331470" y="502920"/>
+            <a:ext cx="2251710" cy="1569660"/>
           </a:xfrm>
           <a:prstGeom prst="rect">
             <a:avLst/>
@@ -5389,23 +6185,98 @@
           <a:p>
             <a:pPr algn="ctr"/>
             <a:r>
-              <a:rPr lang="en-US" dirty="0" smtClean="0"/>
-              <a:t>Name</a:t>
-            </a:r>
-            <a:endParaRPr lang="en-US" dirty="0"/>
-          </a:p>
-        </p:txBody>
-      </p:sp>
-      <p:sp>
-        <p:nvSpPr>
-          <p:cNvPr id="10" name="TextBox 9"/>
+              <a:rPr lang="en-US" sz="3200" u="sng" dirty="0" smtClean="0">
+                <a:latin typeface="Arial" charset="0"/>
+                <a:ea typeface="Arial" charset="0"/>
+                <a:cs typeface="Arial" charset="0"/>
+              </a:rPr>
+              <a:t>Reset</a:t>
+            </a:r>
+          </a:p>
+          <a:p>
+            <a:pPr algn="ctr"/>
+            <a:r>
+              <a:rPr lang="en-US" sz="3200" u="sng" dirty="0" smtClean="0">
+                <a:latin typeface="Arial" charset="0"/>
+                <a:ea typeface="Arial" charset="0"/>
+                <a:cs typeface="Arial" charset="0"/>
+              </a:rPr>
+              <a:t>Password</a:t>
+            </a:r>
+          </a:p>
+          <a:p>
+            <a:pPr algn="ctr"/>
+            <a:r>
+              <a:rPr lang="en-US" sz="3200" u="sng" dirty="0" smtClean="0">
+                <a:latin typeface="Arial" charset="0"/>
+                <a:ea typeface="Arial" charset="0"/>
+                <a:cs typeface="Arial" charset="0"/>
+              </a:rPr>
+              <a:t>Page</a:t>
+            </a:r>
+            <a:endParaRPr lang="en-US" sz="3200" u="sng" dirty="0">
+              <a:latin typeface="Arial" charset="0"/>
+              <a:ea typeface="Arial" charset="0"/>
+              <a:cs typeface="Arial" charset="0"/>
+            </a:endParaRPr>
+          </a:p>
+        </p:txBody>
+      </p:sp>
+      <p:sp>
+        <p:nvSpPr>
+          <p:cNvPr id="8" name="Rounded Rectangle 7"/>
+          <p:cNvSpPr/>
+          <p:nvPr/>
+        </p:nvSpPr>
+        <p:spPr>
+          <a:xfrm>
+            <a:off x="4194160" y="3251835"/>
+            <a:ext cx="2937510" cy="457200"/>
+          </a:xfrm>
+          <a:prstGeom prst="roundRect">
+            <a:avLst/>
+          </a:prstGeom>
+          <a:effectLst>
+            <a:outerShdw blurRad="50800" dist="25400" dir="2880000" algn="ctr" rotWithShape="0">
+              <a:srgbClr val="000000">
+                <a:alpha val="43137"/>
+              </a:srgbClr>
+            </a:outerShdw>
+          </a:effectLst>
+        </p:spPr>
+        <p:style>
+          <a:lnRef idx="1">
+            <a:schemeClr val="dk1"/>
+          </a:lnRef>
+          <a:fillRef idx="1003">
+            <a:schemeClr val="lt2"/>
+          </a:fillRef>
+          <a:effectRef idx="1">
+            <a:schemeClr val="dk1"/>
+          </a:effectRef>
+          <a:fontRef idx="minor">
+            <a:schemeClr val="dk1"/>
+          </a:fontRef>
+        </p:style>
+        <p:txBody>
+          <a:bodyPr rtlCol="0" anchor="ctr"/>
+          <a:lstStyle/>
+          <a:p>
+            <a:pPr algn="ctr"/>
+            <a:endParaRPr lang="en-US" dirty="0" smtClean="0"/>
+          </a:p>
+        </p:txBody>
+      </p:sp>
+      <p:sp>
+        <p:nvSpPr>
+          <p:cNvPr id="9" name="TextBox 8"/>
           <p:cNvSpPr txBox="1"/>
           <p:nvPr/>
         </p:nvSpPr>
         <p:spPr>
           <a:xfrm>
-            <a:off x="5166360" y="3686259"/>
-            <a:ext cx="2045970" cy="369332"/>
+            <a:off x="3839830" y="2974836"/>
+            <a:ext cx="3646170" cy="276999"/>
           </a:xfrm>
           <a:prstGeom prst="rect">
             <a:avLst/>
@@ -5420,23 +6291,26 @@
           <a:p>
             <a:pPr algn="ctr"/>
             <a:r>
-              <a:rPr lang="en-US" dirty="0" smtClean="0"/>
-              <a:t>Confirm Password</a:t>
-            </a:r>
-            <a:endParaRPr lang="en-US" dirty="0"/>
-          </a:p>
-        </p:txBody>
-      </p:sp>
-      <p:sp>
-        <p:nvSpPr>
-          <p:cNvPr id="11" name="TextBox 10"/>
+              <a:rPr lang="en-US" sz="1200" dirty="0" smtClean="0">
+                <a:solidFill>
+                  <a:schemeClr val="bg1"/>
+                </a:solidFill>
+              </a:rPr>
+              <a:t>*Enter Email Phone Number Or Username</a:t>
+            </a:r>
+          </a:p>
+        </p:txBody>
+      </p:sp>
+      <p:sp>
+        <p:nvSpPr>
+          <p:cNvPr id="10" name="TextBox 9"/>
           <p:cNvSpPr txBox="1"/>
           <p:nvPr/>
         </p:nvSpPr>
         <p:spPr>
           <a:xfrm>
-            <a:off x="5278211" y="3042608"/>
-            <a:ext cx="1748790" cy="369332"/>
+            <a:off x="4587940" y="2359134"/>
+            <a:ext cx="2149948" cy="461665"/>
           </a:xfrm>
           <a:prstGeom prst="rect">
             <a:avLst/>
@@ -5444,399 +6318,207 @@
           <a:noFill/>
         </p:spPr>
         <p:txBody>
-          <a:bodyPr wrap="square" rtlCol="0">
+          <a:bodyPr wrap="none" rtlCol="0">
             <a:spAutoFit/>
           </a:bodyPr>
           <a:lstStyle/>
           <a:p>
             <a:pPr algn="ctr"/>
             <a:r>
-              <a:rPr lang="en-US" dirty="0" smtClean="0"/>
-              <a:t>Password</a:t>
-            </a:r>
-            <a:endParaRPr lang="en-US" dirty="0"/>
-          </a:p>
-        </p:txBody>
-      </p:sp>
-      <p:sp>
-        <p:nvSpPr>
-          <p:cNvPr id="12" name="TextBox 11"/>
-          <p:cNvSpPr txBox="1"/>
-          <p:nvPr/>
-        </p:nvSpPr>
-        <p:spPr>
-          <a:xfrm>
-            <a:off x="5276796" y="2526316"/>
-            <a:ext cx="1748790" cy="369332"/>
+              <a:rPr lang="en-US" sz="2400" dirty="0" smtClean="0">
+                <a:solidFill>
+                  <a:schemeClr val="bg1"/>
+                </a:solidFill>
+                <a:effectLst>
+                  <a:outerShdw blurRad="50800" dist="266700" dir="1980000" algn="ctr" rotWithShape="0">
+                    <a:srgbClr val="000000">
+                      <a:alpha val="43137"/>
+                    </a:srgbClr>
+                  </a:outerShdw>
+                </a:effectLst>
+                <a:latin typeface="Apple Chancery" charset="0"/>
+                <a:ea typeface="Apple Chancery" charset="0"/>
+                <a:cs typeface="Apple Chancery" charset="0"/>
+              </a:rPr>
+              <a:t>Password Reset</a:t>
+            </a:r>
+            <a:endParaRPr lang="en-US" sz="2400" dirty="0">
+              <a:solidFill>
+                <a:schemeClr val="bg1"/>
+              </a:solidFill>
+              <a:effectLst>
+                <a:outerShdw blurRad="50800" dist="266700" dir="1980000" algn="ctr" rotWithShape="0">
+                  <a:srgbClr val="000000">
+                    <a:alpha val="43137"/>
+                  </a:srgbClr>
+                </a:outerShdw>
+              </a:effectLst>
+              <a:latin typeface="Apple Chancery" charset="0"/>
+              <a:ea typeface="Apple Chancery" charset="0"/>
+              <a:cs typeface="Apple Chancery" charset="0"/>
+            </a:endParaRPr>
+          </a:p>
+        </p:txBody>
+      </p:sp>
+      <p:sp>
+        <p:nvSpPr>
+          <p:cNvPr id="11" name="Rectangle 10"/>
+          <p:cNvSpPr/>
+          <p:nvPr/>
+        </p:nvSpPr>
+        <p:spPr>
+          <a:xfrm>
+            <a:off x="5238760" y="4075866"/>
+            <a:ext cx="848309" cy="369332"/>
           </a:xfrm>
           <a:prstGeom prst="rect">
             <a:avLst/>
           </a:prstGeom>
-          <a:noFill/>
-        </p:spPr>
-        <p:txBody>
-          <a:bodyPr wrap="square" rtlCol="0">
+        </p:spPr>
+        <p:txBody>
+          <a:bodyPr wrap="none">
             <a:spAutoFit/>
           </a:bodyPr>
           <a:lstStyle/>
           <a:p>
             <a:pPr algn="ctr"/>
             <a:r>
-              <a:rPr lang="en-US" dirty="0" smtClean="0"/>
-              <a:t>Username</a:t>
-            </a:r>
-            <a:endParaRPr lang="en-US" dirty="0"/>
-          </a:p>
-        </p:txBody>
-      </p:sp>
-      <p:sp>
-        <p:nvSpPr>
-          <p:cNvPr id="16" name="Rounded Rectangle 15"/>
+              <a:rPr lang="en-US" smtClean="0">
+                <a:solidFill>
+                  <a:schemeClr val="bg1">
+                    <a:lumMod val="75000"/>
+                  </a:schemeClr>
+                </a:solidFill>
+                <a:effectLst>
+                  <a:outerShdw blurRad="50800" dist="177800" dir="4080000" sx="105000" sy="105000" algn="ctr" rotWithShape="0">
+                    <a:srgbClr val="000000">
+                      <a:alpha val="43137"/>
+                    </a:srgbClr>
+                  </a:outerShdw>
+                </a:effectLst>
+              </a:rPr>
+              <a:t>Submit</a:t>
+            </a:r>
+            <a:endParaRPr lang="en-US" dirty="0" smtClean="0">
+              <a:solidFill>
+                <a:schemeClr val="bg1">
+                  <a:lumMod val="75000"/>
+                </a:schemeClr>
+              </a:solidFill>
+              <a:effectLst>
+                <a:outerShdw blurRad="50800" dist="177800" dir="4080000" sx="105000" sy="105000" algn="ctr" rotWithShape="0">
+                  <a:srgbClr val="000000">
+                    <a:alpha val="43137"/>
+                  </a:srgbClr>
+                </a:outerShdw>
+              </a:effectLst>
+            </a:endParaRPr>
+          </a:p>
+        </p:txBody>
+      </p:sp>
+      <p:sp>
+        <p:nvSpPr>
+          <p:cNvPr id="12" name="Rectangle 11"/>
           <p:cNvSpPr/>
           <p:nvPr/>
         </p:nvSpPr>
         <p:spPr>
           <a:xfrm>
-            <a:off x="5017770" y="4261187"/>
-            <a:ext cx="2343150" cy="411480"/>
-          </a:xfrm>
-          <a:prstGeom prst="roundRect">
-            <a:avLst/>
-          </a:prstGeom>
-        </p:spPr>
-        <p:style>
-          <a:lnRef idx="2">
-            <a:schemeClr val="accent1">
-              <a:shade val="50000"/>
-            </a:schemeClr>
-          </a:lnRef>
-          <a:fillRef idx="1">
-            <a:schemeClr val="accent1"/>
-          </a:fillRef>
-          <a:effectRef idx="0">
-            <a:schemeClr val="accent1"/>
-          </a:effectRef>
-          <a:fontRef idx="minor">
-            <a:schemeClr val="lt1"/>
-          </a:fontRef>
-        </p:style>
-        <p:txBody>
-          <a:bodyPr rtlCol="0" anchor="ctr"/>
-          <a:lstStyle/>
-          <a:p>
-            <a:pPr algn="ctr"/>
-            <a:endParaRPr lang="en-US"/>
-          </a:p>
-        </p:txBody>
-      </p:sp>
-      <p:sp>
-        <p:nvSpPr>
-          <p:cNvPr id="17" name="TextBox 16"/>
-          <p:cNvSpPr txBox="1"/>
-          <p:nvPr/>
-        </p:nvSpPr>
-        <p:spPr>
-          <a:xfrm>
-            <a:off x="5166360" y="4282261"/>
-            <a:ext cx="2045970" cy="369332"/>
+            <a:off x="5259600" y="4501009"/>
+            <a:ext cx="806631" cy="369332"/>
           </a:xfrm>
           <a:prstGeom prst="rect">
             <a:avLst/>
           </a:prstGeom>
-          <a:noFill/>
-        </p:spPr>
-        <p:txBody>
-          <a:bodyPr wrap="square" rtlCol="0">
+        </p:spPr>
+        <p:txBody>
+          <a:bodyPr wrap="none">
             <a:spAutoFit/>
           </a:bodyPr>
           <a:lstStyle/>
           <a:p>
             <a:pPr algn="ctr"/>
             <a:r>
-              <a:rPr lang="en-US" dirty="0" smtClean="0"/>
-              <a:t>Email</a:t>
-            </a:r>
-            <a:endParaRPr lang="en-US" dirty="0"/>
-          </a:p>
-        </p:txBody>
-      </p:sp>
-      <p:sp>
-        <p:nvSpPr>
-          <p:cNvPr id="18" name="Rounded Rectangle 17"/>
-          <p:cNvSpPr/>
-          <p:nvPr/>
-        </p:nvSpPr>
-        <p:spPr>
-          <a:xfrm>
-            <a:off x="5017770" y="4879302"/>
-            <a:ext cx="2343150" cy="411480"/>
-          </a:xfrm>
-          <a:prstGeom prst="roundRect">
-            <a:avLst/>
-          </a:prstGeom>
-        </p:spPr>
-        <p:style>
-          <a:lnRef idx="2">
-            <a:schemeClr val="accent1">
-              <a:shade val="50000"/>
-            </a:schemeClr>
-          </a:lnRef>
-          <a:fillRef idx="1">
-            <a:schemeClr val="accent1"/>
-          </a:fillRef>
-          <a:effectRef idx="0">
-            <a:schemeClr val="accent1"/>
-          </a:effectRef>
-          <a:fontRef idx="minor">
-            <a:schemeClr val="lt1"/>
-          </a:fontRef>
-        </p:style>
-        <p:txBody>
-          <a:bodyPr rtlCol="0" anchor="ctr"/>
-          <a:lstStyle/>
-          <a:p>
-            <a:pPr algn="ctr"/>
-            <a:endParaRPr lang="en-US"/>
-          </a:p>
-        </p:txBody>
-      </p:sp>
-      <p:sp>
-        <p:nvSpPr>
-          <p:cNvPr id="19" name="TextBox 18"/>
-          <p:cNvSpPr txBox="1"/>
-          <p:nvPr/>
-        </p:nvSpPr>
-        <p:spPr>
-          <a:xfrm>
-            <a:off x="5166360" y="4900376"/>
-            <a:ext cx="2045970" cy="369332"/>
+              <a:rPr lang="en-US" dirty="0" smtClean="0">
+                <a:solidFill>
+                  <a:schemeClr val="bg1">
+                    <a:lumMod val="75000"/>
+                  </a:schemeClr>
+                </a:solidFill>
+                <a:effectLst>
+                  <a:outerShdw blurRad="50800" dist="177800" dir="4080000" sx="105000" sy="105000" algn="ctr" rotWithShape="0">
+                    <a:srgbClr val="000000">
+                      <a:alpha val="43137"/>
+                    </a:srgbClr>
+                  </a:outerShdw>
+                </a:effectLst>
+              </a:rPr>
+              <a:t>Cancel</a:t>
+            </a:r>
+            <a:endParaRPr lang="en-US" dirty="0" smtClean="0">
+              <a:solidFill>
+                <a:schemeClr val="bg1">
+                  <a:lumMod val="75000"/>
+                </a:schemeClr>
+              </a:solidFill>
+              <a:effectLst>
+                <a:outerShdw blurRad="50800" dist="177800" dir="4080000" sx="105000" sy="105000" algn="ctr" rotWithShape="0">
+                  <a:srgbClr val="000000">
+                    <a:alpha val="43137"/>
+                  </a:srgbClr>
+                </a:outerShdw>
+              </a:effectLst>
+            </a:endParaRPr>
+          </a:p>
+        </p:txBody>
+      </p:sp>
+      <p:pic>
+        <p:nvPicPr>
+          <p:cNvPr id="13" name="Picture 12"/>
+          <p:cNvPicPr>
+            <a:picLocks noChangeAspect="1"/>
+          </p:cNvPicPr>
+          <p:nvPr/>
+        </p:nvPicPr>
+        <p:blipFill>
+          <a:blip r:embed="rId4">
+            <a:extLst>
+              <a:ext uri="{28A0092B-C50C-407E-A947-70E740481C1C}">
+                <a14:useLocalDpi xmlns:a14="http://schemas.microsoft.com/office/drawing/2010/main" val="0"/>
+              </a:ext>
+            </a:extLst>
+          </a:blip>
+          <a:stretch>
+            <a:fillRect/>
+          </a:stretch>
+        </p:blipFill>
+        <p:spPr>
+          <a:xfrm>
+            <a:off x="4637576" y="1045353"/>
+            <a:ext cx="2050676" cy="1285875"/>
           </a:xfrm>
           <a:prstGeom prst="rect">
             <a:avLst/>
           </a:prstGeom>
-          <a:noFill/>
-        </p:spPr>
-        <p:txBody>
-          <a:bodyPr wrap="square" rtlCol="0">
-            <a:spAutoFit/>
-          </a:bodyPr>
-          <a:lstStyle/>
-          <a:p>
-            <a:pPr algn="ctr"/>
-            <a:r>
-              <a:rPr lang="en-US" dirty="0" smtClean="0"/>
-              <a:t>Phone Number</a:t>
-            </a:r>
-            <a:endParaRPr lang="en-US" dirty="0"/>
-          </a:p>
-        </p:txBody>
-      </p:sp>
-      <p:sp>
-        <p:nvSpPr>
-          <p:cNvPr id="20" name="Rounded Rectangle 19"/>
-          <p:cNvSpPr/>
-          <p:nvPr/>
-        </p:nvSpPr>
-        <p:spPr>
-          <a:xfrm>
-            <a:off x="5040630" y="5790117"/>
-            <a:ext cx="1036320" cy="411480"/>
-          </a:xfrm>
-          <a:prstGeom prst="roundRect">
-            <a:avLst/>
-          </a:prstGeom>
-        </p:spPr>
-        <p:style>
-          <a:lnRef idx="2">
-            <a:schemeClr val="accent1">
-              <a:shade val="50000"/>
-            </a:schemeClr>
-          </a:lnRef>
-          <a:fillRef idx="1">
-            <a:schemeClr val="accent1"/>
-          </a:fillRef>
-          <a:effectRef idx="0">
-            <a:schemeClr val="accent1"/>
-          </a:effectRef>
-          <a:fontRef idx="minor">
-            <a:schemeClr val="lt1"/>
-          </a:fontRef>
-        </p:style>
-        <p:txBody>
-          <a:bodyPr rtlCol="0" anchor="ctr"/>
-          <a:lstStyle/>
-          <a:p>
-            <a:pPr algn="ctr"/>
-            <a:endParaRPr lang="en-US"/>
-          </a:p>
-        </p:txBody>
-      </p:sp>
-      <p:sp>
-        <p:nvSpPr>
-          <p:cNvPr id="21" name="Rounded Rectangle 20"/>
-          <p:cNvSpPr/>
-          <p:nvPr/>
-        </p:nvSpPr>
-        <p:spPr>
-          <a:xfrm>
-            <a:off x="6347460" y="5790117"/>
-            <a:ext cx="1036320" cy="411480"/>
-          </a:xfrm>
-          <a:prstGeom prst="roundRect">
-            <a:avLst/>
-          </a:prstGeom>
-        </p:spPr>
-        <p:style>
-          <a:lnRef idx="2">
-            <a:schemeClr val="accent1">
-              <a:shade val="50000"/>
-            </a:schemeClr>
-          </a:lnRef>
-          <a:fillRef idx="1">
-            <a:schemeClr val="accent1"/>
-          </a:fillRef>
-          <a:effectRef idx="0">
-            <a:schemeClr val="accent1"/>
-          </a:effectRef>
-          <a:fontRef idx="minor">
-            <a:schemeClr val="lt1"/>
-          </a:fontRef>
-        </p:style>
-        <p:txBody>
-          <a:bodyPr rtlCol="0" anchor="ctr"/>
-          <a:lstStyle/>
-          <a:p>
-            <a:pPr algn="ctr"/>
-            <a:endParaRPr lang="en-US"/>
-          </a:p>
-        </p:txBody>
-      </p:sp>
-      <p:sp>
-        <p:nvSpPr>
-          <p:cNvPr id="22" name="TextBox 21"/>
-          <p:cNvSpPr txBox="1"/>
-          <p:nvPr/>
-        </p:nvSpPr>
-        <p:spPr>
-          <a:xfrm>
-            <a:off x="5144915" y="5790117"/>
-            <a:ext cx="827750" cy="369332"/>
-          </a:xfrm>
-          <a:prstGeom prst="rect">
-            <a:avLst/>
-          </a:prstGeom>
-          <a:noFill/>
-        </p:spPr>
-        <p:txBody>
-          <a:bodyPr wrap="square" rtlCol="0">
-            <a:spAutoFit/>
-          </a:bodyPr>
-          <a:lstStyle/>
-          <a:p>
-            <a:pPr algn="ctr"/>
-            <a:r>
-              <a:rPr lang="en-US" smtClean="0"/>
-              <a:t>Create</a:t>
-            </a:r>
-            <a:endParaRPr lang="en-US" dirty="0"/>
-          </a:p>
-        </p:txBody>
-      </p:sp>
-      <p:sp>
-        <p:nvSpPr>
-          <p:cNvPr id="23" name="TextBox 22"/>
-          <p:cNvSpPr txBox="1"/>
-          <p:nvPr/>
-        </p:nvSpPr>
-        <p:spPr>
-          <a:xfrm>
-            <a:off x="6451745" y="5815942"/>
-            <a:ext cx="827750" cy="369332"/>
-          </a:xfrm>
-          <a:prstGeom prst="rect">
-            <a:avLst/>
-          </a:prstGeom>
-          <a:noFill/>
-        </p:spPr>
-        <p:txBody>
-          <a:bodyPr wrap="square" rtlCol="0">
-            <a:spAutoFit/>
-          </a:bodyPr>
-          <a:lstStyle/>
-          <a:p>
-            <a:pPr algn="ctr"/>
-            <a:r>
-              <a:rPr lang="en-US" dirty="0" smtClean="0"/>
-              <a:t>Cancel</a:t>
-            </a:r>
-          </a:p>
-        </p:txBody>
-      </p:sp>
-      <p:sp>
-        <p:nvSpPr>
-          <p:cNvPr id="24" name="TextBox 23"/>
-          <p:cNvSpPr txBox="1"/>
-          <p:nvPr/>
-        </p:nvSpPr>
-        <p:spPr>
-          <a:xfrm>
-            <a:off x="331470" y="502920"/>
-            <a:ext cx="2023110" cy="369332"/>
-          </a:xfrm>
-          <a:prstGeom prst="rect">
-            <a:avLst/>
-          </a:prstGeom>
-          <a:noFill/>
-        </p:spPr>
-        <p:txBody>
-          <a:bodyPr wrap="square" rtlCol="0">
-            <a:spAutoFit/>
-          </a:bodyPr>
-          <a:lstStyle/>
-          <a:p>
-            <a:r>
-              <a:rPr lang="en-US" dirty="0" smtClean="0"/>
-              <a:t>Create Account</a:t>
-            </a:r>
-            <a:endParaRPr lang="en-US" dirty="0"/>
-          </a:p>
-        </p:txBody>
-      </p:sp>
-      <p:sp>
-        <p:nvSpPr>
-          <p:cNvPr id="25" name="TextBox 24"/>
-          <p:cNvSpPr txBox="1"/>
-          <p:nvPr/>
-        </p:nvSpPr>
-        <p:spPr>
-          <a:xfrm>
-            <a:off x="599287" y="1722644"/>
-            <a:ext cx="2023110" cy="1077218"/>
-          </a:xfrm>
-          <a:prstGeom prst="rect">
-            <a:avLst/>
-          </a:prstGeom>
-          <a:noFill/>
-        </p:spPr>
-        <p:txBody>
-          <a:bodyPr wrap="square" rtlCol="0">
-            <a:spAutoFit/>
-          </a:bodyPr>
-          <a:lstStyle/>
-          <a:p>
-            <a:pPr algn="ctr"/>
-            <a:r>
-              <a:rPr lang="en-US" sz="3200" smtClean="0"/>
-              <a:t>Create Account</a:t>
-            </a:r>
-            <a:endParaRPr lang="en-US" sz="3200" dirty="0"/>
-          </a:p>
-        </p:txBody>
-      </p:sp>
+          <a:effectLst>
+            <a:glow rad="101600">
+              <a:schemeClr val="accent3">
+                <a:satMod val="175000"/>
+                <a:alpha val="40000"/>
+              </a:schemeClr>
+            </a:glow>
+            <a:outerShdw blurRad="50800" dist="88900" dir="2760000" algn="ctr" rotWithShape="0">
+              <a:srgbClr val="000000">
+                <a:alpha val="43137"/>
+              </a:srgbClr>
+            </a:outerShdw>
+          </a:effectLst>
+        </p:spPr>
+      </p:pic>
     </p:spTree>
     <p:extLst>
       <p:ext uri="{BB962C8B-B14F-4D97-AF65-F5344CB8AC3E}">
-        <p14:creationId xmlns:p14="http://schemas.microsoft.com/office/powerpoint/2010/main" val="1632788802"/>
+        <p14:creationId xmlns:p14="http://schemas.microsoft.com/office/powerpoint/2010/main" val="926088044"/>
       </p:ext>
     </p:extLst>
   </p:cSld>
@@ -5870,23 +6552,50 @@
           <a:chExt cx="0" cy="0"/>
         </a:xfrm>
       </p:grpSpPr>
-      <p:sp>
-        <p:nvSpPr>
-          <p:cNvPr id="4" name="Rounded Rectangle 3"/>
+      <p:pic>
+        <p:nvPicPr>
+          <p:cNvPr id="4" name="Picture 3"/>
+          <p:cNvPicPr>
+            <a:picLocks noChangeAspect="1"/>
+          </p:cNvPicPr>
+          <p:nvPr/>
+        </p:nvPicPr>
+        <p:blipFill>
+          <a:blip r:embed="rId3">
+            <a:extLst>
+              <a:ext uri="{28A0092B-C50C-407E-A947-70E740481C1C}">
+                <a14:useLocalDpi xmlns:a14="http://schemas.microsoft.com/office/drawing/2010/main" val="0"/>
+              </a:ext>
+            </a:extLst>
+          </a:blip>
+          <a:stretch>
+            <a:fillRect/>
+          </a:stretch>
+        </p:blipFill>
+        <p:spPr>
+          <a:xfrm>
+            <a:off x="3945890" y="0"/>
+            <a:ext cx="3440545" cy="6858000"/>
+          </a:xfrm>
+          <a:prstGeom prst="rect">
+            <a:avLst/>
+          </a:prstGeom>
+        </p:spPr>
+      </p:pic>
+      <p:sp>
+        <p:nvSpPr>
+          <p:cNvPr id="6" name="Rectangle 5"/>
           <p:cNvSpPr/>
           <p:nvPr/>
         </p:nvSpPr>
         <p:spPr>
           <a:xfrm>
-            <a:off x="4116651" y="244602"/>
-            <a:ext cx="4114800" cy="6318504"/>
-          </a:xfrm>
-          <a:prstGeom prst="roundRect">
-            <a:avLst/>
-          </a:prstGeom>
-          <a:solidFill>
-            <a:schemeClr val="bg1"/>
-          </a:solidFill>
+            <a:off x="4108436" y="777240"/>
+            <a:ext cx="3108960" cy="4949190"/>
+          </a:xfrm>
+          <a:prstGeom prst="rect">
+            <a:avLst/>
+          </a:prstGeom>
         </p:spPr>
         <p:style>
           <a:lnRef idx="2">
@@ -5894,8 +6603,8 @@
               <a:shade val="50000"/>
             </a:schemeClr>
           </a:lnRef>
-          <a:fillRef idx="1">
-            <a:schemeClr val="accent1"/>
+          <a:fillRef idx="1003">
+            <a:schemeClr val="dk2"/>
           </a:fillRef>
           <a:effectRef idx="0">
             <a:schemeClr val="accent1"/>
@@ -5909,20 +6618,186 @@
           <a:lstStyle/>
           <a:p>
             <a:pPr algn="ctr"/>
-            <a:endParaRPr lang="en-US" dirty="0"/>
-          </a:p>
-        </p:txBody>
-      </p:sp>
-      <p:sp>
-        <p:nvSpPr>
-          <p:cNvPr id="5" name="TextBox 4"/>
+            <a:endParaRPr lang="en-US" dirty="0" smtClean="0">
+              <a:solidFill>
+                <a:schemeClr val="bg1">
+                  <a:lumMod val="75000"/>
+                </a:schemeClr>
+              </a:solidFill>
+              <a:effectLst>
+                <a:outerShdw blurRad="50800" dist="177800" dir="4080000" algn="ctr" rotWithShape="0">
+                  <a:srgbClr val="000000">
+                    <a:alpha val="43137"/>
+                  </a:srgbClr>
+                </a:outerShdw>
+              </a:effectLst>
+            </a:endParaRPr>
+          </a:p>
+          <a:p>
+            <a:pPr algn="ctr"/>
+            <a:endParaRPr lang="en-US" dirty="0" smtClean="0">
+              <a:solidFill>
+                <a:schemeClr val="bg1">
+                  <a:lumMod val="75000"/>
+                </a:schemeClr>
+              </a:solidFill>
+              <a:effectLst>
+                <a:outerShdw blurRad="50800" dist="177800" dir="4080000" algn="ctr" rotWithShape="0">
+                  <a:srgbClr val="000000">
+                    <a:alpha val="43137"/>
+                  </a:srgbClr>
+                </a:outerShdw>
+              </a:effectLst>
+            </a:endParaRPr>
+          </a:p>
+          <a:p>
+            <a:pPr algn="ctr"/>
+            <a:endParaRPr lang="en-US" dirty="0" smtClean="0">
+              <a:solidFill>
+                <a:schemeClr val="bg1">
+                  <a:lumMod val="75000"/>
+                </a:schemeClr>
+              </a:solidFill>
+              <a:effectLst>
+                <a:outerShdw blurRad="50800" dist="177800" dir="4080000" algn="ctr" rotWithShape="0">
+                  <a:srgbClr val="000000">
+                    <a:alpha val="43137"/>
+                  </a:srgbClr>
+                </a:outerShdw>
+              </a:effectLst>
+            </a:endParaRPr>
+          </a:p>
+          <a:p>
+            <a:pPr algn="ctr"/>
+            <a:endParaRPr lang="en-US" dirty="0" smtClean="0">
+              <a:solidFill>
+                <a:schemeClr val="bg1">
+                  <a:lumMod val="75000"/>
+                </a:schemeClr>
+              </a:solidFill>
+              <a:effectLst>
+                <a:outerShdw blurRad="50800" dist="177800" dir="4080000" algn="ctr" rotWithShape="0">
+                  <a:srgbClr val="000000">
+                    <a:alpha val="43137"/>
+                  </a:srgbClr>
+                </a:outerShdw>
+              </a:effectLst>
+            </a:endParaRPr>
+          </a:p>
+          <a:p>
+            <a:pPr algn="ctr"/>
+            <a:endParaRPr lang="en-US" dirty="0" smtClean="0">
+              <a:solidFill>
+                <a:schemeClr val="bg1">
+                  <a:lumMod val="75000"/>
+                </a:schemeClr>
+              </a:solidFill>
+              <a:effectLst>
+                <a:outerShdw blurRad="50800" dist="177800" dir="4080000" algn="ctr" rotWithShape="0">
+                  <a:srgbClr val="000000">
+                    <a:alpha val="43137"/>
+                  </a:srgbClr>
+                </a:outerShdw>
+              </a:effectLst>
+            </a:endParaRPr>
+          </a:p>
+          <a:p>
+            <a:pPr algn="ctr"/>
+            <a:endParaRPr lang="en-US" dirty="0" smtClean="0">
+              <a:solidFill>
+                <a:schemeClr val="bg1">
+                  <a:lumMod val="75000"/>
+                </a:schemeClr>
+              </a:solidFill>
+              <a:effectLst>
+                <a:outerShdw blurRad="50800" dist="177800" dir="4080000" algn="ctr" rotWithShape="0">
+                  <a:srgbClr val="000000">
+                    <a:alpha val="43137"/>
+                  </a:srgbClr>
+                </a:outerShdw>
+              </a:effectLst>
+            </a:endParaRPr>
+          </a:p>
+          <a:p>
+            <a:pPr algn="ctr"/>
+            <a:endParaRPr lang="en-US" dirty="0" smtClean="0">
+              <a:solidFill>
+                <a:schemeClr val="bg1">
+                  <a:lumMod val="75000"/>
+                </a:schemeClr>
+              </a:solidFill>
+              <a:effectLst>
+                <a:outerShdw blurRad="50800" dist="177800" dir="4080000" algn="ctr" rotWithShape="0">
+                  <a:srgbClr val="000000">
+                    <a:alpha val="43137"/>
+                  </a:srgbClr>
+                </a:outerShdw>
+              </a:effectLst>
+            </a:endParaRPr>
+          </a:p>
+          <a:p>
+            <a:pPr algn="ctr"/>
+            <a:endParaRPr lang="en-US" dirty="0" smtClean="0">
+              <a:solidFill>
+                <a:schemeClr val="bg1">
+                  <a:lumMod val="75000"/>
+                </a:schemeClr>
+              </a:solidFill>
+              <a:effectLst>
+                <a:outerShdw blurRad="50800" dist="177800" dir="4080000" algn="ctr" rotWithShape="0">
+                  <a:srgbClr val="000000">
+                    <a:alpha val="43137"/>
+                  </a:srgbClr>
+                </a:outerShdw>
+              </a:effectLst>
+            </a:endParaRPr>
+          </a:p>
+          <a:p>
+            <a:pPr algn="ctr"/>
+            <a:endParaRPr lang="en-US" dirty="0" smtClean="0">
+              <a:solidFill>
+                <a:schemeClr val="bg1">
+                  <a:lumMod val="75000"/>
+                </a:schemeClr>
+              </a:solidFill>
+              <a:effectLst>
+                <a:outerShdw blurRad="50800" dist="177800" dir="4080000" algn="ctr" rotWithShape="0">
+                  <a:srgbClr val="000000">
+                    <a:alpha val="43137"/>
+                  </a:srgbClr>
+                </a:outerShdw>
+              </a:effectLst>
+            </a:endParaRPr>
+          </a:p>
+          <a:p>
+            <a:pPr algn="ctr"/>
+            <a:endParaRPr lang="en-US" dirty="0" smtClean="0">
+              <a:solidFill>
+                <a:schemeClr val="bg1">
+                  <a:lumMod val="75000"/>
+                </a:schemeClr>
+              </a:solidFill>
+              <a:effectLst>
+                <a:outerShdw blurRad="50800" dist="177800" dir="4080000" algn="ctr" rotWithShape="0">
+                  <a:srgbClr val="000000">
+                    <a:alpha val="43137"/>
+                  </a:srgbClr>
+                </a:outerShdw>
+              </a:effectLst>
+            </a:endParaRPr>
+          </a:p>
+        </p:txBody>
+      </p:sp>
+      <p:sp>
+        <p:nvSpPr>
+          <p:cNvPr id="7" name="TextBox 6"/>
           <p:cNvSpPr txBox="1"/>
           <p:nvPr/>
         </p:nvSpPr>
         <p:spPr>
           <a:xfrm>
             <a:off x="331470" y="502920"/>
-            <a:ext cx="2023110" cy="369332"/>
+            <a:ext cx="2251710" cy="1569660"/>
           </a:xfrm>
           <a:prstGeom prst="rect">
             <a:avLst/>
@@ -5935,139 +6810,185 @@
           </a:bodyPr>
           <a:lstStyle/>
           <a:p>
-            <a:r>
-              <a:rPr lang="en-US" dirty="0" smtClean="0"/>
-              <a:t>Forgot Password</a:t>
-            </a:r>
-          </a:p>
-        </p:txBody>
-      </p:sp>
-      <p:sp>
-        <p:nvSpPr>
-          <p:cNvPr id="6" name="Rounded Rectangle 5"/>
+            <a:pPr algn="ctr"/>
+            <a:r>
+              <a:rPr lang="en-US" sz="3200" u="sng" dirty="0" smtClean="0">
+                <a:latin typeface="Arial" charset="0"/>
+                <a:ea typeface="Arial" charset="0"/>
+                <a:cs typeface="Arial" charset="0"/>
+              </a:rPr>
+              <a:t>Change</a:t>
+            </a:r>
+          </a:p>
+          <a:p>
+            <a:pPr algn="ctr"/>
+            <a:r>
+              <a:rPr lang="en-US" sz="3200" u="sng" dirty="0" smtClean="0">
+                <a:latin typeface="Arial" charset="0"/>
+                <a:ea typeface="Arial" charset="0"/>
+                <a:cs typeface="Arial" charset="0"/>
+              </a:rPr>
+              <a:t>Password</a:t>
+            </a:r>
+          </a:p>
+          <a:p>
+            <a:pPr algn="ctr"/>
+            <a:r>
+              <a:rPr lang="en-US" sz="3200" u="sng" dirty="0" smtClean="0">
+                <a:latin typeface="Arial" charset="0"/>
+                <a:ea typeface="Arial" charset="0"/>
+                <a:cs typeface="Arial" charset="0"/>
+              </a:rPr>
+              <a:t>Page</a:t>
+            </a:r>
+            <a:endParaRPr lang="en-US" sz="3200" u="sng" dirty="0">
+              <a:latin typeface="Arial" charset="0"/>
+              <a:ea typeface="Arial" charset="0"/>
+              <a:cs typeface="Arial" charset="0"/>
+            </a:endParaRPr>
+          </a:p>
+        </p:txBody>
+      </p:sp>
+      <p:sp>
+        <p:nvSpPr>
+          <p:cNvPr id="11" name="Rectangle 10"/>
           <p:cNvSpPr/>
           <p:nvPr/>
         </p:nvSpPr>
         <p:spPr>
           <a:xfrm>
-            <a:off x="5002476" y="3820430"/>
-            <a:ext cx="2343150" cy="411480"/>
-          </a:xfrm>
-          <a:prstGeom prst="roundRect">
-            <a:avLst/>
-          </a:prstGeom>
-        </p:spPr>
-        <p:style>
-          <a:lnRef idx="2">
-            <a:schemeClr val="accent1">
-              <a:shade val="50000"/>
-            </a:schemeClr>
-          </a:lnRef>
-          <a:fillRef idx="1">
-            <a:schemeClr val="accent1"/>
-          </a:fillRef>
-          <a:effectRef idx="0">
-            <a:schemeClr val="accent1"/>
-          </a:effectRef>
-          <a:fontRef idx="minor">
-            <a:schemeClr val="lt1"/>
-          </a:fontRef>
-        </p:style>
-        <p:txBody>
-          <a:bodyPr rtlCol="0" anchor="ctr"/>
-          <a:lstStyle/>
-          <a:p>
-            <a:pPr algn="ctr"/>
-            <a:endParaRPr lang="en-US"/>
-          </a:p>
-        </p:txBody>
-      </p:sp>
-      <p:sp>
-        <p:nvSpPr>
-          <p:cNvPr id="11" name="TextBox 10"/>
-          <p:cNvSpPr txBox="1"/>
-          <p:nvPr/>
-        </p:nvSpPr>
-        <p:spPr>
-          <a:xfrm>
-            <a:off x="5082486" y="1166967"/>
-            <a:ext cx="2183130" cy="1200329"/>
+            <a:off x="5215900" y="4661385"/>
+            <a:ext cx="848309" cy="369332"/>
           </a:xfrm>
           <a:prstGeom prst="rect">
             <a:avLst/>
           </a:prstGeom>
-          <a:noFill/>
-        </p:spPr>
-        <p:txBody>
-          <a:bodyPr wrap="square" rtlCol="0">
+        </p:spPr>
+        <p:txBody>
+          <a:bodyPr wrap="none">
             <a:spAutoFit/>
           </a:bodyPr>
           <a:lstStyle/>
           <a:p>
             <a:pPr algn="ctr"/>
             <a:r>
-              <a:rPr lang="en-US" sz="3600" dirty="0" smtClean="0"/>
-              <a:t>Reset Password</a:t>
-            </a:r>
-            <a:endParaRPr lang="en-US" sz="3600" dirty="0"/>
-          </a:p>
-        </p:txBody>
-      </p:sp>
-      <p:sp>
-        <p:nvSpPr>
-          <p:cNvPr id="12" name="TextBox 11"/>
-          <p:cNvSpPr txBox="1"/>
-          <p:nvPr/>
-        </p:nvSpPr>
-        <p:spPr>
-          <a:xfrm>
-            <a:off x="4350966" y="3543431"/>
-            <a:ext cx="3646170" cy="276999"/>
+              <a:rPr lang="en-US" smtClean="0">
+                <a:solidFill>
+                  <a:schemeClr val="bg1">
+                    <a:lumMod val="75000"/>
+                  </a:schemeClr>
+                </a:solidFill>
+                <a:effectLst>
+                  <a:outerShdw blurRad="50800" dist="177800" dir="4080000" sx="105000" sy="105000" algn="ctr" rotWithShape="0">
+                    <a:srgbClr val="000000">
+                      <a:alpha val="43137"/>
+                    </a:srgbClr>
+                  </a:outerShdw>
+                </a:effectLst>
+              </a:rPr>
+              <a:t>Submit</a:t>
+            </a:r>
+            <a:endParaRPr lang="en-US" dirty="0" smtClean="0">
+              <a:solidFill>
+                <a:schemeClr val="bg1">
+                  <a:lumMod val="75000"/>
+                </a:schemeClr>
+              </a:solidFill>
+              <a:effectLst>
+                <a:outerShdw blurRad="50800" dist="177800" dir="4080000" sx="105000" sy="105000" algn="ctr" rotWithShape="0">
+                  <a:srgbClr val="000000">
+                    <a:alpha val="43137"/>
+                  </a:srgbClr>
+                </a:outerShdw>
+              </a:effectLst>
+            </a:endParaRPr>
+          </a:p>
+        </p:txBody>
+      </p:sp>
+      <p:sp>
+        <p:nvSpPr>
+          <p:cNvPr id="12" name="Rectangle 11"/>
+          <p:cNvSpPr/>
+          <p:nvPr/>
+        </p:nvSpPr>
+        <p:spPr>
+          <a:xfrm>
+            <a:off x="5236740" y="5086528"/>
+            <a:ext cx="806631" cy="369332"/>
           </a:xfrm>
           <a:prstGeom prst="rect">
             <a:avLst/>
           </a:prstGeom>
-          <a:noFill/>
-        </p:spPr>
-        <p:txBody>
-          <a:bodyPr wrap="square" rtlCol="0">
+        </p:spPr>
+        <p:txBody>
+          <a:bodyPr wrap="none">
             <a:spAutoFit/>
           </a:bodyPr>
           <a:lstStyle/>
           <a:p>
             <a:pPr algn="ctr"/>
             <a:r>
-              <a:rPr lang="en-US" sz="1200" smtClean="0"/>
-              <a:t>*Enter Email </a:t>
-            </a:r>
-            <a:r>
-              <a:rPr lang="en-US" sz="1200" dirty="0" smtClean="0"/>
-              <a:t>Phone Number Or Username</a:t>
-            </a:r>
-          </a:p>
-        </p:txBody>
-      </p:sp>
-      <p:sp>
-        <p:nvSpPr>
-          <p:cNvPr id="14" name="Rounded Rectangle 13"/>
+              <a:rPr lang="en-US" dirty="0" smtClean="0">
+                <a:solidFill>
+                  <a:schemeClr val="bg1">
+                    <a:lumMod val="75000"/>
+                  </a:schemeClr>
+                </a:solidFill>
+                <a:effectLst>
+                  <a:outerShdw blurRad="50800" dist="177800" dir="4080000" sx="105000" sy="105000" algn="ctr" rotWithShape="0">
+                    <a:srgbClr val="000000">
+                      <a:alpha val="43137"/>
+                    </a:srgbClr>
+                  </a:outerShdw>
+                </a:effectLst>
+              </a:rPr>
+              <a:t>Cancel</a:t>
+            </a:r>
+            <a:endParaRPr lang="en-US" dirty="0" smtClean="0">
+              <a:solidFill>
+                <a:schemeClr val="bg1">
+                  <a:lumMod val="75000"/>
+                </a:schemeClr>
+              </a:solidFill>
+              <a:effectLst>
+                <a:outerShdw blurRad="50800" dist="177800" dir="4080000" sx="105000" sy="105000" algn="ctr" rotWithShape="0">
+                  <a:srgbClr val="000000">
+                    <a:alpha val="43137"/>
+                  </a:srgbClr>
+                </a:outerShdw>
+              </a:effectLst>
+            </a:endParaRPr>
+          </a:p>
+        </p:txBody>
+      </p:sp>
+      <p:sp>
+        <p:nvSpPr>
+          <p:cNvPr id="13" name="Rounded Rectangle 12"/>
           <p:cNvSpPr/>
           <p:nvPr/>
         </p:nvSpPr>
         <p:spPr>
           <a:xfrm>
-            <a:off x="5774001" y="4780288"/>
-            <a:ext cx="800100" cy="580382"/>
+            <a:off x="4194159" y="3105208"/>
+            <a:ext cx="2937510" cy="457200"/>
           </a:xfrm>
           <a:prstGeom prst="roundRect">
             <a:avLst/>
           </a:prstGeom>
+          <a:effectLst>
+            <a:outerShdw blurRad="50800" dist="25400" dir="2880000" algn="ctr" rotWithShape="0">
+              <a:srgbClr val="000000">
+                <a:alpha val="43137"/>
+              </a:srgbClr>
+            </a:outerShdw>
+          </a:effectLst>
         </p:spPr>
         <p:style>
           <a:lnRef idx="1">
             <a:schemeClr val="dk1"/>
           </a:lnRef>
-          <a:fillRef idx="2">
-            <a:schemeClr val="dk1"/>
+          <a:fillRef idx="1003">
+            <a:schemeClr val="lt2"/>
           </a:fillRef>
           <a:effectRef idx="1">
             <a:schemeClr val="dk1"/>
@@ -6082,17 +7003,215 @@
           <a:p>
             <a:pPr algn="ctr"/>
             <a:r>
-              <a:rPr lang="en-US" smtClean="0"/>
-              <a:t>Send Email</a:t>
-            </a:r>
-            <a:endParaRPr lang="en-US" dirty="0"/>
-          </a:p>
-        </p:txBody>
-      </p:sp>
+              <a:rPr lang="en-US" dirty="0" smtClean="0"/>
+              <a:t>Verification Code</a:t>
+            </a:r>
+          </a:p>
+        </p:txBody>
+      </p:sp>
+      <p:sp>
+        <p:nvSpPr>
+          <p:cNvPr id="14" name="Rounded Rectangle 13"/>
+          <p:cNvSpPr/>
+          <p:nvPr/>
+        </p:nvSpPr>
+        <p:spPr>
+          <a:xfrm>
+            <a:off x="4194159" y="3631524"/>
+            <a:ext cx="2937510" cy="457200"/>
+          </a:xfrm>
+          <a:prstGeom prst="roundRect">
+            <a:avLst/>
+          </a:prstGeom>
+          <a:effectLst>
+            <a:outerShdw blurRad="50800" dist="25400" dir="2880000" algn="ctr" rotWithShape="0">
+              <a:srgbClr val="000000">
+                <a:alpha val="43137"/>
+              </a:srgbClr>
+            </a:outerShdw>
+          </a:effectLst>
+        </p:spPr>
+        <p:style>
+          <a:lnRef idx="1">
+            <a:schemeClr val="dk1"/>
+          </a:lnRef>
+          <a:fillRef idx="1003">
+            <a:schemeClr val="lt2"/>
+          </a:fillRef>
+          <a:effectRef idx="1">
+            <a:schemeClr val="dk1"/>
+          </a:effectRef>
+          <a:fontRef idx="minor">
+            <a:schemeClr val="dk1"/>
+          </a:fontRef>
+        </p:style>
+        <p:txBody>
+          <a:bodyPr rtlCol="0" anchor="ctr"/>
+          <a:lstStyle/>
+          <a:p>
+            <a:pPr algn="ctr"/>
+            <a:r>
+              <a:rPr lang="en-US" dirty="0" smtClean="0"/>
+              <a:t>New Password</a:t>
+            </a:r>
+          </a:p>
+        </p:txBody>
+      </p:sp>
+      <p:sp>
+        <p:nvSpPr>
+          <p:cNvPr id="15" name="Rounded Rectangle 14"/>
+          <p:cNvSpPr/>
+          <p:nvPr/>
+        </p:nvSpPr>
+        <p:spPr>
+          <a:xfrm>
+            <a:off x="4194159" y="4150785"/>
+            <a:ext cx="2937510" cy="457200"/>
+          </a:xfrm>
+          <a:prstGeom prst="roundRect">
+            <a:avLst/>
+          </a:prstGeom>
+          <a:effectLst>
+            <a:outerShdw blurRad="50800" dist="25400" dir="2880000" algn="ctr" rotWithShape="0">
+              <a:srgbClr val="000000">
+                <a:alpha val="43137"/>
+              </a:srgbClr>
+            </a:outerShdw>
+          </a:effectLst>
+        </p:spPr>
+        <p:style>
+          <a:lnRef idx="1">
+            <a:schemeClr val="dk1"/>
+          </a:lnRef>
+          <a:fillRef idx="1003">
+            <a:schemeClr val="lt2"/>
+          </a:fillRef>
+          <a:effectRef idx="1">
+            <a:schemeClr val="dk1"/>
+          </a:effectRef>
+          <a:fontRef idx="minor">
+            <a:schemeClr val="dk1"/>
+          </a:fontRef>
+        </p:style>
+        <p:txBody>
+          <a:bodyPr rtlCol="0" anchor="ctr"/>
+          <a:lstStyle/>
+          <a:p>
+            <a:pPr algn="ctr"/>
+            <a:r>
+              <a:rPr lang="en-US" smtClean="0"/>
+              <a:t>Confirm Password</a:t>
+            </a:r>
+            <a:endParaRPr lang="en-US" dirty="0" smtClean="0"/>
+          </a:p>
+        </p:txBody>
+      </p:sp>
+      <p:sp>
+        <p:nvSpPr>
+          <p:cNvPr id="16" name="TextBox 15"/>
+          <p:cNvSpPr txBox="1"/>
+          <p:nvPr/>
+        </p:nvSpPr>
+        <p:spPr>
+          <a:xfrm>
+            <a:off x="4458898" y="2513079"/>
+            <a:ext cx="2408032" cy="461665"/>
+          </a:xfrm>
+          <a:prstGeom prst="rect">
+            <a:avLst/>
+          </a:prstGeom>
+          <a:noFill/>
+        </p:spPr>
+        <p:txBody>
+          <a:bodyPr wrap="none" rtlCol="0">
+            <a:spAutoFit/>
+          </a:bodyPr>
+          <a:lstStyle/>
+          <a:p>
+            <a:pPr algn="ctr"/>
+            <a:r>
+              <a:rPr lang="en-US" sz="2400" smtClean="0">
+                <a:solidFill>
+                  <a:schemeClr val="bg1"/>
+                </a:solidFill>
+                <a:effectLst>
+                  <a:outerShdw blurRad="50800" dist="266700" dir="1980000" algn="ctr" rotWithShape="0">
+                    <a:srgbClr val="000000">
+                      <a:alpha val="43137"/>
+                    </a:srgbClr>
+                  </a:outerShdw>
+                </a:effectLst>
+                <a:latin typeface="Apple Chancery" charset="0"/>
+                <a:ea typeface="Apple Chancery" charset="0"/>
+                <a:cs typeface="Apple Chancery" charset="0"/>
+              </a:rPr>
+              <a:t>Password Change</a:t>
+            </a:r>
+            <a:endParaRPr lang="en-US" sz="2400" dirty="0">
+              <a:solidFill>
+                <a:schemeClr val="bg1"/>
+              </a:solidFill>
+              <a:effectLst>
+                <a:outerShdw blurRad="50800" dist="266700" dir="1980000" algn="ctr" rotWithShape="0">
+                  <a:srgbClr val="000000">
+                    <a:alpha val="43137"/>
+                  </a:srgbClr>
+                </a:outerShdw>
+              </a:effectLst>
+              <a:latin typeface="Apple Chancery" charset="0"/>
+              <a:ea typeface="Apple Chancery" charset="0"/>
+              <a:cs typeface="Apple Chancery" charset="0"/>
+            </a:endParaRPr>
+          </a:p>
+        </p:txBody>
+      </p:sp>
+      <p:pic>
+        <p:nvPicPr>
+          <p:cNvPr id="17" name="Picture 16"/>
+          <p:cNvPicPr>
+            <a:picLocks noChangeAspect="1"/>
+          </p:cNvPicPr>
+          <p:nvPr/>
+        </p:nvPicPr>
+        <p:blipFill>
+          <a:blip r:embed="rId4">
+            <a:extLst>
+              <a:ext uri="{28A0092B-C50C-407E-A947-70E740481C1C}">
+                <a14:useLocalDpi xmlns:a14="http://schemas.microsoft.com/office/drawing/2010/main" val="0"/>
+              </a:ext>
+            </a:extLst>
+          </a:blip>
+          <a:stretch>
+            <a:fillRect/>
+          </a:stretch>
+        </p:blipFill>
+        <p:spPr>
+          <a:xfrm>
+            <a:off x="4637576" y="1072632"/>
+            <a:ext cx="2050676" cy="1285875"/>
+          </a:xfrm>
+          <a:prstGeom prst="rect">
+            <a:avLst/>
+          </a:prstGeom>
+          <a:effectLst>
+            <a:glow rad="101600">
+              <a:schemeClr val="accent3">
+                <a:satMod val="175000"/>
+                <a:alpha val="40000"/>
+              </a:schemeClr>
+            </a:glow>
+            <a:outerShdw blurRad="50800" dist="88900" dir="2760000" algn="ctr" rotWithShape="0">
+              <a:srgbClr val="000000">
+                <a:alpha val="43137"/>
+              </a:srgbClr>
+            </a:outerShdw>
+          </a:effectLst>
+        </p:spPr>
+      </p:pic>
     </p:spTree>
     <p:extLst>
       <p:ext uri="{BB962C8B-B14F-4D97-AF65-F5344CB8AC3E}">
-        <p14:creationId xmlns:p14="http://schemas.microsoft.com/office/powerpoint/2010/main" val="406891855"/>
+        <p14:creationId xmlns:p14="http://schemas.microsoft.com/office/powerpoint/2010/main" val="1870111510"/>
       </p:ext>
     </p:extLst>
   </p:cSld>

--- a/Storyboard Design.pptx
+++ b/Storyboard Design.pptx
@@ -7099,10 +7099,9 @@
           <a:p>
             <a:pPr algn="ctr"/>
             <a:r>
-              <a:rPr lang="en-US" smtClean="0"/>
+              <a:rPr lang="en-US" dirty="0" smtClean="0"/>
               <a:t>Confirm Password</a:t>
             </a:r>
-            <a:endParaRPr lang="en-US" dirty="0" smtClean="0"/>
           </a:p>
         </p:txBody>
       </p:sp>

--- a/Storyboard Design.pptx
+++ b/Storyboard Design.pptx
@@ -13,9 +13,9 @@
     <p:sldId id="266" r:id="rId4"/>
     <p:sldId id="267" r:id="rId5"/>
     <p:sldId id="268" r:id="rId6"/>
-    <p:sldId id="259" r:id="rId7"/>
-    <p:sldId id="260" r:id="rId8"/>
-    <p:sldId id="263" r:id="rId9"/>
+    <p:sldId id="269" r:id="rId7"/>
+    <p:sldId id="270" r:id="rId8"/>
+    <p:sldId id="271" r:id="rId9"/>
     <p:sldId id="262" r:id="rId10"/>
     <p:sldId id="264" r:id="rId11"/>
   </p:sldIdLst>
@@ -116,6 +116,11 @@
       </a:defRPr>
     </a:lvl9pPr>
   </p:defaultTextStyle>
+  <p:extLst>
+    <p:ext uri="{EFAFB233-063F-42B5-8137-9DF3F51BA10A}">
+      <p15:sldGuideLst xmlns:p15="http://schemas.microsoft.com/office/powerpoint/2012/main"/>
+    </p:ext>
+  </p:extLst>
 </p:presentation>
 </file>
 
@@ -201,7 +206,7 @@
           <a:p>
             <a:fld id="{9F425F84-FD09-D542-8021-99D93A2A6567}" type="datetimeFigureOut">
               <a:rPr lang="en-US" smtClean="0"/>
-              <a:t>1/21/16</a:t>
+              <a:t>1/24/16</a:t>
             </a:fld>
             <a:endParaRPr lang="en-US"/>
           </a:p>
@@ -925,9 +930,12 @@
           <a:p>
             <a:r>
               <a:rPr lang="en-US" dirty="0" smtClean="0"/>
-              <a:t>Get either a text message a email </a:t>
-            </a:r>
-            <a:endParaRPr lang="en-US" dirty="0"/>
+              <a:t>Shows a map</a:t>
+            </a:r>
+            <a:r>
+              <a:rPr lang="en-US" baseline="0" dirty="0" smtClean="0"/>
+              <a:t> containing the games in a certain area with an icon to match the description</a:t>
+            </a:r>
           </a:p>
         </p:txBody>
       </p:sp>
@@ -957,7 +965,7 @@
     </p:spTree>
     <p:extLst>
       <p:ext uri="{BB962C8B-B14F-4D97-AF65-F5344CB8AC3E}">
-        <p14:creationId xmlns:p14="http://schemas.microsoft.com/office/powerpoint/2010/main" val="143752978"/>
+        <p14:creationId xmlns:p14="http://schemas.microsoft.com/office/powerpoint/2010/main" val="1533148526"/>
       </p:ext>
     </p:extLst>
   </p:cSld>
@@ -1013,13 +1021,16 @@
           <a:p>
             <a:r>
               <a:rPr lang="en-US" dirty="0" smtClean="0"/>
-              <a:t>Add list of items to bring button</a:t>
+              <a:t>Shows a map</a:t>
             </a:r>
             <a:r>
               <a:rPr lang="en-US" baseline="0" dirty="0" smtClean="0"/>
-              <a:t> (checklist of game items)</a:t>
-            </a:r>
-            <a:endParaRPr lang="en-US" dirty="0" smtClean="0"/>
+              <a:t> containing the games in a certain area with an icon to match </a:t>
+            </a:r>
+            <a:r>
+              <a:rPr lang="en-US" baseline="0" smtClean="0"/>
+              <a:t>the description</a:t>
+            </a:r>
           </a:p>
         </p:txBody>
       </p:sp>
@@ -1040,6 +1051,118 @@
           <a:p>
             <a:fld id="{780750F4-F706-D848-81FD-B8DFCE8B732E}" type="slidenum">
               <a:rPr lang="en-US" smtClean="0"/>
+              <a:t>7</a:t>
+            </a:fld>
+            <a:endParaRPr lang="en-US"/>
+          </a:p>
+        </p:txBody>
+      </p:sp>
+    </p:spTree>
+    <p:extLst>
+      <p:ext uri="{BB962C8B-B14F-4D97-AF65-F5344CB8AC3E}">
+        <p14:creationId xmlns:p14="http://schemas.microsoft.com/office/powerpoint/2010/main" val="1764191772"/>
+      </p:ext>
+    </p:extLst>
+  </p:cSld>
+  <p:clrMapOvr>
+    <a:masterClrMapping/>
+  </p:clrMapOvr>
+</p:notes>
+</file>
+
+<file path=ppt/notesSlides/notesSlide7.xml><?xml version="1.0" encoding="utf-8"?>
+<p:notes xmlns:a="http://schemas.openxmlformats.org/drawingml/2006/main" xmlns:r="http://schemas.openxmlformats.org/officeDocument/2006/relationships" xmlns:p="http://schemas.openxmlformats.org/presentationml/2006/main">
+  <p:cSld>
+    <p:spTree>
+      <p:nvGrpSpPr>
+        <p:cNvPr id="1" name=""/>
+        <p:cNvGrpSpPr/>
+        <p:nvPr/>
+      </p:nvGrpSpPr>
+      <p:grpSpPr>
+        <a:xfrm>
+          <a:off x="0" y="0"/>
+          <a:ext cx="0" cy="0"/>
+          <a:chOff x="0" y="0"/>
+          <a:chExt cx="0" cy="0"/>
+        </a:xfrm>
+      </p:grpSpPr>
+      <p:sp>
+        <p:nvSpPr>
+          <p:cNvPr id="2" name="Slide Image Placeholder 1"/>
+          <p:cNvSpPr>
+            <a:spLocks noGrp="1" noRot="1" noChangeAspect="1"/>
+          </p:cNvSpPr>
+          <p:nvPr>
+            <p:ph type="sldImg"/>
+          </p:nvPr>
+        </p:nvSpPr>
+        <p:spPr/>
+      </p:sp>
+      <p:sp>
+        <p:nvSpPr>
+          <p:cNvPr id="3" name="Notes Placeholder 2"/>
+          <p:cNvSpPr>
+            <a:spLocks noGrp="1"/>
+          </p:cNvSpPr>
+          <p:nvPr>
+            <p:ph type="body" idx="1"/>
+          </p:nvPr>
+        </p:nvSpPr>
+        <p:spPr/>
+        <p:txBody>
+          <a:bodyPr/>
+          <a:lstStyle/>
+          <a:p>
+            <a:pPr marL="0" marR="0" indent="0" algn="l" defTabSz="914400" rtl="0" eaLnBrk="1" fontAlgn="auto" latinLnBrk="0" hangingPunct="1">
+              <a:lnSpc>
+                <a:spcPct val="100000"/>
+              </a:lnSpc>
+              <a:spcBef>
+                <a:spcPts val="0"/>
+              </a:spcBef>
+              <a:spcAft>
+                <a:spcPts val="0"/>
+              </a:spcAft>
+              <a:buClrTx/>
+              <a:buSzTx/>
+              <a:buFontTx/>
+              <a:buNone/>
+              <a:tabLst/>
+              <a:defRPr/>
+            </a:pPr>
+            <a:r>
+              <a:rPr lang="en-US" dirty="0" smtClean="0"/>
+              <a:t>Add list of items to bring button</a:t>
+            </a:r>
+            <a:r>
+              <a:rPr lang="en-US" baseline="0" dirty="0" smtClean="0"/>
+              <a:t> (checklist of game items)</a:t>
+            </a:r>
+            <a:endParaRPr lang="en-US" dirty="0" smtClean="0"/>
+          </a:p>
+          <a:p>
+            <a:endParaRPr lang="en-US" dirty="0"/>
+          </a:p>
+        </p:txBody>
+      </p:sp>
+      <p:sp>
+        <p:nvSpPr>
+          <p:cNvPr id="4" name="Slide Number Placeholder 3"/>
+          <p:cNvSpPr>
+            <a:spLocks noGrp="1"/>
+          </p:cNvSpPr>
+          <p:nvPr>
+            <p:ph type="sldNum" sz="quarter" idx="10"/>
+          </p:nvPr>
+        </p:nvSpPr>
+        <p:spPr/>
+        <p:txBody>
+          <a:bodyPr/>
+          <a:lstStyle/>
+          <a:p>
+            <a:fld id="{780750F4-F706-D848-81FD-B8DFCE8B732E}" type="slidenum">
+              <a:rPr lang="en-US" smtClean="0"/>
               <a:t>8</a:t>
             </a:fld>
             <a:endParaRPr lang="en-US"/>
@@ -1049,7 +1172,7 @@
     </p:spTree>
     <p:extLst>
       <p:ext uri="{BB962C8B-B14F-4D97-AF65-F5344CB8AC3E}">
-        <p14:creationId xmlns:p14="http://schemas.microsoft.com/office/powerpoint/2010/main" val="1510564087"/>
+        <p14:creationId xmlns:p14="http://schemas.microsoft.com/office/powerpoint/2010/main" val="361205280"/>
       </p:ext>
     </p:extLst>
   </p:cSld>
@@ -1190,7 +1313,7 @@
           <a:p>
             <a:fld id="{DC3D5DEA-293A-6C49-8636-6C14B8B3C869}" type="datetimeFigureOut">
               <a:rPr lang="en-US" smtClean="0"/>
-              <a:t>1/21/16</a:t>
+              <a:t>1/24/16</a:t>
             </a:fld>
             <a:endParaRPr lang="en-US"/>
           </a:p>
@@ -1360,7 +1483,7 @@
           <a:p>
             <a:fld id="{DC3D5DEA-293A-6C49-8636-6C14B8B3C869}" type="datetimeFigureOut">
               <a:rPr lang="en-US" smtClean="0"/>
-              <a:t>1/21/16</a:t>
+              <a:t>1/24/16</a:t>
             </a:fld>
             <a:endParaRPr lang="en-US"/>
           </a:p>
@@ -1540,7 +1663,7 @@
           <a:p>
             <a:fld id="{DC3D5DEA-293A-6C49-8636-6C14B8B3C869}" type="datetimeFigureOut">
               <a:rPr lang="en-US" smtClean="0"/>
-              <a:t>1/21/16</a:t>
+              <a:t>1/24/16</a:t>
             </a:fld>
             <a:endParaRPr lang="en-US"/>
           </a:p>
@@ -1710,7 +1833,7 @@
           <a:p>
             <a:fld id="{DC3D5DEA-293A-6C49-8636-6C14B8B3C869}" type="datetimeFigureOut">
               <a:rPr lang="en-US" smtClean="0"/>
-              <a:t>1/21/16</a:t>
+              <a:t>1/24/16</a:t>
             </a:fld>
             <a:endParaRPr lang="en-US"/>
           </a:p>
@@ -1956,7 +2079,7 @@
           <a:p>
             <a:fld id="{DC3D5DEA-293A-6C49-8636-6C14B8B3C869}" type="datetimeFigureOut">
               <a:rPr lang="en-US" smtClean="0"/>
-              <a:t>1/21/16</a:t>
+              <a:t>1/24/16</a:t>
             </a:fld>
             <a:endParaRPr lang="en-US"/>
           </a:p>
@@ -2188,7 +2311,7 @@
           <a:p>
             <a:fld id="{DC3D5DEA-293A-6C49-8636-6C14B8B3C869}" type="datetimeFigureOut">
               <a:rPr lang="en-US" smtClean="0"/>
-              <a:t>1/21/16</a:t>
+              <a:t>1/24/16</a:t>
             </a:fld>
             <a:endParaRPr lang="en-US"/>
           </a:p>
@@ -2555,7 +2678,7 @@
           <a:p>
             <a:fld id="{DC3D5DEA-293A-6C49-8636-6C14B8B3C869}" type="datetimeFigureOut">
               <a:rPr lang="en-US" smtClean="0"/>
-              <a:t>1/21/16</a:t>
+              <a:t>1/24/16</a:t>
             </a:fld>
             <a:endParaRPr lang="en-US"/>
           </a:p>
@@ -2673,7 +2796,7 @@
           <a:p>
             <a:fld id="{DC3D5DEA-293A-6C49-8636-6C14B8B3C869}" type="datetimeFigureOut">
               <a:rPr lang="en-US" smtClean="0"/>
-              <a:t>1/21/16</a:t>
+              <a:t>1/24/16</a:t>
             </a:fld>
             <a:endParaRPr lang="en-US"/>
           </a:p>
@@ -2768,7 +2891,7 @@
           <a:p>
             <a:fld id="{DC3D5DEA-293A-6C49-8636-6C14B8B3C869}" type="datetimeFigureOut">
               <a:rPr lang="en-US" smtClean="0"/>
-              <a:t>1/21/16</a:t>
+              <a:t>1/24/16</a:t>
             </a:fld>
             <a:endParaRPr lang="en-US"/>
           </a:p>
@@ -3045,7 +3168,7 @@
           <a:p>
             <a:fld id="{DC3D5DEA-293A-6C49-8636-6C14B8B3C869}" type="datetimeFigureOut">
               <a:rPr lang="en-US" smtClean="0"/>
-              <a:t>1/21/16</a:t>
+              <a:t>1/24/16</a:t>
             </a:fld>
             <a:endParaRPr lang="en-US"/>
           </a:p>
@@ -3298,7 +3421,7 @@
           <a:p>
             <a:fld id="{DC3D5DEA-293A-6C49-8636-6C14B8B3C869}" type="datetimeFigureOut">
               <a:rPr lang="en-US" smtClean="0"/>
-              <a:t>1/21/16</a:t>
+              <a:t>1/24/16</a:t>
             </a:fld>
             <a:endParaRPr lang="en-US"/>
           </a:p>
@@ -3511,7 +3634,7 @@
           <a:p>
             <a:fld id="{DC3D5DEA-293A-6C49-8636-6C14B8B3C869}" type="datetimeFigureOut">
               <a:rPr lang="en-US" smtClean="0"/>
-              <a:t>1/21/16</a:t>
+              <a:t>1/24/16</a:t>
             </a:fld>
             <a:endParaRPr lang="en-US"/>
           </a:p>
@@ -3968,7 +4091,7 @@
         </p:blipFill>
         <p:spPr>
           <a:xfrm>
-            <a:off x="3945890" y="0"/>
+            <a:off x="3955034" y="0"/>
             <a:ext cx="3440545" cy="6858000"/>
           </a:xfrm>
           <a:prstGeom prst="rect">
@@ -4446,20 +4569,6 @@
               </a:rPr>
               <a:t>Register</a:t>
             </a:r>
-            <a:endParaRPr lang="en-US" dirty="0" smtClean="0">
-              <a:solidFill>
-                <a:schemeClr val="bg1">
-                  <a:lumMod val="75000"/>
-                </a:schemeClr>
-              </a:solidFill>
-              <a:effectLst>
-                <a:outerShdw blurRad="50800" dist="177800" dir="4080000" sx="105000" sy="105000" algn="ctr" rotWithShape="0">
-                  <a:srgbClr val="000000">
-                    <a:alpha val="43137"/>
-                  </a:srgbClr>
-                </a:outerShdw>
-              </a:effectLst>
-            </a:endParaRPr>
           </a:p>
         </p:txBody>
       </p:sp>
@@ -4502,20 +4611,6 @@
               </a:rPr>
               <a:t>Forgot Password</a:t>
             </a:r>
-            <a:endParaRPr lang="en-US" dirty="0" smtClean="0">
-              <a:solidFill>
-                <a:schemeClr val="bg1">
-                  <a:lumMod val="75000"/>
-                </a:schemeClr>
-              </a:solidFill>
-              <a:effectLst>
-                <a:outerShdw blurRad="50800" dist="177800" dir="4080000" sx="105000" sy="105000" algn="ctr" rotWithShape="0">
-                  <a:srgbClr val="000000">
-                    <a:alpha val="43137"/>
-                  </a:srgbClr>
-                </a:outerShdw>
-              </a:effectLst>
-            </a:endParaRPr>
           </a:p>
         </p:txBody>
       </p:sp>
@@ -4730,20 +4825,6 @@
               </a:rPr>
               <a:t>LOGIN</a:t>
             </a:r>
-            <a:endParaRPr lang="en-US" dirty="0" smtClean="0">
-              <a:solidFill>
-                <a:schemeClr val="bg1">
-                  <a:lumMod val="75000"/>
-                </a:schemeClr>
-              </a:solidFill>
-              <a:effectLst>
-                <a:outerShdw blurRad="50800" dist="177800" dir="4080000" sx="105000" sy="105000" algn="ctr" rotWithShape="0">
-                  <a:srgbClr val="000000">
-                    <a:alpha val="43137"/>
-                  </a:srgbClr>
-                </a:outerShdw>
-              </a:effectLst>
-            </a:endParaRPr>
           </a:p>
         </p:txBody>
       </p:sp>
@@ -5661,20 +5742,6 @@
               </a:rPr>
               <a:t>Register</a:t>
             </a:r>
-            <a:endParaRPr lang="en-US" dirty="0" smtClean="0">
-              <a:solidFill>
-                <a:schemeClr val="bg1">
-                  <a:lumMod val="75000"/>
-                </a:schemeClr>
-              </a:solidFill>
-              <a:effectLst>
-                <a:outerShdw blurRad="50800" dist="177800" dir="4080000" sx="105000" sy="105000" algn="ctr" rotWithShape="0">
-                  <a:srgbClr val="000000">
-                    <a:alpha val="43137"/>
-                  </a:srgbClr>
-                </a:outerShdw>
-              </a:effectLst>
-            </a:endParaRPr>
           </a:p>
         </p:txBody>
       </p:sp>
@@ -6455,20 +6522,6 @@
               </a:rPr>
               <a:t>Cancel</a:t>
             </a:r>
-            <a:endParaRPr lang="en-US" dirty="0" smtClean="0">
-              <a:solidFill>
-                <a:schemeClr val="bg1">
-                  <a:lumMod val="75000"/>
-                </a:schemeClr>
-              </a:solidFill>
-              <a:effectLst>
-                <a:outerShdw blurRad="50800" dist="177800" dir="4080000" sx="105000" sy="105000" algn="ctr" rotWithShape="0">
-                  <a:srgbClr val="000000">
-                    <a:alpha val="43137"/>
-                  </a:srgbClr>
-                </a:outerShdw>
-              </a:effectLst>
-            </a:endParaRPr>
           </a:p>
         </p:txBody>
       </p:sp>
@@ -6872,7 +6925,7 @@
           <a:p>
             <a:pPr algn="ctr"/>
             <a:r>
-              <a:rPr lang="en-US" smtClean="0">
+              <a:rPr lang="en-US" dirty="0" smtClean="0">
                 <a:solidFill>
                   <a:schemeClr val="bg1">
                     <a:lumMod val="75000"/>
@@ -6888,20 +6941,6 @@
               </a:rPr>
               <a:t>Submit</a:t>
             </a:r>
-            <a:endParaRPr lang="en-US" dirty="0" smtClean="0">
-              <a:solidFill>
-                <a:schemeClr val="bg1">
-                  <a:lumMod val="75000"/>
-                </a:schemeClr>
-              </a:solidFill>
-              <a:effectLst>
-                <a:outerShdw blurRad="50800" dist="177800" dir="4080000" sx="105000" sy="105000" algn="ctr" rotWithShape="0">
-                  <a:srgbClr val="000000">
-                    <a:alpha val="43137"/>
-                  </a:srgbClr>
-                </a:outerShdw>
-              </a:effectLst>
-            </a:endParaRPr>
           </a:p>
         </p:txBody>
       </p:sp>
@@ -6944,20 +6983,6 @@
               </a:rPr>
               <a:t>Cancel</a:t>
             </a:r>
-            <a:endParaRPr lang="en-US" dirty="0" smtClean="0">
-              <a:solidFill>
-                <a:schemeClr val="bg1">
-                  <a:lumMod val="75000"/>
-                </a:schemeClr>
-              </a:solidFill>
-              <a:effectLst>
-                <a:outerShdw blurRad="50800" dist="177800" dir="4080000" sx="105000" sy="105000" algn="ctr" rotWithShape="0">
-                  <a:srgbClr val="000000">
-                    <a:alpha val="43137"/>
-                  </a:srgbClr>
-                </a:outerShdw>
-              </a:effectLst>
-            </a:endParaRPr>
           </a:p>
         </p:txBody>
       </p:sp>
@@ -7244,23 +7269,50 @@
           <a:chExt cx="0" cy="0"/>
         </a:xfrm>
       </p:grpSpPr>
-      <p:sp>
-        <p:nvSpPr>
-          <p:cNvPr id="4" name="Rounded Rectangle 3"/>
+      <p:pic>
+        <p:nvPicPr>
+          <p:cNvPr id="4" name="Picture 3"/>
+          <p:cNvPicPr>
+            <a:picLocks noChangeAspect="1"/>
+          </p:cNvPicPr>
+          <p:nvPr/>
+        </p:nvPicPr>
+        <p:blipFill>
+          <a:blip r:embed="rId3">
+            <a:extLst>
+              <a:ext uri="{28A0092B-C50C-407E-A947-70E740481C1C}">
+                <a14:useLocalDpi xmlns:a14="http://schemas.microsoft.com/office/drawing/2010/main" val="0"/>
+              </a:ext>
+            </a:extLst>
+          </a:blip>
+          <a:stretch>
+            <a:fillRect/>
+          </a:stretch>
+        </p:blipFill>
+        <p:spPr>
+          <a:xfrm>
+            <a:off x="4121912" y="0"/>
+            <a:ext cx="3440545" cy="6858000"/>
+          </a:xfrm>
+          <a:prstGeom prst="rect">
+            <a:avLst/>
+          </a:prstGeom>
+        </p:spPr>
+      </p:pic>
+      <p:sp>
+        <p:nvSpPr>
+          <p:cNvPr id="9" name="Right Arrow 8"/>
           <p:cNvSpPr/>
           <p:nvPr/>
         </p:nvSpPr>
         <p:spPr>
           <a:xfrm>
-            <a:off x="4116651" y="244602"/>
-            <a:ext cx="4114800" cy="6318504"/>
-          </a:xfrm>
-          <a:prstGeom prst="roundRect">
-            <a:avLst/>
-          </a:prstGeom>
-          <a:solidFill>
-            <a:schemeClr val="bg1"/>
-          </a:solidFill>
+            <a:off x="3063240" y="621792"/>
+            <a:ext cx="1389888" cy="749808"/>
+          </a:xfrm>
+          <a:prstGeom prst="rightArrow">
+            <a:avLst/>
+          </a:prstGeom>
         </p:spPr>
         <p:style>
           <a:lnRef idx="2">
@@ -7283,22 +7335,22 @@
           <a:lstStyle/>
           <a:p>
             <a:pPr algn="ctr"/>
-            <a:endParaRPr lang="en-US" dirty="0"/>
-          </a:p>
-        </p:txBody>
-      </p:sp>
-      <p:sp>
-        <p:nvSpPr>
-          <p:cNvPr id="5" name="Rounded Rectangle 4"/>
+            <a:endParaRPr lang="en-US"/>
+          </a:p>
+        </p:txBody>
+      </p:sp>
+      <p:sp>
+        <p:nvSpPr>
+          <p:cNvPr id="10" name="Right Arrow 9"/>
           <p:cNvSpPr/>
           <p:nvPr/>
         </p:nvSpPr>
         <p:spPr>
-          <a:xfrm>
-            <a:off x="4979616" y="1931486"/>
-            <a:ext cx="2343150" cy="411480"/>
-          </a:xfrm>
-          <a:prstGeom prst="roundRect">
+          <a:xfrm rot="10800000">
+            <a:off x="7231241" y="621792"/>
+            <a:ext cx="1389888" cy="749808"/>
+          </a:xfrm>
+          <a:prstGeom prst="rightArrow">
             <a:avLst/>
           </a:prstGeom>
         </p:spPr>
@@ -7329,14 +7381,14 @@
       </p:sp>
       <p:sp>
         <p:nvSpPr>
-          <p:cNvPr id="6" name="TextBox 5"/>
+          <p:cNvPr id="11" name="TextBox 10"/>
           <p:cNvSpPr txBox="1"/>
           <p:nvPr/>
         </p:nvSpPr>
         <p:spPr>
           <a:xfrm>
-            <a:off x="5229144" y="1973634"/>
-            <a:ext cx="1889814" cy="369332"/>
+            <a:off x="2362402" y="673529"/>
+            <a:ext cx="740907" cy="646331"/>
           </a:xfrm>
           <a:prstGeom prst="rect">
             <a:avLst/>
@@ -7344,32 +7396,359 @@
           <a:noFill/>
         </p:spPr>
         <p:txBody>
-          <a:bodyPr wrap="square" rtlCol="0">
+          <a:bodyPr wrap="none" rtlCol="0">
             <a:spAutoFit/>
           </a:bodyPr>
           <a:lstStyle/>
           <a:p>
             <a:pPr algn="ctr"/>
             <a:r>
+              <a:rPr lang="en-US" dirty="0" smtClean="0"/>
+              <a:t>NAV</a:t>
+            </a:r>
+          </a:p>
+          <a:p>
+            <a:pPr algn="ctr"/>
+            <a:r>
+              <a:rPr lang="en-US" dirty="0" smtClean="0"/>
+              <a:t>Menu</a:t>
+            </a:r>
+            <a:endParaRPr lang="en-US" dirty="0"/>
+          </a:p>
+        </p:txBody>
+      </p:sp>
+      <p:sp>
+        <p:nvSpPr>
+          <p:cNvPr id="13" name="TextBox 12"/>
+          <p:cNvSpPr txBox="1"/>
+          <p:nvPr/>
+        </p:nvSpPr>
+        <p:spPr>
+          <a:xfrm>
+            <a:off x="8621129" y="812028"/>
+            <a:ext cx="928909" cy="369332"/>
+          </a:xfrm>
+          <a:prstGeom prst="rect">
+            <a:avLst/>
+          </a:prstGeom>
+          <a:noFill/>
+        </p:spPr>
+        <p:txBody>
+          <a:bodyPr wrap="none" rtlCol="0">
+            <a:spAutoFit/>
+          </a:bodyPr>
+          <a:lstStyle/>
+          <a:p>
+            <a:r>
               <a:rPr lang="en-US" smtClean="0"/>
-              <a:t>Verification Code</a:t>
-            </a:r>
-            <a:endParaRPr lang="en-US" dirty="0"/>
-          </a:p>
-        </p:txBody>
-      </p:sp>
-      <p:sp>
-        <p:nvSpPr>
-          <p:cNvPr id="8" name="Rounded Rectangle 7"/>
+              <a:t>Settings</a:t>
+            </a:r>
+            <a:endParaRPr lang="en-US"/>
+          </a:p>
+        </p:txBody>
+      </p:sp>
+      <p:sp>
+        <p:nvSpPr>
+          <p:cNvPr id="14" name="Rectangle 13"/>
           <p:cNvSpPr/>
           <p:nvPr/>
         </p:nvSpPr>
         <p:spPr>
           <a:xfrm>
-            <a:off x="4979616" y="2598236"/>
-            <a:ext cx="2343150" cy="411480"/>
-          </a:xfrm>
-          <a:prstGeom prst="roundRect">
+            <a:off x="4287704" y="1234440"/>
+            <a:ext cx="3108960" cy="4480560"/>
+          </a:xfrm>
+          <a:prstGeom prst="rect">
+            <a:avLst/>
+          </a:prstGeom>
+        </p:spPr>
+        <p:style>
+          <a:lnRef idx="2">
+            <a:schemeClr val="accent1">
+              <a:shade val="50000"/>
+            </a:schemeClr>
+          </a:lnRef>
+          <a:fillRef idx="1003">
+            <a:schemeClr val="dk2"/>
+          </a:fillRef>
+          <a:effectRef idx="0">
+            <a:schemeClr val="accent1"/>
+          </a:effectRef>
+          <a:fontRef idx="minor">
+            <a:schemeClr val="lt1"/>
+          </a:fontRef>
+        </p:style>
+        <p:txBody>
+          <a:bodyPr rtlCol="0" anchor="ctr"/>
+          <a:lstStyle/>
+          <a:p>
+            <a:pPr algn="ctr"/>
+            <a:endParaRPr lang="en-US" dirty="0" smtClean="0">
+              <a:solidFill>
+                <a:schemeClr val="bg1">
+                  <a:lumMod val="75000"/>
+                </a:schemeClr>
+              </a:solidFill>
+              <a:effectLst>
+                <a:outerShdw blurRad="50800" dist="177800" dir="4080000" algn="ctr" rotWithShape="0">
+                  <a:srgbClr val="000000">
+                    <a:alpha val="43137"/>
+                  </a:srgbClr>
+                </a:outerShdw>
+              </a:effectLst>
+            </a:endParaRPr>
+          </a:p>
+          <a:p>
+            <a:pPr algn="ctr"/>
+            <a:endParaRPr lang="en-US" dirty="0" smtClean="0">
+              <a:solidFill>
+                <a:schemeClr val="bg1">
+                  <a:lumMod val="75000"/>
+                </a:schemeClr>
+              </a:solidFill>
+              <a:effectLst>
+                <a:outerShdw blurRad="50800" dist="177800" dir="4080000" algn="ctr" rotWithShape="0">
+                  <a:srgbClr val="000000">
+                    <a:alpha val="43137"/>
+                  </a:srgbClr>
+                </a:outerShdw>
+              </a:effectLst>
+            </a:endParaRPr>
+          </a:p>
+          <a:p>
+            <a:pPr algn="ctr"/>
+            <a:endParaRPr lang="en-US" dirty="0" smtClean="0">
+              <a:solidFill>
+                <a:schemeClr val="bg1">
+                  <a:lumMod val="75000"/>
+                </a:schemeClr>
+              </a:solidFill>
+              <a:effectLst>
+                <a:outerShdw blurRad="50800" dist="177800" dir="4080000" algn="ctr" rotWithShape="0">
+                  <a:srgbClr val="000000">
+                    <a:alpha val="43137"/>
+                  </a:srgbClr>
+                </a:outerShdw>
+              </a:effectLst>
+            </a:endParaRPr>
+          </a:p>
+          <a:p>
+            <a:pPr algn="ctr"/>
+            <a:endParaRPr lang="en-US" dirty="0" smtClean="0">
+              <a:solidFill>
+                <a:schemeClr val="bg1">
+                  <a:lumMod val="75000"/>
+                </a:schemeClr>
+              </a:solidFill>
+              <a:effectLst>
+                <a:outerShdw blurRad="50800" dist="177800" dir="4080000" algn="ctr" rotWithShape="0">
+                  <a:srgbClr val="000000">
+                    <a:alpha val="43137"/>
+                  </a:srgbClr>
+                </a:outerShdw>
+              </a:effectLst>
+            </a:endParaRPr>
+          </a:p>
+          <a:p>
+            <a:pPr algn="ctr"/>
+            <a:endParaRPr lang="en-US" dirty="0" smtClean="0">
+              <a:solidFill>
+                <a:schemeClr val="bg1">
+                  <a:lumMod val="75000"/>
+                </a:schemeClr>
+              </a:solidFill>
+              <a:effectLst>
+                <a:outerShdw blurRad="50800" dist="177800" dir="4080000" algn="ctr" rotWithShape="0">
+                  <a:srgbClr val="000000">
+                    <a:alpha val="43137"/>
+                  </a:srgbClr>
+                </a:outerShdw>
+              </a:effectLst>
+            </a:endParaRPr>
+          </a:p>
+          <a:p>
+            <a:pPr algn="ctr"/>
+            <a:endParaRPr lang="en-US" dirty="0" smtClean="0">
+              <a:solidFill>
+                <a:schemeClr val="bg1">
+                  <a:lumMod val="75000"/>
+                </a:schemeClr>
+              </a:solidFill>
+              <a:effectLst>
+                <a:outerShdw blurRad="50800" dist="177800" dir="4080000" algn="ctr" rotWithShape="0">
+                  <a:srgbClr val="000000">
+                    <a:alpha val="43137"/>
+                  </a:srgbClr>
+                </a:outerShdw>
+              </a:effectLst>
+            </a:endParaRPr>
+          </a:p>
+          <a:p>
+            <a:pPr algn="ctr"/>
+            <a:endParaRPr lang="en-US" dirty="0" smtClean="0">
+              <a:solidFill>
+                <a:schemeClr val="bg1">
+                  <a:lumMod val="75000"/>
+                </a:schemeClr>
+              </a:solidFill>
+              <a:effectLst>
+                <a:outerShdw blurRad="50800" dist="177800" dir="4080000" algn="ctr" rotWithShape="0">
+                  <a:srgbClr val="000000">
+                    <a:alpha val="43137"/>
+                  </a:srgbClr>
+                </a:outerShdw>
+              </a:effectLst>
+            </a:endParaRPr>
+          </a:p>
+          <a:p>
+            <a:pPr algn="ctr"/>
+            <a:endParaRPr lang="en-US" dirty="0" smtClean="0">
+              <a:solidFill>
+                <a:schemeClr val="bg1">
+                  <a:lumMod val="75000"/>
+                </a:schemeClr>
+              </a:solidFill>
+              <a:effectLst>
+                <a:outerShdw blurRad="50800" dist="177800" dir="4080000" algn="ctr" rotWithShape="0">
+                  <a:srgbClr val="000000">
+                    <a:alpha val="43137"/>
+                  </a:srgbClr>
+                </a:outerShdw>
+              </a:effectLst>
+            </a:endParaRPr>
+          </a:p>
+          <a:p>
+            <a:pPr algn="ctr"/>
+            <a:endParaRPr lang="en-US" dirty="0" smtClean="0">
+              <a:solidFill>
+                <a:schemeClr val="bg1">
+                  <a:lumMod val="75000"/>
+                </a:schemeClr>
+              </a:solidFill>
+              <a:effectLst>
+                <a:outerShdw blurRad="50800" dist="177800" dir="4080000" algn="ctr" rotWithShape="0">
+                  <a:srgbClr val="000000">
+                    <a:alpha val="43137"/>
+                  </a:srgbClr>
+                </a:outerShdw>
+              </a:effectLst>
+            </a:endParaRPr>
+          </a:p>
+          <a:p>
+            <a:pPr algn="ctr"/>
+            <a:endParaRPr lang="en-US" dirty="0" smtClean="0">
+              <a:solidFill>
+                <a:schemeClr val="bg1">
+                  <a:lumMod val="75000"/>
+                </a:schemeClr>
+              </a:solidFill>
+              <a:effectLst>
+                <a:outerShdw blurRad="50800" dist="177800" dir="4080000" algn="ctr" rotWithShape="0">
+                  <a:srgbClr val="000000">
+                    <a:alpha val="43137"/>
+                  </a:srgbClr>
+                </a:outerShdw>
+              </a:effectLst>
+            </a:endParaRPr>
+          </a:p>
+        </p:txBody>
+      </p:sp>
+      <p:sp>
+        <p:nvSpPr>
+          <p:cNvPr id="15" name="Rectangle 14"/>
+          <p:cNvSpPr/>
+          <p:nvPr/>
+        </p:nvSpPr>
+        <p:spPr>
+          <a:xfrm>
+            <a:off x="4897529" y="1371600"/>
+            <a:ext cx="614271" cy="369332"/>
+          </a:xfrm>
+          <a:prstGeom prst="rect">
+            <a:avLst/>
+          </a:prstGeom>
+        </p:spPr>
+        <p:txBody>
+          <a:bodyPr wrap="none">
+            <a:spAutoFit/>
+          </a:bodyPr>
+          <a:lstStyle/>
+          <a:p>
+            <a:pPr algn="ctr"/>
+            <a:r>
+              <a:rPr lang="en-US" u="sng" dirty="0" smtClean="0">
+                <a:solidFill>
+                  <a:schemeClr val="bg1">
+                    <a:lumMod val="75000"/>
+                  </a:schemeClr>
+                </a:solidFill>
+                <a:effectLst>
+                  <a:outerShdw blurRad="50800" dist="177800" dir="4080000" sx="105000" sy="105000" algn="ctr" rotWithShape="0">
+                    <a:srgbClr val="000000">
+                      <a:alpha val="43137"/>
+                    </a:srgbClr>
+                  </a:outerShdw>
+                </a:effectLst>
+              </a:rPr>
+              <a:t>Map</a:t>
+            </a:r>
+          </a:p>
+        </p:txBody>
+      </p:sp>
+      <p:sp>
+        <p:nvSpPr>
+          <p:cNvPr id="16" name="Rectangle 15"/>
+          <p:cNvSpPr/>
+          <p:nvPr/>
+        </p:nvSpPr>
+        <p:spPr>
+          <a:xfrm>
+            <a:off x="6283391" y="1371600"/>
+            <a:ext cx="499497" cy="369332"/>
+          </a:xfrm>
+          <a:prstGeom prst="rect">
+            <a:avLst/>
+          </a:prstGeom>
+        </p:spPr>
+        <p:txBody>
+          <a:bodyPr wrap="none">
+            <a:spAutoFit/>
+          </a:bodyPr>
+          <a:lstStyle/>
+          <a:p>
+            <a:pPr algn="ctr"/>
+            <a:r>
+              <a:rPr lang="en-US" dirty="0" smtClean="0">
+                <a:solidFill>
+                  <a:schemeClr val="bg1">
+                    <a:lumMod val="75000"/>
+                  </a:schemeClr>
+                </a:solidFill>
+                <a:effectLst>
+                  <a:outerShdw blurRad="50800" dist="177800" dir="4080000" sx="105000" sy="105000" algn="ctr" rotWithShape="0">
+                    <a:srgbClr val="000000">
+                      <a:alpha val="43137"/>
+                    </a:srgbClr>
+                  </a:outerShdw>
+                </a:effectLst>
+              </a:rPr>
+              <a:t>List</a:t>
+            </a:r>
+          </a:p>
+        </p:txBody>
+      </p:sp>
+      <p:sp>
+        <p:nvSpPr>
+          <p:cNvPr id="17" name="Rectangle 16"/>
+          <p:cNvSpPr/>
+          <p:nvPr/>
+        </p:nvSpPr>
+        <p:spPr>
+          <a:xfrm>
+            <a:off x="4370415" y="1784866"/>
+            <a:ext cx="2943537" cy="3465560"/>
+          </a:xfrm>
+          <a:prstGeom prst="rect">
             <a:avLst/>
           </a:prstGeom>
         </p:spPr>
@@ -7398,16 +7777,214 @@
           </a:p>
         </p:txBody>
       </p:sp>
-      <p:sp>
-        <p:nvSpPr>
-          <p:cNvPr id="9" name="TextBox 8"/>
+      <p:pic>
+        <p:nvPicPr>
+          <p:cNvPr id="18" name="Picture 17"/>
+          <p:cNvPicPr>
+            <a:picLocks noChangeAspect="1"/>
+          </p:cNvPicPr>
+          <p:nvPr/>
+        </p:nvPicPr>
+        <p:blipFill>
+          <a:blip r:embed="rId4"/>
+          <a:stretch>
+            <a:fillRect/>
+          </a:stretch>
+        </p:blipFill>
+        <p:spPr>
+          <a:xfrm>
+            <a:off x="4381022" y="1784865"/>
+            <a:ext cx="2932930" cy="3465561"/>
+          </a:xfrm>
+          <a:prstGeom prst="rect">
+            <a:avLst/>
+          </a:prstGeom>
+        </p:spPr>
+      </p:pic>
+      <p:pic>
+        <p:nvPicPr>
+          <p:cNvPr id="19" name="Picture 18"/>
+          <p:cNvPicPr>
+            <a:picLocks noChangeAspect="1"/>
+          </p:cNvPicPr>
+          <p:nvPr/>
+        </p:nvPicPr>
+        <p:blipFill>
+          <a:blip r:embed="rId5"/>
+          <a:stretch>
+            <a:fillRect/>
+          </a:stretch>
+        </p:blipFill>
+        <p:spPr>
+          <a:xfrm>
+            <a:off x="5962650" y="3302000"/>
+            <a:ext cx="266700" cy="254000"/>
+          </a:xfrm>
+          <a:prstGeom prst="rect">
+            <a:avLst/>
+          </a:prstGeom>
+        </p:spPr>
+      </p:pic>
+      <p:pic>
+        <p:nvPicPr>
+          <p:cNvPr id="25" name="Picture 24"/>
+          <p:cNvPicPr>
+            <a:picLocks noChangeAspect="1"/>
+          </p:cNvPicPr>
+          <p:nvPr/>
+        </p:nvPicPr>
+        <p:blipFill>
+          <a:blip r:embed="rId6">
+            <a:extLst>
+              <a:ext uri="{28A0092B-C50C-407E-A947-70E740481C1C}">
+                <a14:useLocalDpi xmlns:a14="http://schemas.microsoft.com/office/drawing/2010/main" val="0"/>
+              </a:ext>
+            </a:extLst>
+          </a:blip>
+          <a:stretch>
+            <a:fillRect/>
+          </a:stretch>
+        </p:blipFill>
+        <p:spPr>
+          <a:xfrm>
+            <a:off x="4773059" y="3508633"/>
+            <a:ext cx="354584" cy="354584"/>
+          </a:xfrm>
+          <a:prstGeom prst="rect">
+            <a:avLst/>
+          </a:prstGeom>
+        </p:spPr>
+      </p:pic>
+      <p:pic>
+        <p:nvPicPr>
+          <p:cNvPr id="26" name="Picture 25"/>
+          <p:cNvPicPr>
+            <a:picLocks noChangeAspect="1"/>
+          </p:cNvPicPr>
+          <p:nvPr/>
+        </p:nvPicPr>
+        <p:blipFill>
+          <a:blip r:embed="rId7">
+            <a:extLst>
+              <a:ext uri="{28A0092B-C50C-407E-A947-70E740481C1C}">
+                <a14:useLocalDpi xmlns:a14="http://schemas.microsoft.com/office/drawing/2010/main" val="0"/>
+              </a:ext>
+            </a:extLst>
+          </a:blip>
+          <a:stretch>
+            <a:fillRect/>
+          </a:stretch>
+        </p:blipFill>
+        <p:spPr>
+          <a:xfrm>
+            <a:off x="6186315" y="3423739"/>
+            <a:ext cx="300418" cy="300418"/>
+          </a:xfrm>
+          <a:prstGeom prst="rect">
+            <a:avLst/>
+          </a:prstGeom>
+        </p:spPr>
+      </p:pic>
+      <p:pic>
+        <p:nvPicPr>
+          <p:cNvPr id="27" name="Picture 26"/>
+          <p:cNvPicPr>
+            <a:picLocks noChangeAspect="1"/>
+          </p:cNvPicPr>
+          <p:nvPr/>
+        </p:nvPicPr>
+        <p:blipFill>
+          <a:blip r:embed="rId6">
+            <a:extLst>
+              <a:ext uri="{28A0092B-C50C-407E-A947-70E740481C1C}">
+                <a14:useLocalDpi xmlns:a14="http://schemas.microsoft.com/office/drawing/2010/main" val="0"/>
+              </a:ext>
+            </a:extLst>
+          </a:blip>
+          <a:stretch>
+            <a:fillRect/>
+          </a:stretch>
+        </p:blipFill>
+        <p:spPr>
+          <a:xfrm>
+            <a:off x="5172372" y="4560176"/>
+            <a:ext cx="354584" cy="354584"/>
+          </a:xfrm>
+          <a:prstGeom prst="rect">
+            <a:avLst/>
+          </a:prstGeom>
+        </p:spPr>
+      </p:pic>
+      <p:pic>
+        <p:nvPicPr>
+          <p:cNvPr id="28" name="Picture 27"/>
+          <p:cNvPicPr>
+            <a:picLocks noChangeAspect="1"/>
+          </p:cNvPicPr>
+          <p:nvPr/>
+        </p:nvPicPr>
+        <p:blipFill>
+          <a:blip r:embed="rId8">
+            <a:extLst>
+              <a:ext uri="{28A0092B-C50C-407E-A947-70E740481C1C}">
+                <a14:useLocalDpi xmlns:a14="http://schemas.microsoft.com/office/drawing/2010/main" val="0"/>
+              </a:ext>
+            </a:extLst>
+          </a:blip>
+          <a:stretch>
+            <a:fillRect/>
+          </a:stretch>
+        </p:blipFill>
+        <p:spPr>
+          <a:xfrm>
+            <a:off x="6084062" y="4336805"/>
+            <a:ext cx="290576" cy="290576"/>
+          </a:xfrm>
+          <a:prstGeom prst="rect">
+            <a:avLst/>
+          </a:prstGeom>
+        </p:spPr>
+      </p:pic>
+      <p:pic>
+        <p:nvPicPr>
+          <p:cNvPr id="29" name="Picture 28"/>
+          <p:cNvPicPr>
+            <a:picLocks noChangeAspect="1"/>
+          </p:cNvPicPr>
+          <p:nvPr/>
+        </p:nvPicPr>
+        <p:blipFill>
+          <a:blip r:embed="rId9">
+            <a:extLst>
+              <a:ext uri="{28A0092B-C50C-407E-A947-70E740481C1C}">
+                <a14:useLocalDpi xmlns:a14="http://schemas.microsoft.com/office/drawing/2010/main" val="0"/>
+              </a:ext>
+            </a:extLst>
+          </a:blip>
+          <a:stretch>
+            <a:fillRect/>
+          </a:stretch>
+        </p:blipFill>
+        <p:spPr>
+          <a:xfrm>
+            <a:off x="5525268" y="2784648"/>
+            <a:ext cx="370471" cy="370471"/>
+          </a:xfrm>
+          <a:prstGeom prst="rect">
+            <a:avLst/>
+          </a:prstGeom>
+        </p:spPr>
+      </p:pic>
+      <p:sp>
+        <p:nvSpPr>
+          <p:cNvPr id="31" name="TextBox 30"/>
           <p:cNvSpPr txBox="1"/>
           <p:nvPr/>
         </p:nvSpPr>
         <p:spPr>
           <a:xfrm>
-            <a:off x="5229144" y="2640384"/>
-            <a:ext cx="1889814" cy="369332"/>
+            <a:off x="326844" y="2763391"/>
+            <a:ext cx="2251710" cy="1077218"/>
           </a:xfrm>
           <a:prstGeom prst="rect">
             <a:avLst/>
@@ -7422,176 +7999,98 @@
           <a:p>
             <a:pPr algn="ctr"/>
             <a:r>
-              <a:rPr lang="en-US" dirty="0" smtClean="0"/>
-              <a:t>New Password</a:t>
-            </a:r>
-            <a:endParaRPr lang="en-US" dirty="0"/>
-          </a:p>
-        </p:txBody>
-      </p:sp>
-      <p:sp>
-        <p:nvSpPr>
-          <p:cNvPr id="10" name="Rounded Rectangle 9"/>
+              <a:rPr lang="en-US" sz="3200" u="sng" dirty="0" smtClean="0">
+                <a:latin typeface="Arial" charset="0"/>
+                <a:ea typeface="Arial" charset="0"/>
+                <a:cs typeface="Arial" charset="0"/>
+              </a:rPr>
+              <a:t>Home</a:t>
+            </a:r>
+          </a:p>
+          <a:p>
+            <a:pPr algn="ctr"/>
+            <a:r>
+              <a:rPr lang="en-US" sz="3200" u="sng" dirty="0" smtClean="0">
+                <a:latin typeface="Arial" charset="0"/>
+                <a:ea typeface="Arial" charset="0"/>
+                <a:cs typeface="Arial" charset="0"/>
+              </a:rPr>
+              <a:t>Map-View</a:t>
+            </a:r>
+            <a:endParaRPr lang="en-US" sz="3200" u="sng" dirty="0">
+              <a:latin typeface="Arial" charset="0"/>
+              <a:ea typeface="Arial" charset="0"/>
+              <a:cs typeface="Arial" charset="0"/>
+            </a:endParaRPr>
+          </a:p>
+        </p:txBody>
+      </p:sp>
+      <p:sp>
+        <p:nvSpPr>
+          <p:cNvPr id="20" name="Rectangle 19"/>
           <p:cNvSpPr/>
           <p:nvPr/>
         </p:nvSpPr>
         <p:spPr>
           <a:xfrm>
-            <a:off x="4979616" y="3264986"/>
-            <a:ext cx="2343150" cy="411480"/>
-          </a:xfrm>
-          <a:prstGeom prst="roundRect">
-            <a:avLst/>
-          </a:prstGeom>
-        </p:spPr>
-        <p:style>
-          <a:lnRef idx="2">
-            <a:schemeClr val="accent1">
-              <a:shade val="50000"/>
-            </a:schemeClr>
-          </a:lnRef>
-          <a:fillRef idx="1">
-            <a:schemeClr val="accent1"/>
-          </a:fillRef>
-          <a:effectRef idx="0">
-            <a:schemeClr val="accent1"/>
-          </a:effectRef>
-          <a:fontRef idx="minor">
-            <a:schemeClr val="lt1"/>
-          </a:fontRef>
-        </p:style>
-        <p:txBody>
-          <a:bodyPr rtlCol="0" anchor="ctr"/>
-          <a:lstStyle/>
-          <a:p>
-            <a:pPr algn="ctr"/>
-            <a:endParaRPr lang="en-US"/>
-          </a:p>
-        </p:txBody>
-      </p:sp>
-      <p:sp>
-        <p:nvSpPr>
-          <p:cNvPr id="11" name="TextBox 10"/>
-          <p:cNvSpPr txBox="1"/>
-          <p:nvPr/>
-        </p:nvSpPr>
-        <p:spPr>
-          <a:xfrm>
-            <a:off x="5229144" y="3307134"/>
-            <a:ext cx="1889814" cy="369332"/>
-          </a:xfrm>
-          <a:prstGeom prst="rect">
-            <a:avLst/>
-          </a:prstGeom>
-          <a:noFill/>
-        </p:spPr>
-        <p:txBody>
-          <a:bodyPr wrap="square" rtlCol="0">
+            <a:off x="5273980" y="5286999"/>
+            <a:ext cx="1170513" cy="369332"/>
+          </a:xfrm>
+          <a:prstGeom prst="rect">
+            <a:avLst/>
+          </a:prstGeom>
+        </p:spPr>
+        <p:txBody>
+          <a:bodyPr wrap="none">
             <a:spAutoFit/>
           </a:bodyPr>
           <a:lstStyle/>
           <a:p>
             <a:pPr algn="ctr"/>
             <a:r>
-              <a:rPr lang="en-US" dirty="0" smtClean="0"/>
-              <a:t>Confirm Password</a:t>
-            </a:r>
-            <a:endParaRPr lang="en-US" dirty="0"/>
-          </a:p>
-        </p:txBody>
-      </p:sp>
-      <p:sp>
-        <p:nvSpPr>
-          <p:cNvPr id="12" name="Rounded Rectangle 11"/>
-          <p:cNvSpPr/>
-          <p:nvPr/>
-        </p:nvSpPr>
-        <p:spPr>
-          <a:xfrm>
-            <a:off x="5749290" y="4214846"/>
-            <a:ext cx="800100" cy="411480"/>
-          </a:xfrm>
-          <a:prstGeom prst="roundRect">
-            <a:avLst/>
-          </a:prstGeom>
-        </p:spPr>
-        <p:style>
-          <a:lnRef idx="1">
-            <a:schemeClr val="dk1"/>
-          </a:lnRef>
-          <a:fillRef idx="2">
-            <a:schemeClr val="dk1"/>
-          </a:fillRef>
-          <a:effectRef idx="1">
-            <a:schemeClr val="dk1"/>
-          </a:effectRef>
-          <a:fontRef idx="minor">
-            <a:schemeClr val="dk1"/>
-          </a:fontRef>
-        </p:style>
-        <p:txBody>
-          <a:bodyPr rtlCol="0" anchor="ctr"/>
-          <a:lstStyle/>
-          <a:p>
-            <a:pPr algn="ctr"/>
-            <a:r>
-              <a:rPr lang="en-US" dirty="0" smtClean="0"/>
-              <a:t>Go</a:t>
-            </a:r>
-            <a:endParaRPr lang="en-US" dirty="0"/>
-          </a:p>
-        </p:txBody>
-      </p:sp>
-      <p:sp>
-        <p:nvSpPr>
-          <p:cNvPr id="16" name="TextBox 15"/>
-          <p:cNvSpPr txBox="1"/>
-          <p:nvPr/>
-        </p:nvSpPr>
-        <p:spPr>
-          <a:xfrm>
-            <a:off x="331470" y="502920"/>
-            <a:ext cx="2697480" cy="369332"/>
-          </a:xfrm>
-          <a:prstGeom prst="rect">
-            <a:avLst/>
-          </a:prstGeom>
-          <a:noFill/>
-        </p:spPr>
-        <p:txBody>
-          <a:bodyPr wrap="square" rtlCol="0">
-            <a:spAutoFit/>
-          </a:bodyPr>
-          <a:lstStyle/>
-          <a:p>
-            <a:r>
-              <a:rPr lang="en-US" smtClean="0"/>
-              <a:t>Change Password </a:t>
-            </a:r>
-            <a:r>
-              <a:rPr lang="en-US" dirty="0" smtClean="0"/>
-              <a:t>Page</a:t>
-            </a:r>
+              <a:rPr lang="en-US" dirty="0" smtClean="0">
+                <a:solidFill>
+                  <a:schemeClr val="bg1">
+                    <a:lumMod val="75000"/>
+                  </a:schemeClr>
+                </a:solidFill>
+                <a:effectLst>
+                  <a:outerShdw blurRad="50800" dist="177800" dir="4080000" sx="105000" sy="105000" algn="ctr" rotWithShape="0">
+                    <a:srgbClr val="000000">
+                      <a:alpha val="43137"/>
+                    </a:srgbClr>
+                  </a:outerShdw>
+                </a:effectLst>
+              </a:rPr>
+              <a:t>Add Game</a:t>
+            </a:r>
+            <a:endParaRPr lang="en-US" dirty="0" smtClean="0">
+              <a:solidFill>
+                <a:schemeClr val="bg1">
+                  <a:lumMod val="75000"/>
+                </a:schemeClr>
+              </a:solidFill>
+              <a:effectLst>
+                <a:outerShdw blurRad="50800" dist="177800" dir="4080000" sx="105000" sy="105000" algn="ctr" rotWithShape="0">
+                  <a:srgbClr val="000000">
+                    <a:alpha val="43137"/>
+                  </a:srgbClr>
+                </a:outerShdw>
+              </a:effectLst>
+            </a:endParaRPr>
           </a:p>
         </p:txBody>
       </p:sp>
     </p:spTree>
     <p:extLst>
       <p:ext uri="{BB962C8B-B14F-4D97-AF65-F5344CB8AC3E}">
-        <p14:creationId xmlns:p14="http://schemas.microsoft.com/office/powerpoint/2010/main" val="2068519270"/>
+        <p14:creationId xmlns:p14="http://schemas.microsoft.com/office/powerpoint/2010/main" val="1583262281"/>
       </p:ext>
     </p:extLst>
   </p:cSld>
   <p:clrMapOvr>
     <a:masterClrMapping/>
   </p:clrMapOvr>
-  <p:timing>
-    <p:tnLst>
-      <p:par>
-        <p:cTn id="1" dur="indefinite" restart="never" nodeType="tmRoot"/>
-      </p:par>
-    </p:tnLst>
-  </p:timing>
 </p:sld>
 </file>
 
@@ -7612,23 +8111,50 @@
           <a:chExt cx="0" cy="0"/>
         </a:xfrm>
       </p:grpSpPr>
-      <p:sp>
-        <p:nvSpPr>
-          <p:cNvPr id="4" name="Rounded Rectangle 3"/>
+      <p:pic>
+        <p:nvPicPr>
+          <p:cNvPr id="4" name="Picture 3"/>
+          <p:cNvPicPr>
+            <a:picLocks noChangeAspect="1"/>
+          </p:cNvPicPr>
+          <p:nvPr/>
+        </p:nvPicPr>
+        <p:blipFill>
+          <a:blip r:embed="rId3">
+            <a:extLst>
+              <a:ext uri="{28A0092B-C50C-407E-A947-70E740481C1C}">
+                <a14:useLocalDpi xmlns:a14="http://schemas.microsoft.com/office/drawing/2010/main" val="0"/>
+              </a:ext>
+            </a:extLst>
+          </a:blip>
+          <a:stretch>
+            <a:fillRect/>
+          </a:stretch>
+        </p:blipFill>
+        <p:spPr>
+          <a:xfrm>
+            <a:off x="4121912" y="0"/>
+            <a:ext cx="3440545" cy="6858000"/>
+          </a:xfrm>
+          <a:prstGeom prst="rect">
+            <a:avLst/>
+          </a:prstGeom>
+        </p:spPr>
+      </p:pic>
+      <p:sp>
+        <p:nvSpPr>
+          <p:cNvPr id="9" name="Right Arrow 8"/>
           <p:cNvSpPr/>
           <p:nvPr/>
         </p:nvSpPr>
         <p:spPr>
           <a:xfrm>
-            <a:off x="1851660" y="244602"/>
-            <a:ext cx="4114800" cy="6318504"/>
-          </a:xfrm>
-          <a:prstGeom prst="roundRect">
-            <a:avLst/>
-          </a:prstGeom>
-          <a:solidFill>
-            <a:schemeClr val="bg1"/>
-          </a:solidFill>
+            <a:off x="3063240" y="621792"/>
+            <a:ext cx="1389888" cy="749808"/>
+          </a:xfrm>
+          <a:prstGeom prst="rightArrow">
+            <a:avLst/>
+          </a:prstGeom>
         </p:spPr>
         <p:style>
           <a:lnRef idx="2">
@@ -7651,221 +8177,24 @@
           <a:lstStyle/>
           <a:p>
             <a:pPr algn="ctr"/>
-            <a:endParaRPr lang="en-US" dirty="0"/>
-          </a:p>
-        </p:txBody>
-      </p:sp>
-      <p:sp>
-        <p:nvSpPr>
-          <p:cNvPr id="5" name="TextBox 4"/>
-          <p:cNvSpPr txBox="1"/>
-          <p:nvPr/>
-        </p:nvSpPr>
-        <p:spPr>
-          <a:xfrm>
-            <a:off x="331470" y="502920"/>
-            <a:ext cx="2697480" cy="923330"/>
-          </a:xfrm>
-          <a:prstGeom prst="rect">
-            <a:avLst/>
-          </a:prstGeom>
-          <a:noFill/>
-        </p:spPr>
-        <p:txBody>
-          <a:bodyPr wrap="square" rtlCol="0">
-            <a:spAutoFit/>
-          </a:bodyPr>
-          <a:lstStyle/>
-          <a:p>
-            <a:r>
-              <a:rPr lang="en-US" dirty="0" smtClean="0"/>
-              <a:t>Home Page</a:t>
-            </a:r>
-          </a:p>
-          <a:p>
-            <a:r>
-              <a:rPr lang="en-US" dirty="0" smtClean="0"/>
-              <a:t>-map</a:t>
-            </a:r>
-          </a:p>
-          <a:p>
-            <a:r>
-              <a:rPr lang="en-US" dirty="0" smtClean="0"/>
-              <a:t>-list</a:t>
-            </a:r>
-          </a:p>
-        </p:txBody>
-      </p:sp>
-      <p:sp>
-        <p:nvSpPr>
-          <p:cNvPr id="10" name="Rectangle 9"/>
+            <a:endParaRPr lang="en-US"/>
+          </a:p>
+        </p:txBody>
+      </p:sp>
+      <p:sp>
+        <p:nvSpPr>
+          <p:cNvPr id="10" name="Right Arrow 9"/>
           <p:cNvSpPr/>
           <p:nvPr/>
         </p:nvSpPr>
         <p:spPr>
-          <a:xfrm>
-            <a:off x="2194560" y="502920"/>
-            <a:ext cx="925830" cy="525780"/>
-          </a:xfrm>
-          <a:prstGeom prst="rect">
-            <a:avLst/>
-          </a:prstGeom>
-        </p:spPr>
-        <p:style>
-          <a:lnRef idx="1">
-            <a:schemeClr val="dk1"/>
-          </a:lnRef>
-          <a:fillRef idx="2">
-            <a:schemeClr val="dk1"/>
-          </a:fillRef>
-          <a:effectRef idx="1">
-            <a:schemeClr val="dk1"/>
-          </a:effectRef>
-          <a:fontRef idx="minor">
-            <a:schemeClr val="dk1"/>
-          </a:fontRef>
-        </p:style>
-        <p:txBody>
-          <a:bodyPr rtlCol="0" anchor="ctr"/>
-          <a:lstStyle/>
-          <a:p>
-            <a:pPr algn="ctr"/>
-            <a:r>
-              <a:rPr lang="en-US" dirty="0" err="1" smtClean="0"/>
-              <a:t>Nav</a:t>
-            </a:r>
-            <a:r>
-              <a:rPr lang="en-US" dirty="0"/>
-              <a:t> </a:t>
-            </a:r>
-            <a:r>
-              <a:rPr lang="en-US" dirty="0" smtClean="0"/>
-              <a:t>Bar</a:t>
-            </a:r>
-            <a:endParaRPr lang="en-US" dirty="0"/>
-          </a:p>
-        </p:txBody>
-      </p:sp>
-      <p:sp>
-        <p:nvSpPr>
-          <p:cNvPr id="11" name="Rectangle 10"/>
-          <p:cNvSpPr/>
-          <p:nvPr/>
-        </p:nvSpPr>
-        <p:spPr>
-          <a:xfrm>
-            <a:off x="4663440" y="502920"/>
-            <a:ext cx="975360" cy="525780"/>
-          </a:xfrm>
-          <a:prstGeom prst="rect">
-            <a:avLst/>
-          </a:prstGeom>
-        </p:spPr>
-        <p:style>
-          <a:lnRef idx="1">
-            <a:schemeClr val="dk1"/>
-          </a:lnRef>
-          <a:fillRef idx="2">
-            <a:schemeClr val="dk1"/>
-          </a:fillRef>
-          <a:effectRef idx="1">
-            <a:schemeClr val="dk1"/>
-          </a:effectRef>
-          <a:fontRef idx="minor">
-            <a:schemeClr val="dk1"/>
-          </a:fontRef>
-        </p:style>
-        <p:txBody>
-          <a:bodyPr rtlCol="0" anchor="ctr"/>
-          <a:lstStyle/>
-          <a:p>
-            <a:pPr algn="ctr"/>
-            <a:r>
-              <a:rPr lang="en-US" dirty="0" smtClean="0"/>
-              <a:t>Settings</a:t>
-            </a:r>
-          </a:p>
-        </p:txBody>
-      </p:sp>
-      <p:sp>
-        <p:nvSpPr>
-          <p:cNvPr id="12" name="TextBox 11"/>
-          <p:cNvSpPr txBox="1"/>
-          <p:nvPr/>
-        </p:nvSpPr>
-        <p:spPr>
-          <a:xfrm>
-            <a:off x="2834640" y="1287018"/>
-            <a:ext cx="902970" cy="369332"/>
-          </a:xfrm>
-          <a:prstGeom prst="rect">
-            <a:avLst/>
-          </a:prstGeom>
-          <a:noFill/>
-        </p:spPr>
-        <p:txBody>
-          <a:bodyPr wrap="square" rtlCol="0">
-            <a:spAutoFit/>
-          </a:bodyPr>
-          <a:lstStyle/>
-          <a:p>
-            <a:pPr algn="ctr"/>
-            <a:r>
-              <a:rPr lang="en-US" u="sng" dirty="0" smtClean="0"/>
-              <a:t>Map</a:t>
-            </a:r>
-            <a:endParaRPr lang="en-US" u="sng" dirty="0"/>
-          </a:p>
-        </p:txBody>
-      </p:sp>
-      <p:sp>
-        <p:nvSpPr>
-          <p:cNvPr id="13" name="TextBox 12"/>
-          <p:cNvSpPr txBox="1"/>
-          <p:nvPr/>
-        </p:nvSpPr>
-        <p:spPr>
-          <a:xfrm>
-            <a:off x="4110010" y="1287018"/>
-            <a:ext cx="902970" cy="369332"/>
-          </a:xfrm>
-          <a:prstGeom prst="rect">
-            <a:avLst/>
-          </a:prstGeom>
-          <a:noFill/>
-        </p:spPr>
-        <p:txBody>
-          <a:bodyPr wrap="square" rtlCol="0">
-            <a:spAutoFit/>
-          </a:bodyPr>
-          <a:lstStyle/>
-          <a:p>
-            <a:pPr algn="ctr"/>
-            <a:r>
-              <a:rPr lang="en-US" smtClean="0"/>
-              <a:t>List</a:t>
-            </a:r>
-            <a:endParaRPr lang="en-US"/>
-          </a:p>
-        </p:txBody>
-      </p:sp>
-      <p:sp>
-        <p:nvSpPr>
-          <p:cNvPr id="19" name="Rounded Rectangle 18"/>
-          <p:cNvSpPr/>
-          <p:nvPr/>
-        </p:nvSpPr>
-        <p:spPr>
-          <a:xfrm>
-            <a:off x="7181850" y="272820"/>
-            <a:ext cx="4114800" cy="6318504"/>
-          </a:xfrm>
-          <a:prstGeom prst="roundRect">
-            <a:avLst/>
-          </a:prstGeom>
-          <a:solidFill>
-            <a:schemeClr val="bg1"/>
-          </a:solidFill>
+          <a:xfrm rot="10800000">
+            <a:off x="7231241" y="621792"/>
+            <a:ext cx="1389888" cy="749808"/>
+          </a:xfrm>
+          <a:prstGeom prst="rightArrow">
+            <a:avLst/>
+          </a:prstGeom>
         </p:spPr>
         <p:style>
           <a:lnRef idx="2">
@@ -7888,20 +8217,88 @@
           <a:lstStyle/>
           <a:p>
             <a:pPr algn="ctr"/>
+            <a:endParaRPr lang="en-US"/>
+          </a:p>
+        </p:txBody>
+      </p:sp>
+      <p:sp>
+        <p:nvSpPr>
+          <p:cNvPr id="11" name="TextBox 10"/>
+          <p:cNvSpPr txBox="1"/>
+          <p:nvPr/>
+        </p:nvSpPr>
+        <p:spPr>
+          <a:xfrm>
+            <a:off x="2362402" y="673529"/>
+            <a:ext cx="740907" cy="646331"/>
+          </a:xfrm>
+          <a:prstGeom prst="rect">
+            <a:avLst/>
+          </a:prstGeom>
+          <a:noFill/>
+        </p:spPr>
+        <p:txBody>
+          <a:bodyPr wrap="none" rtlCol="0">
+            <a:spAutoFit/>
+          </a:bodyPr>
+          <a:lstStyle/>
+          <a:p>
+            <a:pPr algn="ctr"/>
+            <a:r>
+              <a:rPr lang="en-US" dirty="0" smtClean="0"/>
+              <a:t>NAV</a:t>
+            </a:r>
+          </a:p>
+          <a:p>
+            <a:pPr algn="ctr"/>
+            <a:r>
+              <a:rPr lang="en-US" dirty="0" smtClean="0"/>
+              <a:t>Menu</a:t>
+            </a:r>
             <a:endParaRPr lang="en-US" dirty="0"/>
           </a:p>
         </p:txBody>
       </p:sp>
       <p:sp>
         <p:nvSpPr>
-          <p:cNvPr id="20" name="Rectangle 19"/>
+          <p:cNvPr id="13" name="TextBox 12"/>
+          <p:cNvSpPr txBox="1"/>
+          <p:nvPr/>
+        </p:nvSpPr>
+        <p:spPr>
+          <a:xfrm>
+            <a:off x="8621129" y="812028"/>
+            <a:ext cx="928909" cy="369332"/>
+          </a:xfrm>
+          <a:prstGeom prst="rect">
+            <a:avLst/>
+          </a:prstGeom>
+          <a:noFill/>
+        </p:spPr>
+        <p:txBody>
+          <a:bodyPr wrap="none" rtlCol="0">
+            <a:spAutoFit/>
+          </a:bodyPr>
+          <a:lstStyle/>
+          <a:p>
+            <a:r>
+              <a:rPr lang="en-US" smtClean="0"/>
+              <a:t>Settings</a:t>
+            </a:r>
+            <a:endParaRPr lang="en-US"/>
+          </a:p>
+        </p:txBody>
+      </p:sp>
+      <p:sp>
+        <p:nvSpPr>
+          <p:cNvPr id="14" name="Rectangle 13"/>
           <p:cNvSpPr/>
           <p:nvPr/>
         </p:nvSpPr>
         <p:spPr>
           <a:xfrm>
-            <a:off x="7524750" y="531138"/>
-            <a:ext cx="925830" cy="525780"/>
+            <a:off x="4287704" y="1234440"/>
+            <a:ext cx="3108960" cy="4480560"/>
           </a:xfrm>
           <a:prstGeom prst="rect">
             <a:avLst/>
@@ -7913,8 +8310,8 @@
               <a:shade val="50000"/>
             </a:schemeClr>
           </a:lnRef>
-          <a:fillRef idx="1">
-            <a:schemeClr val="accent1"/>
+          <a:fillRef idx="1003">
+            <a:schemeClr val="dk2"/>
           </a:fillRef>
           <a:effectRef idx="0">
             <a:schemeClr val="accent1"/>
@@ -7928,47 +8325,283 @@
           <a:lstStyle/>
           <a:p>
             <a:pPr algn="ctr"/>
-            <a:r>
-              <a:rPr lang="en-US" dirty="0" err="1" smtClean="0"/>
-              <a:t>Nav</a:t>
-            </a:r>
-            <a:r>
-              <a:rPr lang="en-US" dirty="0"/>
-              <a:t> </a:t>
-            </a:r>
-            <a:r>
-              <a:rPr lang="en-US" dirty="0" smtClean="0"/>
-              <a:t>Bar</a:t>
-            </a:r>
-            <a:endParaRPr lang="en-US" dirty="0"/>
-          </a:p>
-        </p:txBody>
-      </p:sp>
-      <p:sp>
-        <p:nvSpPr>
-          <p:cNvPr id="21" name="Rectangle 20"/>
+            <a:endParaRPr lang="en-US" dirty="0" smtClean="0">
+              <a:solidFill>
+                <a:schemeClr val="bg1">
+                  <a:lumMod val="75000"/>
+                </a:schemeClr>
+              </a:solidFill>
+              <a:effectLst>
+                <a:outerShdw blurRad="50800" dist="177800" dir="4080000" algn="ctr" rotWithShape="0">
+                  <a:srgbClr val="000000">
+                    <a:alpha val="43137"/>
+                  </a:srgbClr>
+                </a:outerShdw>
+              </a:effectLst>
+            </a:endParaRPr>
+          </a:p>
+          <a:p>
+            <a:pPr algn="ctr"/>
+            <a:endParaRPr lang="en-US" dirty="0" smtClean="0">
+              <a:solidFill>
+                <a:schemeClr val="bg1">
+                  <a:lumMod val="75000"/>
+                </a:schemeClr>
+              </a:solidFill>
+              <a:effectLst>
+                <a:outerShdw blurRad="50800" dist="177800" dir="4080000" algn="ctr" rotWithShape="0">
+                  <a:srgbClr val="000000">
+                    <a:alpha val="43137"/>
+                  </a:srgbClr>
+                </a:outerShdw>
+              </a:effectLst>
+            </a:endParaRPr>
+          </a:p>
+          <a:p>
+            <a:pPr algn="ctr"/>
+            <a:endParaRPr lang="en-US" dirty="0" smtClean="0">
+              <a:solidFill>
+                <a:schemeClr val="bg1">
+                  <a:lumMod val="75000"/>
+                </a:schemeClr>
+              </a:solidFill>
+              <a:effectLst>
+                <a:outerShdw blurRad="50800" dist="177800" dir="4080000" algn="ctr" rotWithShape="0">
+                  <a:srgbClr val="000000">
+                    <a:alpha val="43137"/>
+                  </a:srgbClr>
+                </a:outerShdw>
+              </a:effectLst>
+            </a:endParaRPr>
+          </a:p>
+          <a:p>
+            <a:pPr algn="ctr"/>
+            <a:endParaRPr lang="en-US" dirty="0" smtClean="0">
+              <a:solidFill>
+                <a:schemeClr val="bg1">
+                  <a:lumMod val="75000"/>
+                </a:schemeClr>
+              </a:solidFill>
+              <a:effectLst>
+                <a:outerShdw blurRad="50800" dist="177800" dir="4080000" algn="ctr" rotWithShape="0">
+                  <a:srgbClr val="000000">
+                    <a:alpha val="43137"/>
+                  </a:srgbClr>
+                </a:outerShdw>
+              </a:effectLst>
+            </a:endParaRPr>
+          </a:p>
+          <a:p>
+            <a:pPr algn="ctr"/>
+            <a:endParaRPr lang="en-US" dirty="0" smtClean="0">
+              <a:solidFill>
+                <a:schemeClr val="bg1">
+                  <a:lumMod val="75000"/>
+                </a:schemeClr>
+              </a:solidFill>
+              <a:effectLst>
+                <a:outerShdw blurRad="50800" dist="177800" dir="4080000" algn="ctr" rotWithShape="0">
+                  <a:srgbClr val="000000">
+                    <a:alpha val="43137"/>
+                  </a:srgbClr>
+                </a:outerShdw>
+              </a:effectLst>
+            </a:endParaRPr>
+          </a:p>
+          <a:p>
+            <a:pPr algn="ctr"/>
+            <a:endParaRPr lang="en-US" dirty="0" smtClean="0">
+              <a:solidFill>
+                <a:schemeClr val="bg1">
+                  <a:lumMod val="75000"/>
+                </a:schemeClr>
+              </a:solidFill>
+              <a:effectLst>
+                <a:outerShdw blurRad="50800" dist="177800" dir="4080000" algn="ctr" rotWithShape="0">
+                  <a:srgbClr val="000000">
+                    <a:alpha val="43137"/>
+                  </a:srgbClr>
+                </a:outerShdw>
+              </a:effectLst>
+            </a:endParaRPr>
+          </a:p>
+          <a:p>
+            <a:pPr algn="ctr"/>
+            <a:endParaRPr lang="en-US" dirty="0" smtClean="0">
+              <a:solidFill>
+                <a:schemeClr val="bg1">
+                  <a:lumMod val="75000"/>
+                </a:schemeClr>
+              </a:solidFill>
+              <a:effectLst>
+                <a:outerShdw blurRad="50800" dist="177800" dir="4080000" algn="ctr" rotWithShape="0">
+                  <a:srgbClr val="000000">
+                    <a:alpha val="43137"/>
+                  </a:srgbClr>
+                </a:outerShdw>
+              </a:effectLst>
+            </a:endParaRPr>
+          </a:p>
+          <a:p>
+            <a:pPr algn="ctr"/>
+            <a:endParaRPr lang="en-US" dirty="0" smtClean="0">
+              <a:solidFill>
+                <a:schemeClr val="bg1">
+                  <a:lumMod val="75000"/>
+                </a:schemeClr>
+              </a:solidFill>
+              <a:effectLst>
+                <a:outerShdw blurRad="50800" dist="177800" dir="4080000" algn="ctr" rotWithShape="0">
+                  <a:srgbClr val="000000">
+                    <a:alpha val="43137"/>
+                  </a:srgbClr>
+                </a:outerShdw>
+              </a:effectLst>
+            </a:endParaRPr>
+          </a:p>
+          <a:p>
+            <a:pPr algn="ctr"/>
+            <a:endParaRPr lang="en-US" dirty="0" smtClean="0">
+              <a:solidFill>
+                <a:schemeClr val="bg1">
+                  <a:lumMod val="75000"/>
+                </a:schemeClr>
+              </a:solidFill>
+              <a:effectLst>
+                <a:outerShdw blurRad="50800" dist="177800" dir="4080000" algn="ctr" rotWithShape="0">
+                  <a:srgbClr val="000000">
+                    <a:alpha val="43137"/>
+                  </a:srgbClr>
+                </a:outerShdw>
+              </a:effectLst>
+            </a:endParaRPr>
+          </a:p>
+          <a:p>
+            <a:pPr algn="ctr"/>
+            <a:endParaRPr lang="en-US" dirty="0" smtClean="0">
+              <a:solidFill>
+                <a:schemeClr val="bg1">
+                  <a:lumMod val="75000"/>
+                </a:schemeClr>
+              </a:solidFill>
+              <a:effectLst>
+                <a:outerShdw blurRad="50800" dist="177800" dir="4080000" algn="ctr" rotWithShape="0">
+                  <a:srgbClr val="000000">
+                    <a:alpha val="43137"/>
+                  </a:srgbClr>
+                </a:outerShdw>
+              </a:effectLst>
+            </a:endParaRPr>
+          </a:p>
+        </p:txBody>
+      </p:sp>
+      <p:sp>
+        <p:nvSpPr>
+          <p:cNvPr id="15" name="Rectangle 14"/>
           <p:cNvSpPr/>
           <p:nvPr/>
         </p:nvSpPr>
         <p:spPr>
           <a:xfrm>
-            <a:off x="9993630" y="531138"/>
-            <a:ext cx="975360" cy="525780"/>
+            <a:off x="4897529" y="1371600"/>
+            <a:ext cx="614271" cy="369332"/>
+          </a:xfrm>
+          <a:prstGeom prst="rect">
+            <a:avLst/>
+          </a:prstGeom>
+        </p:spPr>
+        <p:txBody>
+          <a:bodyPr wrap="none">
+            <a:spAutoFit/>
+          </a:bodyPr>
+          <a:lstStyle/>
+          <a:p>
+            <a:pPr algn="ctr"/>
+            <a:r>
+              <a:rPr lang="en-US" dirty="0" smtClean="0">
+                <a:solidFill>
+                  <a:schemeClr val="bg1">
+                    <a:lumMod val="75000"/>
+                  </a:schemeClr>
+                </a:solidFill>
+                <a:effectLst>
+                  <a:outerShdw blurRad="50800" dist="177800" dir="4080000" sx="105000" sy="105000" algn="ctr" rotWithShape="0">
+                    <a:srgbClr val="000000">
+                      <a:alpha val="43137"/>
+                    </a:srgbClr>
+                  </a:outerShdw>
+                </a:effectLst>
+              </a:rPr>
+              <a:t>Map</a:t>
+            </a:r>
+          </a:p>
+        </p:txBody>
+      </p:sp>
+      <p:sp>
+        <p:nvSpPr>
+          <p:cNvPr id="16" name="Rectangle 15"/>
+          <p:cNvSpPr/>
+          <p:nvPr/>
+        </p:nvSpPr>
+        <p:spPr>
+          <a:xfrm>
+            <a:off x="6283391" y="1371600"/>
+            <a:ext cx="499497" cy="369332"/>
+          </a:xfrm>
+          <a:prstGeom prst="rect">
+            <a:avLst/>
+          </a:prstGeom>
+        </p:spPr>
+        <p:txBody>
+          <a:bodyPr wrap="none">
+            <a:spAutoFit/>
+          </a:bodyPr>
+          <a:lstStyle/>
+          <a:p>
+            <a:pPr algn="ctr"/>
+            <a:r>
+              <a:rPr lang="en-US" u="sng" dirty="0" smtClean="0">
+                <a:solidFill>
+                  <a:schemeClr val="bg1">
+                    <a:lumMod val="75000"/>
+                  </a:schemeClr>
+                </a:solidFill>
+                <a:effectLst>
+                  <a:outerShdw blurRad="50800" dist="177800" dir="4080000" sx="105000" sy="105000" algn="ctr" rotWithShape="0">
+                    <a:srgbClr val="000000">
+                      <a:alpha val="43137"/>
+                    </a:srgbClr>
+                  </a:outerShdw>
+                </a:effectLst>
+              </a:rPr>
+              <a:t>List</a:t>
+            </a:r>
+          </a:p>
+        </p:txBody>
+      </p:sp>
+      <p:sp>
+        <p:nvSpPr>
+          <p:cNvPr id="17" name="Rectangle 16"/>
+          <p:cNvSpPr/>
+          <p:nvPr/>
+        </p:nvSpPr>
+        <p:spPr>
+          <a:xfrm>
+            <a:off x="4370415" y="2353580"/>
+            <a:ext cx="2943537" cy="2880464"/>
           </a:xfrm>
           <a:prstGeom prst="rect">
             <a:avLst/>
           </a:prstGeom>
         </p:spPr>
         <p:style>
-          <a:lnRef idx="2">
-            <a:schemeClr val="accent1">
-              <a:shade val="50000"/>
-            </a:schemeClr>
+          <a:lnRef idx="0">
+            <a:schemeClr val="accent1"/>
           </a:lnRef>
-          <a:fillRef idx="1">
+          <a:fillRef idx="3">
             <a:schemeClr val="accent1"/>
           </a:fillRef>
-          <a:effectRef idx="0">
+          <a:effectRef idx="3">
             <a:schemeClr val="accent1"/>
           </a:effectRef>
           <a:fontRef idx="minor">
@@ -7980,24 +8613,44 @@
           <a:lstStyle/>
           <a:p>
             <a:pPr algn="ctr"/>
-            <a:r>
-              <a:rPr lang="en-US" smtClean="0"/>
-              <a:t>Settings</a:t>
-            </a:r>
-            <a:endParaRPr lang="en-US" dirty="0" smtClean="0"/>
-          </a:p>
-        </p:txBody>
-      </p:sp>
-      <p:sp>
-        <p:nvSpPr>
-          <p:cNvPr id="22" name="TextBox 21"/>
+            <a:endParaRPr lang="en-US"/>
+          </a:p>
+        </p:txBody>
+      </p:sp>
+      <p:pic>
+        <p:nvPicPr>
+          <p:cNvPr id="19" name="Picture 18"/>
+          <p:cNvPicPr>
+            <a:picLocks noChangeAspect="1"/>
+          </p:cNvPicPr>
+          <p:nvPr/>
+        </p:nvPicPr>
+        <p:blipFill>
+          <a:blip r:embed="rId4"/>
+          <a:stretch>
+            <a:fillRect/>
+          </a:stretch>
+        </p:blipFill>
+        <p:spPr>
+          <a:xfrm>
+            <a:off x="5962650" y="3302000"/>
+            <a:ext cx="266700" cy="254000"/>
+          </a:xfrm>
+          <a:prstGeom prst="rect">
+            <a:avLst/>
+          </a:prstGeom>
+        </p:spPr>
+      </p:pic>
+      <p:sp>
+        <p:nvSpPr>
+          <p:cNvPr id="31" name="TextBox 30"/>
           <p:cNvSpPr txBox="1"/>
           <p:nvPr/>
         </p:nvSpPr>
         <p:spPr>
           <a:xfrm>
-            <a:off x="8164830" y="1315236"/>
-            <a:ext cx="902970" cy="369332"/>
+            <a:off x="326844" y="2763391"/>
+            <a:ext cx="2251710" cy="1077218"/>
           </a:xfrm>
           <a:prstGeom prst="rect">
             <a:avLst/>
@@ -8012,54 +8665,42 @@
           <a:p>
             <a:pPr algn="ctr"/>
             <a:r>
-              <a:rPr lang="en-US" u="sng" dirty="0" smtClean="0"/>
-              <a:t>Map</a:t>
-            </a:r>
-            <a:endParaRPr lang="en-US" u="sng" dirty="0"/>
-          </a:p>
-        </p:txBody>
-      </p:sp>
-      <p:sp>
-        <p:nvSpPr>
-          <p:cNvPr id="23" name="TextBox 22"/>
-          <p:cNvSpPr txBox="1"/>
-          <p:nvPr/>
-        </p:nvSpPr>
-        <p:spPr>
-          <a:xfrm>
-            <a:off x="9440200" y="1315236"/>
-            <a:ext cx="902970" cy="369332"/>
-          </a:xfrm>
-          <a:prstGeom prst="rect">
-            <a:avLst/>
-          </a:prstGeom>
-          <a:noFill/>
-        </p:spPr>
-        <p:txBody>
-          <a:bodyPr wrap="square" rtlCol="0">
-            <a:spAutoFit/>
-          </a:bodyPr>
-          <a:lstStyle/>
-          <a:p>
-            <a:pPr algn="ctr"/>
-            <a:r>
-              <a:rPr lang="en-US" dirty="0" smtClean="0"/>
-              <a:t>List</a:t>
-            </a:r>
-            <a:endParaRPr lang="en-US" dirty="0"/>
-          </a:p>
-        </p:txBody>
-      </p:sp>
-      <p:sp>
-        <p:nvSpPr>
-          <p:cNvPr id="24" name="Rounded Rectangle 23"/>
+              <a:rPr lang="en-US" sz="3200" u="sng" dirty="0" smtClean="0">
+                <a:latin typeface="Arial" charset="0"/>
+                <a:ea typeface="Arial" charset="0"/>
+                <a:cs typeface="Arial" charset="0"/>
+              </a:rPr>
+              <a:t>Home</a:t>
+            </a:r>
+          </a:p>
+          <a:p>
+            <a:pPr algn="ctr"/>
+            <a:r>
+              <a:rPr lang="en-US" sz="3200" u="sng" dirty="0" smtClean="0">
+                <a:latin typeface="Arial" charset="0"/>
+                <a:ea typeface="Arial" charset="0"/>
+                <a:cs typeface="Arial" charset="0"/>
+              </a:rPr>
+              <a:t>Map-View</a:t>
+            </a:r>
+            <a:endParaRPr lang="en-US" sz="3200" u="sng" dirty="0">
+              <a:latin typeface="Arial" charset="0"/>
+              <a:ea typeface="Arial" charset="0"/>
+              <a:cs typeface="Arial" charset="0"/>
+            </a:endParaRPr>
+          </a:p>
+        </p:txBody>
+      </p:sp>
+      <p:sp>
+        <p:nvSpPr>
+          <p:cNvPr id="2" name="Rounded Rectangle 1"/>
           <p:cNvSpPr/>
           <p:nvPr/>
         </p:nvSpPr>
         <p:spPr>
           <a:xfrm>
-            <a:off x="7395156" y="1793796"/>
-            <a:ext cx="3760470" cy="3315414"/>
+            <a:off x="4694611" y="1740932"/>
+            <a:ext cx="2295144" cy="190238"/>
           </a:xfrm>
           <a:prstGeom prst="roundRect">
             <a:avLst/>
@@ -8067,15 +8708,97 @@
         </p:spPr>
         <p:style>
           <a:lnRef idx="2">
-            <a:schemeClr val="accent1">
-              <a:shade val="50000"/>
-            </a:schemeClr>
+            <a:schemeClr val="accent5"/>
           </a:lnRef>
           <a:fillRef idx="1">
-            <a:schemeClr val="accent1"/>
+            <a:schemeClr val="lt1"/>
           </a:fillRef>
           <a:effectRef idx="0">
-            <a:schemeClr val="accent1"/>
+            <a:schemeClr val="accent5"/>
+          </a:effectRef>
+          <a:fontRef idx="minor">
+            <a:schemeClr val="dk1"/>
+          </a:fontRef>
+        </p:style>
+        <p:txBody>
+          <a:bodyPr rtlCol="0" anchor="ctr"/>
+          <a:lstStyle/>
+          <a:p>
+            <a:pPr algn="ctr"/>
+            <a:r>
+              <a:rPr lang="en-US" sz="1600" dirty="0" smtClean="0"/>
+              <a:t>Search</a:t>
+            </a:r>
+            <a:endParaRPr lang="en-US" sz="1600" dirty="0"/>
+          </a:p>
+        </p:txBody>
+      </p:sp>
+      <p:sp>
+        <p:nvSpPr>
+          <p:cNvPr id="21" name="Rectangle 20"/>
+          <p:cNvSpPr/>
+          <p:nvPr/>
+        </p:nvSpPr>
+        <p:spPr>
+          <a:xfrm>
+            <a:off x="4824928" y="2012163"/>
+            <a:ext cx="1818296" cy="252096"/>
+          </a:xfrm>
+          <a:prstGeom prst="rect">
+            <a:avLst/>
+          </a:prstGeom>
+        </p:spPr>
+        <p:style>
+          <a:lnRef idx="1">
+            <a:schemeClr val="accent4"/>
+          </a:lnRef>
+          <a:fillRef idx="2">
+            <a:schemeClr val="accent4"/>
+          </a:fillRef>
+          <a:effectRef idx="1">
+            <a:schemeClr val="accent4"/>
+          </a:effectRef>
+          <a:fontRef idx="minor">
+            <a:schemeClr val="dk1"/>
+          </a:fontRef>
+        </p:style>
+        <p:txBody>
+          <a:bodyPr rtlCol="0" anchor="ctr"/>
+          <a:lstStyle/>
+          <a:p>
+            <a:pPr algn="ctr"/>
+            <a:r>
+              <a:rPr lang="en-US" smtClean="0"/>
+              <a:t>Filter</a:t>
+            </a:r>
+            <a:endParaRPr lang="en-US"/>
+          </a:p>
+        </p:txBody>
+      </p:sp>
+      <p:sp>
+        <p:nvSpPr>
+          <p:cNvPr id="22" name="Rectangle 21"/>
+          <p:cNvSpPr/>
+          <p:nvPr/>
+        </p:nvSpPr>
+        <p:spPr>
+          <a:xfrm>
+            <a:off x="6436615" y="2012163"/>
+            <a:ext cx="289506" cy="252095"/>
+          </a:xfrm>
+          <a:prstGeom prst="rect">
+            <a:avLst/>
+          </a:prstGeom>
+        </p:spPr>
+        <p:style>
+          <a:lnRef idx="0">
+            <a:schemeClr val="accent4"/>
+          </a:lnRef>
+          <a:fillRef idx="3">
+            <a:schemeClr val="accent4"/>
+          </a:fillRef>
+          <a:effectRef idx="3">
+            <a:schemeClr val="accent4"/>
           </a:effectRef>
           <a:fontRef idx="minor">
             <a:schemeClr val="lt1"/>
@@ -8087,302 +8810,23 @@
           <a:p>
             <a:pPr algn="ctr"/>
             <a:r>
-              <a:rPr lang="en-US" smtClean="0"/>
-              <a:t>Map W/ Pins</a:t>
-            </a:r>
-            <a:endParaRPr lang="en-US"/>
-          </a:p>
-        </p:txBody>
-      </p:sp>
-      <p:sp>
-        <p:nvSpPr>
-          <p:cNvPr id="25" name="Oval 24"/>
-          <p:cNvSpPr/>
-          <p:nvPr/>
-        </p:nvSpPr>
-        <p:spPr>
-          <a:xfrm>
-            <a:off x="9993630" y="5490478"/>
-            <a:ext cx="800100" cy="788670"/>
-          </a:xfrm>
-          <a:prstGeom prst="ellipse">
-            <a:avLst/>
-          </a:prstGeom>
-        </p:spPr>
-        <p:style>
-          <a:lnRef idx="2">
-            <a:schemeClr val="accent1">
-              <a:shade val="50000"/>
-            </a:schemeClr>
-          </a:lnRef>
-          <a:fillRef idx="1">
-            <a:schemeClr val="accent1"/>
-          </a:fillRef>
-          <a:effectRef idx="0">
-            <a:schemeClr val="accent1"/>
-          </a:effectRef>
-          <a:fontRef idx="minor">
-            <a:schemeClr val="lt1"/>
-          </a:fontRef>
-        </p:style>
-        <p:txBody>
-          <a:bodyPr rtlCol="0" anchor="ctr"/>
-          <a:lstStyle/>
-          <a:p>
-            <a:pPr algn="ctr"/>
-            <a:endParaRPr lang="en-US"/>
-          </a:p>
-        </p:txBody>
-      </p:sp>
-      <p:sp>
-        <p:nvSpPr>
-          <p:cNvPr id="26" name="TextBox 25"/>
-          <p:cNvSpPr txBox="1"/>
-          <p:nvPr/>
-        </p:nvSpPr>
-        <p:spPr>
-          <a:xfrm>
-            <a:off x="10237470" y="5638503"/>
-            <a:ext cx="731520" cy="584775"/>
-          </a:xfrm>
-          <a:prstGeom prst="rect">
-            <a:avLst/>
-          </a:prstGeom>
-          <a:noFill/>
-        </p:spPr>
-        <p:txBody>
-          <a:bodyPr wrap="square" rtlCol="0">
-            <a:spAutoFit/>
-          </a:bodyPr>
-          <a:lstStyle/>
-          <a:p>
-            <a:r>
-              <a:rPr lang="en-US" sz="3200"/>
-              <a:t>+</a:t>
-            </a:r>
-          </a:p>
-        </p:txBody>
-      </p:sp>
-      <p:sp>
-        <p:nvSpPr>
-          <p:cNvPr id="27" name="Oval 26"/>
-          <p:cNvSpPr/>
-          <p:nvPr/>
-        </p:nvSpPr>
-        <p:spPr>
-          <a:xfrm>
-            <a:off x="8450580" y="2423160"/>
-            <a:ext cx="165735" cy="137160"/>
-          </a:xfrm>
-          <a:prstGeom prst="ellipse">
-            <a:avLst/>
-          </a:prstGeom>
-          <a:solidFill>
-            <a:schemeClr val="tx1"/>
-          </a:solidFill>
-        </p:spPr>
-        <p:style>
-          <a:lnRef idx="2">
-            <a:schemeClr val="accent1">
-              <a:shade val="50000"/>
-            </a:schemeClr>
-          </a:lnRef>
-          <a:fillRef idx="1">
-            <a:schemeClr val="accent1"/>
-          </a:fillRef>
-          <a:effectRef idx="0">
-            <a:schemeClr val="accent1"/>
-          </a:effectRef>
-          <a:fontRef idx="minor">
-            <a:schemeClr val="lt1"/>
-          </a:fontRef>
-        </p:style>
-        <p:txBody>
-          <a:bodyPr rtlCol="0" anchor="ctr"/>
-          <a:lstStyle/>
-          <a:p>
-            <a:pPr algn="ctr"/>
-            <a:endParaRPr lang="en-US"/>
-          </a:p>
-        </p:txBody>
-      </p:sp>
-      <p:sp>
-        <p:nvSpPr>
-          <p:cNvPr id="28" name="Rectangle 27"/>
-          <p:cNvSpPr/>
-          <p:nvPr/>
-        </p:nvSpPr>
-        <p:spPr>
-          <a:xfrm>
-            <a:off x="8616315" y="1925312"/>
-            <a:ext cx="1102015" cy="635008"/>
-          </a:xfrm>
-          <a:prstGeom prst="rect">
-            <a:avLst/>
-          </a:prstGeom>
-        </p:spPr>
-        <p:style>
-          <a:lnRef idx="2">
-            <a:schemeClr val="accent1">
-              <a:shade val="50000"/>
-            </a:schemeClr>
-          </a:lnRef>
-          <a:fillRef idx="1">
-            <a:schemeClr val="accent1"/>
-          </a:fillRef>
-          <a:effectRef idx="0">
-            <a:schemeClr val="accent1"/>
-          </a:effectRef>
-          <a:fontRef idx="minor">
-            <a:schemeClr val="lt1"/>
-          </a:fontRef>
-        </p:style>
-        <p:txBody>
-          <a:bodyPr rtlCol="0" anchor="ctr"/>
-          <a:lstStyle/>
-          <a:p>
-            <a:pPr algn="ctr"/>
-            <a:r>
               <a:rPr lang="en-US" dirty="0" smtClean="0"/>
-              <a:t>Details</a:t>
-            </a:r>
-          </a:p>
-        </p:txBody>
-      </p:sp>
-      <p:sp>
-        <p:nvSpPr>
-          <p:cNvPr id="29" name="Oval 28"/>
-          <p:cNvSpPr/>
-          <p:nvPr/>
-        </p:nvSpPr>
-        <p:spPr>
-          <a:xfrm flipH="1">
-            <a:off x="7806691" y="4469130"/>
-            <a:ext cx="194309" cy="182880"/>
-          </a:xfrm>
-          <a:prstGeom prst="ellipse">
-            <a:avLst/>
-          </a:prstGeom>
-          <a:solidFill>
-            <a:schemeClr val="tx1"/>
-          </a:solidFill>
-        </p:spPr>
-        <p:style>
-          <a:lnRef idx="2">
-            <a:schemeClr val="accent1">
-              <a:shade val="50000"/>
-            </a:schemeClr>
-          </a:lnRef>
-          <a:fillRef idx="1">
-            <a:schemeClr val="accent1"/>
-          </a:fillRef>
-          <a:effectRef idx="0">
-            <a:schemeClr val="accent1"/>
-          </a:effectRef>
-          <a:fontRef idx="minor">
-            <a:schemeClr val="lt1"/>
-          </a:fontRef>
-        </p:style>
-        <p:txBody>
-          <a:bodyPr rtlCol="0" anchor="ctr"/>
-          <a:lstStyle/>
-          <a:p>
-            <a:pPr algn="ctr"/>
-            <a:endParaRPr lang="en-US"/>
-          </a:p>
-        </p:txBody>
-      </p:sp>
-      <p:sp>
-        <p:nvSpPr>
-          <p:cNvPr id="31" name="Rounded Rectangle 30"/>
-          <p:cNvSpPr/>
-          <p:nvPr/>
-        </p:nvSpPr>
-        <p:spPr>
-          <a:xfrm>
-            <a:off x="2071714" y="1965496"/>
-            <a:ext cx="3602939" cy="277320"/>
-          </a:xfrm>
-          <a:prstGeom prst="roundRect">
-            <a:avLst/>
-          </a:prstGeom>
-        </p:spPr>
-        <p:style>
-          <a:lnRef idx="1">
-            <a:schemeClr val="accent3"/>
-          </a:lnRef>
-          <a:fillRef idx="2">
-            <a:schemeClr val="accent3"/>
-          </a:fillRef>
-          <a:effectRef idx="1">
-            <a:schemeClr val="accent3"/>
-          </a:effectRef>
-          <a:fontRef idx="minor">
-            <a:schemeClr val="dk1"/>
-          </a:fontRef>
-        </p:style>
-        <p:txBody>
-          <a:bodyPr rtlCol="0" anchor="ctr"/>
-          <a:lstStyle/>
-          <a:p>
-            <a:pPr algn="ctr"/>
-            <a:r>
-              <a:rPr lang="en-US" dirty="0" smtClean="0"/>
-              <a:t>Search Bar</a:t>
-            </a:r>
-            <a:endParaRPr lang="en-US" dirty="0"/>
-          </a:p>
-        </p:txBody>
-      </p:sp>
-      <p:sp>
-        <p:nvSpPr>
-          <p:cNvPr id="32" name="Rectangle 31"/>
-          <p:cNvSpPr/>
-          <p:nvPr/>
-        </p:nvSpPr>
-        <p:spPr>
-          <a:xfrm>
-            <a:off x="2071714" y="2450098"/>
-            <a:ext cx="3672840" cy="3800118"/>
-          </a:xfrm>
-          <a:prstGeom prst="rect">
-            <a:avLst/>
-          </a:prstGeom>
-          <a:ln/>
-        </p:spPr>
-        <p:style>
-          <a:lnRef idx="1">
-            <a:schemeClr val="accent6"/>
-          </a:lnRef>
-          <a:fillRef idx="2">
-            <a:schemeClr val="accent6"/>
-          </a:fillRef>
-          <a:effectRef idx="1">
-            <a:schemeClr val="accent6"/>
-          </a:effectRef>
-          <a:fontRef idx="minor">
-            <a:schemeClr val="dk1"/>
-          </a:fontRef>
-        </p:style>
-        <p:txBody>
-          <a:bodyPr rtlCol="0" anchor="ctr"/>
-          <a:lstStyle/>
-          <a:p>
-            <a:pPr algn="ctr"/>
+              <a:t>V</a:t>
+            </a:r>
             <a:endParaRPr lang="en-US" dirty="0"/>
           </a:p>
         </p:txBody>
       </p:sp>
       <p:cxnSp>
         <p:nvCxnSpPr>
-          <p:cNvPr id="36" name="Straight Connector 35"/>
+          <p:cNvPr id="6" name="Straight Connector 5"/>
           <p:cNvCxnSpPr/>
           <p:nvPr/>
         </p:nvCxnSpPr>
         <p:spPr>
           <a:xfrm>
-            <a:off x="2071714" y="2926080"/>
-            <a:ext cx="3672840" cy="0"/>
+            <a:off x="4370415" y="2633472"/>
+            <a:ext cx="2943537" cy="0"/>
           </a:xfrm>
           <a:prstGeom prst="line">
             <a:avLst/>
@@ -8410,14 +8854,14 @@
       </p:cxnSp>
       <p:cxnSp>
         <p:nvCxnSpPr>
-          <p:cNvPr id="39" name="Straight Connector 38"/>
+          <p:cNvPr id="30" name="Straight Connector 29"/>
           <p:cNvCxnSpPr/>
           <p:nvPr/>
         </p:nvCxnSpPr>
         <p:spPr>
           <a:xfrm>
-            <a:off x="2071714" y="3970020"/>
-            <a:ext cx="3672840" cy="0"/>
+            <a:off x="4370415" y="3289808"/>
+            <a:ext cx="2943537" cy="0"/>
           </a:xfrm>
           <a:prstGeom prst="line">
             <a:avLst/>
@@ -8445,14 +8889,14 @@
       </p:cxnSp>
       <p:cxnSp>
         <p:nvCxnSpPr>
-          <p:cNvPr id="41" name="Straight Connector 40"/>
+          <p:cNvPr id="33" name="Straight Connector 32"/>
           <p:cNvCxnSpPr/>
           <p:nvPr/>
         </p:nvCxnSpPr>
         <p:spPr>
           <a:xfrm>
-            <a:off x="2040308" y="5135880"/>
-            <a:ext cx="3672840" cy="0"/>
+            <a:off x="4370415" y="3947160"/>
+            <a:ext cx="2943537" cy="0"/>
           </a:xfrm>
           <a:prstGeom prst="line">
             <a:avLst/>
@@ -8478,16 +8922,124 @@
           </a:fontRef>
         </p:style>
       </p:cxnSp>
-      <p:sp>
-        <p:nvSpPr>
-          <p:cNvPr id="43" name="TextBox 42"/>
+      <p:cxnSp>
+        <p:nvCxnSpPr>
+          <p:cNvPr id="34" name="Straight Connector 33"/>
+          <p:cNvCxnSpPr/>
+          <p:nvPr/>
+        </p:nvCxnSpPr>
+        <p:spPr>
+          <a:xfrm>
+            <a:off x="4370415" y="4603496"/>
+            <a:ext cx="2943537" cy="0"/>
+          </a:xfrm>
+          <a:prstGeom prst="line">
+            <a:avLst/>
+          </a:prstGeom>
+          <a:ln>
+            <a:solidFill>
+              <a:schemeClr val="tx1"/>
+            </a:solidFill>
+          </a:ln>
+        </p:spPr>
+        <p:style>
+          <a:lnRef idx="1">
+            <a:schemeClr val="accent1"/>
+          </a:lnRef>
+          <a:fillRef idx="0">
+            <a:schemeClr val="accent1"/>
+          </a:fillRef>
+          <a:effectRef idx="0">
+            <a:schemeClr val="accent1"/>
+          </a:effectRef>
+          <a:fontRef idx="minor">
+            <a:schemeClr val="tx1"/>
+          </a:fontRef>
+        </p:style>
+      </p:cxnSp>
+      <p:cxnSp>
+        <p:nvCxnSpPr>
+          <p:cNvPr id="36" name="Straight Connector 35"/>
+          <p:cNvCxnSpPr/>
+          <p:nvPr/>
+        </p:nvCxnSpPr>
+        <p:spPr>
+          <a:xfrm>
+            <a:off x="4370415" y="5234044"/>
+            <a:ext cx="2943537" cy="0"/>
+          </a:xfrm>
+          <a:prstGeom prst="line">
+            <a:avLst/>
+          </a:prstGeom>
+          <a:ln>
+            <a:solidFill>
+              <a:schemeClr val="tx1"/>
+            </a:solidFill>
+          </a:ln>
+        </p:spPr>
+        <p:style>
+          <a:lnRef idx="1">
+            <a:schemeClr val="accent1"/>
+          </a:lnRef>
+          <a:fillRef idx="0">
+            <a:schemeClr val="accent1"/>
+          </a:fillRef>
+          <a:effectRef idx="0">
+            <a:schemeClr val="accent1"/>
+          </a:effectRef>
+          <a:fontRef idx="minor">
+            <a:schemeClr val="tx1"/>
+          </a:fontRef>
+        </p:style>
+      </p:cxnSp>
+      <p:sp>
+        <p:nvSpPr>
+          <p:cNvPr id="20" name="TextBox 19"/>
           <p:cNvSpPr txBox="1"/>
           <p:nvPr/>
         </p:nvSpPr>
         <p:spPr>
           <a:xfrm>
-            <a:off x="2181279" y="2503423"/>
-            <a:ext cx="1265988" cy="369332"/>
+            <a:off x="4319615" y="2307827"/>
+            <a:ext cx="1343729" cy="369332"/>
+          </a:xfrm>
+          <a:prstGeom prst="rect">
+            <a:avLst/>
+          </a:prstGeom>
+          <a:noFill/>
+        </p:spPr>
+        <p:txBody>
+          <a:bodyPr wrap="square" rtlCol="0">
+            <a:spAutoFit/>
+          </a:bodyPr>
+          <a:lstStyle/>
+          <a:p>
+            <a:r>
+              <a:rPr lang="en-US" dirty="0" smtClean="0">
+                <a:solidFill>
+                  <a:schemeClr val="bg1"/>
+                </a:solidFill>
+              </a:rPr>
+              <a:t>Results: 4</a:t>
+            </a:r>
+            <a:endParaRPr lang="en-US" dirty="0">
+              <a:solidFill>
+                <a:schemeClr val="bg1"/>
+              </a:solidFill>
+            </a:endParaRPr>
+          </a:p>
+        </p:txBody>
+      </p:sp>
+      <p:sp>
+        <p:nvSpPr>
+          <p:cNvPr id="37" name="TextBox 36"/>
+          <p:cNvSpPr txBox="1"/>
+          <p:nvPr/>
+        </p:nvSpPr>
+        <p:spPr>
+          <a:xfrm>
+            <a:off x="4914117" y="2994134"/>
+            <a:ext cx="1444626" cy="276999"/>
           </a:xfrm>
           <a:prstGeom prst="rect">
             <a:avLst/>
@@ -8501,27 +9053,120 @@
           <a:lstStyle/>
           <a:p>
             <a:r>
-              <a:rPr lang="en-US" dirty="0" smtClean="0"/>
-              <a:t># of Results</a:t>
-            </a:r>
-            <a:endParaRPr lang="en-US" dirty="0"/>
-          </a:p>
-        </p:txBody>
-      </p:sp>
-      <p:sp>
-        <p:nvSpPr>
-          <p:cNvPr id="44" name="Rectangle 43"/>
+              <a:rPr lang="en-US" sz="1200" dirty="0" smtClean="0"/>
+              <a:t>10:00am – 12:00pm</a:t>
+            </a:r>
+            <a:endParaRPr lang="en-US" sz="1200" dirty="0"/>
+          </a:p>
+        </p:txBody>
+      </p:sp>
+      <p:sp>
+        <p:nvSpPr>
+          <p:cNvPr id="38" name="TextBox 37"/>
+          <p:cNvSpPr txBox="1"/>
+          <p:nvPr/>
+        </p:nvSpPr>
+        <p:spPr>
+          <a:xfrm>
+            <a:off x="4914117" y="2628307"/>
+            <a:ext cx="1430648" cy="307777"/>
+          </a:xfrm>
+          <a:prstGeom prst="rect">
+            <a:avLst/>
+          </a:prstGeom>
+          <a:noFill/>
+        </p:spPr>
+        <p:txBody>
+          <a:bodyPr wrap="none" rtlCol="0">
+            <a:spAutoFit/>
+          </a:bodyPr>
+          <a:lstStyle/>
+          <a:p>
+            <a:r>
+              <a:rPr lang="en-US" sz="1400" b="1" dirty="0" smtClean="0"/>
+              <a:t>Basketball Game</a:t>
+            </a:r>
+            <a:endParaRPr lang="en-US" sz="1400" b="1" dirty="0"/>
+          </a:p>
+        </p:txBody>
+      </p:sp>
+      <p:sp>
+        <p:nvSpPr>
+          <p:cNvPr id="39" name="TextBox 38"/>
+          <p:cNvSpPr txBox="1"/>
+          <p:nvPr/>
+        </p:nvSpPr>
+        <p:spPr>
+          <a:xfrm>
+            <a:off x="8155264" y="3684449"/>
+            <a:ext cx="1286634" cy="276999"/>
+          </a:xfrm>
+          <a:prstGeom prst="rect">
+            <a:avLst/>
+          </a:prstGeom>
+          <a:noFill/>
+        </p:spPr>
+        <p:txBody>
+          <a:bodyPr wrap="none" rtlCol="0">
+            <a:spAutoFit/>
+          </a:bodyPr>
+          <a:lstStyle/>
+          <a:p>
+            <a:r>
+              <a:rPr lang="en-US" sz="1200" dirty="0" smtClean="0"/>
+              <a:t># of players/ total</a:t>
+            </a:r>
+            <a:endParaRPr lang="en-US" sz="1200" dirty="0"/>
+          </a:p>
+        </p:txBody>
+      </p:sp>
+      <p:sp>
+        <p:nvSpPr>
+          <p:cNvPr id="40" name="TextBox 39"/>
+          <p:cNvSpPr txBox="1"/>
+          <p:nvPr/>
+        </p:nvSpPr>
+        <p:spPr>
+          <a:xfrm>
+            <a:off x="4928157" y="2821366"/>
+            <a:ext cx="1431802" cy="276999"/>
+          </a:xfrm>
+          <a:prstGeom prst="rect">
+            <a:avLst/>
+          </a:prstGeom>
+          <a:noFill/>
+        </p:spPr>
+        <p:txBody>
+          <a:bodyPr wrap="none" rtlCol="0">
+            <a:spAutoFit/>
+          </a:bodyPr>
+          <a:lstStyle/>
+          <a:p>
+            <a:r>
+              <a:rPr lang="en-US" sz="1200" dirty="0" smtClean="0"/>
+              <a:t>South Park (3 miles)</a:t>
+            </a:r>
+            <a:endParaRPr lang="en-US" sz="1200" dirty="0"/>
+          </a:p>
+        </p:txBody>
+      </p:sp>
+      <p:sp>
+        <p:nvSpPr>
+          <p:cNvPr id="23" name="Rectangle 22"/>
           <p:cNvSpPr/>
           <p:nvPr/>
         </p:nvSpPr>
         <p:spPr>
           <a:xfrm>
-            <a:off x="3820504" y="2560320"/>
-            <a:ext cx="1818296" cy="312435"/>
-          </a:xfrm>
-          <a:prstGeom prst="rect">
-            <a:avLst/>
-          </a:prstGeom>
+            <a:off x="4420291" y="2689344"/>
+            <a:ext cx="548640" cy="548640"/>
+          </a:xfrm>
+          <a:prstGeom prst="rect">
+            <a:avLst/>
+          </a:prstGeom>
+          <a:solidFill>
+            <a:schemeClr val="bg1"/>
+          </a:solidFill>
         </p:spPr>
         <p:style>
           <a:lnRef idx="2">
@@ -8544,28 +9189,57 @@
           <a:lstStyle/>
           <a:p>
             <a:pPr algn="ctr"/>
-            <a:r>
-              <a:rPr lang="en-US" smtClean="0"/>
-              <a:t>Filter</a:t>
-            </a:r>
             <a:endParaRPr lang="en-US"/>
           </a:p>
         </p:txBody>
       </p:sp>
-      <p:sp>
-        <p:nvSpPr>
-          <p:cNvPr id="45" name="Rectangle 44"/>
+      <p:pic>
+        <p:nvPicPr>
+          <p:cNvPr id="24" name="Picture 23"/>
+          <p:cNvPicPr>
+            <a:picLocks noChangeAspect="1"/>
+          </p:cNvPicPr>
+          <p:nvPr/>
+        </p:nvPicPr>
+        <p:blipFill>
+          <a:blip r:embed="rId5">
+            <a:extLst>
+              <a:ext uri="{28A0092B-C50C-407E-A947-70E740481C1C}">
+                <a14:useLocalDpi xmlns:a14="http://schemas.microsoft.com/office/drawing/2010/main" val="0"/>
+              </a:ext>
+            </a:extLst>
+          </a:blip>
+          <a:stretch>
+            <a:fillRect/>
+          </a:stretch>
+        </p:blipFill>
+        <p:spPr>
+          <a:xfrm>
+            <a:off x="4457283" y="2712905"/>
+            <a:ext cx="490359" cy="490359"/>
+          </a:xfrm>
+          <a:prstGeom prst="rect">
+            <a:avLst/>
+          </a:prstGeom>
+        </p:spPr>
+      </p:pic>
+      <p:sp>
+        <p:nvSpPr>
+          <p:cNvPr id="41" name="Rectangle 40"/>
           <p:cNvSpPr/>
           <p:nvPr/>
         </p:nvSpPr>
         <p:spPr>
           <a:xfrm>
-            <a:off x="3820504" y="2560194"/>
-            <a:ext cx="289506" cy="312561"/>
-          </a:xfrm>
-          <a:prstGeom prst="rect">
-            <a:avLst/>
-          </a:prstGeom>
+            <a:off x="4420291" y="3344417"/>
+            <a:ext cx="548640" cy="548640"/>
+          </a:xfrm>
+          <a:prstGeom prst="rect">
+            <a:avLst/>
+          </a:prstGeom>
+          <a:solidFill>
+            <a:schemeClr val="bg1"/>
+          </a:solidFill>
         </p:spPr>
         <p:style>
           <a:lnRef idx="2">
@@ -8588,24 +9262,196 @@
           <a:lstStyle/>
           <a:p>
             <a:pPr algn="ctr"/>
-            <a:r>
-              <a:rPr lang="en-US" dirty="0" smtClean="0"/>
-              <a:t>V</a:t>
-            </a:r>
-            <a:endParaRPr lang="en-US" dirty="0"/>
-          </a:p>
-        </p:txBody>
-      </p:sp>
-      <p:sp>
-        <p:nvSpPr>
-          <p:cNvPr id="46" name="TextBox 45"/>
+            <a:endParaRPr lang="en-US"/>
+          </a:p>
+        </p:txBody>
+      </p:sp>
+      <p:sp>
+        <p:nvSpPr>
+          <p:cNvPr id="42" name="Rectangle 41"/>
+          <p:cNvSpPr/>
+          <p:nvPr/>
+        </p:nvSpPr>
+        <p:spPr>
+          <a:xfrm>
+            <a:off x="4428602" y="3994982"/>
+            <a:ext cx="548640" cy="548640"/>
+          </a:xfrm>
+          <a:prstGeom prst="rect">
+            <a:avLst/>
+          </a:prstGeom>
+          <a:solidFill>
+            <a:schemeClr val="bg1"/>
+          </a:solidFill>
+        </p:spPr>
+        <p:style>
+          <a:lnRef idx="2">
+            <a:schemeClr val="accent1">
+              <a:shade val="50000"/>
+            </a:schemeClr>
+          </a:lnRef>
+          <a:fillRef idx="1">
+            <a:schemeClr val="accent1"/>
+          </a:fillRef>
+          <a:effectRef idx="0">
+            <a:schemeClr val="accent1"/>
+          </a:effectRef>
+          <a:fontRef idx="minor">
+            <a:schemeClr val="lt1"/>
+          </a:fontRef>
+        </p:style>
+        <p:txBody>
+          <a:bodyPr rtlCol="0" anchor="ctr"/>
+          <a:lstStyle/>
+          <a:p>
+            <a:pPr algn="ctr"/>
+            <a:endParaRPr lang="en-US"/>
+          </a:p>
+        </p:txBody>
+      </p:sp>
+      <p:sp>
+        <p:nvSpPr>
+          <p:cNvPr id="43" name="Rectangle 42"/>
+          <p:cNvSpPr/>
+          <p:nvPr/>
+        </p:nvSpPr>
+        <p:spPr>
+          <a:xfrm>
+            <a:off x="4431736" y="4659375"/>
+            <a:ext cx="548640" cy="548640"/>
+          </a:xfrm>
+          <a:prstGeom prst="rect">
+            <a:avLst/>
+          </a:prstGeom>
+          <a:solidFill>
+            <a:schemeClr val="bg1"/>
+          </a:solidFill>
+        </p:spPr>
+        <p:style>
+          <a:lnRef idx="2">
+            <a:schemeClr val="accent1">
+              <a:shade val="50000"/>
+            </a:schemeClr>
+          </a:lnRef>
+          <a:fillRef idx="1">
+            <a:schemeClr val="accent1"/>
+          </a:fillRef>
+          <a:effectRef idx="0">
+            <a:schemeClr val="accent1"/>
+          </a:effectRef>
+          <a:fontRef idx="minor">
+            <a:schemeClr val="lt1"/>
+          </a:fontRef>
+        </p:style>
+        <p:txBody>
+          <a:bodyPr rtlCol="0" anchor="ctr"/>
+          <a:lstStyle/>
+          <a:p>
+            <a:pPr algn="ctr"/>
+            <a:endParaRPr lang="en-US"/>
+          </a:p>
+        </p:txBody>
+      </p:sp>
+      <p:pic>
+        <p:nvPicPr>
+          <p:cNvPr id="44" name="Picture 43"/>
+          <p:cNvPicPr>
+            <a:picLocks noChangeAspect="1"/>
+          </p:cNvPicPr>
+          <p:nvPr/>
+        </p:nvPicPr>
+        <p:blipFill>
+          <a:blip r:embed="rId6">
+            <a:extLst>
+              <a:ext uri="{28A0092B-C50C-407E-A947-70E740481C1C}">
+                <a14:useLocalDpi xmlns:a14="http://schemas.microsoft.com/office/drawing/2010/main" val="0"/>
+              </a:ext>
+            </a:extLst>
+          </a:blip>
+          <a:stretch>
+            <a:fillRect/>
+          </a:stretch>
+        </p:blipFill>
+        <p:spPr>
+          <a:xfrm>
+            <a:off x="4388903" y="3321686"/>
+            <a:ext cx="600710" cy="600710"/>
+          </a:xfrm>
+          <a:prstGeom prst="rect">
+            <a:avLst/>
+          </a:prstGeom>
+        </p:spPr>
+      </p:pic>
+      <p:pic>
+        <p:nvPicPr>
+          <p:cNvPr id="45" name="Picture 44"/>
+          <p:cNvPicPr>
+            <a:picLocks noChangeAspect="1"/>
+          </p:cNvPicPr>
+          <p:nvPr/>
+        </p:nvPicPr>
+        <p:blipFill>
+          <a:blip r:embed="rId7">
+            <a:extLst>
+              <a:ext uri="{28A0092B-C50C-407E-A947-70E740481C1C}">
+                <a14:useLocalDpi xmlns:a14="http://schemas.microsoft.com/office/drawing/2010/main" val="0"/>
+              </a:ext>
+            </a:extLst>
+          </a:blip>
+          <a:stretch>
+            <a:fillRect/>
+          </a:stretch>
+        </p:blipFill>
+        <p:spPr>
+          <a:xfrm>
+            <a:off x="4488897" y="4055153"/>
+            <a:ext cx="427129" cy="427129"/>
+          </a:xfrm>
+          <a:prstGeom prst="rect">
+            <a:avLst/>
+          </a:prstGeom>
+        </p:spPr>
+      </p:pic>
+      <p:pic>
+        <p:nvPicPr>
+          <p:cNvPr id="46" name="Picture 45"/>
+          <p:cNvPicPr>
+            <a:picLocks noChangeAspect="1"/>
+          </p:cNvPicPr>
+          <p:nvPr/>
+        </p:nvPicPr>
+        <p:blipFill>
+          <a:blip r:embed="rId8">
+            <a:extLst>
+              <a:ext uri="{28A0092B-C50C-407E-A947-70E740481C1C}">
+                <a14:useLocalDpi xmlns:a14="http://schemas.microsoft.com/office/drawing/2010/main" val="0"/>
+              </a:ext>
+            </a:extLst>
+          </a:blip>
+          <a:stretch>
+            <a:fillRect/>
+          </a:stretch>
+        </p:blipFill>
+        <p:spPr>
+          <a:xfrm>
+            <a:off x="4459766" y="4696428"/>
+            <a:ext cx="497025" cy="497025"/>
+          </a:xfrm>
+          <a:prstGeom prst="rect">
+            <a:avLst/>
+          </a:prstGeom>
+        </p:spPr>
+      </p:pic>
+      <p:sp>
+        <p:nvSpPr>
+          <p:cNvPr id="47" name="TextBox 46"/>
           <p:cNvSpPr txBox="1"/>
           <p:nvPr/>
         </p:nvSpPr>
         <p:spPr>
           <a:xfrm>
-            <a:off x="4954905" y="3725511"/>
-            <a:ext cx="719749" cy="276999"/>
+            <a:off x="6798079" y="2783022"/>
+            <a:ext cx="508473" cy="369332"/>
           </a:xfrm>
           <a:prstGeom prst="rect">
             <a:avLst/>
@@ -8619,23 +9465,23 @@
           <a:lstStyle/>
           <a:p>
             <a:r>
-              <a:rPr lang="en-US" sz="1200" smtClean="0"/>
-              <a:t>Distance</a:t>
-            </a:r>
-            <a:endParaRPr lang="en-US" sz="1200"/>
-          </a:p>
-        </p:txBody>
-      </p:sp>
-      <p:sp>
-        <p:nvSpPr>
-          <p:cNvPr id="47" name="TextBox 46"/>
+              <a:rPr lang="en-US" dirty="0" smtClean="0"/>
+              <a:t>3/6</a:t>
+            </a:r>
+            <a:endParaRPr lang="en-US" dirty="0"/>
+          </a:p>
+        </p:txBody>
+      </p:sp>
+      <p:sp>
+        <p:nvSpPr>
+          <p:cNvPr id="48" name="TextBox 47"/>
           <p:cNvSpPr txBox="1"/>
           <p:nvPr/>
         </p:nvSpPr>
         <p:spPr>
           <a:xfrm>
-            <a:off x="2101609" y="2994863"/>
-            <a:ext cx="458780" cy="276999"/>
+            <a:off x="6788755" y="3437294"/>
+            <a:ext cx="508473" cy="369332"/>
           </a:xfrm>
           <a:prstGeom prst="rect">
             <a:avLst/>
@@ -8649,23 +9495,23 @@
           <a:lstStyle/>
           <a:p>
             <a:r>
-              <a:rPr lang="en-US" sz="1200" dirty="0" smtClean="0"/>
-              <a:t>Title</a:t>
-            </a:r>
-            <a:endParaRPr lang="en-US" sz="1200" dirty="0"/>
-          </a:p>
-        </p:txBody>
-      </p:sp>
-      <p:sp>
-        <p:nvSpPr>
-          <p:cNvPr id="48" name="TextBox 47"/>
+              <a:rPr lang="en-US" dirty="0" smtClean="0"/>
+              <a:t>1/2</a:t>
+            </a:r>
+            <a:endParaRPr lang="en-US" dirty="0"/>
+          </a:p>
+        </p:txBody>
+      </p:sp>
+      <p:sp>
+        <p:nvSpPr>
+          <p:cNvPr id="49" name="TextBox 48"/>
           <p:cNvSpPr txBox="1"/>
           <p:nvPr/>
         </p:nvSpPr>
         <p:spPr>
           <a:xfrm>
-            <a:off x="2094524" y="3666503"/>
-            <a:ext cx="1286634" cy="276999"/>
+            <a:off x="6668391" y="4086828"/>
+            <a:ext cx="625492" cy="369332"/>
           </a:xfrm>
           <a:prstGeom prst="rect">
             <a:avLst/>
@@ -8679,23 +9525,23 @@
           <a:lstStyle/>
           <a:p>
             <a:r>
-              <a:rPr lang="en-US" sz="1200" dirty="0" smtClean="0"/>
-              <a:t># of players/ total</a:t>
-            </a:r>
-            <a:endParaRPr lang="en-US" sz="1200" dirty="0"/>
-          </a:p>
-        </p:txBody>
-      </p:sp>
-      <p:sp>
-        <p:nvSpPr>
-          <p:cNvPr id="49" name="TextBox 48"/>
+              <a:rPr lang="en-US" smtClean="0"/>
+              <a:t>7/10</a:t>
+            </a:r>
+            <a:endParaRPr lang="en-US" dirty="0"/>
+          </a:p>
+        </p:txBody>
+      </p:sp>
+      <p:sp>
+        <p:nvSpPr>
+          <p:cNvPr id="50" name="TextBox 49"/>
           <p:cNvSpPr txBox="1"/>
           <p:nvPr/>
         </p:nvSpPr>
         <p:spPr>
           <a:xfrm>
-            <a:off x="4993399" y="2939248"/>
-            <a:ext cx="516488" cy="276999"/>
+            <a:off x="6722608" y="4749029"/>
+            <a:ext cx="625492" cy="369332"/>
           </a:xfrm>
           <a:prstGeom prst="rect">
             <a:avLst/>
@@ -8709,30 +9555,349 @@
           <a:lstStyle/>
           <a:p>
             <a:r>
+              <a:rPr lang="en-US" smtClean="0"/>
+              <a:t>4/15</a:t>
+            </a:r>
+            <a:endParaRPr lang="en-US" dirty="0"/>
+          </a:p>
+        </p:txBody>
+      </p:sp>
+      <p:sp>
+        <p:nvSpPr>
+          <p:cNvPr id="51" name="TextBox 50"/>
+          <p:cNvSpPr txBox="1"/>
+          <p:nvPr/>
+        </p:nvSpPr>
+        <p:spPr>
+          <a:xfrm>
+            <a:off x="4941031" y="3639892"/>
+            <a:ext cx="1293944" cy="276999"/>
+          </a:xfrm>
+          <a:prstGeom prst="rect">
+            <a:avLst/>
+          </a:prstGeom>
+          <a:noFill/>
+        </p:spPr>
+        <p:txBody>
+          <a:bodyPr wrap="none" rtlCol="0">
+            <a:spAutoFit/>
+          </a:bodyPr>
+          <a:lstStyle/>
+          <a:p>
+            <a:r>
               <a:rPr lang="en-US" sz="1200" dirty="0" smtClean="0"/>
-              <a:t>Place</a:t>
+              <a:t>3:00pm – 4:30pm</a:t>
             </a:r>
             <a:endParaRPr lang="en-US" sz="1200" dirty="0"/>
+          </a:p>
+        </p:txBody>
+      </p:sp>
+      <p:sp>
+        <p:nvSpPr>
+          <p:cNvPr id="52" name="TextBox 51"/>
+          <p:cNvSpPr txBox="1"/>
+          <p:nvPr/>
+        </p:nvSpPr>
+        <p:spPr>
+          <a:xfrm>
+            <a:off x="4941031" y="3274065"/>
+            <a:ext cx="656526" cy="307777"/>
+          </a:xfrm>
+          <a:prstGeom prst="rect">
+            <a:avLst/>
+          </a:prstGeom>
+          <a:noFill/>
+        </p:spPr>
+        <p:txBody>
+          <a:bodyPr wrap="none" rtlCol="0">
+            <a:spAutoFit/>
+          </a:bodyPr>
+          <a:lstStyle/>
+          <a:p>
+            <a:r>
+              <a:rPr lang="en-US" sz="1400" b="1" dirty="0" smtClean="0"/>
+              <a:t>Tennis</a:t>
+            </a:r>
+            <a:endParaRPr lang="en-US" sz="1400" b="1" dirty="0"/>
+          </a:p>
+        </p:txBody>
+      </p:sp>
+      <p:sp>
+        <p:nvSpPr>
+          <p:cNvPr id="53" name="TextBox 52"/>
+          <p:cNvSpPr txBox="1"/>
+          <p:nvPr/>
+        </p:nvSpPr>
+        <p:spPr>
+          <a:xfrm>
+            <a:off x="4955071" y="3467124"/>
+            <a:ext cx="1433406" cy="276999"/>
+          </a:xfrm>
+          <a:prstGeom prst="rect">
+            <a:avLst/>
+          </a:prstGeom>
+          <a:noFill/>
+        </p:spPr>
+        <p:txBody>
+          <a:bodyPr wrap="none" rtlCol="0">
+            <a:spAutoFit/>
+          </a:bodyPr>
+          <a:lstStyle/>
+          <a:p>
+            <a:r>
+              <a:rPr lang="en-US" sz="1200" dirty="0" smtClean="0"/>
+              <a:t>North Park (4 miles)</a:t>
+            </a:r>
+            <a:endParaRPr lang="en-US" sz="1200" dirty="0"/>
+          </a:p>
+        </p:txBody>
+      </p:sp>
+      <p:sp>
+        <p:nvSpPr>
+          <p:cNvPr id="54" name="TextBox 53"/>
+          <p:cNvSpPr txBox="1"/>
+          <p:nvPr/>
+        </p:nvSpPr>
+        <p:spPr>
+          <a:xfrm>
+            <a:off x="4966153" y="4317660"/>
+            <a:ext cx="1293944" cy="276999"/>
+          </a:xfrm>
+          <a:prstGeom prst="rect">
+            <a:avLst/>
+          </a:prstGeom>
+          <a:noFill/>
+        </p:spPr>
+        <p:txBody>
+          <a:bodyPr wrap="none" rtlCol="0">
+            <a:spAutoFit/>
+          </a:bodyPr>
+          <a:lstStyle/>
+          <a:p>
+            <a:r>
+              <a:rPr lang="en-US" sz="1200" dirty="0" smtClean="0"/>
+              <a:t>6:00pm – 8:00pm</a:t>
+            </a:r>
+            <a:endParaRPr lang="en-US" sz="1200" dirty="0"/>
+          </a:p>
+        </p:txBody>
+      </p:sp>
+      <p:sp>
+        <p:nvSpPr>
+          <p:cNvPr id="55" name="TextBox 54"/>
+          <p:cNvSpPr txBox="1"/>
+          <p:nvPr/>
+        </p:nvSpPr>
+        <p:spPr>
+          <a:xfrm>
+            <a:off x="4966153" y="3951833"/>
+            <a:ext cx="1418978" cy="307777"/>
+          </a:xfrm>
+          <a:prstGeom prst="rect">
+            <a:avLst/>
+          </a:prstGeom>
+          <a:noFill/>
+        </p:spPr>
+        <p:txBody>
+          <a:bodyPr wrap="none" rtlCol="0">
+            <a:spAutoFit/>
+          </a:bodyPr>
+          <a:lstStyle/>
+          <a:p>
+            <a:r>
+              <a:rPr lang="en-US" sz="1400" b="1" dirty="0" smtClean="0"/>
+              <a:t>Big Soccer Game</a:t>
+            </a:r>
+            <a:endParaRPr lang="en-US" sz="1400" b="1" dirty="0"/>
+          </a:p>
+        </p:txBody>
+      </p:sp>
+      <p:sp>
+        <p:nvSpPr>
+          <p:cNvPr id="56" name="TextBox 55"/>
+          <p:cNvSpPr txBox="1"/>
+          <p:nvPr/>
+        </p:nvSpPr>
+        <p:spPr>
+          <a:xfrm>
+            <a:off x="4980193" y="4144892"/>
+            <a:ext cx="1520673" cy="276999"/>
+          </a:xfrm>
+          <a:prstGeom prst="rect">
+            <a:avLst/>
+          </a:prstGeom>
+          <a:noFill/>
+        </p:spPr>
+        <p:txBody>
+          <a:bodyPr wrap="none" rtlCol="0">
+            <a:spAutoFit/>
+          </a:bodyPr>
+          <a:lstStyle/>
+          <a:p>
+            <a:r>
+              <a:rPr lang="en-US" sz="1200" dirty="0" smtClean="0"/>
+              <a:t>East Park (3.75 miles)</a:t>
+            </a:r>
+            <a:endParaRPr lang="en-US" sz="1200" dirty="0"/>
+          </a:p>
+        </p:txBody>
+      </p:sp>
+      <p:sp>
+        <p:nvSpPr>
+          <p:cNvPr id="57" name="TextBox 56"/>
+          <p:cNvSpPr txBox="1"/>
+          <p:nvPr/>
+        </p:nvSpPr>
+        <p:spPr>
+          <a:xfrm>
+            <a:off x="4984821" y="4957045"/>
+            <a:ext cx="1287532" cy="276999"/>
+          </a:xfrm>
+          <a:prstGeom prst="rect">
+            <a:avLst/>
+          </a:prstGeom>
+          <a:noFill/>
+        </p:spPr>
+        <p:txBody>
+          <a:bodyPr wrap="none" rtlCol="0">
+            <a:spAutoFit/>
+          </a:bodyPr>
+          <a:lstStyle/>
+          <a:p>
+            <a:r>
+              <a:rPr lang="en-US" sz="1200" dirty="0" smtClean="0"/>
+              <a:t>6:00am – 7:00pm</a:t>
+            </a:r>
+            <a:endParaRPr lang="en-US" sz="1200" dirty="0"/>
+          </a:p>
+        </p:txBody>
+      </p:sp>
+      <p:sp>
+        <p:nvSpPr>
+          <p:cNvPr id="58" name="TextBox 57"/>
+          <p:cNvSpPr txBox="1"/>
+          <p:nvPr/>
+        </p:nvSpPr>
+        <p:spPr>
+          <a:xfrm>
+            <a:off x="4984821" y="4591218"/>
+            <a:ext cx="1430648" cy="307777"/>
+          </a:xfrm>
+          <a:prstGeom prst="rect">
+            <a:avLst/>
+          </a:prstGeom>
+          <a:noFill/>
+        </p:spPr>
+        <p:txBody>
+          <a:bodyPr wrap="none" rtlCol="0">
+            <a:spAutoFit/>
+          </a:bodyPr>
+          <a:lstStyle/>
+          <a:p>
+            <a:r>
+              <a:rPr lang="en-US" sz="1400" b="1" dirty="0" smtClean="0"/>
+              <a:t>Basketball Game</a:t>
+            </a:r>
+            <a:endParaRPr lang="en-US" sz="1400" b="1" dirty="0"/>
+          </a:p>
+        </p:txBody>
+      </p:sp>
+      <p:sp>
+        <p:nvSpPr>
+          <p:cNvPr id="59" name="TextBox 58"/>
+          <p:cNvSpPr txBox="1"/>
+          <p:nvPr/>
+        </p:nvSpPr>
+        <p:spPr>
+          <a:xfrm>
+            <a:off x="4998861" y="4784277"/>
+            <a:ext cx="1101584" cy="276999"/>
+          </a:xfrm>
+          <a:prstGeom prst="rect">
+            <a:avLst/>
+          </a:prstGeom>
+          <a:noFill/>
+        </p:spPr>
+        <p:txBody>
+          <a:bodyPr wrap="none" rtlCol="0">
+            <a:spAutoFit/>
+          </a:bodyPr>
+          <a:lstStyle/>
+          <a:p>
+            <a:r>
+              <a:rPr lang="en-US" sz="1200" dirty="0" smtClean="0"/>
+              <a:t>The Y (2 miles)</a:t>
+            </a:r>
+            <a:endParaRPr lang="en-US" sz="1200" dirty="0"/>
+          </a:p>
+        </p:txBody>
+      </p:sp>
+      <p:sp>
+        <p:nvSpPr>
+          <p:cNvPr id="60" name="Rectangle 59"/>
+          <p:cNvSpPr/>
+          <p:nvPr/>
+        </p:nvSpPr>
+        <p:spPr>
+          <a:xfrm>
+            <a:off x="5273980" y="5286999"/>
+            <a:ext cx="1170513" cy="369332"/>
+          </a:xfrm>
+          <a:prstGeom prst="rect">
+            <a:avLst/>
+          </a:prstGeom>
+        </p:spPr>
+        <p:txBody>
+          <a:bodyPr wrap="none">
+            <a:spAutoFit/>
+          </a:bodyPr>
+          <a:lstStyle/>
+          <a:p>
+            <a:pPr algn="ctr"/>
+            <a:r>
+              <a:rPr lang="en-US" dirty="0" smtClean="0">
+                <a:solidFill>
+                  <a:schemeClr val="bg1">
+                    <a:lumMod val="75000"/>
+                  </a:schemeClr>
+                </a:solidFill>
+                <a:effectLst>
+                  <a:outerShdw blurRad="50800" dist="177800" dir="4080000" sx="105000" sy="105000" algn="ctr" rotWithShape="0">
+                    <a:srgbClr val="000000">
+                      <a:alpha val="43137"/>
+                    </a:srgbClr>
+                  </a:outerShdw>
+                </a:effectLst>
+              </a:rPr>
+              <a:t>Add Game</a:t>
+            </a:r>
+            <a:endParaRPr lang="en-US" dirty="0" smtClean="0">
+              <a:solidFill>
+                <a:schemeClr val="bg1">
+                  <a:lumMod val="75000"/>
+                </a:schemeClr>
+              </a:solidFill>
+              <a:effectLst>
+                <a:outerShdw blurRad="50800" dist="177800" dir="4080000" sx="105000" sy="105000" algn="ctr" rotWithShape="0">
+                  <a:srgbClr val="000000">
+                    <a:alpha val="43137"/>
+                  </a:srgbClr>
+                </a:outerShdw>
+              </a:effectLst>
+            </a:endParaRPr>
           </a:p>
         </p:txBody>
       </p:sp>
     </p:spTree>
     <p:extLst>
       <p:ext uri="{BB962C8B-B14F-4D97-AF65-F5344CB8AC3E}">
-        <p14:creationId xmlns:p14="http://schemas.microsoft.com/office/powerpoint/2010/main" val="2059076768"/>
+        <p14:creationId xmlns:p14="http://schemas.microsoft.com/office/powerpoint/2010/main" val="1448158289"/>
       </p:ext>
     </p:extLst>
   </p:cSld>
   <p:clrMapOvr>
     <a:masterClrMapping/>
   </p:clrMapOvr>
-  <p:timing>
-    <p:tnLst>
-      <p:par>
-        <p:cTn id="1" dur="indefinite" restart="never" nodeType="tmRoot"/>
-      </p:par>
-    </p:tnLst>
-  </p:timing>
 </p:sld>
 </file>
 
@@ -8753,23 +9918,637 @@
           <a:chExt cx="0" cy="0"/>
         </a:xfrm>
       </p:grpSpPr>
-      <p:sp>
-        <p:nvSpPr>
-          <p:cNvPr id="2" name="Rounded Rectangle 1"/>
+      <p:pic>
+        <p:nvPicPr>
+          <p:cNvPr id="4" name="Picture 3"/>
+          <p:cNvPicPr>
+            <a:picLocks noChangeAspect="1"/>
+          </p:cNvPicPr>
+          <p:nvPr/>
+        </p:nvPicPr>
+        <p:blipFill>
+          <a:blip r:embed="rId3">
+            <a:extLst>
+              <a:ext uri="{28A0092B-C50C-407E-A947-70E740481C1C}">
+                <a14:useLocalDpi xmlns:a14="http://schemas.microsoft.com/office/drawing/2010/main" val="0"/>
+              </a:ext>
+            </a:extLst>
+          </a:blip>
+          <a:stretch>
+            <a:fillRect/>
+          </a:stretch>
+        </p:blipFill>
+        <p:spPr>
+          <a:xfrm>
+            <a:off x="4121912" y="0"/>
+            <a:ext cx="3440545" cy="6858000"/>
+          </a:xfrm>
+          <a:prstGeom prst="rect">
+            <a:avLst/>
+          </a:prstGeom>
+        </p:spPr>
+      </p:pic>
+      <p:sp>
+        <p:nvSpPr>
+          <p:cNvPr id="5" name="Rectangle 4"/>
           <p:cNvSpPr/>
           <p:nvPr/>
         </p:nvSpPr>
         <p:spPr>
           <a:xfrm>
-            <a:off x="4116651" y="244602"/>
-            <a:ext cx="4114800" cy="6318504"/>
+            <a:off x="4287704" y="1234440"/>
+            <a:ext cx="3108960" cy="4480560"/>
+          </a:xfrm>
+          <a:prstGeom prst="rect">
+            <a:avLst/>
+          </a:prstGeom>
+        </p:spPr>
+        <p:style>
+          <a:lnRef idx="2">
+            <a:schemeClr val="accent1">
+              <a:shade val="50000"/>
+            </a:schemeClr>
+          </a:lnRef>
+          <a:fillRef idx="1003">
+            <a:schemeClr val="dk2"/>
+          </a:fillRef>
+          <a:effectRef idx="0">
+            <a:schemeClr val="accent1"/>
+          </a:effectRef>
+          <a:fontRef idx="minor">
+            <a:schemeClr val="lt1"/>
+          </a:fontRef>
+        </p:style>
+        <p:txBody>
+          <a:bodyPr rtlCol="0" anchor="ctr"/>
+          <a:lstStyle/>
+          <a:p>
+            <a:pPr algn="ctr"/>
+            <a:endParaRPr lang="en-US" dirty="0" smtClean="0">
+              <a:solidFill>
+                <a:schemeClr val="bg1">
+                  <a:lumMod val="75000"/>
+                </a:schemeClr>
+              </a:solidFill>
+              <a:effectLst>
+                <a:outerShdw blurRad="50800" dist="177800" dir="4080000" algn="ctr" rotWithShape="0">
+                  <a:srgbClr val="000000">
+                    <a:alpha val="43137"/>
+                  </a:srgbClr>
+                </a:outerShdw>
+              </a:effectLst>
+            </a:endParaRPr>
+          </a:p>
+          <a:p>
+            <a:pPr algn="ctr"/>
+            <a:endParaRPr lang="en-US" dirty="0" smtClean="0">
+              <a:solidFill>
+                <a:schemeClr val="bg1">
+                  <a:lumMod val="75000"/>
+                </a:schemeClr>
+              </a:solidFill>
+              <a:effectLst>
+                <a:outerShdw blurRad="50800" dist="177800" dir="4080000" algn="ctr" rotWithShape="0">
+                  <a:srgbClr val="000000">
+                    <a:alpha val="43137"/>
+                  </a:srgbClr>
+                </a:outerShdw>
+              </a:effectLst>
+            </a:endParaRPr>
+          </a:p>
+          <a:p>
+            <a:pPr algn="ctr"/>
+            <a:endParaRPr lang="en-US" dirty="0" smtClean="0">
+              <a:solidFill>
+                <a:schemeClr val="bg1">
+                  <a:lumMod val="75000"/>
+                </a:schemeClr>
+              </a:solidFill>
+              <a:effectLst>
+                <a:outerShdw blurRad="50800" dist="177800" dir="4080000" algn="ctr" rotWithShape="0">
+                  <a:srgbClr val="000000">
+                    <a:alpha val="43137"/>
+                  </a:srgbClr>
+                </a:outerShdw>
+              </a:effectLst>
+            </a:endParaRPr>
+          </a:p>
+          <a:p>
+            <a:pPr algn="ctr"/>
+            <a:endParaRPr lang="en-US" dirty="0" smtClean="0">
+              <a:solidFill>
+                <a:schemeClr val="bg1">
+                  <a:lumMod val="75000"/>
+                </a:schemeClr>
+              </a:solidFill>
+              <a:effectLst>
+                <a:outerShdw blurRad="50800" dist="177800" dir="4080000" algn="ctr" rotWithShape="0">
+                  <a:srgbClr val="000000">
+                    <a:alpha val="43137"/>
+                  </a:srgbClr>
+                </a:outerShdw>
+              </a:effectLst>
+            </a:endParaRPr>
+          </a:p>
+          <a:p>
+            <a:pPr algn="ctr"/>
+            <a:endParaRPr lang="en-US" dirty="0" smtClean="0">
+              <a:solidFill>
+                <a:schemeClr val="bg1">
+                  <a:lumMod val="75000"/>
+                </a:schemeClr>
+              </a:solidFill>
+              <a:effectLst>
+                <a:outerShdw blurRad="50800" dist="177800" dir="4080000" algn="ctr" rotWithShape="0">
+                  <a:srgbClr val="000000">
+                    <a:alpha val="43137"/>
+                  </a:srgbClr>
+                </a:outerShdw>
+              </a:effectLst>
+            </a:endParaRPr>
+          </a:p>
+          <a:p>
+            <a:pPr algn="ctr"/>
+            <a:endParaRPr lang="en-US" dirty="0" smtClean="0">
+              <a:solidFill>
+                <a:schemeClr val="bg1">
+                  <a:lumMod val="75000"/>
+                </a:schemeClr>
+              </a:solidFill>
+              <a:effectLst>
+                <a:outerShdw blurRad="50800" dist="177800" dir="4080000" algn="ctr" rotWithShape="0">
+                  <a:srgbClr val="000000">
+                    <a:alpha val="43137"/>
+                  </a:srgbClr>
+                </a:outerShdw>
+              </a:effectLst>
+            </a:endParaRPr>
+          </a:p>
+          <a:p>
+            <a:pPr algn="ctr"/>
+            <a:endParaRPr lang="en-US" dirty="0" smtClean="0">
+              <a:solidFill>
+                <a:schemeClr val="bg1">
+                  <a:lumMod val="75000"/>
+                </a:schemeClr>
+              </a:solidFill>
+              <a:effectLst>
+                <a:outerShdw blurRad="50800" dist="177800" dir="4080000" algn="ctr" rotWithShape="0">
+                  <a:srgbClr val="000000">
+                    <a:alpha val="43137"/>
+                  </a:srgbClr>
+                </a:outerShdw>
+              </a:effectLst>
+            </a:endParaRPr>
+          </a:p>
+          <a:p>
+            <a:pPr algn="ctr"/>
+            <a:endParaRPr lang="en-US" dirty="0" smtClean="0">
+              <a:solidFill>
+                <a:schemeClr val="bg1">
+                  <a:lumMod val="75000"/>
+                </a:schemeClr>
+              </a:solidFill>
+              <a:effectLst>
+                <a:outerShdw blurRad="50800" dist="177800" dir="4080000" algn="ctr" rotWithShape="0">
+                  <a:srgbClr val="000000">
+                    <a:alpha val="43137"/>
+                  </a:srgbClr>
+                </a:outerShdw>
+              </a:effectLst>
+            </a:endParaRPr>
+          </a:p>
+          <a:p>
+            <a:pPr algn="ctr"/>
+            <a:endParaRPr lang="en-US" dirty="0" smtClean="0">
+              <a:solidFill>
+                <a:schemeClr val="bg1">
+                  <a:lumMod val="75000"/>
+                </a:schemeClr>
+              </a:solidFill>
+              <a:effectLst>
+                <a:outerShdw blurRad="50800" dist="177800" dir="4080000" algn="ctr" rotWithShape="0">
+                  <a:srgbClr val="000000">
+                    <a:alpha val="43137"/>
+                  </a:srgbClr>
+                </a:outerShdw>
+              </a:effectLst>
+            </a:endParaRPr>
+          </a:p>
+          <a:p>
+            <a:pPr algn="ctr"/>
+            <a:endParaRPr lang="en-US" dirty="0" smtClean="0">
+              <a:solidFill>
+                <a:schemeClr val="bg1">
+                  <a:lumMod val="75000"/>
+                </a:schemeClr>
+              </a:solidFill>
+              <a:effectLst>
+                <a:outerShdw blurRad="50800" dist="177800" dir="4080000" algn="ctr" rotWithShape="0">
+                  <a:srgbClr val="000000">
+                    <a:alpha val="43137"/>
+                  </a:srgbClr>
+                </a:outerShdw>
+              </a:effectLst>
+            </a:endParaRPr>
+          </a:p>
+        </p:txBody>
+      </p:sp>
+      <p:sp>
+        <p:nvSpPr>
+          <p:cNvPr id="8" name="Rectangle 7"/>
+          <p:cNvSpPr/>
+          <p:nvPr/>
+        </p:nvSpPr>
+        <p:spPr>
+          <a:xfrm>
+            <a:off x="4304291" y="1668490"/>
+            <a:ext cx="3108960" cy="1762246"/>
+          </a:xfrm>
+          <a:prstGeom prst="rect">
+            <a:avLst/>
+          </a:prstGeom>
+        </p:spPr>
+        <p:style>
+          <a:lnRef idx="1">
+            <a:schemeClr val="accent4"/>
+          </a:lnRef>
+          <a:fillRef idx="2">
+            <a:schemeClr val="accent4"/>
+          </a:fillRef>
+          <a:effectRef idx="1">
+            <a:schemeClr val="accent4"/>
+          </a:effectRef>
+          <a:fontRef idx="minor">
+            <a:schemeClr val="dk1"/>
+          </a:fontRef>
+        </p:style>
+        <p:txBody>
+          <a:bodyPr rtlCol="0" anchor="ctr"/>
+          <a:lstStyle/>
+          <a:p>
+            <a:pPr algn="ctr"/>
+            <a:endParaRPr lang="en-US"/>
+          </a:p>
+        </p:txBody>
+      </p:sp>
+      <p:sp>
+        <p:nvSpPr>
+          <p:cNvPr id="9" name="Rectangle 8"/>
+          <p:cNvSpPr/>
+          <p:nvPr/>
+        </p:nvSpPr>
+        <p:spPr>
+          <a:xfrm>
+            <a:off x="4287704" y="3861315"/>
+            <a:ext cx="3108960" cy="1510414"/>
+          </a:xfrm>
+          <a:prstGeom prst="rect">
+            <a:avLst/>
+          </a:prstGeom>
+        </p:spPr>
+        <p:style>
+          <a:lnRef idx="1">
+            <a:schemeClr val="accent1"/>
+          </a:lnRef>
+          <a:fillRef idx="2">
+            <a:schemeClr val="accent1"/>
+          </a:fillRef>
+          <a:effectRef idx="1">
+            <a:schemeClr val="accent1"/>
+          </a:effectRef>
+          <a:fontRef idx="minor">
+            <a:schemeClr val="dk1"/>
+          </a:fontRef>
+        </p:style>
+        <p:txBody>
+          <a:bodyPr rtlCol="0" anchor="ctr"/>
+          <a:lstStyle/>
+          <a:p>
+            <a:pPr algn="ctr"/>
+            <a:endParaRPr lang="en-US"/>
+          </a:p>
+        </p:txBody>
+      </p:sp>
+      <p:sp>
+        <p:nvSpPr>
+          <p:cNvPr id="11" name="TextBox 10"/>
+          <p:cNvSpPr txBox="1"/>
+          <p:nvPr/>
+        </p:nvSpPr>
+        <p:spPr>
+          <a:xfrm flipH="1">
+            <a:off x="5101114" y="1265931"/>
+            <a:ext cx="1482140" cy="369332"/>
+          </a:xfrm>
+          <a:prstGeom prst="rect">
+            <a:avLst/>
+          </a:prstGeom>
+          <a:noFill/>
+        </p:spPr>
+        <p:txBody>
+          <a:bodyPr wrap="square" rtlCol="0">
+            <a:spAutoFit/>
+          </a:bodyPr>
+          <a:lstStyle/>
+          <a:p>
+            <a:pPr algn="ctr"/>
+            <a:r>
+              <a:rPr lang="en-US" dirty="0" smtClean="0">
+                <a:gradFill flip="none" rotWithShape="1">
+                  <a:gsLst>
+                    <a:gs pos="0">
+                      <a:schemeClr val="accent4">
+                        <a:lumMod val="89000"/>
+                      </a:schemeClr>
+                    </a:gs>
+                    <a:gs pos="23000">
+                      <a:schemeClr val="accent4">
+                        <a:lumMod val="89000"/>
+                      </a:schemeClr>
+                    </a:gs>
+                    <a:gs pos="69000">
+                      <a:schemeClr val="accent4">
+                        <a:lumMod val="75000"/>
+                      </a:schemeClr>
+                    </a:gs>
+                    <a:gs pos="97000">
+                      <a:schemeClr val="accent4">
+                        <a:lumMod val="70000"/>
+                      </a:schemeClr>
+                    </a:gs>
+                  </a:gsLst>
+                  <a:path path="circle">
+                    <a:fillToRect l="50000" t="50000" r="50000" b="50000"/>
+                  </a:path>
+                  <a:tileRect/>
+                </a:gradFill>
+              </a:rPr>
+              <a:t>Game Title</a:t>
+            </a:r>
+            <a:endParaRPr lang="en-US" dirty="0">
+              <a:gradFill flip="none" rotWithShape="1">
+                <a:gsLst>
+                  <a:gs pos="0">
+                    <a:schemeClr val="accent4">
+                      <a:lumMod val="89000"/>
+                    </a:schemeClr>
+                  </a:gs>
+                  <a:gs pos="23000">
+                    <a:schemeClr val="accent4">
+                      <a:lumMod val="89000"/>
+                    </a:schemeClr>
+                  </a:gs>
+                  <a:gs pos="69000">
+                    <a:schemeClr val="accent4">
+                      <a:lumMod val="75000"/>
+                    </a:schemeClr>
+                  </a:gs>
+                  <a:gs pos="97000">
+                    <a:schemeClr val="accent4">
+                      <a:lumMod val="70000"/>
+                    </a:schemeClr>
+                  </a:gs>
+                </a:gsLst>
+                <a:path path="circle">
+                  <a:fillToRect l="50000" t="50000" r="50000" b="50000"/>
+                </a:path>
+                <a:tileRect/>
+              </a:gradFill>
+            </a:endParaRPr>
+          </a:p>
+        </p:txBody>
+      </p:sp>
+      <p:sp>
+        <p:nvSpPr>
+          <p:cNvPr id="13" name="TextBox 12"/>
+          <p:cNvSpPr txBox="1"/>
+          <p:nvPr/>
+        </p:nvSpPr>
+        <p:spPr>
+          <a:xfrm>
+            <a:off x="5050055" y="1663281"/>
+            <a:ext cx="1693733" cy="338554"/>
+          </a:xfrm>
+          <a:prstGeom prst="rect">
+            <a:avLst/>
+          </a:prstGeom>
+          <a:noFill/>
+        </p:spPr>
+        <p:txBody>
+          <a:bodyPr wrap="none" rtlCol="0">
+            <a:spAutoFit/>
+          </a:bodyPr>
+          <a:lstStyle/>
+          <a:p>
+            <a:r>
+              <a:rPr lang="en-US" sz="1200" b="1" dirty="0" smtClean="0"/>
+              <a:t>Captain: </a:t>
+            </a:r>
+            <a:r>
+              <a:rPr lang="en-US" sz="1600" b="1" dirty="0" smtClean="0">
+                <a:solidFill>
+                  <a:srgbClr val="00B0F0"/>
+                </a:solidFill>
+              </a:rPr>
+              <a:t>Mike Jones</a:t>
+            </a:r>
+            <a:endParaRPr lang="en-US" sz="1600" b="1" dirty="0">
+              <a:solidFill>
+                <a:srgbClr val="00B0F0"/>
+              </a:solidFill>
+            </a:endParaRPr>
+          </a:p>
+        </p:txBody>
+      </p:sp>
+      <p:sp>
+        <p:nvSpPr>
+          <p:cNvPr id="14" name="TextBox 13"/>
+          <p:cNvSpPr txBox="1"/>
+          <p:nvPr/>
+        </p:nvSpPr>
+        <p:spPr>
+          <a:xfrm>
+            <a:off x="4282079" y="1940992"/>
+            <a:ext cx="1467646" cy="276999"/>
+          </a:xfrm>
+          <a:prstGeom prst="rect">
+            <a:avLst/>
+          </a:prstGeom>
+          <a:noFill/>
+        </p:spPr>
+        <p:txBody>
+          <a:bodyPr wrap="none" rtlCol="0">
+            <a:spAutoFit/>
+          </a:bodyPr>
+          <a:lstStyle/>
+          <a:p>
+            <a:r>
+              <a:rPr lang="en-US" sz="1200" dirty="0" smtClean="0"/>
+              <a:t>Location: North Park</a:t>
+            </a:r>
+            <a:endParaRPr lang="en-US" sz="1200" dirty="0"/>
+          </a:p>
+        </p:txBody>
+      </p:sp>
+      <p:sp>
+        <p:nvSpPr>
+          <p:cNvPr id="16" name="TextBox 15"/>
+          <p:cNvSpPr txBox="1"/>
+          <p:nvPr/>
+        </p:nvSpPr>
+        <p:spPr>
+          <a:xfrm>
+            <a:off x="4282079" y="2732518"/>
+            <a:ext cx="3039102" cy="646331"/>
+          </a:xfrm>
+          <a:prstGeom prst="rect">
+            <a:avLst/>
+          </a:prstGeom>
+          <a:noFill/>
+        </p:spPr>
+        <p:txBody>
+          <a:bodyPr wrap="none" rtlCol="0">
+            <a:spAutoFit/>
+          </a:bodyPr>
+          <a:lstStyle/>
+          <a:p>
+            <a:r>
+              <a:rPr lang="en-US" sz="1200" dirty="0" smtClean="0"/>
+              <a:t>Description:</a:t>
+            </a:r>
+          </a:p>
+          <a:p>
+            <a:r>
+              <a:rPr lang="en-US" sz="1200" dirty="0" smtClean="0"/>
+              <a:t>      We want to get a game of 3 on 3 together </a:t>
+            </a:r>
+          </a:p>
+          <a:p>
+            <a:r>
+              <a:rPr lang="en-US" sz="1200" dirty="0" smtClean="0"/>
+              <a:t>around noon.  Any skill level is welcome.</a:t>
+            </a:r>
+            <a:endParaRPr lang="en-US" sz="1200" dirty="0"/>
+          </a:p>
+        </p:txBody>
+      </p:sp>
+      <p:sp>
+        <p:nvSpPr>
+          <p:cNvPr id="17" name="TextBox 16"/>
+          <p:cNvSpPr txBox="1"/>
+          <p:nvPr/>
+        </p:nvSpPr>
+        <p:spPr>
+          <a:xfrm>
+            <a:off x="4282079" y="2431388"/>
+            <a:ext cx="919611" cy="276999"/>
+          </a:xfrm>
+          <a:prstGeom prst="rect">
+            <a:avLst/>
+          </a:prstGeom>
+          <a:noFill/>
+        </p:spPr>
+        <p:txBody>
+          <a:bodyPr wrap="none" rtlCol="0">
+            <a:spAutoFit/>
+          </a:bodyPr>
+          <a:lstStyle/>
+          <a:p>
+            <a:r>
+              <a:rPr lang="en-US" sz="1200" dirty="0" smtClean="0"/>
+              <a:t>Players: 3/6</a:t>
+            </a:r>
+            <a:endParaRPr lang="en-US" sz="1200" dirty="0"/>
+          </a:p>
+        </p:txBody>
+      </p:sp>
+      <p:sp>
+        <p:nvSpPr>
+          <p:cNvPr id="18" name="TextBox 17"/>
+          <p:cNvSpPr txBox="1"/>
+          <p:nvPr/>
+        </p:nvSpPr>
+        <p:spPr>
+          <a:xfrm>
+            <a:off x="4301907" y="2182224"/>
+            <a:ext cx="1901033" cy="276999"/>
+          </a:xfrm>
+          <a:prstGeom prst="rect">
+            <a:avLst/>
+          </a:prstGeom>
+          <a:noFill/>
+        </p:spPr>
+        <p:txBody>
+          <a:bodyPr wrap="none" rtlCol="0">
+            <a:spAutoFit/>
+          </a:bodyPr>
+          <a:lstStyle/>
+          <a:p>
+            <a:r>
+              <a:rPr lang="en-US" sz="1200" dirty="0" smtClean="0"/>
+              <a:t>Time: 12:00pm – whenever</a:t>
+            </a:r>
+            <a:endParaRPr lang="en-US" sz="1200" dirty="0"/>
+          </a:p>
+        </p:txBody>
+      </p:sp>
+      <p:sp>
+        <p:nvSpPr>
+          <p:cNvPr id="19" name="Rounded Rectangle 18"/>
+          <p:cNvSpPr/>
+          <p:nvPr/>
+        </p:nvSpPr>
+        <p:spPr>
+          <a:xfrm>
+            <a:off x="4593901" y="3485414"/>
+            <a:ext cx="2606040" cy="329523"/>
           </a:xfrm>
           <a:prstGeom prst="roundRect">
             <a:avLst/>
           </a:prstGeom>
-          <a:solidFill>
-            <a:schemeClr val="bg1"/>
-          </a:solidFill>
+        </p:spPr>
+        <p:style>
+          <a:lnRef idx="3">
+            <a:schemeClr val="lt1"/>
+          </a:lnRef>
+          <a:fillRef idx="1">
+            <a:schemeClr val="accent2"/>
+          </a:fillRef>
+          <a:effectRef idx="1">
+            <a:schemeClr val="accent2"/>
+          </a:effectRef>
+          <a:fontRef idx="minor">
+            <a:schemeClr val="lt1"/>
+          </a:fontRef>
+        </p:style>
+        <p:txBody>
+          <a:bodyPr rtlCol="0" anchor="ctr"/>
+          <a:lstStyle/>
+          <a:p>
+            <a:pPr algn="ctr"/>
+            <a:r>
+              <a:rPr lang="en-US" dirty="0" smtClean="0"/>
+              <a:t>JOIN GAME</a:t>
+            </a:r>
+            <a:endParaRPr lang="en-US" dirty="0"/>
+          </a:p>
+        </p:txBody>
+      </p:sp>
+      <p:sp>
+        <p:nvSpPr>
+          <p:cNvPr id="21" name="Rounded Rectangle 20"/>
+          <p:cNvSpPr/>
+          <p:nvPr/>
+        </p:nvSpPr>
+        <p:spPr>
+          <a:xfrm>
+            <a:off x="4301907" y="5418107"/>
+            <a:ext cx="2635389" cy="255844"/>
+          </a:xfrm>
+          <a:prstGeom prst="roundRect">
+            <a:avLst/>
+          </a:prstGeom>
         </p:spPr>
         <p:style>
           <a:lnRef idx="2">
@@ -8792,87 +10571,24 @@
           <a:lstStyle/>
           <a:p>
             <a:pPr algn="ctr"/>
+            <a:r>
+              <a:rPr lang="en-US" dirty="0" smtClean="0"/>
+              <a:t>Message here</a:t>
+            </a:r>
             <a:endParaRPr lang="en-US" dirty="0"/>
           </a:p>
         </p:txBody>
       </p:sp>
       <p:sp>
         <p:nvSpPr>
-          <p:cNvPr id="3" name="TextBox 2"/>
-          <p:cNvSpPr txBox="1"/>
-          <p:nvPr/>
-        </p:nvSpPr>
-        <p:spPr>
-          <a:xfrm>
-            <a:off x="331470" y="502920"/>
-            <a:ext cx="2697480" cy="369332"/>
-          </a:xfrm>
-          <a:prstGeom prst="rect">
-            <a:avLst/>
-          </a:prstGeom>
-          <a:noFill/>
-        </p:spPr>
-        <p:txBody>
-          <a:bodyPr wrap="square" rtlCol="0">
-            <a:spAutoFit/>
-          </a:bodyPr>
-          <a:lstStyle/>
-          <a:p>
-            <a:r>
-              <a:rPr lang="en-US" dirty="0" smtClean="0"/>
-              <a:t>Home Page</a:t>
-            </a:r>
-          </a:p>
-        </p:txBody>
-      </p:sp>
-      <p:sp>
-        <p:nvSpPr>
-          <p:cNvPr id="4" name="TextBox 3"/>
-          <p:cNvSpPr txBox="1"/>
-          <p:nvPr/>
-        </p:nvSpPr>
-        <p:spPr>
-          <a:xfrm>
-            <a:off x="5082486" y="378297"/>
-            <a:ext cx="2183130" cy="1200329"/>
-          </a:xfrm>
-          <a:prstGeom prst="rect">
-            <a:avLst/>
-          </a:prstGeom>
-          <a:noFill/>
-        </p:spPr>
-        <p:txBody>
-          <a:bodyPr wrap="square" rtlCol="0">
-            <a:spAutoFit/>
-          </a:bodyPr>
-          <a:lstStyle/>
-          <a:p>
-            <a:pPr algn="ctr"/>
-            <a:r>
-              <a:rPr lang="en-US" sz="3600" dirty="0" smtClean="0"/>
-              <a:t>Game</a:t>
-            </a:r>
-          </a:p>
-          <a:p>
-            <a:pPr algn="ctr"/>
-            <a:r>
-              <a:rPr lang="en-US" sz="3600" dirty="0" smtClean="0"/>
-              <a:t>Title</a:t>
-            </a:r>
-            <a:endParaRPr lang="en-US" sz="3600" dirty="0"/>
-          </a:p>
-        </p:txBody>
-      </p:sp>
-      <p:sp>
-        <p:nvSpPr>
-          <p:cNvPr id="5" name="Rounded Rectangle 4"/>
+          <p:cNvPr id="22" name="Rounded Rectangle 21"/>
           <p:cNvSpPr/>
           <p:nvPr/>
         </p:nvSpPr>
         <p:spPr>
           <a:xfrm>
-            <a:off x="4310961" y="1573821"/>
-            <a:ext cx="3726180" cy="1807173"/>
+            <a:off x="6981660" y="5418107"/>
+            <a:ext cx="369193" cy="255844"/>
           </a:xfrm>
           <a:prstGeom prst="roundRect">
             <a:avLst/>
@@ -8899,20 +10615,24 @@
           <a:lstStyle/>
           <a:p>
             <a:pPr algn="ctr"/>
-            <a:endParaRPr lang="en-US"/>
-          </a:p>
-        </p:txBody>
-      </p:sp>
-      <p:sp>
-        <p:nvSpPr>
-          <p:cNvPr id="7" name="TextBox 6"/>
+            <a:r>
+              <a:rPr lang="en-US" dirty="0" smtClean="0"/>
+              <a:t>&gt;</a:t>
+            </a:r>
+            <a:endParaRPr lang="en-US" dirty="0"/>
+          </a:p>
+        </p:txBody>
+      </p:sp>
+      <p:sp>
+        <p:nvSpPr>
+          <p:cNvPr id="23" name="TextBox 22"/>
           <p:cNvSpPr txBox="1"/>
           <p:nvPr/>
         </p:nvSpPr>
         <p:spPr>
           <a:xfrm>
-            <a:off x="5641341" y="1573821"/>
-            <a:ext cx="1065420" cy="276999"/>
+            <a:off x="4302565" y="3900503"/>
+            <a:ext cx="913905" cy="276999"/>
           </a:xfrm>
           <a:prstGeom prst="rect">
             <a:avLst/>
@@ -8927,7 +10647,7 @@
           <a:p>
             <a:r>
               <a:rPr lang="en-US" sz="1200" dirty="0" smtClean="0"/>
-              <a:t>Game Captain</a:t>
+              <a:t>Mike Jones </a:t>
             </a:r>
             <a:endParaRPr lang="en-US" sz="1200" dirty="0"/>
           </a:p>
@@ -8935,44 +10655,14 @@
       </p:sp>
       <p:sp>
         <p:nvSpPr>
-          <p:cNvPr id="8" name="TextBox 7"/>
+          <p:cNvPr id="24" name="TextBox 23"/>
           <p:cNvSpPr txBox="1"/>
           <p:nvPr/>
         </p:nvSpPr>
         <p:spPr>
           <a:xfrm>
-            <a:off x="4310961" y="1850820"/>
-            <a:ext cx="715837" cy="276999"/>
-          </a:xfrm>
-          <a:prstGeom prst="rect">
-            <a:avLst/>
-          </a:prstGeom>
-          <a:noFill/>
-        </p:spPr>
-        <p:txBody>
-          <a:bodyPr wrap="none" rtlCol="0">
-            <a:spAutoFit/>
-          </a:bodyPr>
-          <a:lstStyle/>
-          <a:p>
-            <a:r>
-              <a:rPr lang="en-US" sz="1200" dirty="0" smtClean="0"/>
-              <a:t>Location</a:t>
-            </a:r>
-            <a:endParaRPr lang="en-US" sz="1200" dirty="0"/>
-          </a:p>
-        </p:txBody>
-      </p:sp>
-      <p:sp>
-        <p:nvSpPr>
-          <p:cNvPr id="9" name="Rectangle 8"/>
-          <p:cNvSpPr/>
-          <p:nvPr/>
-        </p:nvSpPr>
-        <p:spPr>
-          <a:xfrm>
-            <a:off x="4411980" y="545595"/>
-            <a:ext cx="925830" cy="525780"/>
+            <a:off x="4433691" y="4128285"/>
+            <a:ext cx="1535998" cy="430887"/>
           </a:xfrm>
           <a:prstGeom prst="rect">
             <a:avLst/>
@@ -8980,49 +10670,78 @@
         </p:spPr>
         <p:style>
           <a:lnRef idx="1">
-            <a:schemeClr val="dk1"/>
+            <a:schemeClr val="accent6"/>
           </a:lnRef>
           <a:fillRef idx="2">
-            <a:schemeClr val="dk1"/>
+            <a:schemeClr val="accent6"/>
           </a:fillRef>
           <a:effectRef idx="1">
-            <a:schemeClr val="dk1"/>
+            <a:schemeClr val="accent6"/>
           </a:effectRef>
           <a:fontRef idx="minor">
             <a:schemeClr val="dk1"/>
           </a:fontRef>
         </p:style>
         <p:txBody>
-          <a:bodyPr rtlCol="0" anchor="ctr"/>
-          <a:lstStyle/>
-          <a:p>
-            <a:pPr algn="ctr"/>
-            <a:r>
-              <a:rPr lang="en-US" dirty="0" err="1" smtClean="0"/>
-              <a:t>Nav</a:t>
-            </a:r>
-            <a:r>
-              <a:rPr lang="en-US" dirty="0"/>
-              <a:t> </a:t>
-            </a:r>
-            <a:r>
-              <a:rPr lang="en-US" dirty="0" smtClean="0"/>
-              <a:t>Bar</a:t>
-            </a:r>
-            <a:endParaRPr lang="en-US" dirty="0"/>
-          </a:p>
-        </p:txBody>
-      </p:sp>
-      <p:sp>
-        <p:nvSpPr>
-          <p:cNvPr id="10" name="Rectangle 9"/>
-          <p:cNvSpPr/>
-          <p:nvPr/>
-        </p:nvSpPr>
-        <p:spPr>
-          <a:xfrm>
-            <a:off x="6960762" y="545595"/>
-            <a:ext cx="975360" cy="525780"/>
+          <a:bodyPr wrap="none" rtlCol="0">
+            <a:spAutoFit/>
+          </a:bodyPr>
+          <a:lstStyle/>
+          <a:p>
+            <a:r>
+              <a:rPr lang="en-US" sz="1100" dirty="0" smtClean="0"/>
+              <a:t>Hey everyone message </a:t>
+            </a:r>
+          </a:p>
+          <a:p>
+            <a:r>
+              <a:rPr lang="en-US" sz="1100" dirty="0" smtClean="0"/>
+              <a:t>here if you want in.</a:t>
+            </a:r>
+            <a:endParaRPr lang="en-US" sz="1100" dirty="0"/>
+          </a:p>
+        </p:txBody>
+      </p:sp>
+      <p:sp>
+        <p:nvSpPr>
+          <p:cNvPr id="26" name="TextBox 25"/>
+          <p:cNvSpPr txBox="1"/>
+          <p:nvPr/>
+        </p:nvSpPr>
+        <p:spPr>
+          <a:xfrm>
+            <a:off x="6400129" y="4613289"/>
+            <a:ext cx="1074333" cy="276999"/>
+          </a:xfrm>
+          <a:prstGeom prst="rect">
+            <a:avLst/>
+          </a:prstGeom>
+          <a:noFill/>
+        </p:spPr>
+        <p:txBody>
+          <a:bodyPr wrap="none" rtlCol="0">
+            <a:spAutoFit/>
+          </a:bodyPr>
+          <a:lstStyle/>
+          <a:p>
+            <a:r>
+              <a:rPr lang="en-US" sz="1200" smtClean="0"/>
+              <a:t>Random Dude</a:t>
+            </a:r>
+            <a:endParaRPr lang="en-US" sz="1200" dirty="0"/>
+          </a:p>
+        </p:txBody>
+      </p:sp>
+      <p:sp>
+        <p:nvSpPr>
+          <p:cNvPr id="27" name="TextBox 26"/>
+          <p:cNvSpPr txBox="1"/>
+          <p:nvPr/>
+        </p:nvSpPr>
+        <p:spPr>
+          <a:xfrm>
+            <a:off x="5828108" y="4846480"/>
+            <a:ext cx="1522746" cy="430887"/>
           </a:xfrm>
           <a:prstGeom prst="rect">
             <a:avLst/>
@@ -9030,45 +10749,56 @@
         </p:spPr>
         <p:style>
           <a:lnRef idx="1">
-            <a:schemeClr val="dk1"/>
+            <a:schemeClr val="accent3"/>
           </a:lnRef>
           <a:fillRef idx="2">
-            <a:schemeClr val="dk1"/>
+            <a:schemeClr val="accent3"/>
           </a:fillRef>
           <a:effectRef idx="1">
-            <a:schemeClr val="dk1"/>
+            <a:schemeClr val="accent3"/>
           </a:effectRef>
           <a:fontRef idx="minor">
             <a:schemeClr val="dk1"/>
           </a:fontRef>
         </p:style>
         <p:txBody>
-          <a:bodyPr rtlCol="0" anchor="ctr"/>
-          <a:lstStyle/>
-          <a:p>
-            <a:pPr algn="ctr"/>
-            <a:r>
-              <a:rPr lang="en-US" smtClean="0"/>
-              <a:t>Settings</a:t>
-            </a:r>
-            <a:endParaRPr lang="en-US" dirty="0" smtClean="0"/>
-          </a:p>
-        </p:txBody>
-      </p:sp>
-      <p:sp>
-        <p:nvSpPr>
-          <p:cNvPr id="11" name="Rounded Rectangle 10"/>
+          <a:bodyPr wrap="square" rtlCol="0">
+            <a:spAutoFit/>
+          </a:bodyPr>
+          <a:lstStyle/>
+          <a:p>
+            <a:r>
+              <a:rPr lang="en-US" sz="1100" dirty="0" smtClean="0"/>
+              <a:t>I am so down.  Do we need to bring anything</a:t>
+            </a:r>
+            <a:endParaRPr lang="en-US" sz="1100" dirty="0"/>
+          </a:p>
+        </p:txBody>
+      </p:sp>
+      <p:sp>
+        <p:nvSpPr>
+          <p:cNvPr id="28" name="Rectangle 27"/>
           <p:cNvSpPr/>
           <p:nvPr/>
         </p:nvSpPr>
         <p:spPr>
           <a:xfrm>
-            <a:off x="4310961" y="3954298"/>
-            <a:ext cx="3726180" cy="2172182"/>
-          </a:xfrm>
-          <a:prstGeom prst="roundRect">
-            <a:avLst/>
-          </a:prstGeom>
+            <a:off x="8649573" y="2225055"/>
+            <a:ext cx="2606040" cy="2629043"/>
+          </a:xfrm>
+          <a:prstGeom prst="rect">
+            <a:avLst/>
+          </a:prstGeom>
+          <a:solidFill>
+            <a:schemeClr val="bg1">
+              <a:lumMod val="50000"/>
+            </a:schemeClr>
+          </a:solidFill>
+          <a:ln>
+            <a:solidFill>
+              <a:schemeClr val="tx1"/>
+            </a:solidFill>
+          </a:ln>
         </p:spPr>
         <p:style>
           <a:lnRef idx="2">
@@ -9091,54 +10821,47 @@
           <a:lstStyle/>
           <a:p>
             <a:pPr algn="ctr"/>
+            <a:r>
+              <a:rPr lang="en-US" dirty="0" smtClean="0"/>
+              <a:t>Pop up (“joined”)</a:t>
+            </a:r>
+          </a:p>
+          <a:p>
+            <a:pPr algn="ctr"/>
+            <a:r>
+              <a:rPr lang="en-US" dirty="0" smtClean="0"/>
+              <a:t>Button changes to </a:t>
+            </a:r>
+          </a:p>
+          <a:p>
+            <a:pPr algn="ctr"/>
+            <a:r>
+              <a:rPr lang="en-US" dirty="0" smtClean="0"/>
+              <a:t>”Leave Game”</a:t>
+            </a:r>
             <a:endParaRPr lang="en-US" dirty="0"/>
           </a:p>
         </p:txBody>
       </p:sp>
       <p:sp>
         <p:nvSpPr>
-          <p:cNvPr id="12" name="TextBox 11"/>
-          <p:cNvSpPr txBox="1"/>
-          <p:nvPr/>
-        </p:nvSpPr>
-        <p:spPr>
-          <a:xfrm>
-            <a:off x="5337810" y="1850819"/>
-            <a:ext cx="1286634" cy="276999"/>
-          </a:xfrm>
-          <a:prstGeom prst="rect">
-            <a:avLst/>
-          </a:prstGeom>
-          <a:noFill/>
-        </p:spPr>
-        <p:txBody>
-          <a:bodyPr wrap="none" rtlCol="0">
-            <a:spAutoFit/>
-          </a:bodyPr>
-          <a:lstStyle/>
-          <a:p>
-            <a:r>
-              <a:rPr lang="en-US" sz="1200" dirty="0" smtClean="0"/>
-              <a:t># of players/ total</a:t>
-            </a:r>
-            <a:endParaRPr lang="en-US" sz="1200" dirty="0"/>
-          </a:p>
-        </p:txBody>
-      </p:sp>
-      <p:sp>
-        <p:nvSpPr>
-          <p:cNvPr id="13" name="Rounded Rectangle 12"/>
+          <p:cNvPr id="29" name="Left Arrow 28"/>
           <p:cNvSpPr/>
           <p:nvPr/>
         </p:nvSpPr>
         <p:spPr>
           <a:xfrm>
-            <a:off x="4550929" y="5554980"/>
-            <a:ext cx="3246243" cy="388620"/>
-          </a:xfrm>
-          <a:prstGeom prst="roundRect">
-            <a:avLst/>
-          </a:prstGeom>
+            <a:off x="7314115" y="3513867"/>
+            <a:ext cx="1314449" cy="296698"/>
+          </a:xfrm>
+          <a:prstGeom prst="leftArrow">
+            <a:avLst/>
+          </a:prstGeom>
+          <a:solidFill>
+            <a:schemeClr val="bg1">
+              <a:lumMod val="50000"/>
+            </a:schemeClr>
+          </a:solidFill>
         </p:spPr>
         <p:style>
           <a:lnRef idx="2">
@@ -9161,68 +10884,20 @@
           <a:lstStyle/>
           <a:p>
             <a:pPr algn="ctr"/>
-            <a:r>
-              <a:rPr lang="en-US" dirty="0" smtClean="0"/>
-              <a:t>Message here</a:t>
-            </a:r>
-            <a:endParaRPr lang="en-US" dirty="0"/>
-          </a:p>
-        </p:txBody>
-      </p:sp>
-      <p:sp>
-        <p:nvSpPr>
-          <p:cNvPr id="14" name="Rounded Rectangle 13"/>
-          <p:cNvSpPr/>
-          <p:nvPr/>
-        </p:nvSpPr>
-        <p:spPr>
-          <a:xfrm>
-            <a:off x="7265616" y="5566410"/>
-            <a:ext cx="495354" cy="354330"/>
-          </a:xfrm>
-          <a:prstGeom prst="roundRect">
-            <a:avLst/>
-          </a:prstGeom>
-        </p:spPr>
-        <p:style>
-          <a:lnRef idx="2">
-            <a:schemeClr val="accent1">
-              <a:shade val="50000"/>
-            </a:schemeClr>
-          </a:lnRef>
-          <a:fillRef idx="1">
-            <a:schemeClr val="accent1"/>
-          </a:fillRef>
-          <a:effectRef idx="0">
-            <a:schemeClr val="accent1"/>
-          </a:effectRef>
-          <a:fontRef idx="minor">
-            <a:schemeClr val="lt1"/>
-          </a:fontRef>
-        </p:style>
-        <p:txBody>
-          <a:bodyPr rtlCol="0" anchor="ctr"/>
-          <a:lstStyle/>
-          <a:p>
-            <a:pPr algn="ctr"/>
-            <a:r>
-              <a:rPr lang="en-US" dirty="0" smtClean="0"/>
-              <a:t>&gt;</a:t>
-            </a:r>
-            <a:endParaRPr lang="en-US" dirty="0"/>
-          </a:p>
-        </p:txBody>
-      </p:sp>
-      <p:sp>
-        <p:nvSpPr>
-          <p:cNvPr id="15" name="TextBox 14"/>
+            <a:endParaRPr lang="en-US"/>
+          </a:p>
+        </p:txBody>
+      </p:sp>
+      <p:sp>
+        <p:nvSpPr>
+          <p:cNvPr id="30" name="TextBox 29"/>
           <p:cNvSpPr txBox="1"/>
           <p:nvPr/>
         </p:nvSpPr>
         <p:spPr>
           <a:xfrm>
-            <a:off x="4310961" y="2101638"/>
-            <a:ext cx="898964" cy="276999"/>
+            <a:off x="326844" y="2784097"/>
+            <a:ext cx="2251710" cy="1077218"/>
           </a:xfrm>
           <a:prstGeom prst="rect">
             <a:avLst/>
@@ -9230,359 +10905,49 @@
           <a:noFill/>
         </p:spPr>
         <p:txBody>
-          <a:bodyPr wrap="none" rtlCol="0">
+          <a:bodyPr wrap="square" rtlCol="0">
             <a:spAutoFit/>
           </a:bodyPr>
           <a:lstStyle/>
           <a:p>
-            <a:r>
-              <a:rPr lang="en-US" sz="1200" dirty="0" smtClean="0"/>
-              <a:t>Description</a:t>
-            </a:r>
-            <a:endParaRPr lang="en-US" sz="1200" dirty="0"/>
-          </a:p>
-        </p:txBody>
-      </p:sp>
-      <p:graphicFrame>
-        <p:nvGraphicFramePr>
-          <p:cNvPr id="16" name="Table 15"/>
-          <p:cNvGraphicFramePr>
-            <a:graphicFrameLocks noGrp="1"/>
-          </p:cNvGraphicFramePr>
-          <p:nvPr>
-            <p:extLst>
-              <p:ext uri="{D42A27DB-BD31-4B8C-83A1-F6EECF244321}">
-                <p14:modId xmlns:p14="http://schemas.microsoft.com/office/powerpoint/2010/main" val="1912097326"/>
-              </p:ext>
-            </p:extLst>
-          </p:nvPr>
-        </p:nvGraphicFramePr>
-        <p:xfrm>
-          <a:off x="4310960" y="2536799"/>
-          <a:ext cx="3726180" cy="731520"/>
-        </p:xfrm>
-        <a:graphic>
-          <a:graphicData uri="http://schemas.openxmlformats.org/drawingml/2006/table">
-            <a:tbl>
-              <a:tblPr firstRow="1" bandRow="1">
-                <a:tableStyleId>{5C22544A-7EE6-4342-B048-85BDC9FD1C3A}</a:tableStyleId>
-              </a:tblPr>
-              <a:tblGrid>
-                <a:gridCol w="931545"/>
-                <a:gridCol w="931545"/>
-                <a:gridCol w="931545"/>
-                <a:gridCol w="931545"/>
-              </a:tblGrid>
-              <a:tr h="227261">
-                <a:tc>
-                  <a:txBody>
-                    <a:bodyPr/>
-                    <a:lstStyle/>
-                    <a:p>
-                      <a:r>
-                        <a:rPr lang="en-US" dirty="0" smtClean="0"/>
-                        <a:t>Name</a:t>
-                      </a:r>
-                      <a:endParaRPr lang="en-US" dirty="0"/>
-                    </a:p>
-                  </a:txBody>
-                  <a:tcPr/>
-                </a:tc>
-                <a:tc>
-                  <a:txBody>
-                    <a:bodyPr/>
-                    <a:lstStyle/>
-                    <a:p>
-                      <a:r>
-                        <a:rPr lang="en-US" dirty="0" smtClean="0"/>
-                        <a:t>#</a:t>
-                      </a:r>
-                      <a:r>
-                        <a:rPr lang="en-US" baseline="0" dirty="0" smtClean="0"/>
-                        <a:t> Event</a:t>
-                      </a:r>
-                      <a:endParaRPr lang="en-US" dirty="0"/>
-                    </a:p>
-                  </a:txBody>
-                  <a:tcPr/>
-                </a:tc>
-                <a:tc>
-                  <a:txBody>
-                    <a:bodyPr/>
-                    <a:lstStyle/>
-                    <a:p>
-                      <a:r>
-                        <a:rPr lang="en-US" dirty="0" smtClean="0"/>
-                        <a:t>Rating</a:t>
-                      </a:r>
-                      <a:endParaRPr lang="en-US" dirty="0"/>
-                    </a:p>
-                  </a:txBody>
-                  <a:tcPr/>
-                </a:tc>
-                <a:tc>
-                  <a:txBody>
-                    <a:bodyPr/>
-                    <a:lstStyle/>
-                    <a:p>
-                      <a:r>
-                        <a:rPr lang="en-US" dirty="0" smtClean="0"/>
-                        <a:t>#Played</a:t>
-                      </a:r>
-                      <a:endParaRPr lang="en-US" dirty="0"/>
-                    </a:p>
-                  </a:txBody>
-                  <a:tcPr/>
-                </a:tc>
-              </a:tr>
-              <a:tr h="227261">
-                <a:tc>
-                  <a:txBody>
-                    <a:bodyPr/>
-                    <a:lstStyle/>
-                    <a:p>
-                      <a:endParaRPr lang="en-US" dirty="0"/>
-                    </a:p>
-                  </a:txBody>
-                  <a:tcPr/>
-                </a:tc>
-                <a:tc>
-                  <a:txBody>
-                    <a:bodyPr/>
-                    <a:lstStyle/>
-                    <a:p>
-                      <a:endParaRPr lang="en-US"/>
-                    </a:p>
-                  </a:txBody>
-                  <a:tcPr/>
-                </a:tc>
-                <a:tc>
-                  <a:txBody>
-                    <a:bodyPr/>
-                    <a:lstStyle/>
-                    <a:p>
-                      <a:endParaRPr lang="en-US"/>
-                    </a:p>
-                  </a:txBody>
-                  <a:tcPr/>
-                </a:tc>
-                <a:tc>
-                  <a:txBody>
-                    <a:bodyPr/>
-                    <a:lstStyle/>
-                    <a:p>
-                      <a:endParaRPr lang="en-US" dirty="0"/>
-                    </a:p>
-                  </a:txBody>
-                  <a:tcPr/>
-                </a:tc>
-              </a:tr>
-            </a:tbl>
-          </a:graphicData>
-        </a:graphic>
-      </p:graphicFrame>
-      <p:sp>
-        <p:nvSpPr>
-          <p:cNvPr id="17" name="Rounded Rectangle 16"/>
-          <p:cNvSpPr/>
-          <p:nvPr/>
-        </p:nvSpPr>
-        <p:spPr>
-          <a:xfrm>
-            <a:off x="4907253" y="3448819"/>
-            <a:ext cx="2606040" cy="456959"/>
-          </a:xfrm>
-          <a:prstGeom prst="roundRect">
-            <a:avLst/>
-          </a:prstGeom>
-        </p:spPr>
-        <p:style>
-          <a:lnRef idx="3">
-            <a:schemeClr val="lt1"/>
-          </a:lnRef>
-          <a:fillRef idx="1">
-            <a:schemeClr val="accent2"/>
-          </a:fillRef>
-          <a:effectRef idx="1">
-            <a:schemeClr val="accent2"/>
-          </a:effectRef>
-          <a:fontRef idx="minor">
-            <a:schemeClr val="lt1"/>
-          </a:fontRef>
-        </p:style>
-        <p:txBody>
-          <a:bodyPr rtlCol="0" anchor="ctr"/>
-          <a:lstStyle/>
-          <a:p>
-            <a:pPr algn="ctr"/>
-            <a:r>
-              <a:rPr lang="en-US" dirty="0" smtClean="0"/>
-              <a:t>JOIN GAME</a:t>
-            </a:r>
-            <a:endParaRPr lang="en-US" dirty="0"/>
-          </a:p>
-        </p:txBody>
-      </p:sp>
-      <p:sp>
-        <p:nvSpPr>
-          <p:cNvPr id="19" name="Rectangle 18"/>
-          <p:cNvSpPr/>
-          <p:nvPr/>
-        </p:nvSpPr>
-        <p:spPr>
-          <a:xfrm>
-            <a:off x="8915400" y="2240137"/>
-            <a:ext cx="2606040" cy="2629043"/>
-          </a:xfrm>
-          <a:prstGeom prst="rect">
-            <a:avLst/>
-          </a:prstGeom>
-          <a:solidFill>
-            <a:schemeClr val="bg1">
-              <a:lumMod val="50000"/>
-            </a:schemeClr>
-          </a:solidFill>
-          <a:ln>
-            <a:solidFill>
-              <a:schemeClr val="tx1"/>
-            </a:solidFill>
-          </a:ln>
-        </p:spPr>
-        <p:style>
-          <a:lnRef idx="2">
-            <a:schemeClr val="accent1">
-              <a:shade val="50000"/>
-            </a:schemeClr>
-          </a:lnRef>
-          <a:fillRef idx="1">
-            <a:schemeClr val="accent1"/>
-          </a:fillRef>
-          <a:effectRef idx="0">
-            <a:schemeClr val="accent1"/>
-          </a:effectRef>
-          <a:fontRef idx="minor">
-            <a:schemeClr val="lt1"/>
-          </a:fontRef>
-        </p:style>
-        <p:txBody>
-          <a:bodyPr rtlCol="0" anchor="ctr"/>
-          <a:lstStyle/>
-          <a:p>
-            <a:pPr algn="ctr"/>
-            <a:r>
-              <a:rPr lang="en-US" dirty="0" smtClean="0"/>
-              <a:t>Pop up (“joined”)</a:t>
-            </a:r>
-          </a:p>
-          <a:p>
-            <a:pPr algn="ctr"/>
-            <a:r>
-              <a:rPr lang="en-US" dirty="0" smtClean="0"/>
-              <a:t>Button changes to </a:t>
-            </a:r>
-          </a:p>
-          <a:p>
-            <a:pPr algn="ctr"/>
-            <a:r>
-              <a:rPr lang="en-US" dirty="0" smtClean="0"/>
-              <a:t>”Leave Game”</a:t>
-            </a:r>
-            <a:endParaRPr lang="en-US" dirty="0"/>
-          </a:p>
-        </p:txBody>
-      </p:sp>
-      <p:sp>
-        <p:nvSpPr>
-          <p:cNvPr id="20" name="Left Arrow 19"/>
-          <p:cNvSpPr/>
-          <p:nvPr/>
-        </p:nvSpPr>
-        <p:spPr>
-          <a:xfrm>
-            <a:off x="7579942" y="3528949"/>
-            <a:ext cx="1314449" cy="296698"/>
-          </a:xfrm>
-          <a:prstGeom prst="leftArrow">
-            <a:avLst/>
-          </a:prstGeom>
-          <a:solidFill>
-            <a:schemeClr val="bg1">
-              <a:lumMod val="50000"/>
-            </a:schemeClr>
-          </a:solidFill>
-        </p:spPr>
-        <p:style>
-          <a:lnRef idx="2">
-            <a:schemeClr val="accent1">
-              <a:shade val="50000"/>
-            </a:schemeClr>
-          </a:lnRef>
-          <a:fillRef idx="1">
-            <a:schemeClr val="accent1"/>
-          </a:fillRef>
-          <a:effectRef idx="0">
-            <a:schemeClr val="accent1"/>
-          </a:effectRef>
-          <a:fontRef idx="minor">
-            <a:schemeClr val="lt1"/>
-          </a:fontRef>
-        </p:style>
-        <p:txBody>
-          <a:bodyPr rtlCol="0" anchor="ctr"/>
-          <a:lstStyle/>
-          <a:p>
-            <a:pPr algn="ctr"/>
-            <a:endParaRPr lang="en-US"/>
-          </a:p>
-        </p:txBody>
-      </p:sp>
-      <p:sp>
-        <p:nvSpPr>
-          <p:cNvPr id="21" name="TextBox 20"/>
-          <p:cNvSpPr txBox="1"/>
-          <p:nvPr/>
-        </p:nvSpPr>
-        <p:spPr>
-          <a:xfrm>
-            <a:off x="4357968" y="1237105"/>
-            <a:ext cx="1098570" cy="276999"/>
-          </a:xfrm>
-          <a:prstGeom prst="rect">
-            <a:avLst/>
-          </a:prstGeom>
-          <a:noFill/>
-        </p:spPr>
-        <p:txBody>
-          <a:bodyPr wrap="none" rtlCol="0">
-            <a:spAutoFit/>
-          </a:bodyPr>
-          <a:lstStyle/>
-          <a:p>
-            <a:r>
-              <a:rPr lang="en-US" sz="1200" dirty="0" smtClean="0"/>
-              <a:t>Start/end time</a:t>
-            </a:r>
-            <a:endParaRPr lang="en-US" sz="1200" dirty="0"/>
+            <a:pPr algn="ctr"/>
+            <a:r>
+              <a:rPr lang="en-US" sz="3200" u="sng" dirty="0" smtClean="0">
+                <a:latin typeface="Arial" charset="0"/>
+                <a:ea typeface="Arial" charset="0"/>
+                <a:cs typeface="Arial" charset="0"/>
+              </a:rPr>
+              <a:t>Game</a:t>
+            </a:r>
+          </a:p>
+          <a:p>
+            <a:pPr algn="ctr"/>
+            <a:r>
+              <a:rPr lang="en-US" sz="3200" u="sng" dirty="0" smtClean="0">
+                <a:latin typeface="Arial" charset="0"/>
+                <a:ea typeface="Arial" charset="0"/>
+                <a:cs typeface="Arial" charset="0"/>
+              </a:rPr>
+              <a:t>View</a:t>
+            </a:r>
+            <a:endParaRPr lang="en-US" sz="3200" u="sng" dirty="0">
+              <a:latin typeface="Arial" charset="0"/>
+              <a:ea typeface="Arial" charset="0"/>
+              <a:cs typeface="Arial" charset="0"/>
+            </a:endParaRPr>
           </a:p>
         </p:txBody>
       </p:sp>
     </p:spTree>
     <p:extLst>
       <p:ext uri="{BB962C8B-B14F-4D97-AF65-F5344CB8AC3E}">
-        <p14:creationId xmlns:p14="http://schemas.microsoft.com/office/powerpoint/2010/main" val="529139243"/>
+        <p14:creationId xmlns:p14="http://schemas.microsoft.com/office/powerpoint/2010/main" val="970007684"/>
       </p:ext>
     </p:extLst>
   </p:cSld>
   <p:clrMapOvr>
     <a:masterClrMapping/>
   </p:clrMapOvr>
-  <p:timing>
-    <p:tnLst>
-      <p:par>
-        <p:cTn id="1" dur="indefinite" restart="never" nodeType="tmRoot"/>
-      </p:par>
-    </p:tnLst>
-  </p:timing>
 </p:sld>
 </file>
 

--- a/Storyboard Design.pptx
+++ b/Storyboard Design.pptx
@@ -5,7 +5,7 @@
     <p:sldMasterId id="2147483648" r:id="rId1"/>
   </p:sldMasterIdLst>
   <p:notesMasterIdLst>
-    <p:notesMasterId r:id="rId13"/>
+    <p:notesMasterId r:id="rId11"/>
   </p:notesMasterIdLst>
   <p:sldIdLst>
     <p:sldId id="261" r:id="rId2"/>
@@ -17,8 +17,6 @@
     <p:sldId id="270" r:id="rId8"/>
     <p:sldId id="271" r:id="rId9"/>
     <p:sldId id="272" r:id="rId10"/>
-    <p:sldId id="262" r:id="rId11"/>
-    <p:sldId id="264" r:id="rId12"/>
   </p:sldIdLst>
   <p:sldSz cx="12192000" cy="6858000"/>
   <p:notesSz cx="6858000" cy="9144000"/>
@@ -1174,6 +1172,98 @@
     <p:extLst>
       <p:ext uri="{BB962C8B-B14F-4D97-AF65-F5344CB8AC3E}">
         <p14:creationId xmlns:p14="http://schemas.microsoft.com/office/powerpoint/2010/main" val="361205280"/>
+      </p:ext>
+    </p:extLst>
+  </p:cSld>
+  <p:clrMapOvr>
+    <a:masterClrMapping/>
+  </p:clrMapOvr>
+</p:notes>
+</file>
+
+<file path=ppt/notesSlides/notesSlide8.xml><?xml version="1.0" encoding="utf-8"?>
+<p:notes xmlns:a="http://schemas.openxmlformats.org/drawingml/2006/main" xmlns:r="http://schemas.openxmlformats.org/officeDocument/2006/relationships" xmlns:p="http://schemas.openxmlformats.org/presentationml/2006/main">
+  <p:cSld>
+    <p:spTree>
+      <p:nvGrpSpPr>
+        <p:cNvPr id="1" name=""/>
+        <p:cNvGrpSpPr/>
+        <p:nvPr/>
+      </p:nvGrpSpPr>
+      <p:grpSpPr>
+        <a:xfrm>
+          <a:off x="0" y="0"/>
+          <a:ext cx="0" cy="0"/>
+          <a:chOff x="0" y="0"/>
+          <a:chExt cx="0" cy="0"/>
+        </a:xfrm>
+      </p:grpSpPr>
+      <p:sp>
+        <p:nvSpPr>
+          <p:cNvPr id="2" name="Slide Image Placeholder 1"/>
+          <p:cNvSpPr>
+            <a:spLocks noGrp="1" noRot="1" noChangeAspect="1"/>
+          </p:cNvSpPr>
+          <p:nvPr>
+            <p:ph type="sldImg"/>
+          </p:nvPr>
+        </p:nvSpPr>
+        <p:spPr/>
+      </p:sp>
+      <p:sp>
+        <p:nvSpPr>
+          <p:cNvPr id="3" name="Notes Placeholder 2"/>
+          <p:cNvSpPr>
+            <a:spLocks noGrp="1"/>
+          </p:cNvSpPr>
+          <p:nvPr>
+            <p:ph type="body" idx="1"/>
+          </p:nvPr>
+        </p:nvSpPr>
+        <p:spPr/>
+        <p:txBody>
+          <a:bodyPr/>
+          <a:lstStyle/>
+          <a:p>
+            <a:r>
+              <a:rPr lang="en-US" dirty="0" smtClean="0"/>
+              <a:t>Add</a:t>
+            </a:r>
+            <a:r>
+              <a:rPr lang="en-US" baseline="0" dirty="0" smtClean="0"/>
+              <a:t> Last Games Played in as well</a:t>
+            </a:r>
+            <a:endParaRPr lang="en-US" dirty="0"/>
+          </a:p>
+        </p:txBody>
+      </p:sp>
+      <p:sp>
+        <p:nvSpPr>
+          <p:cNvPr id="4" name="Slide Number Placeholder 3"/>
+          <p:cNvSpPr>
+            <a:spLocks noGrp="1"/>
+          </p:cNvSpPr>
+          <p:nvPr>
+            <p:ph type="sldNum" sz="quarter" idx="10"/>
+          </p:nvPr>
+        </p:nvSpPr>
+        <p:spPr/>
+        <p:txBody>
+          <a:bodyPr/>
+          <a:lstStyle/>
+          <a:p>
+            <a:fld id="{780750F4-F706-D848-81FD-B8DFCE8B732E}" type="slidenum">
+              <a:rPr lang="en-US" smtClean="0"/>
+              <a:t>9</a:t>
+            </a:fld>
+            <a:endParaRPr lang="en-US"/>
+          </a:p>
+        </p:txBody>
+      </p:sp>
+    </p:spTree>
+    <p:extLst>
+      <p:ext uri="{BB962C8B-B14F-4D97-AF65-F5344CB8AC3E}">
+        <p14:creationId xmlns:p14="http://schemas.microsoft.com/office/powerpoint/2010/main" val="296659919"/>
       </p:ext>
     </p:extLst>
   </p:cSld>
@@ -4150,929 +4240,6 @@
 </p:sld>
 </file>
 
-<file path=ppt/slides/slide10.xml><?xml version="1.0" encoding="utf-8"?>
-<p:sld xmlns:a="http://schemas.openxmlformats.org/drawingml/2006/main" xmlns:r="http://schemas.openxmlformats.org/officeDocument/2006/relationships" xmlns:p="http://schemas.openxmlformats.org/presentationml/2006/main">
-  <p:cSld>
-    <p:spTree>
-      <p:nvGrpSpPr>
-        <p:cNvPr id="1" name=""/>
-        <p:cNvGrpSpPr/>
-        <p:nvPr/>
-      </p:nvGrpSpPr>
-      <p:grpSpPr>
-        <a:xfrm>
-          <a:off x="0" y="0"/>
-          <a:ext cx="0" cy="0"/>
-          <a:chOff x="0" y="0"/>
-          <a:chExt cx="0" cy="0"/>
-        </a:xfrm>
-      </p:grpSpPr>
-      <p:sp>
-        <p:nvSpPr>
-          <p:cNvPr id="2" name="Rounded Rectangle 1"/>
-          <p:cNvSpPr/>
-          <p:nvPr/>
-        </p:nvSpPr>
-        <p:spPr>
-          <a:xfrm>
-            <a:off x="4116651" y="198882"/>
-            <a:ext cx="4114800" cy="6318504"/>
-          </a:xfrm>
-          <a:prstGeom prst="roundRect">
-            <a:avLst/>
-          </a:prstGeom>
-          <a:solidFill>
-            <a:schemeClr val="bg1"/>
-          </a:solidFill>
-        </p:spPr>
-        <p:style>
-          <a:lnRef idx="2">
-            <a:schemeClr val="accent1">
-              <a:shade val="50000"/>
-            </a:schemeClr>
-          </a:lnRef>
-          <a:fillRef idx="1">
-            <a:schemeClr val="accent1"/>
-          </a:fillRef>
-          <a:effectRef idx="0">
-            <a:schemeClr val="accent1"/>
-          </a:effectRef>
-          <a:fontRef idx="minor">
-            <a:schemeClr val="lt1"/>
-          </a:fontRef>
-        </p:style>
-        <p:txBody>
-          <a:bodyPr rtlCol="0" anchor="ctr"/>
-          <a:lstStyle/>
-          <a:p>
-            <a:pPr algn="ctr"/>
-            <a:endParaRPr lang="en-US" dirty="0"/>
-          </a:p>
-        </p:txBody>
-      </p:sp>
-      <p:sp>
-        <p:nvSpPr>
-          <p:cNvPr id="3" name="TextBox 2"/>
-          <p:cNvSpPr txBox="1"/>
-          <p:nvPr/>
-        </p:nvSpPr>
-        <p:spPr>
-          <a:xfrm>
-            <a:off x="331470" y="502920"/>
-            <a:ext cx="2697480" cy="369332"/>
-          </a:xfrm>
-          <a:prstGeom prst="rect">
-            <a:avLst/>
-          </a:prstGeom>
-          <a:noFill/>
-        </p:spPr>
-        <p:txBody>
-          <a:bodyPr wrap="square" rtlCol="0">
-            <a:spAutoFit/>
-          </a:bodyPr>
-          <a:lstStyle/>
-          <a:p>
-            <a:r>
-              <a:rPr lang="en-US" dirty="0" smtClean="0"/>
-              <a:t>Profile Page</a:t>
-            </a:r>
-          </a:p>
-        </p:txBody>
-      </p:sp>
-      <p:sp>
-        <p:nvSpPr>
-          <p:cNvPr id="4" name="Rectangle 3"/>
-          <p:cNvSpPr/>
-          <p:nvPr/>
-        </p:nvSpPr>
-        <p:spPr>
-          <a:xfrm>
-            <a:off x="4446270" y="449342"/>
-            <a:ext cx="925830" cy="525780"/>
-          </a:xfrm>
-          <a:prstGeom prst="rect">
-            <a:avLst/>
-          </a:prstGeom>
-        </p:spPr>
-        <p:style>
-          <a:lnRef idx="1">
-            <a:schemeClr val="dk1"/>
-          </a:lnRef>
-          <a:fillRef idx="2">
-            <a:schemeClr val="dk1"/>
-          </a:fillRef>
-          <a:effectRef idx="1">
-            <a:schemeClr val="dk1"/>
-          </a:effectRef>
-          <a:fontRef idx="minor">
-            <a:schemeClr val="dk1"/>
-          </a:fontRef>
-        </p:style>
-        <p:txBody>
-          <a:bodyPr rtlCol="0" anchor="ctr"/>
-          <a:lstStyle/>
-          <a:p>
-            <a:pPr algn="ctr"/>
-            <a:r>
-              <a:rPr lang="en-US" dirty="0" err="1" smtClean="0"/>
-              <a:t>Nav</a:t>
-            </a:r>
-            <a:r>
-              <a:rPr lang="en-US" dirty="0"/>
-              <a:t> </a:t>
-            </a:r>
-            <a:r>
-              <a:rPr lang="en-US" dirty="0" smtClean="0"/>
-              <a:t>Bar</a:t>
-            </a:r>
-            <a:endParaRPr lang="en-US" dirty="0"/>
-          </a:p>
-        </p:txBody>
-      </p:sp>
-      <p:sp>
-        <p:nvSpPr>
-          <p:cNvPr id="5" name="Rectangle 4"/>
-          <p:cNvSpPr/>
-          <p:nvPr/>
-        </p:nvSpPr>
-        <p:spPr>
-          <a:xfrm>
-            <a:off x="6915150" y="449342"/>
-            <a:ext cx="975360" cy="525780"/>
-          </a:xfrm>
-          <a:prstGeom prst="rect">
-            <a:avLst/>
-          </a:prstGeom>
-        </p:spPr>
-        <p:style>
-          <a:lnRef idx="1">
-            <a:schemeClr val="dk1"/>
-          </a:lnRef>
-          <a:fillRef idx="2">
-            <a:schemeClr val="dk1"/>
-          </a:fillRef>
-          <a:effectRef idx="1">
-            <a:schemeClr val="dk1"/>
-          </a:effectRef>
-          <a:fontRef idx="minor">
-            <a:schemeClr val="dk1"/>
-          </a:fontRef>
-        </p:style>
-        <p:txBody>
-          <a:bodyPr rtlCol="0" anchor="ctr"/>
-          <a:lstStyle/>
-          <a:p>
-            <a:pPr algn="ctr"/>
-            <a:r>
-              <a:rPr lang="en-US" dirty="0" smtClean="0"/>
-              <a:t>Settings</a:t>
-            </a:r>
-          </a:p>
-        </p:txBody>
-      </p:sp>
-      <p:sp>
-        <p:nvSpPr>
-          <p:cNvPr id="6" name="Rectangle 5"/>
-          <p:cNvSpPr/>
-          <p:nvPr/>
-        </p:nvSpPr>
-        <p:spPr>
-          <a:xfrm>
-            <a:off x="4139195" y="1251371"/>
-            <a:ext cx="4114800" cy="1817370"/>
-          </a:xfrm>
-          <a:prstGeom prst="rect">
-            <a:avLst/>
-          </a:prstGeom>
-        </p:spPr>
-        <p:style>
-          <a:lnRef idx="2">
-            <a:schemeClr val="accent1">
-              <a:shade val="50000"/>
-            </a:schemeClr>
-          </a:lnRef>
-          <a:fillRef idx="1">
-            <a:schemeClr val="accent1"/>
-          </a:fillRef>
-          <a:effectRef idx="0">
-            <a:schemeClr val="accent1"/>
-          </a:effectRef>
-          <a:fontRef idx="minor">
-            <a:schemeClr val="lt1"/>
-          </a:fontRef>
-        </p:style>
-        <p:txBody>
-          <a:bodyPr rtlCol="0" anchor="ctr"/>
-          <a:lstStyle/>
-          <a:p>
-            <a:pPr algn="ctr"/>
-            <a:endParaRPr lang="en-US" dirty="0"/>
-          </a:p>
-        </p:txBody>
-      </p:sp>
-      <p:sp>
-        <p:nvSpPr>
-          <p:cNvPr id="8" name="Rectangle 7"/>
-          <p:cNvSpPr/>
-          <p:nvPr/>
-        </p:nvSpPr>
-        <p:spPr>
-          <a:xfrm>
-            <a:off x="4286250" y="1337310"/>
-            <a:ext cx="1508760" cy="1577340"/>
-          </a:xfrm>
-          <a:prstGeom prst="rect">
-            <a:avLst/>
-          </a:prstGeom>
-        </p:spPr>
-        <p:style>
-          <a:lnRef idx="1">
-            <a:schemeClr val="accent1"/>
-          </a:lnRef>
-          <a:fillRef idx="2">
-            <a:schemeClr val="accent1"/>
-          </a:fillRef>
-          <a:effectRef idx="1">
-            <a:schemeClr val="accent1"/>
-          </a:effectRef>
-          <a:fontRef idx="minor">
-            <a:schemeClr val="dk1"/>
-          </a:fontRef>
-        </p:style>
-        <p:txBody>
-          <a:bodyPr rtlCol="0" anchor="ctr"/>
-          <a:lstStyle/>
-          <a:p>
-            <a:pPr algn="ctr"/>
-            <a:r>
-              <a:rPr lang="en-US" smtClean="0"/>
-              <a:t>Profile </a:t>
-            </a:r>
-          </a:p>
-          <a:p>
-            <a:pPr algn="ctr"/>
-            <a:r>
-              <a:rPr lang="en-US" dirty="0" smtClean="0"/>
-              <a:t>Picture</a:t>
-            </a:r>
-            <a:endParaRPr lang="en-US" dirty="0"/>
-          </a:p>
-        </p:txBody>
-      </p:sp>
-      <p:sp>
-        <p:nvSpPr>
-          <p:cNvPr id="9" name="TextBox 8"/>
-          <p:cNvSpPr txBox="1"/>
-          <p:nvPr/>
-        </p:nvSpPr>
-        <p:spPr>
-          <a:xfrm>
-            <a:off x="5964609" y="1690800"/>
-            <a:ext cx="463973" cy="276999"/>
-          </a:xfrm>
-          <a:prstGeom prst="rect">
-            <a:avLst/>
-          </a:prstGeom>
-          <a:noFill/>
-        </p:spPr>
-        <p:txBody>
-          <a:bodyPr wrap="none" rtlCol="0">
-            <a:spAutoFit/>
-          </a:bodyPr>
-          <a:lstStyle/>
-          <a:p>
-            <a:r>
-              <a:rPr lang="en-US" sz="1200" smtClean="0"/>
-              <a:t>Age:</a:t>
-            </a:r>
-            <a:endParaRPr lang="en-US" sz="1200" dirty="0"/>
-          </a:p>
-        </p:txBody>
-      </p:sp>
-      <p:sp>
-        <p:nvSpPr>
-          <p:cNvPr id="10" name="TextBox 9"/>
-          <p:cNvSpPr txBox="1"/>
-          <p:nvPr/>
-        </p:nvSpPr>
-        <p:spPr>
-          <a:xfrm>
-            <a:off x="5971268" y="1895397"/>
-            <a:ext cx="757515" cy="276999"/>
-          </a:xfrm>
-          <a:prstGeom prst="rect">
-            <a:avLst/>
-          </a:prstGeom>
-          <a:noFill/>
-        </p:spPr>
-        <p:txBody>
-          <a:bodyPr wrap="none" rtlCol="0">
-            <a:spAutoFit/>
-          </a:bodyPr>
-          <a:lstStyle/>
-          <a:p>
-            <a:r>
-              <a:rPr lang="en-US" sz="1200" dirty="0" smtClean="0"/>
-              <a:t>Location:</a:t>
-            </a:r>
-            <a:endParaRPr lang="en-US" sz="1200" dirty="0"/>
-          </a:p>
-        </p:txBody>
-      </p:sp>
-      <p:sp>
-        <p:nvSpPr>
-          <p:cNvPr id="11" name="TextBox 10"/>
-          <p:cNvSpPr txBox="1"/>
-          <p:nvPr/>
-        </p:nvSpPr>
-        <p:spPr>
-          <a:xfrm>
-            <a:off x="5964609" y="2089877"/>
-            <a:ext cx="691215" cy="276999"/>
-          </a:xfrm>
-          <a:prstGeom prst="rect">
-            <a:avLst/>
-          </a:prstGeom>
-          <a:noFill/>
-        </p:spPr>
-        <p:txBody>
-          <a:bodyPr wrap="none" rtlCol="0">
-            <a:spAutoFit/>
-          </a:bodyPr>
-          <a:lstStyle/>
-          <a:p>
-            <a:r>
-              <a:rPr lang="en-US" sz="1200" dirty="0" smtClean="0"/>
-              <a:t>Gender:</a:t>
-            </a:r>
-            <a:endParaRPr lang="en-US" sz="1200" dirty="0"/>
-          </a:p>
-        </p:txBody>
-      </p:sp>
-      <p:sp>
-        <p:nvSpPr>
-          <p:cNvPr id="12" name="TextBox 11"/>
-          <p:cNvSpPr txBox="1"/>
-          <p:nvPr/>
-        </p:nvSpPr>
-        <p:spPr>
-          <a:xfrm>
-            <a:off x="5971268" y="2264577"/>
-            <a:ext cx="620876" cy="276999"/>
-          </a:xfrm>
-          <a:prstGeom prst="rect">
-            <a:avLst/>
-          </a:prstGeom>
-          <a:noFill/>
-        </p:spPr>
-        <p:txBody>
-          <a:bodyPr wrap="none" rtlCol="0">
-            <a:spAutoFit/>
-          </a:bodyPr>
-          <a:lstStyle/>
-          <a:p>
-            <a:r>
-              <a:rPr lang="en-US" sz="1200" dirty="0" smtClean="0"/>
-              <a:t>Rating:</a:t>
-            </a:r>
-            <a:endParaRPr lang="en-US" sz="1200" dirty="0"/>
-          </a:p>
-        </p:txBody>
-      </p:sp>
-      <p:sp>
-        <p:nvSpPr>
-          <p:cNvPr id="13" name="TextBox 12"/>
-          <p:cNvSpPr txBox="1"/>
-          <p:nvPr/>
-        </p:nvSpPr>
-        <p:spPr>
-          <a:xfrm>
-            <a:off x="6482766" y="1252949"/>
-            <a:ext cx="806631" cy="400110"/>
-          </a:xfrm>
-          <a:prstGeom prst="rect">
-            <a:avLst/>
-          </a:prstGeom>
-          <a:noFill/>
-        </p:spPr>
-        <p:txBody>
-          <a:bodyPr wrap="none" rtlCol="0">
-            <a:spAutoFit/>
-          </a:bodyPr>
-          <a:lstStyle/>
-          <a:p>
-            <a:r>
-              <a:rPr lang="en-US" sz="2000" dirty="0" smtClean="0"/>
-              <a:t>Name</a:t>
-            </a:r>
-            <a:endParaRPr lang="en-US" sz="2000" dirty="0"/>
-          </a:p>
-        </p:txBody>
-      </p:sp>
-      <p:sp>
-        <p:nvSpPr>
-          <p:cNvPr id="14" name="TextBox 13"/>
-          <p:cNvSpPr txBox="1"/>
-          <p:nvPr/>
-        </p:nvSpPr>
-        <p:spPr>
-          <a:xfrm>
-            <a:off x="5966565" y="2528159"/>
-            <a:ext cx="896527" cy="276999"/>
-          </a:xfrm>
-          <a:prstGeom prst="rect">
-            <a:avLst/>
-          </a:prstGeom>
-          <a:noFill/>
-        </p:spPr>
-        <p:txBody>
-          <a:bodyPr wrap="none" rtlCol="0">
-            <a:spAutoFit/>
-          </a:bodyPr>
-          <a:lstStyle/>
-          <a:p>
-            <a:r>
-              <a:rPr lang="en-US" sz="1200" dirty="0" smtClean="0"/>
-              <a:t>Last Active:</a:t>
-            </a:r>
-            <a:endParaRPr lang="en-US" sz="1200" dirty="0"/>
-          </a:p>
-        </p:txBody>
-      </p:sp>
-      <p:sp>
-        <p:nvSpPr>
-          <p:cNvPr id="15" name="Rounded Rectangle 14"/>
-          <p:cNvSpPr/>
-          <p:nvPr/>
-        </p:nvSpPr>
-        <p:spPr>
-          <a:xfrm>
-            <a:off x="4286250" y="3234690"/>
-            <a:ext cx="3794760" cy="1348740"/>
-          </a:xfrm>
-          <a:prstGeom prst="roundRect">
-            <a:avLst/>
-          </a:prstGeom>
-        </p:spPr>
-        <p:style>
-          <a:lnRef idx="2">
-            <a:schemeClr val="accent1">
-              <a:shade val="50000"/>
-            </a:schemeClr>
-          </a:lnRef>
-          <a:fillRef idx="1">
-            <a:schemeClr val="accent1"/>
-          </a:fillRef>
-          <a:effectRef idx="0">
-            <a:schemeClr val="accent1"/>
-          </a:effectRef>
-          <a:fontRef idx="minor">
-            <a:schemeClr val="lt1"/>
-          </a:fontRef>
-        </p:style>
-        <p:txBody>
-          <a:bodyPr rtlCol="0" anchor="ctr"/>
-          <a:lstStyle/>
-          <a:p>
-            <a:pPr algn="ctr"/>
-            <a:endParaRPr lang="en-US"/>
-          </a:p>
-        </p:txBody>
-      </p:sp>
-      <p:sp>
-        <p:nvSpPr>
-          <p:cNvPr id="16" name="TextBox 15"/>
-          <p:cNvSpPr txBox="1"/>
-          <p:nvPr/>
-        </p:nvSpPr>
-        <p:spPr>
-          <a:xfrm>
-            <a:off x="5333593" y="3169413"/>
-            <a:ext cx="1395190" cy="369332"/>
-          </a:xfrm>
-          <a:prstGeom prst="rect">
-            <a:avLst/>
-          </a:prstGeom>
-          <a:noFill/>
-        </p:spPr>
-        <p:txBody>
-          <a:bodyPr wrap="none" rtlCol="0">
-            <a:spAutoFit/>
-          </a:bodyPr>
-          <a:lstStyle/>
-          <a:p>
-            <a:r>
-              <a:rPr lang="en-US" smtClean="0"/>
-              <a:t>Achievments</a:t>
-            </a:r>
-            <a:endParaRPr lang="en-US" dirty="0"/>
-          </a:p>
-        </p:txBody>
-      </p:sp>
-      <p:sp>
-        <p:nvSpPr>
-          <p:cNvPr id="17" name="Oval 16"/>
-          <p:cNvSpPr/>
-          <p:nvPr/>
-        </p:nvSpPr>
-        <p:spPr>
-          <a:xfrm>
-            <a:off x="4787660" y="3633406"/>
-            <a:ext cx="505087" cy="585517"/>
-          </a:xfrm>
-          <a:prstGeom prst="ellipse">
-            <a:avLst/>
-          </a:prstGeom>
-          <a:solidFill>
-            <a:schemeClr val="accent4">
-              <a:lumMod val="60000"/>
-              <a:lumOff val="40000"/>
-            </a:schemeClr>
-          </a:solidFill>
-        </p:spPr>
-        <p:style>
-          <a:lnRef idx="2">
-            <a:schemeClr val="accent1">
-              <a:shade val="50000"/>
-            </a:schemeClr>
-          </a:lnRef>
-          <a:fillRef idx="1">
-            <a:schemeClr val="accent1"/>
-          </a:fillRef>
-          <a:effectRef idx="0">
-            <a:schemeClr val="accent1"/>
-          </a:effectRef>
-          <a:fontRef idx="minor">
-            <a:schemeClr val="lt1"/>
-          </a:fontRef>
-        </p:style>
-        <p:txBody>
-          <a:bodyPr rtlCol="0" anchor="ctr"/>
-          <a:lstStyle/>
-          <a:p>
-            <a:pPr algn="ctr"/>
-            <a:endParaRPr lang="en-US"/>
-          </a:p>
-        </p:txBody>
-      </p:sp>
-      <p:sp>
-        <p:nvSpPr>
-          <p:cNvPr id="18" name="Oval 17"/>
-          <p:cNvSpPr/>
-          <p:nvPr/>
-        </p:nvSpPr>
-        <p:spPr>
-          <a:xfrm>
-            <a:off x="5584054" y="3633406"/>
-            <a:ext cx="505087" cy="585517"/>
-          </a:xfrm>
-          <a:prstGeom prst="ellipse">
-            <a:avLst/>
-          </a:prstGeom>
-          <a:solidFill>
-            <a:schemeClr val="accent2">
-              <a:lumMod val="75000"/>
-            </a:schemeClr>
-          </a:solidFill>
-        </p:spPr>
-        <p:style>
-          <a:lnRef idx="2">
-            <a:schemeClr val="accent1">
-              <a:shade val="50000"/>
-            </a:schemeClr>
-          </a:lnRef>
-          <a:fillRef idx="1">
-            <a:schemeClr val="accent1"/>
-          </a:fillRef>
-          <a:effectRef idx="0">
-            <a:schemeClr val="accent1"/>
-          </a:effectRef>
-          <a:fontRef idx="minor">
-            <a:schemeClr val="lt1"/>
-          </a:fontRef>
-        </p:style>
-        <p:txBody>
-          <a:bodyPr rtlCol="0" anchor="ctr"/>
-          <a:lstStyle/>
-          <a:p>
-            <a:pPr algn="ctr"/>
-            <a:endParaRPr lang="en-US"/>
-          </a:p>
-        </p:txBody>
-      </p:sp>
-      <p:sp>
-        <p:nvSpPr>
-          <p:cNvPr id="19" name="Oval 18"/>
-          <p:cNvSpPr/>
-          <p:nvPr/>
-        </p:nvSpPr>
-        <p:spPr>
-          <a:xfrm>
-            <a:off x="6350025" y="3616301"/>
-            <a:ext cx="505087" cy="585517"/>
-          </a:xfrm>
-          <a:prstGeom prst="ellipse">
-            <a:avLst/>
-          </a:prstGeom>
-          <a:solidFill>
-            <a:schemeClr val="accent6">
-              <a:lumMod val="60000"/>
-              <a:lumOff val="40000"/>
-            </a:schemeClr>
-          </a:solidFill>
-        </p:spPr>
-        <p:style>
-          <a:lnRef idx="2">
-            <a:schemeClr val="accent1">
-              <a:shade val="50000"/>
-            </a:schemeClr>
-          </a:lnRef>
-          <a:fillRef idx="1">
-            <a:schemeClr val="accent1"/>
-          </a:fillRef>
-          <a:effectRef idx="0">
-            <a:schemeClr val="accent1"/>
-          </a:effectRef>
-          <a:fontRef idx="minor">
-            <a:schemeClr val="lt1"/>
-          </a:fontRef>
-        </p:style>
-        <p:txBody>
-          <a:bodyPr rtlCol="0" anchor="ctr"/>
-          <a:lstStyle/>
-          <a:p>
-            <a:pPr algn="ctr"/>
-            <a:endParaRPr lang="en-US"/>
-          </a:p>
-        </p:txBody>
-      </p:sp>
-      <p:sp>
-        <p:nvSpPr>
-          <p:cNvPr id="20" name="Oval 19"/>
-          <p:cNvSpPr/>
-          <p:nvPr/>
-        </p:nvSpPr>
-        <p:spPr>
-          <a:xfrm>
-            <a:off x="7176842" y="3651266"/>
-            <a:ext cx="505087" cy="585517"/>
-          </a:xfrm>
-          <a:prstGeom prst="ellipse">
-            <a:avLst/>
-          </a:prstGeom>
-          <a:solidFill>
-            <a:schemeClr val="accent2">
-              <a:lumMod val="40000"/>
-              <a:lumOff val="60000"/>
-            </a:schemeClr>
-          </a:solidFill>
-        </p:spPr>
-        <p:style>
-          <a:lnRef idx="2">
-            <a:schemeClr val="accent1">
-              <a:shade val="50000"/>
-            </a:schemeClr>
-          </a:lnRef>
-          <a:fillRef idx="1">
-            <a:schemeClr val="accent1"/>
-          </a:fillRef>
-          <a:effectRef idx="0">
-            <a:schemeClr val="accent1"/>
-          </a:effectRef>
-          <a:fontRef idx="minor">
-            <a:schemeClr val="lt1"/>
-          </a:fontRef>
-        </p:style>
-        <p:txBody>
-          <a:bodyPr rtlCol="0" anchor="ctr"/>
-          <a:lstStyle/>
-          <a:p>
-            <a:pPr algn="ctr"/>
-            <a:endParaRPr lang="en-US"/>
-          </a:p>
-        </p:txBody>
-      </p:sp>
-      <p:sp>
-        <p:nvSpPr>
-          <p:cNvPr id="21" name="TextBox 20"/>
-          <p:cNvSpPr txBox="1"/>
-          <p:nvPr/>
-        </p:nvSpPr>
-        <p:spPr>
-          <a:xfrm>
-            <a:off x="4357136" y="3724393"/>
-            <a:ext cx="300082" cy="369332"/>
-          </a:xfrm>
-          <a:prstGeom prst="rect">
-            <a:avLst/>
-          </a:prstGeom>
-          <a:noFill/>
-        </p:spPr>
-        <p:txBody>
-          <a:bodyPr wrap="none" rtlCol="0">
-            <a:spAutoFit/>
-          </a:bodyPr>
-          <a:lstStyle/>
-          <a:p>
-            <a:r>
-              <a:rPr lang="en-US" smtClean="0"/>
-              <a:t>&lt;</a:t>
-            </a:r>
-            <a:endParaRPr lang="en-US"/>
-          </a:p>
-        </p:txBody>
-      </p:sp>
-      <p:sp>
-        <p:nvSpPr>
-          <p:cNvPr id="22" name="TextBox 21"/>
-          <p:cNvSpPr txBox="1"/>
-          <p:nvPr/>
-        </p:nvSpPr>
-        <p:spPr>
-          <a:xfrm>
-            <a:off x="7711091" y="3730823"/>
-            <a:ext cx="300082" cy="369332"/>
-          </a:xfrm>
-          <a:prstGeom prst="rect">
-            <a:avLst/>
-          </a:prstGeom>
-          <a:noFill/>
-        </p:spPr>
-        <p:txBody>
-          <a:bodyPr wrap="none" rtlCol="0">
-            <a:spAutoFit/>
-          </a:bodyPr>
-          <a:lstStyle/>
-          <a:p>
-            <a:r>
-              <a:rPr lang="en-US" smtClean="0"/>
-              <a:t>&gt;</a:t>
-            </a:r>
-            <a:endParaRPr lang="en-US"/>
-          </a:p>
-        </p:txBody>
-      </p:sp>
-      <p:sp>
-        <p:nvSpPr>
-          <p:cNvPr id="23" name="Rounded Rectangle 22"/>
-          <p:cNvSpPr/>
-          <p:nvPr/>
-        </p:nvSpPr>
-        <p:spPr>
-          <a:xfrm>
-            <a:off x="6989195" y="2021421"/>
-            <a:ext cx="1118482" cy="399077"/>
-          </a:xfrm>
-          <a:prstGeom prst="roundRect">
-            <a:avLst/>
-          </a:prstGeom>
-        </p:spPr>
-        <p:style>
-          <a:lnRef idx="2">
-            <a:schemeClr val="accent1">
-              <a:shade val="50000"/>
-            </a:schemeClr>
-          </a:lnRef>
-          <a:fillRef idx="1">
-            <a:schemeClr val="accent1"/>
-          </a:fillRef>
-          <a:effectRef idx="0">
-            <a:schemeClr val="accent1"/>
-          </a:effectRef>
-          <a:fontRef idx="minor">
-            <a:schemeClr val="lt1"/>
-          </a:fontRef>
-        </p:style>
-        <p:txBody>
-          <a:bodyPr rtlCol="0" anchor="ctr"/>
-          <a:lstStyle/>
-          <a:p>
-            <a:pPr algn="ctr"/>
-            <a:r>
-              <a:rPr lang="en-US" smtClean="0"/>
-              <a:t>message</a:t>
-            </a:r>
-            <a:endParaRPr lang="en-US"/>
-          </a:p>
-        </p:txBody>
-      </p:sp>
-      <p:graphicFrame>
-        <p:nvGraphicFramePr>
-          <p:cNvPr id="25" name="Table 24"/>
-          <p:cNvGraphicFramePr>
-            <a:graphicFrameLocks noGrp="1"/>
-          </p:cNvGraphicFramePr>
-          <p:nvPr>
-            <p:extLst>
-              <p:ext uri="{D42A27DB-BD31-4B8C-83A1-F6EECF244321}">
-                <p14:modId xmlns:p14="http://schemas.microsoft.com/office/powerpoint/2010/main" val="937566966"/>
-              </p:ext>
-            </p:extLst>
-          </p:nvPr>
-        </p:nvGraphicFramePr>
-        <p:xfrm>
-          <a:off x="4446270" y="4982146"/>
-          <a:ext cx="3444240" cy="1247204"/>
-        </p:xfrm>
-        <a:graphic>
-          <a:graphicData uri="http://schemas.openxmlformats.org/drawingml/2006/table">
-            <a:tbl>
-              <a:tblPr firstRow="1" bandRow="1">
-                <a:tableStyleId>{5C22544A-7EE6-4342-B048-85BDC9FD1C3A}</a:tableStyleId>
-              </a:tblPr>
-              <a:tblGrid>
-                <a:gridCol w="3444240"/>
-              </a:tblGrid>
-              <a:tr h="623602">
-                <a:tc>
-                  <a:txBody>
-                    <a:bodyPr/>
-                    <a:lstStyle/>
-                    <a:p>
-                      <a:pPr algn="ctr"/>
-                      <a:r>
-                        <a:rPr lang="en-US" dirty="0" smtClean="0"/>
-                        <a:t>Past games</a:t>
-                      </a:r>
-                      <a:endParaRPr lang="en-US" dirty="0"/>
-                    </a:p>
-                  </a:txBody>
-                  <a:tcPr/>
-                </a:tc>
-              </a:tr>
-              <a:tr h="623602">
-                <a:tc>
-                  <a:txBody>
-                    <a:bodyPr/>
-                    <a:lstStyle/>
-                    <a:p>
-                      <a:endParaRPr lang="en-US" dirty="0"/>
-                    </a:p>
-                  </a:txBody>
-                  <a:tcPr/>
-                </a:tc>
-              </a:tr>
-            </a:tbl>
-          </a:graphicData>
-        </a:graphic>
-      </p:graphicFrame>
-    </p:spTree>
-    <p:extLst>
-      <p:ext uri="{BB962C8B-B14F-4D97-AF65-F5344CB8AC3E}">
-        <p14:creationId xmlns:p14="http://schemas.microsoft.com/office/powerpoint/2010/main" val="254376455"/>
-      </p:ext>
-    </p:extLst>
-  </p:cSld>
-  <p:clrMapOvr>
-    <a:masterClrMapping/>
-  </p:clrMapOvr>
-  <p:timing>
-    <p:tnLst>
-      <p:par>
-        <p:cTn id="1" dur="indefinite" restart="never" nodeType="tmRoot"/>
-      </p:par>
-    </p:tnLst>
-  </p:timing>
-</p:sld>
-</file>
-
-<file path=ppt/slides/slide11.xml><?xml version="1.0" encoding="utf-8"?>
-<p:sld xmlns:a="http://schemas.openxmlformats.org/drawingml/2006/main" xmlns:r="http://schemas.openxmlformats.org/officeDocument/2006/relationships" xmlns:p="http://schemas.openxmlformats.org/presentationml/2006/main">
-  <p:cSld>
-    <p:spTree>
-      <p:nvGrpSpPr>
-        <p:cNvPr id="1" name=""/>
-        <p:cNvGrpSpPr/>
-        <p:nvPr/>
-      </p:nvGrpSpPr>
-      <p:grpSpPr>
-        <a:xfrm>
-          <a:off x="0" y="0"/>
-          <a:ext cx="0" cy="0"/>
-          <a:chOff x="0" y="0"/>
-          <a:chExt cx="0" cy="0"/>
-        </a:xfrm>
-      </p:grpSpPr>
-    </p:spTree>
-    <p:extLst>
-      <p:ext uri="{BB962C8B-B14F-4D97-AF65-F5344CB8AC3E}">
-        <p14:creationId xmlns:p14="http://schemas.microsoft.com/office/powerpoint/2010/main" val="841040547"/>
-      </p:ext>
-    </p:extLst>
-  </p:cSld>
-  <p:clrMapOvr>
-    <a:masterClrMapping/>
-  </p:clrMapOvr>
-  <p:timing>
-    <p:tnLst>
-      <p:par>
-        <p:cTn id="1" dur="indefinite" restart="never" nodeType="tmRoot"/>
-      </p:par>
-    </p:tnLst>
-  </p:timing>
-</p:sld>
-</file>
-
 <file path=ppt/slides/slide2.xml><?xml version="1.0" encoding="utf-8"?>
 <p:sld xmlns:a="http://schemas.openxmlformats.org/drawingml/2006/main" xmlns:r="http://schemas.openxmlformats.org/officeDocument/2006/relationships" xmlns:p="http://schemas.openxmlformats.org/presentationml/2006/main">
   <p:cSld>
@@ -11864,7 +11031,7 @@
           <p:nvPr/>
         </p:nvPicPr>
         <p:blipFill>
-          <a:blip r:embed="rId2">
+          <a:blip r:embed="rId3">
             <a:extLst>
               <a:ext uri="{28A0092B-C50C-407E-A947-70E740481C1C}">
                 <a14:useLocalDpi xmlns:a14="http://schemas.microsoft.com/office/drawing/2010/main" val="0"/>
@@ -12243,150 +11410,6 @@
           <p:nvPr/>
         </p:nvPicPr>
         <p:blipFill>
-          <a:blip r:embed="rId3">
-            <a:extLst>
-              <a:ext uri="{28A0092B-C50C-407E-A947-70E740481C1C}">
-                <a14:useLocalDpi xmlns:a14="http://schemas.microsoft.com/office/drawing/2010/main" val="0"/>
-              </a:ext>
-            </a:extLst>
-          </a:blip>
-          <a:stretch>
-            <a:fillRect/>
-          </a:stretch>
-        </p:blipFill>
-        <p:spPr>
-          <a:xfrm>
-            <a:off x="4426638" y="1698657"/>
-            <a:ext cx="911828" cy="911828"/>
-          </a:xfrm>
-          <a:prstGeom prst="rect">
-            <a:avLst/>
-          </a:prstGeom>
-        </p:spPr>
-      </p:pic>
-      <p:sp>
-        <p:nvSpPr>
-          <p:cNvPr id="12" name="TextBox 11"/>
-          <p:cNvSpPr txBox="1"/>
-          <p:nvPr/>
-        </p:nvSpPr>
-        <p:spPr>
-          <a:xfrm>
-            <a:off x="5091818" y="1244613"/>
-            <a:ext cx="1524776" cy="369332"/>
-          </a:xfrm>
-          <a:prstGeom prst="rect">
-            <a:avLst/>
-          </a:prstGeom>
-          <a:noFill/>
-        </p:spPr>
-        <p:txBody>
-          <a:bodyPr wrap="none" rtlCol="0">
-            <a:spAutoFit/>
-          </a:bodyPr>
-          <a:lstStyle/>
-          <a:p>
-            <a:r>
-              <a:rPr lang="en-US" b="1" u="sng" dirty="0" smtClean="0">
-                <a:effectLst>
-                  <a:outerShdw blurRad="50800" dist="38100" algn="l" rotWithShape="0">
-                    <a:schemeClr val="bg1">
-                      <a:alpha val="40000"/>
-                    </a:schemeClr>
-                  </a:outerShdw>
-                </a:effectLst>
-              </a:rPr>
-              <a:t>SuperBaller76</a:t>
-            </a:r>
-            <a:endParaRPr lang="en-US" b="1" u="sng" dirty="0">
-              <a:effectLst>
-                <a:outerShdw blurRad="50800" dist="38100" algn="l" rotWithShape="0">
-                  <a:schemeClr val="bg1">
-                    <a:alpha val="40000"/>
-                  </a:schemeClr>
-                </a:outerShdw>
-              </a:effectLst>
-            </a:endParaRPr>
-          </a:p>
-        </p:txBody>
-      </p:sp>
-      <p:sp>
-        <p:nvSpPr>
-          <p:cNvPr id="13" name="TextBox 12"/>
-          <p:cNvSpPr txBox="1"/>
-          <p:nvPr/>
-        </p:nvSpPr>
-        <p:spPr>
-          <a:xfrm flipH="1">
-            <a:off x="5345645" y="1557007"/>
-            <a:ext cx="949124" cy="307777"/>
-          </a:xfrm>
-          <a:prstGeom prst="rect">
-            <a:avLst/>
-          </a:prstGeom>
-          <a:noFill/>
-        </p:spPr>
-        <p:txBody>
-          <a:bodyPr wrap="square" rtlCol="0">
-            <a:spAutoFit/>
-          </a:bodyPr>
-          <a:lstStyle/>
-          <a:p>
-            <a:r>
-              <a:rPr lang="en-US" sz="1400" b="1" dirty="0" smtClean="0"/>
-              <a:t>Age</a:t>
-            </a:r>
-            <a:r>
-              <a:rPr lang="en-US" sz="1400" dirty="0" smtClean="0"/>
-              <a:t>: 17</a:t>
-            </a:r>
-            <a:endParaRPr lang="en-US" sz="1400" dirty="0"/>
-          </a:p>
-        </p:txBody>
-      </p:sp>
-      <p:sp>
-        <p:nvSpPr>
-          <p:cNvPr id="14" name="TextBox 13"/>
-          <p:cNvSpPr txBox="1"/>
-          <p:nvPr/>
-        </p:nvSpPr>
-        <p:spPr>
-          <a:xfrm flipH="1">
-            <a:off x="5354211" y="1772450"/>
-            <a:ext cx="1358270" cy="307777"/>
-          </a:xfrm>
-          <a:prstGeom prst="rect">
-            <a:avLst/>
-          </a:prstGeom>
-          <a:noFill/>
-        </p:spPr>
-        <p:txBody>
-          <a:bodyPr wrap="square" rtlCol="0">
-            <a:spAutoFit/>
-          </a:bodyPr>
-          <a:lstStyle/>
-          <a:p>
-            <a:r>
-              <a:rPr lang="en-US" sz="1400" b="1" dirty="0" smtClean="0"/>
-              <a:t>Zip</a:t>
-            </a:r>
-            <a:r>
-              <a:rPr lang="en-US" sz="1400" dirty="0" smtClean="0"/>
-              <a:t>: 50266</a:t>
-            </a:r>
-            <a:endParaRPr lang="en-US" sz="1400" dirty="0"/>
-          </a:p>
-        </p:txBody>
-      </p:sp>
-      <p:pic>
-        <p:nvPicPr>
-          <p:cNvPr id="16" name="Picture 15"/>
-          <p:cNvPicPr>
-            <a:picLocks noChangeAspect="1"/>
-          </p:cNvPicPr>
-          <p:nvPr/>
-        </p:nvPicPr>
-        <p:blipFill>
           <a:blip r:embed="rId4">
             <a:extLst>
               <a:ext uri="{28A0092B-C50C-407E-A947-70E740481C1C}">
@@ -12400,6 +11423,150 @@
         </p:blipFill>
         <p:spPr>
           <a:xfrm>
+            <a:off x="4426638" y="1698657"/>
+            <a:ext cx="911828" cy="911828"/>
+          </a:xfrm>
+          <a:prstGeom prst="rect">
+            <a:avLst/>
+          </a:prstGeom>
+        </p:spPr>
+      </p:pic>
+      <p:sp>
+        <p:nvSpPr>
+          <p:cNvPr id="12" name="TextBox 11"/>
+          <p:cNvSpPr txBox="1"/>
+          <p:nvPr/>
+        </p:nvSpPr>
+        <p:spPr>
+          <a:xfrm>
+            <a:off x="5091818" y="1244613"/>
+            <a:ext cx="1524776" cy="369332"/>
+          </a:xfrm>
+          <a:prstGeom prst="rect">
+            <a:avLst/>
+          </a:prstGeom>
+          <a:noFill/>
+        </p:spPr>
+        <p:txBody>
+          <a:bodyPr wrap="none" rtlCol="0">
+            <a:spAutoFit/>
+          </a:bodyPr>
+          <a:lstStyle/>
+          <a:p>
+            <a:r>
+              <a:rPr lang="en-US" b="1" u="sng" dirty="0" smtClean="0">
+                <a:effectLst>
+                  <a:outerShdw blurRad="50800" dist="38100" algn="l" rotWithShape="0">
+                    <a:schemeClr val="bg1">
+                      <a:alpha val="40000"/>
+                    </a:schemeClr>
+                  </a:outerShdw>
+                </a:effectLst>
+              </a:rPr>
+              <a:t>SuperBaller76</a:t>
+            </a:r>
+            <a:endParaRPr lang="en-US" b="1" u="sng" dirty="0">
+              <a:effectLst>
+                <a:outerShdw blurRad="50800" dist="38100" algn="l" rotWithShape="0">
+                  <a:schemeClr val="bg1">
+                    <a:alpha val="40000"/>
+                  </a:schemeClr>
+                </a:outerShdw>
+              </a:effectLst>
+            </a:endParaRPr>
+          </a:p>
+        </p:txBody>
+      </p:sp>
+      <p:sp>
+        <p:nvSpPr>
+          <p:cNvPr id="13" name="TextBox 12"/>
+          <p:cNvSpPr txBox="1"/>
+          <p:nvPr/>
+        </p:nvSpPr>
+        <p:spPr>
+          <a:xfrm flipH="1">
+            <a:off x="5345645" y="1557007"/>
+            <a:ext cx="949124" cy="307777"/>
+          </a:xfrm>
+          <a:prstGeom prst="rect">
+            <a:avLst/>
+          </a:prstGeom>
+          <a:noFill/>
+        </p:spPr>
+        <p:txBody>
+          <a:bodyPr wrap="square" rtlCol="0">
+            <a:spAutoFit/>
+          </a:bodyPr>
+          <a:lstStyle/>
+          <a:p>
+            <a:r>
+              <a:rPr lang="en-US" sz="1400" b="1" dirty="0" smtClean="0"/>
+              <a:t>Age</a:t>
+            </a:r>
+            <a:r>
+              <a:rPr lang="en-US" sz="1400" dirty="0" smtClean="0"/>
+              <a:t>: 17</a:t>
+            </a:r>
+            <a:endParaRPr lang="en-US" sz="1400" dirty="0"/>
+          </a:p>
+        </p:txBody>
+      </p:sp>
+      <p:sp>
+        <p:nvSpPr>
+          <p:cNvPr id="14" name="TextBox 13"/>
+          <p:cNvSpPr txBox="1"/>
+          <p:nvPr/>
+        </p:nvSpPr>
+        <p:spPr>
+          <a:xfrm flipH="1">
+            <a:off x="5354211" y="1772450"/>
+            <a:ext cx="1358270" cy="307777"/>
+          </a:xfrm>
+          <a:prstGeom prst="rect">
+            <a:avLst/>
+          </a:prstGeom>
+          <a:noFill/>
+        </p:spPr>
+        <p:txBody>
+          <a:bodyPr wrap="square" rtlCol="0">
+            <a:spAutoFit/>
+          </a:bodyPr>
+          <a:lstStyle/>
+          <a:p>
+            <a:r>
+              <a:rPr lang="en-US" sz="1400" b="1" dirty="0" smtClean="0"/>
+              <a:t>Zip</a:t>
+            </a:r>
+            <a:r>
+              <a:rPr lang="en-US" sz="1400" dirty="0" smtClean="0"/>
+              <a:t>: 50266</a:t>
+            </a:r>
+            <a:endParaRPr lang="en-US" sz="1400" dirty="0"/>
+          </a:p>
+        </p:txBody>
+      </p:sp>
+      <p:pic>
+        <p:nvPicPr>
+          <p:cNvPr id="16" name="Picture 15"/>
+          <p:cNvPicPr>
+            <a:picLocks noChangeAspect="1"/>
+          </p:cNvPicPr>
+          <p:nvPr/>
+        </p:nvPicPr>
+        <p:blipFill>
+          <a:blip r:embed="rId5">
+            <a:extLst>
+              <a:ext uri="{28A0092B-C50C-407E-A947-70E740481C1C}">
+                <a14:useLocalDpi xmlns:a14="http://schemas.microsoft.com/office/drawing/2010/main" val="0"/>
+              </a:ext>
+            </a:extLst>
+          </a:blip>
+          <a:stretch>
+            <a:fillRect/>
+          </a:stretch>
+        </p:blipFill>
+        <p:spPr>
+          <a:xfrm>
             <a:off x="6822766" y="1733312"/>
             <a:ext cx="421451" cy="421451"/>
           </a:xfrm>
@@ -12417,7 +11584,7 @@
           <p:nvPr/>
         </p:nvPicPr>
         <p:blipFill>
-          <a:blip r:embed="rId5">
+          <a:blip r:embed="rId6">
             <a:extLst>
               <a:ext uri="{28A0092B-C50C-407E-A947-70E740481C1C}">
                 <a14:useLocalDpi xmlns:a14="http://schemas.microsoft.com/office/drawing/2010/main" val="0"/>
@@ -13228,7 +12395,7 @@
           <p:nvPr/>
         </p:nvPicPr>
         <p:blipFill>
-          <a:blip r:embed="rId6">
+          <a:blip r:embed="rId7">
             <a:extLst>
               <a:ext uri="{28A0092B-C50C-407E-A947-70E740481C1C}">
                 <a14:useLocalDpi xmlns:a14="http://schemas.microsoft.com/office/drawing/2010/main" val="0"/>
@@ -13258,7 +12425,7 @@
           <p:nvPr/>
         </p:nvPicPr>
         <p:blipFill>
-          <a:blip r:embed="rId6">
+          <a:blip r:embed="rId7">
             <a:extLst>
               <a:ext uri="{28A0092B-C50C-407E-A947-70E740481C1C}">
                 <a14:useLocalDpi xmlns:a14="http://schemas.microsoft.com/office/drawing/2010/main" val="0"/>
@@ -13288,7 +12455,7 @@
           <p:nvPr/>
         </p:nvPicPr>
         <p:blipFill>
-          <a:blip r:embed="rId6">
+          <a:blip r:embed="rId7">
             <a:extLst>
               <a:ext uri="{28A0092B-C50C-407E-A947-70E740481C1C}">
                 <a14:useLocalDpi xmlns:a14="http://schemas.microsoft.com/office/drawing/2010/main" val="0"/>
@@ -13318,7 +12485,7 @@
           <p:nvPr/>
         </p:nvPicPr>
         <p:blipFill>
-          <a:blip r:embed="rId6">
+          <a:blip r:embed="rId7">
             <a:extLst>
               <a:ext uri="{28A0092B-C50C-407E-A947-70E740481C1C}">
                 <a14:useLocalDpi xmlns:a14="http://schemas.microsoft.com/office/drawing/2010/main" val="0"/>
@@ -13348,7 +12515,7 @@
           <p:nvPr/>
         </p:nvPicPr>
         <p:blipFill>
-          <a:blip r:embed="rId6">
+          <a:blip r:embed="rId7">
             <a:extLst>
               <a:ext uri="{28A0092B-C50C-407E-A947-70E740481C1C}">
                 <a14:useLocalDpi xmlns:a14="http://schemas.microsoft.com/office/drawing/2010/main" val="0"/>
@@ -13378,7 +12545,7 @@
           <p:nvPr/>
         </p:nvPicPr>
         <p:blipFill>
-          <a:blip r:embed="rId6">
+          <a:blip r:embed="rId7">
             <a:extLst>
               <a:ext uri="{28A0092B-C50C-407E-A947-70E740481C1C}">
                 <a14:useLocalDpi xmlns:a14="http://schemas.microsoft.com/office/drawing/2010/main" val="0"/>
@@ -13408,7 +12575,7 @@
           <p:nvPr/>
         </p:nvPicPr>
         <p:blipFill>
-          <a:blip r:embed="rId6">
+          <a:blip r:embed="rId7">
             <a:extLst>
               <a:ext uri="{28A0092B-C50C-407E-A947-70E740481C1C}">
                 <a14:useLocalDpi xmlns:a14="http://schemas.microsoft.com/office/drawing/2010/main" val="0"/>

--- a/Storyboard Design.pptx
+++ b/Storyboard Design.pptx
@@ -11044,7 +11044,7 @@
         </p:blipFill>
         <p:spPr>
           <a:xfrm>
-            <a:off x="4121912" y="0"/>
+            <a:off x="2038469" y="0"/>
             <a:ext cx="3440545" cy="6858000"/>
           </a:xfrm>
           <a:prstGeom prst="rect">
@@ -11060,7 +11060,7 @@
         </p:nvSpPr>
         <p:spPr>
           <a:xfrm>
-            <a:off x="4287704" y="1234440"/>
+            <a:off x="2204261" y="1234440"/>
             <a:ext cx="3108960" cy="4480560"/>
           </a:xfrm>
           <a:prstGeom prst="rect">
@@ -11266,7 +11266,7 @@
         </p:nvSpPr>
         <p:spPr>
           <a:xfrm>
-            <a:off x="4307468" y="1244613"/>
+            <a:off x="2224025" y="1244613"/>
             <a:ext cx="3108960" cy="1964915"/>
           </a:xfrm>
           <a:prstGeom prst="rect">
@@ -11371,7 +11371,7 @@
         </p:nvSpPr>
         <p:spPr>
           <a:xfrm>
-            <a:off x="4352677" y="1653980"/>
+            <a:off x="2269234" y="1653980"/>
             <a:ext cx="1013501" cy="953175"/>
           </a:xfrm>
           <a:prstGeom prst="rect">
@@ -11423,7 +11423,7 @@
         </p:blipFill>
         <p:spPr>
           <a:xfrm>
-            <a:off x="4426638" y="1698657"/>
+            <a:off x="2343195" y="1698657"/>
             <a:ext cx="911828" cy="911828"/>
           </a:xfrm>
           <a:prstGeom prst="rect">
@@ -11439,7 +11439,7 @@
         </p:nvSpPr>
         <p:spPr>
           <a:xfrm>
-            <a:off x="5091818" y="1244613"/>
+            <a:off x="3008375" y="1244613"/>
             <a:ext cx="1524776" cy="369332"/>
           </a:xfrm>
           <a:prstGeom prst="rect">
@@ -11485,7 +11485,7 @@
         </p:nvSpPr>
         <p:spPr>
           <a:xfrm flipH="1">
-            <a:off x="5345645" y="1557007"/>
+            <a:off x="3262202" y="1557007"/>
             <a:ext cx="949124" cy="307777"/>
           </a:xfrm>
           <a:prstGeom prst="rect">
@@ -11519,7 +11519,7 @@
         </p:nvSpPr>
         <p:spPr>
           <a:xfrm flipH="1">
-            <a:off x="5354211" y="1772450"/>
+            <a:off x="3270768" y="1772450"/>
             <a:ext cx="1358270" cy="307777"/>
           </a:xfrm>
           <a:prstGeom prst="rect">
@@ -11567,7 +11567,7 @@
         </p:blipFill>
         <p:spPr>
           <a:xfrm>
-            <a:off x="6822766" y="1733312"/>
+            <a:off x="4739323" y="1733312"/>
             <a:ext cx="421451" cy="421451"/>
           </a:xfrm>
           <a:prstGeom prst="rect">
@@ -11597,7 +11597,7 @@
         </p:blipFill>
         <p:spPr>
           <a:xfrm>
-            <a:off x="6839033" y="2109894"/>
+            <a:off x="4755590" y="2109894"/>
             <a:ext cx="388918" cy="388918"/>
           </a:xfrm>
           <a:prstGeom prst="rect">
@@ -11613,7 +11613,7 @@
         </p:nvSpPr>
         <p:spPr>
           <a:xfrm>
-            <a:off x="6455358" y="1857159"/>
+            <a:off x="4371915" y="1857159"/>
             <a:ext cx="367408" cy="307777"/>
           </a:xfrm>
           <a:prstGeom prst="rect">
@@ -11646,7 +11646,7 @@
         </p:nvSpPr>
         <p:spPr>
           <a:xfrm>
-            <a:off x="6447225" y="2110360"/>
+            <a:off x="4363782" y="2110360"/>
             <a:ext cx="226015" cy="307777"/>
           </a:xfrm>
           <a:prstGeom prst="rect">
@@ -11684,7 +11684,7 @@
         </p:nvSpPr>
         <p:spPr>
           <a:xfrm>
-            <a:off x="4406615" y="2894978"/>
+            <a:off x="2323172" y="2894978"/>
             <a:ext cx="911828" cy="266218"/>
           </a:xfrm>
           <a:prstGeom prst="roundRect">
@@ -11726,7 +11726,7 @@
         </p:nvSpPr>
         <p:spPr>
           <a:xfrm>
-            <a:off x="5655980" y="2894978"/>
+            <a:off x="3572537" y="2894978"/>
             <a:ext cx="1377511" cy="266218"/>
           </a:xfrm>
           <a:prstGeom prst="roundRect">
@@ -11768,7 +11768,7 @@
         </p:nvSpPr>
         <p:spPr>
           <a:xfrm flipH="1">
-            <a:off x="5354211" y="1994922"/>
+            <a:off x="3270768" y="1994922"/>
             <a:ext cx="1358270" cy="307777"/>
           </a:xfrm>
           <a:prstGeom prst="rect">
@@ -11802,7 +11802,7 @@
         </p:nvSpPr>
         <p:spPr>
           <a:xfrm flipH="1">
-            <a:off x="5388693" y="2211737"/>
+            <a:off x="3305250" y="2211737"/>
             <a:ext cx="1358270" cy="523220"/>
           </a:xfrm>
           <a:prstGeom prst="rect">
@@ -11842,7 +11842,7 @@
         </p:nvSpPr>
         <p:spPr>
           <a:xfrm>
-            <a:off x="4453158" y="3645307"/>
+            <a:off x="2369715" y="3645307"/>
             <a:ext cx="2817579" cy="1968415"/>
           </a:xfrm>
           <a:prstGeom prst="rect">
@@ -11880,7 +11880,7 @@
         </p:nvSpPr>
         <p:spPr>
           <a:xfrm>
-            <a:off x="4888293" y="3209528"/>
+            <a:off x="2804850" y="3209528"/>
             <a:ext cx="1950739" cy="461665"/>
           </a:xfrm>
           <a:prstGeom prst="rect">
@@ -11933,7 +11933,7 @@
         </p:nvSpPr>
         <p:spPr>
           <a:xfrm>
-            <a:off x="4608232" y="3755556"/>
+            <a:off x="2524789" y="3755556"/>
             <a:ext cx="548640" cy="548640"/>
           </a:xfrm>
           <a:prstGeom prst="ellipse">
@@ -11971,7 +11971,7 @@
         </p:nvSpPr>
         <p:spPr>
           <a:xfrm>
-            <a:off x="5246539" y="3755556"/>
+            <a:off x="3163096" y="3755556"/>
             <a:ext cx="548640" cy="548640"/>
           </a:xfrm>
           <a:prstGeom prst="ellipse">
@@ -12009,7 +12009,7 @@
         </p:nvSpPr>
         <p:spPr>
           <a:xfrm>
-            <a:off x="5884846" y="3755556"/>
+            <a:off x="3801403" y="3755556"/>
             <a:ext cx="548640" cy="548640"/>
           </a:xfrm>
           <a:prstGeom prst="ellipse">
@@ -12052,7 +12052,7 @@
         </p:nvSpPr>
         <p:spPr>
           <a:xfrm>
-            <a:off x="6522713" y="3755556"/>
+            <a:off x="4439270" y="3755556"/>
             <a:ext cx="548640" cy="548640"/>
           </a:xfrm>
           <a:prstGeom prst="ellipse">
@@ -12090,7 +12090,7 @@
         </p:nvSpPr>
         <p:spPr>
           <a:xfrm>
-            <a:off x="4608232" y="4344645"/>
+            <a:off x="2524789" y="4344645"/>
             <a:ext cx="548640" cy="548640"/>
           </a:xfrm>
           <a:prstGeom prst="ellipse">
@@ -12128,7 +12128,7 @@
         </p:nvSpPr>
         <p:spPr>
           <a:xfrm>
-            <a:off x="5246539" y="4344645"/>
+            <a:off x="3163096" y="4344645"/>
             <a:ext cx="548640" cy="548640"/>
           </a:xfrm>
           <a:prstGeom prst="ellipse">
@@ -12166,7 +12166,7 @@
         </p:nvSpPr>
         <p:spPr>
           <a:xfrm>
-            <a:off x="5884846" y="4344645"/>
+            <a:off x="3801403" y="4344645"/>
             <a:ext cx="548640" cy="548640"/>
           </a:xfrm>
           <a:prstGeom prst="ellipse">
@@ -12204,7 +12204,7 @@
         </p:nvSpPr>
         <p:spPr>
           <a:xfrm>
-            <a:off x="6522713" y="4344645"/>
+            <a:off x="4439270" y="4344645"/>
             <a:ext cx="548640" cy="548640"/>
           </a:xfrm>
           <a:prstGeom prst="ellipse">
@@ -12242,7 +12242,7 @@
         </p:nvSpPr>
         <p:spPr>
           <a:xfrm>
-            <a:off x="4608232" y="4936144"/>
+            <a:off x="2524789" y="4936144"/>
             <a:ext cx="548640" cy="548640"/>
           </a:xfrm>
           <a:prstGeom prst="ellipse">
@@ -12280,7 +12280,7 @@
         </p:nvSpPr>
         <p:spPr>
           <a:xfrm>
-            <a:off x="5246539" y="4936144"/>
+            <a:off x="3163096" y="4936144"/>
             <a:ext cx="548640" cy="548640"/>
           </a:xfrm>
           <a:prstGeom prst="ellipse">
@@ -12318,7 +12318,7 @@
         </p:nvSpPr>
         <p:spPr>
           <a:xfrm>
-            <a:off x="5884846" y="4936144"/>
+            <a:off x="3801403" y="4936144"/>
             <a:ext cx="548640" cy="548640"/>
           </a:xfrm>
           <a:prstGeom prst="ellipse">
@@ -12356,7 +12356,7 @@
         </p:nvSpPr>
         <p:spPr>
           <a:xfrm>
-            <a:off x="6522713" y="4936144"/>
+            <a:off x="4439270" y="4936144"/>
             <a:ext cx="548640" cy="548640"/>
           </a:xfrm>
           <a:prstGeom prst="ellipse">
@@ -12408,7 +12408,7 @@
         </p:blipFill>
         <p:spPr>
           <a:xfrm>
-            <a:off x="5273774" y="4348500"/>
+            <a:off x="3190331" y="4348500"/>
             <a:ext cx="499299" cy="499299"/>
           </a:xfrm>
           <a:prstGeom prst="rect">
@@ -12438,7 +12438,7 @@
         </p:blipFill>
         <p:spPr>
           <a:xfrm>
-            <a:off x="5909516" y="4350787"/>
+            <a:off x="3826073" y="4350787"/>
             <a:ext cx="499299" cy="499299"/>
           </a:xfrm>
           <a:prstGeom prst="rect">
@@ -12468,7 +12468,7 @@
         </p:blipFill>
         <p:spPr>
           <a:xfrm>
-            <a:off x="6573116" y="4350787"/>
+            <a:off x="4489673" y="4350787"/>
             <a:ext cx="499299" cy="499299"/>
           </a:xfrm>
           <a:prstGeom prst="rect">
@@ -12498,7 +12498,7 @@
         </p:blipFill>
         <p:spPr>
           <a:xfrm>
-            <a:off x="4632902" y="4960814"/>
+            <a:off x="2549459" y="4960814"/>
             <a:ext cx="499299" cy="499299"/>
           </a:xfrm>
           <a:prstGeom prst="rect">
@@ -12528,7 +12528,7 @@
         </p:blipFill>
         <p:spPr>
           <a:xfrm>
-            <a:off x="5278390" y="4943291"/>
+            <a:off x="3194947" y="4943291"/>
             <a:ext cx="499299" cy="499299"/>
           </a:xfrm>
           <a:prstGeom prst="rect">
@@ -12558,7 +12558,7 @@
         </p:blipFill>
         <p:spPr>
           <a:xfrm>
-            <a:off x="5909515" y="4941274"/>
+            <a:off x="3826072" y="4941274"/>
             <a:ext cx="499299" cy="499299"/>
           </a:xfrm>
           <a:prstGeom prst="rect">
@@ -12588,7 +12588,7 @@
         </p:blipFill>
         <p:spPr>
           <a:xfrm>
-            <a:off x="6568145" y="4958797"/>
+            <a:off x="4484702" y="4958797"/>
             <a:ext cx="499299" cy="499299"/>
           </a:xfrm>
           <a:prstGeom prst="rect">
@@ -12604,7 +12604,7 @@
         </p:nvSpPr>
         <p:spPr>
           <a:xfrm flipH="1">
-            <a:off x="4368141" y="2558903"/>
+            <a:off x="2284698" y="2558903"/>
             <a:ext cx="986070" cy="307777"/>
           </a:xfrm>
           <a:prstGeom prst="rect">
@@ -12624,6 +12624,861 @@
               <a:t>Games: 3</a:t>
             </a:r>
             <a:endParaRPr lang="en-US" sz="1400" dirty="0"/>
+          </a:p>
+        </p:txBody>
+      </p:sp>
+      <p:sp>
+        <p:nvSpPr>
+          <p:cNvPr id="48" name="TextBox 47"/>
+          <p:cNvSpPr txBox="1"/>
+          <p:nvPr/>
+        </p:nvSpPr>
+        <p:spPr>
+          <a:xfrm>
+            <a:off x="-13047" y="2537220"/>
+            <a:ext cx="2251710" cy="1077218"/>
+          </a:xfrm>
+          <a:prstGeom prst="rect">
+            <a:avLst/>
+          </a:prstGeom>
+          <a:noFill/>
+        </p:spPr>
+        <p:txBody>
+          <a:bodyPr wrap="square" rtlCol="0">
+            <a:spAutoFit/>
+          </a:bodyPr>
+          <a:lstStyle/>
+          <a:p>
+            <a:pPr algn="ctr"/>
+            <a:r>
+              <a:rPr lang="en-US" sz="3200" u="sng" dirty="0" smtClean="0">
+                <a:latin typeface="Arial" charset="0"/>
+                <a:ea typeface="Arial" charset="0"/>
+                <a:cs typeface="Arial" charset="0"/>
+              </a:rPr>
+              <a:t>Friend</a:t>
+            </a:r>
+          </a:p>
+          <a:p>
+            <a:pPr algn="ctr"/>
+            <a:r>
+              <a:rPr lang="en-US" sz="3200" u="sng" dirty="0" smtClean="0">
+                <a:latin typeface="Arial" charset="0"/>
+                <a:ea typeface="Arial" charset="0"/>
+                <a:cs typeface="Arial" charset="0"/>
+              </a:rPr>
+              <a:t>View</a:t>
+            </a:r>
+          </a:p>
+        </p:txBody>
+      </p:sp>
+      <p:sp>
+        <p:nvSpPr>
+          <p:cNvPr id="49" name="TextBox 48"/>
+          <p:cNvSpPr txBox="1"/>
+          <p:nvPr/>
+        </p:nvSpPr>
+        <p:spPr>
+          <a:xfrm>
+            <a:off x="5901531" y="2585022"/>
+            <a:ext cx="1845428" cy="1077218"/>
+          </a:xfrm>
+          <a:prstGeom prst="rect">
+            <a:avLst/>
+          </a:prstGeom>
+          <a:noFill/>
+        </p:spPr>
+        <p:txBody>
+          <a:bodyPr wrap="square" rtlCol="0">
+            <a:spAutoFit/>
+          </a:bodyPr>
+          <a:lstStyle/>
+          <a:p>
+            <a:pPr algn="ctr"/>
+            <a:r>
+              <a:rPr lang="en-US" sz="3200" u="sng" dirty="0" smtClean="0">
+                <a:latin typeface="Arial" charset="0"/>
+                <a:ea typeface="Arial" charset="0"/>
+                <a:cs typeface="Arial" charset="0"/>
+              </a:rPr>
+              <a:t>User</a:t>
+            </a:r>
+          </a:p>
+          <a:p>
+            <a:pPr algn="ctr"/>
+            <a:r>
+              <a:rPr lang="en-US" sz="3200" u="sng" dirty="0" smtClean="0">
+                <a:latin typeface="Arial" charset="0"/>
+                <a:ea typeface="Arial" charset="0"/>
+                <a:cs typeface="Arial" charset="0"/>
+              </a:rPr>
+              <a:t>View</a:t>
+            </a:r>
+          </a:p>
+        </p:txBody>
+      </p:sp>
+      <p:pic>
+        <p:nvPicPr>
+          <p:cNvPr id="61" name="Picture 60"/>
+          <p:cNvPicPr>
+            <a:picLocks noChangeAspect="1"/>
+          </p:cNvPicPr>
+          <p:nvPr/>
+        </p:nvPicPr>
+        <p:blipFill>
+          <a:blip r:embed="rId3">
+            <a:extLst>
+              <a:ext uri="{28A0092B-C50C-407E-A947-70E740481C1C}">
+                <a14:useLocalDpi xmlns:a14="http://schemas.microsoft.com/office/drawing/2010/main" val="0"/>
+              </a:ext>
+            </a:extLst>
+          </a:blip>
+          <a:stretch>
+            <a:fillRect/>
+          </a:stretch>
+        </p:blipFill>
+        <p:spPr>
+          <a:xfrm>
+            <a:off x="7781441" y="0"/>
+            <a:ext cx="3440545" cy="6858000"/>
+          </a:xfrm>
+          <a:prstGeom prst="rect">
+            <a:avLst/>
+          </a:prstGeom>
+        </p:spPr>
+      </p:pic>
+      <p:sp>
+        <p:nvSpPr>
+          <p:cNvPr id="62" name="Rectangle 61"/>
+          <p:cNvSpPr/>
+          <p:nvPr/>
+        </p:nvSpPr>
+        <p:spPr>
+          <a:xfrm>
+            <a:off x="7947233" y="1234440"/>
+            <a:ext cx="3108960" cy="4480560"/>
+          </a:xfrm>
+          <a:prstGeom prst="rect">
+            <a:avLst/>
+          </a:prstGeom>
+        </p:spPr>
+        <p:style>
+          <a:lnRef idx="2">
+            <a:schemeClr val="accent1">
+              <a:shade val="50000"/>
+            </a:schemeClr>
+          </a:lnRef>
+          <a:fillRef idx="1003">
+            <a:schemeClr val="dk2"/>
+          </a:fillRef>
+          <a:effectRef idx="0">
+            <a:schemeClr val="accent1"/>
+          </a:effectRef>
+          <a:fontRef idx="minor">
+            <a:schemeClr val="lt1"/>
+          </a:fontRef>
+        </p:style>
+        <p:txBody>
+          <a:bodyPr rtlCol="0" anchor="ctr"/>
+          <a:lstStyle/>
+          <a:p>
+            <a:pPr algn="ctr"/>
+            <a:endParaRPr lang="en-US" dirty="0" smtClean="0">
+              <a:solidFill>
+                <a:schemeClr val="bg1">
+                  <a:lumMod val="75000"/>
+                </a:schemeClr>
+              </a:solidFill>
+              <a:effectLst>
+                <a:outerShdw blurRad="50800" dist="177800" dir="4080000" algn="ctr" rotWithShape="0">
+                  <a:srgbClr val="000000">
+                    <a:alpha val="43137"/>
+                  </a:srgbClr>
+                </a:outerShdw>
+              </a:effectLst>
+            </a:endParaRPr>
+          </a:p>
+          <a:p>
+            <a:pPr algn="ctr"/>
+            <a:endParaRPr lang="en-US" dirty="0" smtClean="0">
+              <a:solidFill>
+                <a:schemeClr val="bg1">
+                  <a:lumMod val="75000"/>
+                </a:schemeClr>
+              </a:solidFill>
+              <a:effectLst>
+                <a:outerShdw blurRad="50800" dist="177800" dir="4080000" algn="ctr" rotWithShape="0">
+                  <a:srgbClr val="000000">
+                    <a:alpha val="43137"/>
+                  </a:srgbClr>
+                </a:outerShdw>
+              </a:effectLst>
+            </a:endParaRPr>
+          </a:p>
+          <a:p>
+            <a:pPr algn="ctr"/>
+            <a:endParaRPr lang="en-US" dirty="0" smtClean="0">
+              <a:solidFill>
+                <a:schemeClr val="bg1">
+                  <a:lumMod val="75000"/>
+                </a:schemeClr>
+              </a:solidFill>
+              <a:effectLst>
+                <a:outerShdw blurRad="50800" dist="177800" dir="4080000" algn="ctr" rotWithShape="0">
+                  <a:srgbClr val="000000">
+                    <a:alpha val="43137"/>
+                  </a:srgbClr>
+                </a:outerShdw>
+              </a:effectLst>
+            </a:endParaRPr>
+          </a:p>
+          <a:p>
+            <a:pPr algn="ctr"/>
+            <a:endParaRPr lang="en-US" dirty="0" smtClean="0">
+              <a:solidFill>
+                <a:schemeClr val="bg1">
+                  <a:lumMod val="75000"/>
+                </a:schemeClr>
+              </a:solidFill>
+              <a:effectLst>
+                <a:outerShdw blurRad="50800" dist="177800" dir="4080000" algn="ctr" rotWithShape="0">
+                  <a:srgbClr val="000000">
+                    <a:alpha val="43137"/>
+                  </a:srgbClr>
+                </a:outerShdw>
+              </a:effectLst>
+            </a:endParaRPr>
+          </a:p>
+          <a:p>
+            <a:pPr algn="ctr"/>
+            <a:endParaRPr lang="en-US" dirty="0" smtClean="0">
+              <a:solidFill>
+                <a:schemeClr val="bg1">
+                  <a:lumMod val="75000"/>
+                </a:schemeClr>
+              </a:solidFill>
+              <a:effectLst>
+                <a:outerShdw blurRad="50800" dist="177800" dir="4080000" algn="ctr" rotWithShape="0">
+                  <a:srgbClr val="000000">
+                    <a:alpha val="43137"/>
+                  </a:srgbClr>
+                </a:outerShdw>
+              </a:effectLst>
+            </a:endParaRPr>
+          </a:p>
+          <a:p>
+            <a:pPr algn="ctr"/>
+            <a:endParaRPr lang="en-US" dirty="0" smtClean="0">
+              <a:solidFill>
+                <a:schemeClr val="bg1">
+                  <a:lumMod val="75000"/>
+                </a:schemeClr>
+              </a:solidFill>
+              <a:effectLst>
+                <a:outerShdw blurRad="50800" dist="177800" dir="4080000" algn="ctr" rotWithShape="0">
+                  <a:srgbClr val="000000">
+                    <a:alpha val="43137"/>
+                  </a:srgbClr>
+                </a:outerShdw>
+              </a:effectLst>
+            </a:endParaRPr>
+          </a:p>
+          <a:p>
+            <a:pPr algn="ctr"/>
+            <a:endParaRPr lang="en-US" dirty="0" smtClean="0">
+              <a:solidFill>
+                <a:schemeClr val="bg1">
+                  <a:lumMod val="75000"/>
+                </a:schemeClr>
+              </a:solidFill>
+              <a:effectLst>
+                <a:outerShdw blurRad="50800" dist="177800" dir="4080000" algn="ctr" rotWithShape="0">
+                  <a:srgbClr val="000000">
+                    <a:alpha val="43137"/>
+                  </a:srgbClr>
+                </a:outerShdw>
+              </a:effectLst>
+            </a:endParaRPr>
+          </a:p>
+          <a:p>
+            <a:pPr algn="ctr"/>
+            <a:endParaRPr lang="en-US" dirty="0" smtClean="0">
+              <a:solidFill>
+                <a:schemeClr val="bg1">
+                  <a:lumMod val="75000"/>
+                </a:schemeClr>
+              </a:solidFill>
+              <a:effectLst>
+                <a:outerShdw blurRad="50800" dist="177800" dir="4080000" algn="ctr" rotWithShape="0">
+                  <a:srgbClr val="000000">
+                    <a:alpha val="43137"/>
+                  </a:srgbClr>
+                </a:outerShdw>
+              </a:effectLst>
+            </a:endParaRPr>
+          </a:p>
+          <a:p>
+            <a:pPr algn="ctr"/>
+            <a:endParaRPr lang="en-US" dirty="0" smtClean="0">
+              <a:solidFill>
+                <a:schemeClr val="bg1">
+                  <a:lumMod val="75000"/>
+                </a:schemeClr>
+              </a:solidFill>
+              <a:effectLst>
+                <a:outerShdw blurRad="50800" dist="177800" dir="4080000" algn="ctr" rotWithShape="0">
+                  <a:srgbClr val="000000">
+                    <a:alpha val="43137"/>
+                  </a:srgbClr>
+                </a:outerShdw>
+              </a:effectLst>
+            </a:endParaRPr>
+          </a:p>
+          <a:p>
+            <a:pPr algn="ctr"/>
+            <a:endParaRPr lang="en-US" dirty="0" smtClean="0">
+              <a:solidFill>
+                <a:schemeClr val="bg1">
+                  <a:lumMod val="75000"/>
+                </a:schemeClr>
+              </a:solidFill>
+              <a:effectLst>
+                <a:outerShdw blurRad="50800" dist="177800" dir="4080000" algn="ctr" rotWithShape="0">
+                  <a:srgbClr val="000000">
+                    <a:alpha val="43137"/>
+                  </a:srgbClr>
+                </a:outerShdw>
+              </a:effectLst>
+            </a:endParaRPr>
+          </a:p>
+        </p:txBody>
+      </p:sp>
+      <p:sp>
+        <p:nvSpPr>
+          <p:cNvPr id="63" name="Rectangle 62"/>
+          <p:cNvSpPr/>
+          <p:nvPr/>
+        </p:nvSpPr>
+        <p:spPr>
+          <a:xfrm>
+            <a:off x="7966997" y="1244613"/>
+            <a:ext cx="3108960" cy="2204643"/>
+          </a:xfrm>
+          <a:prstGeom prst="rect">
+            <a:avLst/>
+          </a:prstGeom>
+          <a:gradFill>
+            <a:gsLst>
+              <a:gs pos="0">
+                <a:schemeClr val="accent1">
+                  <a:lumMod val="5000"/>
+                  <a:lumOff val="95000"/>
+                </a:schemeClr>
+              </a:gs>
+              <a:gs pos="74000">
+                <a:schemeClr val="accent1">
+                  <a:lumMod val="45000"/>
+                  <a:lumOff val="55000"/>
+                </a:schemeClr>
+              </a:gs>
+              <a:gs pos="83000">
+                <a:schemeClr val="accent1">
+                  <a:lumMod val="45000"/>
+                  <a:lumOff val="55000"/>
+                </a:schemeClr>
+              </a:gs>
+              <a:gs pos="100000">
+                <a:schemeClr val="accent1">
+                  <a:lumMod val="30000"/>
+                  <a:lumOff val="70000"/>
+                </a:schemeClr>
+              </a:gs>
+            </a:gsLst>
+            <a:path path="rect">
+              <a:fillToRect l="100000" t="100000"/>
+            </a:path>
+          </a:gradFill>
+          <a:ln>
+            <a:gradFill flip="none" rotWithShape="1">
+              <a:gsLst>
+                <a:gs pos="0">
+                  <a:schemeClr val="accent1">
+                    <a:lumMod val="5000"/>
+                    <a:lumOff val="95000"/>
+                  </a:schemeClr>
+                </a:gs>
+                <a:gs pos="74000">
+                  <a:schemeClr val="accent1">
+                    <a:lumMod val="45000"/>
+                    <a:lumOff val="55000"/>
+                  </a:schemeClr>
+                </a:gs>
+                <a:gs pos="83000">
+                  <a:schemeClr val="accent1">
+                    <a:lumMod val="45000"/>
+                    <a:lumOff val="55000"/>
+                  </a:schemeClr>
+                </a:gs>
+                <a:gs pos="100000">
+                  <a:schemeClr val="accent1">
+                    <a:lumMod val="30000"/>
+                    <a:lumOff val="70000"/>
+                  </a:schemeClr>
+                </a:gs>
+              </a:gsLst>
+              <a:path path="rect">
+                <a:fillToRect l="100000" t="100000"/>
+              </a:path>
+              <a:tileRect r="-100000" b="-100000"/>
+            </a:gradFill>
+          </a:ln>
+        </p:spPr>
+        <p:style>
+          <a:lnRef idx="2">
+            <a:schemeClr val="accent1">
+              <a:shade val="50000"/>
+            </a:schemeClr>
+          </a:lnRef>
+          <a:fillRef idx="1">
+            <a:schemeClr val="accent1"/>
+          </a:fillRef>
+          <a:effectRef idx="0">
+            <a:schemeClr val="accent1"/>
+          </a:effectRef>
+          <a:fontRef idx="minor">
+            <a:schemeClr val="lt1"/>
+          </a:fontRef>
+        </p:style>
+        <p:txBody>
+          <a:bodyPr rtlCol="0" anchor="ctr"/>
+          <a:lstStyle/>
+          <a:p>
+            <a:pPr algn="ctr"/>
+            <a:endParaRPr lang="en-US" dirty="0"/>
+          </a:p>
+        </p:txBody>
+      </p:sp>
+      <p:sp>
+        <p:nvSpPr>
+          <p:cNvPr id="64" name="Rectangle 63"/>
+          <p:cNvSpPr/>
+          <p:nvPr/>
+        </p:nvSpPr>
+        <p:spPr>
+          <a:xfrm>
+            <a:off x="8012206" y="1653980"/>
+            <a:ext cx="1013501" cy="953175"/>
+          </a:xfrm>
+          <a:prstGeom prst="rect">
+            <a:avLst/>
+          </a:prstGeom>
+        </p:spPr>
+        <p:style>
+          <a:lnRef idx="1">
+            <a:schemeClr val="accent3"/>
+          </a:lnRef>
+          <a:fillRef idx="2">
+            <a:schemeClr val="accent3"/>
+          </a:fillRef>
+          <a:effectRef idx="1">
+            <a:schemeClr val="accent3"/>
+          </a:effectRef>
+          <a:fontRef idx="minor">
+            <a:schemeClr val="dk1"/>
+          </a:fontRef>
+        </p:style>
+        <p:txBody>
+          <a:bodyPr rtlCol="0" anchor="ctr"/>
+          <a:lstStyle/>
+          <a:p>
+            <a:pPr algn="ctr"/>
+            <a:endParaRPr lang="en-US"/>
+          </a:p>
+        </p:txBody>
+      </p:sp>
+      <p:pic>
+        <p:nvPicPr>
+          <p:cNvPr id="65" name="Picture 64"/>
+          <p:cNvPicPr>
+            <a:picLocks noChangeAspect="1"/>
+          </p:cNvPicPr>
+          <p:nvPr/>
+        </p:nvPicPr>
+        <p:blipFill>
+          <a:blip r:embed="rId4">
+            <a:extLst>
+              <a:ext uri="{28A0092B-C50C-407E-A947-70E740481C1C}">
+                <a14:useLocalDpi xmlns:a14="http://schemas.microsoft.com/office/drawing/2010/main" val="0"/>
+              </a:ext>
+            </a:extLst>
+          </a:blip>
+          <a:stretch>
+            <a:fillRect/>
+          </a:stretch>
+        </p:blipFill>
+        <p:spPr>
+          <a:xfrm>
+            <a:off x="8086167" y="1698657"/>
+            <a:ext cx="911828" cy="911828"/>
+          </a:xfrm>
+          <a:prstGeom prst="rect">
+            <a:avLst/>
+          </a:prstGeom>
+        </p:spPr>
+      </p:pic>
+      <p:sp>
+        <p:nvSpPr>
+          <p:cNvPr id="66" name="TextBox 65"/>
+          <p:cNvSpPr txBox="1"/>
+          <p:nvPr/>
+        </p:nvSpPr>
+        <p:spPr>
+          <a:xfrm>
+            <a:off x="8751347" y="1244613"/>
+            <a:ext cx="1524776" cy="369332"/>
+          </a:xfrm>
+          <a:prstGeom prst="rect">
+            <a:avLst/>
+          </a:prstGeom>
+          <a:noFill/>
+        </p:spPr>
+        <p:txBody>
+          <a:bodyPr wrap="none" rtlCol="0">
+            <a:spAutoFit/>
+          </a:bodyPr>
+          <a:lstStyle/>
+          <a:p>
+            <a:r>
+              <a:rPr lang="en-US" b="1" u="sng" dirty="0" smtClean="0">
+                <a:effectLst>
+                  <a:outerShdw blurRad="50800" dist="38100" algn="l" rotWithShape="0">
+                    <a:schemeClr val="bg1">
+                      <a:alpha val="40000"/>
+                    </a:schemeClr>
+                  </a:outerShdw>
+                </a:effectLst>
+              </a:rPr>
+              <a:t>SuperBaller76</a:t>
+            </a:r>
+            <a:endParaRPr lang="en-US" b="1" u="sng" dirty="0">
+              <a:effectLst>
+                <a:outerShdw blurRad="50800" dist="38100" algn="l" rotWithShape="0">
+                  <a:schemeClr val="bg1">
+                    <a:alpha val="40000"/>
+                  </a:schemeClr>
+                </a:outerShdw>
+              </a:effectLst>
+            </a:endParaRPr>
+          </a:p>
+        </p:txBody>
+      </p:sp>
+      <p:sp>
+        <p:nvSpPr>
+          <p:cNvPr id="67" name="TextBox 66"/>
+          <p:cNvSpPr txBox="1"/>
+          <p:nvPr/>
+        </p:nvSpPr>
+        <p:spPr>
+          <a:xfrm flipH="1">
+            <a:off x="9005174" y="1557007"/>
+            <a:ext cx="949124" cy="307777"/>
+          </a:xfrm>
+          <a:prstGeom prst="rect">
+            <a:avLst/>
+          </a:prstGeom>
+          <a:noFill/>
+        </p:spPr>
+        <p:txBody>
+          <a:bodyPr wrap="square" rtlCol="0">
+            <a:spAutoFit/>
+          </a:bodyPr>
+          <a:lstStyle/>
+          <a:p>
+            <a:r>
+              <a:rPr lang="en-US" sz="1400" b="1" dirty="0" smtClean="0"/>
+              <a:t>Age</a:t>
+            </a:r>
+            <a:r>
+              <a:rPr lang="en-US" sz="1400" dirty="0" smtClean="0"/>
+              <a:t>: 17</a:t>
+            </a:r>
+            <a:endParaRPr lang="en-US" sz="1400" dirty="0"/>
+          </a:p>
+        </p:txBody>
+      </p:sp>
+      <p:sp>
+        <p:nvSpPr>
+          <p:cNvPr id="68" name="TextBox 67"/>
+          <p:cNvSpPr txBox="1"/>
+          <p:nvPr/>
+        </p:nvSpPr>
+        <p:spPr>
+          <a:xfrm flipH="1">
+            <a:off x="9013740" y="1772450"/>
+            <a:ext cx="1358270" cy="307777"/>
+          </a:xfrm>
+          <a:prstGeom prst="rect">
+            <a:avLst/>
+          </a:prstGeom>
+          <a:noFill/>
+        </p:spPr>
+        <p:txBody>
+          <a:bodyPr wrap="square" rtlCol="0">
+            <a:spAutoFit/>
+          </a:bodyPr>
+          <a:lstStyle/>
+          <a:p>
+            <a:r>
+              <a:rPr lang="en-US" sz="1400" b="1" dirty="0" smtClean="0"/>
+              <a:t>Zip</a:t>
+            </a:r>
+            <a:r>
+              <a:rPr lang="en-US" sz="1400" dirty="0" smtClean="0"/>
+              <a:t>: 50266</a:t>
+            </a:r>
+            <a:endParaRPr lang="en-US" sz="1400" dirty="0"/>
+          </a:p>
+        </p:txBody>
+      </p:sp>
+      <p:sp>
+        <p:nvSpPr>
+          <p:cNvPr id="69" name="TextBox 68"/>
+          <p:cNvSpPr txBox="1"/>
+          <p:nvPr/>
+        </p:nvSpPr>
+        <p:spPr>
+          <a:xfrm flipH="1">
+            <a:off x="9013740" y="1994922"/>
+            <a:ext cx="1358270" cy="307777"/>
+          </a:xfrm>
+          <a:prstGeom prst="rect">
+            <a:avLst/>
+          </a:prstGeom>
+          <a:noFill/>
+        </p:spPr>
+        <p:txBody>
+          <a:bodyPr wrap="square" rtlCol="0">
+            <a:spAutoFit/>
+          </a:bodyPr>
+          <a:lstStyle/>
+          <a:p>
+            <a:r>
+              <a:rPr lang="en-US" sz="1400" b="1" dirty="0" smtClean="0"/>
+              <a:t>Gender</a:t>
+            </a:r>
+            <a:r>
+              <a:rPr lang="en-US" sz="1400" dirty="0" smtClean="0"/>
+              <a:t>: Male</a:t>
+            </a:r>
+            <a:endParaRPr lang="en-US" sz="1400" dirty="0"/>
+          </a:p>
+        </p:txBody>
+      </p:sp>
+      <p:sp>
+        <p:nvSpPr>
+          <p:cNvPr id="73" name="TextBox 72"/>
+          <p:cNvSpPr txBox="1"/>
+          <p:nvPr/>
+        </p:nvSpPr>
+        <p:spPr>
+          <a:xfrm flipH="1">
+            <a:off x="7966997" y="2596074"/>
+            <a:ext cx="3089196" cy="738664"/>
+          </a:xfrm>
+          <a:prstGeom prst="rect">
+            <a:avLst/>
+          </a:prstGeom>
+          <a:noFill/>
+        </p:spPr>
+        <p:txBody>
+          <a:bodyPr wrap="square" rtlCol="0">
+            <a:spAutoFit/>
+          </a:bodyPr>
+          <a:lstStyle/>
+          <a:p>
+            <a:r>
+              <a:rPr lang="en-US" sz="1400" b="1" dirty="0" smtClean="0"/>
+              <a:t>Bio</a:t>
+            </a:r>
+            <a:r>
+              <a:rPr lang="en-US" sz="1400" dirty="0" smtClean="0"/>
+              <a:t>:</a:t>
+            </a:r>
+          </a:p>
+          <a:p>
+            <a:r>
+              <a:rPr lang="en-US" sz="1400" dirty="0" smtClean="0"/>
+              <a:t>    I like basketball, football, baseball, and magic the gathering.</a:t>
+            </a:r>
+            <a:endParaRPr lang="en-US" sz="1400" dirty="0"/>
+          </a:p>
+        </p:txBody>
+      </p:sp>
+      <p:sp>
+        <p:nvSpPr>
+          <p:cNvPr id="74" name="TextBox 73"/>
+          <p:cNvSpPr txBox="1"/>
+          <p:nvPr/>
+        </p:nvSpPr>
+        <p:spPr>
+          <a:xfrm>
+            <a:off x="10441915" y="1544768"/>
+            <a:ext cx="467500" cy="307777"/>
+          </a:xfrm>
+          <a:prstGeom prst="rect">
+            <a:avLst/>
+          </a:prstGeom>
+          <a:noFill/>
+        </p:spPr>
+        <p:txBody>
+          <a:bodyPr wrap="none" rtlCol="0">
+            <a:spAutoFit/>
+          </a:bodyPr>
+          <a:lstStyle/>
+          <a:p>
+            <a:r>
+              <a:rPr lang="en-US" sz="1400" smtClean="0">
+                <a:solidFill>
+                  <a:schemeClr val="accent1">
+                    <a:lumMod val="75000"/>
+                  </a:schemeClr>
+                </a:solidFill>
+              </a:rPr>
+              <a:t>Edit</a:t>
+            </a:r>
+            <a:endParaRPr lang="en-US" sz="1400">
+              <a:solidFill>
+                <a:schemeClr val="accent1">
+                  <a:lumMod val="75000"/>
+                </a:schemeClr>
+              </a:solidFill>
+            </a:endParaRPr>
+          </a:p>
+        </p:txBody>
+      </p:sp>
+      <p:sp>
+        <p:nvSpPr>
+          <p:cNvPr id="75" name="TextBox 74"/>
+          <p:cNvSpPr txBox="1"/>
+          <p:nvPr/>
+        </p:nvSpPr>
+        <p:spPr>
+          <a:xfrm>
+            <a:off x="10457604" y="1790032"/>
+            <a:ext cx="467500" cy="307777"/>
+          </a:xfrm>
+          <a:prstGeom prst="rect">
+            <a:avLst/>
+          </a:prstGeom>
+          <a:noFill/>
+        </p:spPr>
+        <p:txBody>
+          <a:bodyPr wrap="none" rtlCol="0">
+            <a:spAutoFit/>
+          </a:bodyPr>
+          <a:lstStyle/>
+          <a:p>
+            <a:r>
+              <a:rPr lang="en-US" sz="1400" smtClean="0">
+                <a:solidFill>
+                  <a:schemeClr val="accent1">
+                    <a:lumMod val="75000"/>
+                  </a:schemeClr>
+                </a:solidFill>
+              </a:rPr>
+              <a:t>Edit</a:t>
+            </a:r>
+            <a:endParaRPr lang="en-US" sz="1400">
+              <a:solidFill>
+                <a:schemeClr val="accent1">
+                  <a:lumMod val="75000"/>
+                </a:schemeClr>
+              </a:solidFill>
+            </a:endParaRPr>
+          </a:p>
+        </p:txBody>
+      </p:sp>
+      <p:sp>
+        <p:nvSpPr>
+          <p:cNvPr id="76" name="TextBox 75"/>
+          <p:cNvSpPr txBox="1"/>
+          <p:nvPr/>
+        </p:nvSpPr>
+        <p:spPr>
+          <a:xfrm>
+            <a:off x="10441915" y="2011047"/>
+            <a:ext cx="467500" cy="307777"/>
+          </a:xfrm>
+          <a:prstGeom prst="rect">
+            <a:avLst/>
+          </a:prstGeom>
+          <a:noFill/>
+        </p:spPr>
+        <p:txBody>
+          <a:bodyPr wrap="none" rtlCol="0">
+            <a:spAutoFit/>
+          </a:bodyPr>
+          <a:lstStyle/>
+          <a:p>
+            <a:r>
+              <a:rPr lang="en-US" sz="1400" smtClean="0">
+                <a:solidFill>
+                  <a:schemeClr val="accent1">
+                    <a:lumMod val="75000"/>
+                  </a:schemeClr>
+                </a:solidFill>
+              </a:rPr>
+              <a:t>Edit</a:t>
+            </a:r>
+            <a:endParaRPr lang="en-US" sz="1400">
+              <a:solidFill>
+                <a:schemeClr val="accent1">
+                  <a:lumMod val="75000"/>
+                </a:schemeClr>
+              </a:solidFill>
+            </a:endParaRPr>
+          </a:p>
+        </p:txBody>
+      </p:sp>
+      <p:sp>
+        <p:nvSpPr>
+          <p:cNvPr id="77" name="TextBox 76"/>
+          <p:cNvSpPr txBox="1"/>
+          <p:nvPr/>
+        </p:nvSpPr>
+        <p:spPr>
+          <a:xfrm>
+            <a:off x="9908317" y="3037134"/>
+            <a:ext cx="467500" cy="307777"/>
+          </a:xfrm>
+          <a:prstGeom prst="rect">
+            <a:avLst/>
+          </a:prstGeom>
+          <a:noFill/>
+        </p:spPr>
+        <p:txBody>
+          <a:bodyPr wrap="none" rtlCol="0">
+            <a:spAutoFit/>
+          </a:bodyPr>
+          <a:lstStyle/>
+          <a:p>
+            <a:r>
+              <a:rPr lang="en-US" sz="1400" smtClean="0">
+                <a:solidFill>
+                  <a:schemeClr val="accent1">
+                    <a:lumMod val="75000"/>
+                  </a:schemeClr>
+                </a:solidFill>
+              </a:rPr>
+              <a:t>Edit</a:t>
+            </a:r>
+            <a:endParaRPr lang="en-US" sz="1400">
+              <a:solidFill>
+                <a:schemeClr val="accent1">
+                  <a:lumMod val="75000"/>
+                </a:schemeClr>
+              </a:solidFill>
+            </a:endParaRPr>
           </a:p>
         </p:txBody>
       </p:sp>

--- a/Storyboard Design.pptx
+++ b/Storyboard Design.pptx
@@ -5,7 +5,7 @@
     <p:sldMasterId id="2147483648" r:id="rId1"/>
   </p:sldMasterIdLst>
   <p:notesMasterIdLst>
-    <p:notesMasterId r:id="rId12"/>
+    <p:notesMasterId r:id="rId13"/>
   </p:notesMasterIdLst>
   <p:sldIdLst>
     <p:sldId id="261" r:id="rId2"/>
@@ -16,8 +16,9 @@
     <p:sldId id="269" r:id="rId7"/>
     <p:sldId id="270" r:id="rId8"/>
     <p:sldId id="273" r:id="rId9"/>
-    <p:sldId id="271" r:id="rId10"/>
-    <p:sldId id="272" r:id="rId11"/>
+    <p:sldId id="274" r:id="rId10"/>
+    <p:sldId id="271" r:id="rId11"/>
+    <p:sldId id="272" r:id="rId12"/>
   </p:sldIdLst>
   <p:sldSz cx="12192000" cy="6858000"/>
   <p:notesSz cx="6858000" cy="9144000"/>
@@ -206,7 +207,7 @@
           <a:p>
             <a:fld id="{9F425F84-FD09-D542-8021-99D93A2A6567}" type="datetimeFigureOut">
               <a:rPr lang="en-US" smtClean="0"/>
-              <a:t>1/26/16</a:t>
+              <a:t>1/31/16</a:t>
             </a:fld>
             <a:endParaRPr lang="en-US"/>
           </a:p>
@@ -1114,61 +1115,10 @@
           <a:bodyPr/>
           <a:lstStyle/>
           <a:p>
-            <a:pPr marL="0" marR="0" indent="0" algn="l" defTabSz="914400" rtl="0" eaLnBrk="1" fontAlgn="auto" latinLnBrk="0" hangingPunct="1">
-              <a:lnSpc>
-                <a:spcPct val="100000"/>
-              </a:lnSpc>
-              <a:spcBef>
-                <a:spcPts val="0"/>
-              </a:spcBef>
-              <a:spcAft>
-                <a:spcPts val="0"/>
-              </a:spcAft>
-              <a:buClrTx/>
-              <a:buSzTx/>
-              <a:buFontTx/>
-              <a:buNone/>
-              <a:tabLst/>
-              <a:defRPr/>
-            </a:pPr>
             <a:r>
               <a:rPr lang="en-US" dirty="0" smtClean="0"/>
-              <a:t>Add list of items to bring button</a:t>
-            </a:r>
-            <a:r>
-              <a:rPr lang="en-US" baseline="0" dirty="0" smtClean="0"/>
-              <a:t> (checklist of game items</a:t>
-            </a:r>
-            <a:r>
-              <a:rPr lang="en-US" baseline="0" dirty="0" smtClean="0"/>
-              <a:t>)</a:t>
-            </a:r>
-          </a:p>
-          <a:p>
-            <a:pPr marL="0" marR="0" indent="0" algn="l" defTabSz="914400" rtl="0" eaLnBrk="1" fontAlgn="auto" latinLnBrk="0" hangingPunct="1">
-              <a:lnSpc>
-                <a:spcPct val="100000"/>
-              </a:lnSpc>
-              <a:spcBef>
-                <a:spcPts val="0"/>
-              </a:spcBef>
-              <a:spcAft>
-                <a:spcPts val="0"/>
-              </a:spcAft>
-              <a:buClrTx/>
-              <a:buSzTx/>
-              <a:buFontTx/>
-              <a:buNone/>
-              <a:tabLst/>
-              <a:defRPr/>
-            </a:pPr>
-            <a:r>
-              <a:rPr lang="en-US" baseline="0" dirty="0" smtClean="0"/>
-              <a:t>We will need an edit view for this screen as well</a:t>
-            </a:r>
-            <a:endParaRPr lang="en-US" dirty="0" smtClean="0"/>
-          </a:p>
-          <a:p>
+              <a:t>Grant</a:t>
+            </a:r>
             <a:endParaRPr lang="en-US" dirty="0"/>
           </a:p>
         </p:txBody>
@@ -1199,7 +1149,7 @@
     </p:spTree>
     <p:extLst>
       <p:ext uri="{BB962C8B-B14F-4D97-AF65-F5344CB8AC3E}">
-        <p14:creationId xmlns:p14="http://schemas.microsoft.com/office/powerpoint/2010/main" val="361205280"/>
+        <p14:creationId xmlns:p14="http://schemas.microsoft.com/office/powerpoint/2010/main" val="1093455213"/>
       </p:ext>
     </p:extLst>
   </p:cSld>
@@ -1253,13 +1203,72 @@
           <a:bodyPr/>
           <a:lstStyle/>
           <a:p>
+            <a:pPr marL="0" marR="0" indent="0" algn="l" defTabSz="914400" rtl="0" eaLnBrk="1" fontAlgn="auto" latinLnBrk="0" hangingPunct="1">
+              <a:lnSpc>
+                <a:spcPct val="100000"/>
+              </a:lnSpc>
+              <a:spcBef>
+                <a:spcPts val="0"/>
+              </a:spcBef>
+              <a:spcAft>
+                <a:spcPts val="0"/>
+              </a:spcAft>
+              <a:buClrTx/>
+              <a:buSzTx/>
+              <a:buFontTx/>
+              <a:buNone/>
+              <a:tabLst/>
+              <a:defRPr/>
+            </a:pPr>
             <a:r>
               <a:rPr lang="en-US" dirty="0" smtClean="0"/>
-              <a:t>Add</a:t>
+              <a:t>Add list of items to bring button</a:t>
             </a:r>
             <a:r>
               <a:rPr lang="en-US" baseline="0" dirty="0" smtClean="0"/>
-              <a:t> Last Games Played in as well</a:t>
+              <a:t> (checklist of game items)</a:t>
+            </a:r>
+          </a:p>
+          <a:p>
+            <a:pPr marL="0" marR="0" indent="0" algn="l" defTabSz="914400" rtl="0" eaLnBrk="1" fontAlgn="auto" latinLnBrk="0" hangingPunct="1">
+              <a:lnSpc>
+                <a:spcPct val="100000"/>
+              </a:lnSpc>
+              <a:spcBef>
+                <a:spcPts val="0"/>
+              </a:spcBef>
+              <a:spcAft>
+                <a:spcPts val="0"/>
+              </a:spcAft>
+              <a:buClrTx/>
+              <a:buSzTx/>
+              <a:buFontTx/>
+              <a:buNone/>
+              <a:tabLst/>
+              <a:defRPr/>
+            </a:pPr>
+            <a:r>
+              <a:rPr lang="en-US" baseline="0" dirty="0" smtClean="0"/>
+              <a:t>We will need an edit view for this screen as well</a:t>
+            </a:r>
+            <a:endParaRPr lang="en-US" dirty="0" smtClean="0"/>
+          </a:p>
+          <a:p>
+            <a:r>
+              <a:rPr lang="en-US" dirty="0" smtClean="0"/>
+              <a:t>The </a:t>
+            </a:r>
+            <a:r>
+              <a:rPr lang="en-US" dirty="0" err="1" smtClean="0"/>
+              <a:t>lighning</a:t>
+            </a:r>
+            <a:r>
+              <a:rPr lang="en-US" dirty="0" smtClean="0"/>
+              <a:t> bolt</a:t>
+            </a:r>
+            <a:r>
+              <a:rPr lang="en-US" baseline="0" dirty="0" smtClean="0"/>
+              <a:t> could be the message indicator</a:t>
             </a:r>
             <a:endParaRPr lang="en-US" dirty="0"/>
           </a:p>
@@ -1283,6 +1292,98 @@
             <a:fld id="{780750F4-F706-D848-81FD-B8DFCE8B732E}" type="slidenum">
               <a:rPr lang="en-US" smtClean="0"/>
               <a:t>10</a:t>
+            </a:fld>
+            <a:endParaRPr lang="en-US"/>
+          </a:p>
+        </p:txBody>
+      </p:sp>
+    </p:spTree>
+    <p:extLst>
+      <p:ext uri="{BB962C8B-B14F-4D97-AF65-F5344CB8AC3E}">
+        <p14:creationId xmlns:p14="http://schemas.microsoft.com/office/powerpoint/2010/main" val="361205280"/>
+      </p:ext>
+    </p:extLst>
+  </p:cSld>
+  <p:clrMapOvr>
+    <a:masterClrMapping/>
+  </p:clrMapOvr>
+</p:notes>
+</file>
+
+<file path=ppt/notesSlides/notesSlide9.xml><?xml version="1.0" encoding="utf-8"?>
+<p:notes xmlns:a="http://schemas.openxmlformats.org/drawingml/2006/main" xmlns:r="http://schemas.openxmlformats.org/officeDocument/2006/relationships" xmlns:p="http://schemas.openxmlformats.org/presentationml/2006/main">
+  <p:cSld>
+    <p:spTree>
+      <p:nvGrpSpPr>
+        <p:cNvPr id="1" name=""/>
+        <p:cNvGrpSpPr/>
+        <p:nvPr/>
+      </p:nvGrpSpPr>
+      <p:grpSpPr>
+        <a:xfrm>
+          <a:off x="0" y="0"/>
+          <a:ext cx="0" cy="0"/>
+          <a:chOff x="0" y="0"/>
+          <a:chExt cx="0" cy="0"/>
+        </a:xfrm>
+      </p:grpSpPr>
+      <p:sp>
+        <p:nvSpPr>
+          <p:cNvPr id="2" name="Slide Image Placeholder 1"/>
+          <p:cNvSpPr>
+            <a:spLocks noGrp="1" noRot="1" noChangeAspect="1"/>
+          </p:cNvSpPr>
+          <p:nvPr>
+            <p:ph type="sldImg"/>
+          </p:nvPr>
+        </p:nvSpPr>
+        <p:spPr/>
+      </p:sp>
+      <p:sp>
+        <p:nvSpPr>
+          <p:cNvPr id="3" name="Notes Placeholder 2"/>
+          <p:cNvSpPr>
+            <a:spLocks noGrp="1"/>
+          </p:cNvSpPr>
+          <p:nvPr>
+            <p:ph type="body" idx="1"/>
+          </p:nvPr>
+        </p:nvSpPr>
+        <p:spPr/>
+        <p:txBody>
+          <a:bodyPr/>
+          <a:lstStyle/>
+          <a:p>
+            <a:r>
+              <a:rPr lang="en-US" dirty="0" smtClean="0"/>
+              <a:t>Add</a:t>
+            </a:r>
+            <a:r>
+              <a:rPr lang="en-US" baseline="0" dirty="0" smtClean="0"/>
+              <a:t> Last Games Played in as well</a:t>
+            </a:r>
+            <a:endParaRPr lang="en-US" dirty="0"/>
+          </a:p>
+        </p:txBody>
+      </p:sp>
+      <p:sp>
+        <p:nvSpPr>
+          <p:cNvPr id="4" name="Slide Number Placeholder 3"/>
+          <p:cNvSpPr>
+            <a:spLocks noGrp="1"/>
+          </p:cNvSpPr>
+          <p:nvPr>
+            <p:ph type="sldNum" sz="quarter" idx="10"/>
+          </p:nvPr>
+        </p:nvSpPr>
+        <p:spPr/>
+        <p:txBody>
+          <a:bodyPr/>
+          <a:lstStyle/>
+          <a:p>
+            <a:fld id="{780750F4-F706-D848-81FD-B8DFCE8B732E}" type="slidenum">
+              <a:rPr lang="en-US" smtClean="0"/>
+              <a:t>11</a:t>
             </a:fld>
             <a:endParaRPr lang="en-US"/>
           </a:p>
@@ -1432,7 +1533,7 @@
           <a:p>
             <a:fld id="{DC3D5DEA-293A-6C49-8636-6C14B8B3C869}" type="datetimeFigureOut">
               <a:rPr lang="en-US" smtClean="0"/>
-              <a:t>1/26/16</a:t>
+              <a:t>1/31/16</a:t>
             </a:fld>
             <a:endParaRPr lang="en-US"/>
           </a:p>
@@ -1602,7 +1703,7 @@
           <a:p>
             <a:fld id="{DC3D5DEA-293A-6C49-8636-6C14B8B3C869}" type="datetimeFigureOut">
               <a:rPr lang="en-US" smtClean="0"/>
-              <a:t>1/26/16</a:t>
+              <a:t>1/31/16</a:t>
             </a:fld>
             <a:endParaRPr lang="en-US"/>
           </a:p>
@@ -1782,7 +1883,7 @@
           <a:p>
             <a:fld id="{DC3D5DEA-293A-6C49-8636-6C14B8B3C869}" type="datetimeFigureOut">
               <a:rPr lang="en-US" smtClean="0"/>
-              <a:t>1/26/16</a:t>
+              <a:t>1/31/16</a:t>
             </a:fld>
             <a:endParaRPr lang="en-US"/>
           </a:p>
@@ -1952,7 +2053,7 @@
           <a:p>
             <a:fld id="{DC3D5DEA-293A-6C49-8636-6C14B8B3C869}" type="datetimeFigureOut">
               <a:rPr lang="en-US" smtClean="0"/>
-              <a:t>1/26/16</a:t>
+              <a:t>1/31/16</a:t>
             </a:fld>
             <a:endParaRPr lang="en-US"/>
           </a:p>
@@ -2198,7 +2299,7 @@
           <a:p>
             <a:fld id="{DC3D5DEA-293A-6C49-8636-6C14B8B3C869}" type="datetimeFigureOut">
               <a:rPr lang="en-US" smtClean="0"/>
-              <a:t>1/26/16</a:t>
+              <a:t>1/31/16</a:t>
             </a:fld>
             <a:endParaRPr lang="en-US"/>
           </a:p>
@@ -2430,7 +2531,7 @@
           <a:p>
             <a:fld id="{DC3D5DEA-293A-6C49-8636-6C14B8B3C869}" type="datetimeFigureOut">
               <a:rPr lang="en-US" smtClean="0"/>
-              <a:t>1/26/16</a:t>
+              <a:t>1/31/16</a:t>
             </a:fld>
             <a:endParaRPr lang="en-US"/>
           </a:p>
@@ -2797,7 +2898,7 @@
           <a:p>
             <a:fld id="{DC3D5DEA-293A-6C49-8636-6C14B8B3C869}" type="datetimeFigureOut">
               <a:rPr lang="en-US" smtClean="0"/>
-              <a:t>1/26/16</a:t>
+              <a:t>1/31/16</a:t>
             </a:fld>
             <a:endParaRPr lang="en-US"/>
           </a:p>
@@ -2915,7 +3016,7 @@
           <a:p>
             <a:fld id="{DC3D5DEA-293A-6C49-8636-6C14B8B3C869}" type="datetimeFigureOut">
               <a:rPr lang="en-US" smtClean="0"/>
-              <a:t>1/26/16</a:t>
+              <a:t>1/31/16</a:t>
             </a:fld>
             <a:endParaRPr lang="en-US"/>
           </a:p>
@@ -3010,7 +3111,7 @@
           <a:p>
             <a:fld id="{DC3D5DEA-293A-6C49-8636-6C14B8B3C869}" type="datetimeFigureOut">
               <a:rPr lang="en-US" smtClean="0"/>
-              <a:t>1/26/16</a:t>
+              <a:t>1/31/16</a:t>
             </a:fld>
             <a:endParaRPr lang="en-US"/>
           </a:p>
@@ -3287,7 +3388,7 @@
           <a:p>
             <a:fld id="{DC3D5DEA-293A-6C49-8636-6C14B8B3C869}" type="datetimeFigureOut">
               <a:rPr lang="en-US" smtClean="0"/>
-              <a:t>1/26/16</a:t>
+              <a:t>1/31/16</a:t>
             </a:fld>
             <a:endParaRPr lang="en-US"/>
           </a:p>
@@ -3540,7 +3641,7 @@
           <a:p>
             <a:fld id="{DC3D5DEA-293A-6C49-8636-6C14B8B3C869}" type="datetimeFigureOut">
               <a:rPr lang="en-US" smtClean="0"/>
-              <a:t>1/26/16</a:t>
+              <a:t>1/31/16</a:t>
             </a:fld>
             <a:endParaRPr lang="en-US"/>
           </a:p>
@@ -3753,7 +3854,7 @@
           <a:p>
             <a:fld id="{DC3D5DEA-293A-6C49-8636-6C14B8B3C869}" type="datetimeFigureOut">
               <a:rPr lang="en-US" smtClean="0"/>
-              <a:t>1/26/16</a:t>
+              <a:t>1/31/16</a:t>
             </a:fld>
             <a:endParaRPr lang="en-US"/>
           </a:p>
@@ -4287,6 +4388,1469 @@
       </p:grpSpPr>
       <p:pic>
         <p:nvPicPr>
+          <p:cNvPr id="4" name="Picture 3"/>
+          <p:cNvPicPr>
+            <a:picLocks noChangeAspect="1"/>
+          </p:cNvPicPr>
+          <p:nvPr/>
+        </p:nvPicPr>
+        <p:blipFill>
+          <a:blip r:embed="rId3">
+            <a:extLst>
+              <a:ext uri="{28A0092B-C50C-407E-A947-70E740481C1C}">
+                <a14:useLocalDpi xmlns:a14="http://schemas.microsoft.com/office/drawing/2010/main" val="0"/>
+              </a:ext>
+            </a:extLst>
+          </a:blip>
+          <a:stretch>
+            <a:fillRect/>
+          </a:stretch>
+        </p:blipFill>
+        <p:spPr>
+          <a:xfrm>
+            <a:off x="4121912" y="0"/>
+            <a:ext cx="3440545" cy="6858000"/>
+          </a:xfrm>
+          <a:prstGeom prst="rect">
+            <a:avLst/>
+          </a:prstGeom>
+        </p:spPr>
+      </p:pic>
+      <p:sp>
+        <p:nvSpPr>
+          <p:cNvPr id="5" name="Rectangle 4"/>
+          <p:cNvSpPr/>
+          <p:nvPr/>
+        </p:nvSpPr>
+        <p:spPr>
+          <a:xfrm>
+            <a:off x="4287704" y="1234440"/>
+            <a:ext cx="3108960" cy="4480560"/>
+          </a:xfrm>
+          <a:prstGeom prst="rect">
+            <a:avLst/>
+          </a:prstGeom>
+        </p:spPr>
+        <p:style>
+          <a:lnRef idx="2">
+            <a:schemeClr val="accent1">
+              <a:shade val="50000"/>
+            </a:schemeClr>
+          </a:lnRef>
+          <a:fillRef idx="1003">
+            <a:schemeClr val="dk2"/>
+          </a:fillRef>
+          <a:effectRef idx="0">
+            <a:schemeClr val="accent1"/>
+          </a:effectRef>
+          <a:fontRef idx="minor">
+            <a:schemeClr val="lt1"/>
+          </a:fontRef>
+        </p:style>
+        <p:txBody>
+          <a:bodyPr rtlCol="0" anchor="ctr"/>
+          <a:lstStyle/>
+          <a:p>
+            <a:pPr algn="ctr"/>
+            <a:endParaRPr lang="en-US" dirty="0" smtClean="0">
+              <a:solidFill>
+                <a:schemeClr val="bg1">
+                  <a:lumMod val="75000"/>
+                </a:schemeClr>
+              </a:solidFill>
+              <a:effectLst>
+                <a:outerShdw blurRad="50800" dist="177800" dir="4080000" algn="ctr" rotWithShape="0">
+                  <a:srgbClr val="000000">
+                    <a:alpha val="43137"/>
+                  </a:srgbClr>
+                </a:outerShdw>
+              </a:effectLst>
+            </a:endParaRPr>
+          </a:p>
+          <a:p>
+            <a:pPr algn="ctr"/>
+            <a:endParaRPr lang="en-US" dirty="0" smtClean="0">
+              <a:solidFill>
+                <a:schemeClr val="bg1">
+                  <a:lumMod val="75000"/>
+                </a:schemeClr>
+              </a:solidFill>
+              <a:effectLst>
+                <a:outerShdw blurRad="50800" dist="177800" dir="4080000" algn="ctr" rotWithShape="0">
+                  <a:srgbClr val="000000">
+                    <a:alpha val="43137"/>
+                  </a:srgbClr>
+                </a:outerShdw>
+              </a:effectLst>
+            </a:endParaRPr>
+          </a:p>
+          <a:p>
+            <a:pPr algn="ctr"/>
+            <a:endParaRPr lang="en-US" dirty="0" smtClean="0">
+              <a:solidFill>
+                <a:schemeClr val="bg1">
+                  <a:lumMod val="75000"/>
+                </a:schemeClr>
+              </a:solidFill>
+              <a:effectLst>
+                <a:outerShdw blurRad="50800" dist="177800" dir="4080000" algn="ctr" rotWithShape="0">
+                  <a:srgbClr val="000000">
+                    <a:alpha val="43137"/>
+                  </a:srgbClr>
+                </a:outerShdw>
+              </a:effectLst>
+            </a:endParaRPr>
+          </a:p>
+          <a:p>
+            <a:pPr algn="ctr"/>
+            <a:endParaRPr lang="en-US" dirty="0" smtClean="0">
+              <a:solidFill>
+                <a:schemeClr val="bg1">
+                  <a:lumMod val="75000"/>
+                </a:schemeClr>
+              </a:solidFill>
+              <a:effectLst>
+                <a:outerShdw blurRad="50800" dist="177800" dir="4080000" algn="ctr" rotWithShape="0">
+                  <a:srgbClr val="000000">
+                    <a:alpha val="43137"/>
+                  </a:srgbClr>
+                </a:outerShdw>
+              </a:effectLst>
+            </a:endParaRPr>
+          </a:p>
+          <a:p>
+            <a:pPr algn="ctr"/>
+            <a:endParaRPr lang="en-US" dirty="0" smtClean="0">
+              <a:solidFill>
+                <a:schemeClr val="bg1">
+                  <a:lumMod val="75000"/>
+                </a:schemeClr>
+              </a:solidFill>
+              <a:effectLst>
+                <a:outerShdw blurRad="50800" dist="177800" dir="4080000" algn="ctr" rotWithShape="0">
+                  <a:srgbClr val="000000">
+                    <a:alpha val="43137"/>
+                  </a:srgbClr>
+                </a:outerShdw>
+              </a:effectLst>
+            </a:endParaRPr>
+          </a:p>
+          <a:p>
+            <a:pPr algn="ctr"/>
+            <a:endParaRPr lang="en-US" dirty="0" smtClean="0">
+              <a:solidFill>
+                <a:schemeClr val="bg1">
+                  <a:lumMod val="75000"/>
+                </a:schemeClr>
+              </a:solidFill>
+              <a:effectLst>
+                <a:outerShdw blurRad="50800" dist="177800" dir="4080000" algn="ctr" rotWithShape="0">
+                  <a:srgbClr val="000000">
+                    <a:alpha val="43137"/>
+                  </a:srgbClr>
+                </a:outerShdw>
+              </a:effectLst>
+            </a:endParaRPr>
+          </a:p>
+          <a:p>
+            <a:pPr algn="ctr"/>
+            <a:endParaRPr lang="en-US" dirty="0" smtClean="0">
+              <a:solidFill>
+                <a:schemeClr val="bg1">
+                  <a:lumMod val="75000"/>
+                </a:schemeClr>
+              </a:solidFill>
+              <a:effectLst>
+                <a:outerShdw blurRad="50800" dist="177800" dir="4080000" algn="ctr" rotWithShape="0">
+                  <a:srgbClr val="000000">
+                    <a:alpha val="43137"/>
+                  </a:srgbClr>
+                </a:outerShdw>
+              </a:effectLst>
+            </a:endParaRPr>
+          </a:p>
+          <a:p>
+            <a:pPr algn="ctr"/>
+            <a:endParaRPr lang="en-US" dirty="0" smtClean="0">
+              <a:solidFill>
+                <a:schemeClr val="bg1">
+                  <a:lumMod val="75000"/>
+                </a:schemeClr>
+              </a:solidFill>
+              <a:effectLst>
+                <a:outerShdw blurRad="50800" dist="177800" dir="4080000" algn="ctr" rotWithShape="0">
+                  <a:srgbClr val="000000">
+                    <a:alpha val="43137"/>
+                  </a:srgbClr>
+                </a:outerShdw>
+              </a:effectLst>
+            </a:endParaRPr>
+          </a:p>
+          <a:p>
+            <a:pPr algn="ctr"/>
+            <a:endParaRPr lang="en-US" dirty="0" smtClean="0">
+              <a:solidFill>
+                <a:schemeClr val="bg1">
+                  <a:lumMod val="75000"/>
+                </a:schemeClr>
+              </a:solidFill>
+              <a:effectLst>
+                <a:outerShdw blurRad="50800" dist="177800" dir="4080000" algn="ctr" rotWithShape="0">
+                  <a:srgbClr val="000000">
+                    <a:alpha val="43137"/>
+                  </a:srgbClr>
+                </a:outerShdw>
+              </a:effectLst>
+            </a:endParaRPr>
+          </a:p>
+          <a:p>
+            <a:pPr algn="ctr"/>
+            <a:endParaRPr lang="en-US" dirty="0" smtClean="0">
+              <a:solidFill>
+                <a:schemeClr val="bg1">
+                  <a:lumMod val="75000"/>
+                </a:schemeClr>
+              </a:solidFill>
+              <a:effectLst>
+                <a:outerShdw blurRad="50800" dist="177800" dir="4080000" algn="ctr" rotWithShape="0">
+                  <a:srgbClr val="000000">
+                    <a:alpha val="43137"/>
+                  </a:srgbClr>
+                </a:outerShdw>
+              </a:effectLst>
+            </a:endParaRPr>
+          </a:p>
+        </p:txBody>
+      </p:sp>
+      <p:sp>
+        <p:nvSpPr>
+          <p:cNvPr id="8" name="Rectangle 7"/>
+          <p:cNvSpPr/>
+          <p:nvPr/>
+        </p:nvSpPr>
+        <p:spPr>
+          <a:xfrm>
+            <a:off x="4304291" y="1668490"/>
+            <a:ext cx="3108960" cy="1762246"/>
+          </a:xfrm>
+          <a:prstGeom prst="rect">
+            <a:avLst/>
+          </a:prstGeom>
+        </p:spPr>
+        <p:style>
+          <a:lnRef idx="1">
+            <a:schemeClr val="accent4"/>
+          </a:lnRef>
+          <a:fillRef idx="2">
+            <a:schemeClr val="accent4"/>
+          </a:fillRef>
+          <a:effectRef idx="1">
+            <a:schemeClr val="accent4"/>
+          </a:effectRef>
+          <a:fontRef idx="minor">
+            <a:schemeClr val="dk1"/>
+          </a:fontRef>
+        </p:style>
+        <p:txBody>
+          <a:bodyPr rtlCol="0" anchor="ctr"/>
+          <a:lstStyle/>
+          <a:p>
+            <a:pPr algn="ctr"/>
+            <a:endParaRPr lang="en-US"/>
+          </a:p>
+        </p:txBody>
+      </p:sp>
+      <p:sp>
+        <p:nvSpPr>
+          <p:cNvPr id="9" name="Rectangle 8"/>
+          <p:cNvSpPr/>
+          <p:nvPr/>
+        </p:nvSpPr>
+        <p:spPr>
+          <a:xfrm>
+            <a:off x="4287704" y="3861315"/>
+            <a:ext cx="3108960" cy="1510414"/>
+          </a:xfrm>
+          <a:prstGeom prst="rect">
+            <a:avLst/>
+          </a:prstGeom>
+        </p:spPr>
+        <p:style>
+          <a:lnRef idx="1">
+            <a:schemeClr val="accent1"/>
+          </a:lnRef>
+          <a:fillRef idx="2">
+            <a:schemeClr val="accent1"/>
+          </a:fillRef>
+          <a:effectRef idx="1">
+            <a:schemeClr val="accent1"/>
+          </a:effectRef>
+          <a:fontRef idx="minor">
+            <a:schemeClr val="dk1"/>
+          </a:fontRef>
+        </p:style>
+        <p:txBody>
+          <a:bodyPr rtlCol="0" anchor="ctr"/>
+          <a:lstStyle/>
+          <a:p>
+            <a:pPr algn="ctr"/>
+            <a:endParaRPr lang="en-US"/>
+          </a:p>
+        </p:txBody>
+      </p:sp>
+      <p:sp>
+        <p:nvSpPr>
+          <p:cNvPr id="11" name="TextBox 10"/>
+          <p:cNvSpPr txBox="1"/>
+          <p:nvPr/>
+        </p:nvSpPr>
+        <p:spPr>
+          <a:xfrm flipH="1">
+            <a:off x="5101114" y="1265931"/>
+            <a:ext cx="1482140" cy="369332"/>
+          </a:xfrm>
+          <a:prstGeom prst="rect">
+            <a:avLst/>
+          </a:prstGeom>
+          <a:noFill/>
+        </p:spPr>
+        <p:txBody>
+          <a:bodyPr wrap="square" rtlCol="0">
+            <a:spAutoFit/>
+          </a:bodyPr>
+          <a:lstStyle/>
+          <a:p>
+            <a:pPr algn="ctr"/>
+            <a:r>
+              <a:rPr lang="en-US" dirty="0" smtClean="0">
+                <a:gradFill flip="none" rotWithShape="1">
+                  <a:gsLst>
+                    <a:gs pos="0">
+                      <a:schemeClr val="accent4">
+                        <a:lumMod val="89000"/>
+                      </a:schemeClr>
+                    </a:gs>
+                    <a:gs pos="23000">
+                      <a:schemeClr val="accent4">
+                        <a:lumMod val="89000"/>
+                      </a:schemeClr>
+                    </a:gs>
+                    <a:gs pos="69000">
+                      <a:schemeClr val="accent4">
+                        <a:lumMod val="75000"/>
+                      </a:schemeClr>
+                    </a:gs>
+                    <a:gs pos="97000">
+                      <a:schemeClr val="accent4">
+                        <a:lumMod val="70000"/>
+                      </a:schemeClr>
+                    </a:gs>
+                  </a:gsLst>
+                  <a:path path="circle">
+                    <a:fillToRect l="50000" t="50000" r="50000" b="50000"/>
+                  </a:path>
+                  <a:tileRect/>
+                </a:gradFill>
+              </a:rPr>
+              <a:t>Game Title</a:t>
+            </a:r>
+            <a:endParaRPr lang="en-US" dirty="0">
+              <a:gradFill flip="none" rotWithShape="1">
+                <a:gsLst>
+                  <a:gs pos="0">
+                    <a:schemeClr val="accent4">
+                      <a:lumMod val="89000"/>
+                    </a:schemeClr>
+                  </a:gs>
+                  <a:gs pos="23000">
+                    <a:schemeClr val="accent4">
+                      <a:lumMod val="89000"/>
+                    </a:schemeClr>
+                  </a:gs>
+                  <a:gs pos="69000">
+                    <a:schemeClr val="accent4">
+                      <a:lumMod val="75000"/>
+                    </a:schemeClr>
+                  </a:gs>
+                  <a:gs pos="97000">
+                    <a:schemeClr val="accent4">
+                      <a:lumMod val="70000"/>
+                    </a:schemeClr>
+                  </a:gs>
+                </a:gsLst>
+                <a:path path="circle">
+                  <a:fillToRect l="50000" t="50000" r="50000" b="50000"/>
+                </a:path>
+                <a:tileRect/>
+              </a:gradFill>
+            </a:endParaRPr>
+          </a:p>
+        </p:txBody>
+      </p:sp>
+      <p:sp>
+        <p:nvSpPr>
+          <p:cNvPr id="13" name="TextBox 12"/>
+          <p:cNvSpPr txBox="1"/>
+          <p:nvPr/>
+        </p:nvSpPr>
+        <p:spPr>
+          <a:xfrm>
+            <a:off x="5050055" y="1663281"/>
+            <a:ext cx="1693733" cy="338554"/>
+          </a:xfrm>
+          <a:prstGeom prst="rect">
+            <a:avLst/>
+          </a:prstGeom>
+          <a:noFill/>
+        </p:spPr>
+        <p:txBody>
+          <a:bodyPr wrap="none" rtlCol="0">
+            <a:spAutoFit/>
+          </a:bodyPr>
+          <a:lstStyle/>
+          <a:p>
+            <a:r>
+              <a:rPr lang="en-US" sz="1200" b="1" dirty="0" smtClean="0"/>
+              <a:t>Captain: </a:t>
+            </a:r>
+            <a:r>
+              <a:rPr lang="en-US" sz="1600" b="1" dirty="0" smtClean="0">
+                <a:solidFill>
+                  <a:srgbClr val="00B0F0"/>
+                </a:solidFill>
+              </a:rPr>
+              <a:t>Mike Jones</a:t>
+            </a:r>
+            <a:endParaRPr lang="en-US" sz="1600" b="1" dirty="0">
+              <a:solidFill>
+                <a:srgbClr val="00B0F0"/>
+              </a:solidFill>
+            </a:endParaRPr>
+          </a:p>
+        </p:txBody>
+      </p:sp>
+      <p:sp>
+        <p:nvSpPr>
+          <p:cNvPr id="14" name="TextBox 13"/>
+          <p:cNvSpPr txBox="1"/>
+          <p:nvPr/>
+        </p:nvSpPr>
+        <p:spPr>
+          <a:xfrm>
+            <a:off x="4282079" y="1940992"/>
+            <a:ext cx="1467646" cy="276999"/>
+          </a:xfrm>
+          <a:prstGeom prst="rect">
+            <a:avLst/>
+          </a:prstGeom>
+          <a:noFill/>
+        </p:spPr>
+        <p:txBody>
+          <a:bodyPr wrap="none" rtlCol="0">
+            <a:spAutoFit/>
+          </a:bodyPr>
+          <a:lstStyle/>
+          <a:p>
+            <a:r>
+              <a:rPr lang="en-US" sz="1200" dirty="0" smtClean="0"/>
+              <a:t>Location: North Park</a:t>
+            </a:r>
+            <a:endParaRPr lang="en-US" sz="1200" dirty="0"/>
+          </a:p>
+        </p:txBody>
+      </p:sp>
+      <p:sp>
+        <p:nvSpPr>
+          <p:cNvPr id="16" name="TextBox 15"/>
+          <p:cNvSpPr txBox="1"/>
+          <p:nvPr/>
+        </p:nvSpPr>
+        <p:spPr>
+          <a:xfrm>
+            <a:off x="4282079" y="2732518"/>
+            <a:ext cx="3039102" cy="646331"/>
+          </a:xfrm>
+          <a:prstGeom prst="rect">
+            <a:avLst/>
+          </a:prstGeom>
+          <a:noFill/>
+        </p:spPr>
+        <p:txBody>
+          <a:bodyPr wrap="none" rtlCol="0">
+            <a:spAutoFit/>
+          </a:bodyPr>
+          <a:lstStyle/>
+          <a:p>
+            <a:r>
+              <a:rPr lang="en-US" sz="1200" dirty="0" smtClean="0"/>
+              <a:t>Description:</a:t>
+            </a:r>
+          </a:p>
+          <a:p>
+            <a:r>
+              <a:rPr lang="en-US" sz="1200" dirty="0" smtClean="0"/>
+              <a:t>      We want to get a game of 3 on 3 together </a:t>
+            </a:r>
+          </a:p>
+          <a:p>
+            <a:r>
+              <a:rPr lang="en-US" sz="1200" dirty="0" smtClean="0"/>
+              <a:t>around noon.  Any skill level is welcome.</a:t>
+            </a:r>
+            <a:endParaRPr lang="en-US" sz="1200" dirty="0"/>
+          </a:p>
+        </p:txBody>
+      </p:sp>
+      <p:sp>
+        <p:nvSpPr>
+          <p:cNvPr id="17" name="TextBox 16"/>
+          <p:cNvSpPr txBox="1"/>
+          <p:nvPr/>
+        </p:nvSpPr>
+        <p:spPr>
+          <a:xfrm>
+            <a:off x="4282079" y="2431388"/>
+            <a:ext cx="919611" cy="276999"/>
+          </a:xfrm>
+          <a:prstGeom prst="rect">
+            <a:avLst/>
+          </a:prstGeom>
+          <a:noFill/>
+        </p:spPr>
+        <p:txBody>
+          <a:bodyPr wrap="none" rtlCol="0">
+            <a:spAutoFit/>
+          </a:bodyPr>
+          <a:lstStyle/>
+          <a:p>
+            <a:r>
+              <a:rPr lang="en-US" sz="1200" dirty="0" smtClean="0"/>
+              <a:t>Players: 3/6</a:t>
+            </a:r>
+            <a:endParaRPr lang="en-US" sz="1200" dirty="0"/>
+          </a:p>
+        </p:txBody>
+      </p:sp>
+      <p:sp>
+        <p:nvSpPr>
+          <p:cNvPr id="18" name="TextBox 17"/>
+          <p:cNvSpPr txBox="1"/>
+          <p:nvPr/>
+        </p:nvSpPr>
+        <p:spPr>
+          <a:xfrm>
+            <a:off x="4301907" y="2182224"/>
+            <a:ext cx="1901033" cy="276999"/>
+          </a:xfrm>
+          <a:prstGeom prst="rect">
+            <a:avLst/>
+          </a:prstGeom>
+          <a:noFill/>
+        </p:spPr>
+        <p:txBody>
+          <a:bodyPr wrap="none" rtlCol="0">
+            <a:spAutoFit/>
+          </a:bodyPr>
+          <a:lstStyle/>
+          <a:p>
+            <a:r>
+              <a:rPr lang="en-US" sz="1200" dirty="0" smtClean="0"/>
+              <a:t>Time: 12:00pm – whenever</a:t>
+            </a:r>
+            <a:endParaRPr lang="en-US" sz="1200" dirty="0"/>
+          </a:p>
+        </p:txBody>
+      </p:sp>
+      <p:sp>
+        <p:nvSpPr>
+          <p:cNvPr id="19" name="Rounded Rectangle 18"/>
+          <p:cNvSpPr/>
+          <p:nvPr/>
+        </p:nvSpPr>
+        <p:spPr>
+          <a:xfrm>
+            <a:off x="4593901" y="3485414"/>
+            <a:ext cx="2606040" cy="329523"/>
+          </a:xfrm>
+          <a:prstGeom prst="roundRect">
+            <a:avLst/>
+          </a:prstGeom>
+        </p:spPr>
+        <p:style>
+          <a:lnRef idx="3">
+            <a:schemeClr val="lt1"/>
+          </a:lnRef>
+          <a:fillRef idx="1">
+            <a:schemeClr val="accent2"/>
+          </a:fillRef>
+          <a:effectRef idx="1">
+            <a:schemeClr val="accent2"/>
+          </a:effectRef>
+          <a:fontRef idx="minor">
+            <a:schemeClr val="lt1"/>
+          </a:fontRef>
+        </p:style>
+        <p:txBody>
+          <a:bodyPr rtlCol="0" anchor="ctr"/>
+          <a:lstStyle/>
+          <a:p>
+            <a:pPr algn="ctr"/>
+            <a:r>
+              <a:rPr lang="en-US" dirty="0" smtClean="0"/>
+              <a:t>JOIN GAME</a:t>
+            </a:r>
+            <a:endParaRPr lang="en-US" dirty="0"/>
+          </a:p>
+        </p:txBody>
+      </p:sp>
+      <p:sp>
+        <p:nvSpPr>
+          <p:cNvPr id="21" name="Rounded Rectangle 20"/>
+          <p:cNvSpPr/>
+          <p:nvPr/>
+        </p:nvSpPr>
+        <p:spPr>
+          <a:xfrm>
+            <a:off x="4301907" y="5418107"/>
+            <a:ext cx="3012208" cy="273920"/>
+          </a:xfrm>
+          <a:prstGeom prst="roundRect">
+            <a:avLst/>
+          </a:prstGeom>
+        </p:spPr>
+        <p:style>
+          <a:lnRef idx="2">
+            <a:schemeClr val="accent1">
+              <a:shade val="50000"/>
+            </a:schemeClr>
+          </a:lnRef>
+          <a:fillRef idx="1">
+            <a:schemeClr val="accent1"/>
+          </a:fillRef>
+          <a:effectRef idx="0">
+            <a:schemeClr val="accent1"/>
+          </a:effectRef>
+          <a:fontRef idx="minor">
+            <a:schemeClr val="lt1"/>
+          </a:fontRef>
+        </p:style>
+        <p:txBody>
+          <a:bodyPr rtlCol="0" anchor="ctr"/>
+          <a:lstStyle/>
+          <a:p>
+            <a:pPr algn="ctr"/>
+            <a:r>
+              <a:rPr lang="en-US" dirty="0" smtClean="0"/>
+              <a:t>Group Message</a:t>
+            </a:r>
+            <a:endParaRPr lang="en-US" dirty="0"/>
+          </a:p>
+        </p:txBody>
+      </p:sp>
+      <p:sp>
+        <p:nvSpPr>
+          <p:cNvPr id="28" name="Rectangle 27"/>
+          <p:cNvSpPr/>
+          <p:nvPr/>
+        </p:nvSpPr>
+        <p:spPr>
+          <a:xfrm>
+            <a:off x="8649573" y="2225055"/>
+            <a:ext cx="2606040" cy="2629043"/>
+          </a:xfrm>
+          <a:prstGeom prst="rect">
+            <a:avLst/>
+          </a:prstGeom>
+          <a:solidFill>
+            <a:schemeClr val="bg1">
+              <a:lumMod val="50000"/>
+            </a:schemeClr>
+          </a:solidFill>
+          <a:ln>
+            <a:solidFill>
+              <a:schemeClr val="tx1"/>
+            </a:solidFill>
+          </a:ln>
+        </p:spPr>
+        <p:style>
+          <a:lnRef idx="2">
+            <a:schemeClr val="accent1">
+              <a:shade val="50000"/>
+            </a:schemeClr>
+          </a:lnRef>
+          <a:fillRef idx="1">
+            <a:schemeClr val="accent1"/>
+          </a:fillRef>
+          <a:effectRef idx="0">
+            <a:schemeClr val="accent1"/>
+          </a:effectRef>
+          <a:fontRef idx="minor">
+            <a:schemeClr val="lt1"/>
+          </a:fontRef>
+        </p:style>
+        <p:txBody>
+          <a:bodyPr rtlCol="0" anchor="ctr"/>
+          <a:lstStyle/>
+          <a:p>
+            <a:pPr algn="ctr"/>
+            <a:r>
+              <a:rPr lang="en-US" dirty="0" smtClean="0"/>
+              <a:t>Pop up (“joined”)</a:t>
+            </a:r>
+          </a:p>
+          <a:p>
+            <a:pPr algn="ctr"/>
+            <a:r>
+              <a:rPr lang="en-US" dirty="0" smtClean="0"/>
+              <a:t>Button changes to </a:t>
+            </a:r>
+          </a:p>
+          <a:p>
+            <a:pPr algn="ctr"/>
+            <a:r>
+              <a:rPr lang="en-US" dirty="0" smtClean="0"/>
+              <a:t>”Leave Game”</a:t>
+            </a:r>
+            <a:endParaRPr lang="en-US" dirty="0"/>
+          </a:p>
+        </p:txBody>
+      </p:sp>
+      <p:sp>
+        <p:nvSpPr>
+          <p:cNvPr id="29" name="Left Arrow 28"/>
+          <p:cNvSpPr/>
+          <p:nvPr/>
+        </p:nvSpPr>
+        <p:spPr>
+          <a:xfrm>
+            <a:off x="7314115" y="3513867"/>
+            <a:ext cx="1314449" cy="296698"/>
+          </a:xfrm>
+          <a:prstGeom prst="leftArrow">
+            <a:avLst/>
+          </a:prstGeom>
+          <a:solidFill>
+            <a:schemeClr val="bg1">
+              <a:lumMod val="50000"/>
+            </a:schemeClr>
+          </a:solidFill>
+        </p:spPr>
+        <p:style>
+          <a:lnRef idx="2">
+            <a:schemeClr val="accent1">
+              <a:shade val="50000"/>
+            </a:schemeClr>
+          </a:lnRef>
+          <a:fillRef idx="1">
+            <a:schemeClr val="accent1"/>
+          </a:fillRef>
+          <a:effectRef idx="0">
+            <a:schemeClr val="accent1"/>
+          </a:effectRef>
+          <a:fontRef idx="minor">
+            <a:schemeClr val="lt1"/>
+          </a:fontRef>
+        </p:style>
+        <p:txBody>
+          <a:bodyPr rtlCol="0" anchor="ctr"/>
+          <a:lstStyle/>
+          <a:p>
+            <a:pPr algn="ctr"/>
+            <a:endParaRPr lang="en-US"/>
+          </a:p>
+        </p:txBody>
+      </p:sp>
+      <p:sp>
+        <p:nvSpPr>
+          <p:cNvPr id="30" name="TextBox 29"/>
+          <p:cNvSpPr txBox="1"/>
+          <p:nvPr/>
+        </p:nvSpPr>
+        <p:spPr>
+          <a:xfrm>
+            <a:off x="326844" y="2784097"/>
+            <a:ext cx="2251710" cy="1077218"/>
+          </a:xfrm>
+          <a:prstGeom prst="rect">
+            <a:avLst/>
+          </a:prstGeom>
+          <a:noFill/>
+        </p:spPr>
+        <p:txBody>
+          <a:bodyPr wrap="square" rtlCol="0">
+            <a:spAutoFit/>
+          </a:bodyPr>
+          <a:lstStyle/>
+          <a:p>
+            <a:pPr algn="ctr"/>
+            <a:r>
+              <a:rPr lang="en-US" sz="3200" u="sng" dirty="0" smtClean="0">
+                <a:latin typeface="Arial" charset="0"/>
+                <a:ea typeface="Arial" charset="0"/>
+                <a:cs typeface="Arial" charset="0"/>
+              </a:rPr>
+              <a:t>Game</a:t>
+            </a:r>
+          </a:p>
+          <a:p>
+            <a:pPr algn="ctr"/>
+            <a:r>
+              <a:rPr lang="en-US" sz="3200" u="sng" dirty="0" smtClean="0">
+                <a:latin typeface="Arial" charset="0"/>
+                <a:ea typeface="Arial" charset="0"/>
+                <a:cs typeface="Arial" charset="0"/>
+              </a:rPr>
+              <a:t>View</a:t>
+            </a:r>
+            <a:endParaRPr lang="en-US" sz="3200" u="sng" dirty="0">
+              <a:latin typeface="Arial" charset="0"/>
+              <a:ea typeface="Arial" charset="0"/>
+              <a:cs typeface="Arial" charset="0"/>
+            </a:endParaRPr>
+          </a:p>
+        </p:txBody>
+      </p:sp>
+      <p:cxnSp>
+        <p:nvCxnSpPr>
+          <p:cNvPr id="32" name="Straight Connector 31"/>
+          <p:cNvCxnSpPr/>
+          <p:nvPr/>
+        </p:nvCxnSpPr>
+        <p:spPr>
+          <a:xfrm flipV="1">
+            <a:off x="4256404" y="4155311"/>
+            <a:ext cx="3156847" cy="2599"/>
+          </a:xfrm>
+          <a:prstGeom prst="line">
+            <a:avLst/>
+          </a:prstGeom>
+          <a:ln>
+            <a:solidFill>
+              <a:schemeClr val="tx1"/>
+            </a:solidFill>
+          </a:ln>
+        </p:spPr>
+        <p:style>
+          <a:lnRef idx="1">
+            <a:schemeClr val="accent1"/>
+          </a:lnRef>
+          <a:fillRef idx="0">
+            <a:schemeClr val="accent1"/>
+          </a:fillRef>
+          <a:effectRef idx="0">
+            <a:schemeClr val="accent1"/>
+          </a:effectRef>
+          <a:fontRef idx="minor">
+            <a:schemeClr val="tx1"/>
+          </a:fontRef>
+        </p:style>
+      </p:cxnSp>
+      <p:cxnSp>
+        <p:nvCxnSpPr>
+          <p:cNvPr id="36" name="Straight Connector 35"/>
+          <p:cNvCxnSpPr/>
+          <p:nvPr/>
+        </p:nvCxnSpPr>
+        <p:spPr>
+          <a:xfrm flipV="1">
+            <a:off x="4282079" y="4779481"/>
+            <a:ext cx="3156847" cy="2599"/>
+          </a:xfrm>
+          <a:prstGeom prst="line">
+            <a:avLst/>
+          </a:prstGeom>
+          <a:ln>
+            <a:solidFill>
+              <a:schemeClr val="tx1"/>
+            </a:solidFill>
+          </a:ln>
+        </p:spPr>
+        <p:style>
+          <a:lnRef idx="1">
+            <a:schemeClr val="accent1"/>
+          </a:lnRef>
+          <a:fillRef idx="0">
+            <a:schemeClr val="accent1"/>
+          </a:fillRef>
+          <a:effectRef idx="0">
+            <a:schemeClr val="accent1"/>
+          </a:effectRef>
+          <a:fontRef idx="minor">
+            <a:schemeClr val="tx1"/>
+          </a:fontRef>
+        </p:style>
+      </p:cxnSp>
+      <p:sp>
+        <p:nvSpPr>
+          <p:cNvPr id="37" name="TextBox 36"/>
+          <p:cNvSpPr txBox="1"/>
+          <p:nvPr/>
+        </p:nvSpPr>
+        <p:spPr>
+          <a:xfrm flipH="1">
+            <a:off x="5375770" y="3846561"/>
+            <a:ext cx="1042301" cy="369332"/>
+          </a:xfrm>
+          <a:prstGeom prst="rect">
+            <a:avLst/>
+          </a:prstGeom>
+          <a:noFill/>
+          <a:effectLst>
+            <a:outerShdw blurRad="50800" dist="774700" dir="5400000" sx="34000" sy="34000" algn="ctr" rotWithShape="0">
+              <a:srgbClr val="000000">
+                <a:alpha val="43137"/>
+              </a:srgbClr>
+            </a:outerShdw>
+            <a:reflection endPos="0" dir="5400000" sy="-100000" algn="bl" rotWithShape="0"/>
+          </a:effectLst>
+        </p:spPr>
+        <p:txBody>
+          <a:bodyPr wrap="square" rtlCol="0">
+            <a:spAutoFit/>
+          </a:bodyPr>
+          <a:lstStyle/>
+          <a:p>
+            <a:r>
+              <a:rPr lang="en-US" smtClean="0"/>
+              <a:t>3 Players</a:t>
+            </a:r>
+            <a:endParaRPr lang="en-US"/>
+          </a:p>
+        </p:txBody>
+      </p:sp>
+      <p:sp>
+        <p:nvSpPr>
+          <p:cNvPr id="38" name="Rectangle 37"/>
+          <p:cNvSpPr/>
+          <p:nvPr/>
+        </p:nvSpPr>
+        <p:spPr>
+          <a:xfrm>
+            <a:off x="4320137" y="4227752"/>
+            <a:ext cx="547529" cy="505494"/>
+          </a:xfrm>
+          <a:prstGeom prst="rect">
+            <a:avLst/>
+          </a:prstGeom>
+        </p:spPr>
+        <p:style>
+          <a:lnRef idx="1">
+            <a:schemeClr val="accent3"/>
+          </a:lnRef>
+          <a:fillRef idx="2">
+            <a:schemeClr val="accent3"/>
+          </a:fillRef>
+          <a:effectRef idx="1">
+            <a:schemeClr val="accent3"/>
+          </a:effectRef>
+          <a:fontRef idx="minor">
+            <a:schemeClr val="dk1"/>
+          </a:fontRef>
+        </p:style>
+        <p:txBody>
+          <a:bodyPr rtlCol="0" anchor="ctr"/>
+          <a:lstStyle/>
+          <a:p>
+            <a:pPr algn="ctr"/>
+            <a:endParaRPr lang="en-US"/>
+          </a:p>
+        </p:txBody>
+      </p:sp>
+      <p:pic>
+        <p:nvPicPr>
+          <p:cNvPr id="39" name="Picture 38"/>
+          <p:cNvPicPr>
+            <a:picLocks noChangeAspect="1"/>
+          </p:cNvPicPr>
+          <p:nvPr/>
+        </p:nvPicPr>
+        <p:blipFill>
+          <a:blip r:embed="rId4">
+            <a:extLst>
+              <a:ext uri="{28A0092B-C50C-407E-A947-70E740481C1C}">
+                <a14:useLocalDpi xmlns:a14="http://schemas.microsoft.com/office/drawing/2010/main" val="0"/>
+              </a:ext>
+            </a:extLst>
+          </a:blip>
+          <a:stretch>
+            <a:fillRect/>
+          </a:stretch>
+        </p:blipFill>
+        <p:spPr>
+          <a:xfrm>
+            <a:off x="4347600" y="4256355"/>
+            <a:ext cx="492602" cy="492602"/>
+          </a:xfrm>
+          <a:prstGeom prst="rect">
+            <a:avLst/>
+          </a:prstGeom>
+        </p:spPr>
+      </p:pic>
+      <p:sp>
+        <p:nvSpPr>
+          <p:cNvPr id="40" name="Rectangle 39"/>
+          <p:cNvSpPr/>
+          <p:nvPr/>
+        </p:nvSpPr>
+        <p:spPr>
+          <a:xfrm>
+            <a:off x="4320137" y="4844078"/>
+            <a:ext cx="547529" cy="505494"/>
+          </a:xfrm>
+          <a:prstGeom prst="rect">
+            <a:avLst/>
+          </a:prstGeom>
+        </p:spPr>
+        <p:style>
+          <a:lnRef idx="1">
+            <a:schemeClr val="accent3"/>
+          </a:lnRef>
+          <a:fillRef idx="2">
+            <a:schemeClr val="accent3"/>
+          </a:fillRef>
+          <a:effectRef idx="1">
+            <a:schemeClr val="accent3"/>
+          </a:effectRef>
+          <a:fontRef idx="minor">
+            <a:schemeClr val="dk1"/>
+          </a:fontRef>
+        </p:style>
+        <p:txBody>
+          <a:bodyPr rtlCol="0" anchor="ctr"/>
+          <a:lstStyle/>
+          <a:p>
+            <a:pPr algn="ctr"/>
+            <a:endParaRPr lang="en-US"/>
+          </a:p>
+        </p:txBody>
+      </p:sp>
+      <p:pic>
+        <p:nvPicPr>
+          <p:cNvPr id="41" name="Picture 40"/>
+          <p:cNvPicPr>
+            <a:picLocks noChangeAspect="1"/>
+          </p:cNvPicPr>
+          <p:nvPr/>
+        </p:nvPicPr>
+        <p:blipFill>
+          <a:blip r:embed="rId4">
+            <a:extLst>
+              <a:ext uri="{28A0092B-C50C-407E-A947-70E740481C1C}">
+                <a14:useLocalDpi xmlns:a14="http://schemas.microsoft.com/office/drawing/2010/main" val="0"/>
+              </a:ext>
+            </a:extLst>
+          </a:blip>
+          <a:stretch>
+            <a:fillRect/>
+          </a:stretch>
+        </p:blipFill>
+        <p:spPr>
+          <a:xfrm>
+            <a:off x="4347600" y="4872681"/>
+            <a:ext cx="492602" cy="492602"/>
+          </a:xfrm>
+          <a:prstGeom prst="rect">
+            <a:avLst/>
+          </a:prstGeom>
+        </p:spPr>
+      </p:pic>
+      <p:sp>
+        <p:nvSpPr>
+          <p:cNvPr id="42" name="TextBox 41"/>
+          <p:cNvSpPr txBox="1"/>
+          <p:nvPr/>
+        </p:nvSpPr>
+        <p:spPr>
+          <a:xfrm>
+            <a:off x="4867665" y="4155311"/>
+            <a:ext cx="1222451" cy="369332"/>
+          </a:xfrm>
+          <a:prstGeom prst="rect">
+            <a:avLst/>
+          </a:prstGeom>
+          <a:noFill/>
+        </p:spPr>
+        <p:txBody>
+          <a:bodyPr wrap="none" rtlCol="0">
+            <a:spAutoFit/>
+          </a:bodyPr>
+          <a:lstStyle/>
+          <a:p>
+            <a:r>
+              <a:rPr lang="en-US" smtClean="0"/>
+              <a:t>Mike Jones</a:t>
+            </a:r>
+            <a:endParaRPr lang="en-US"/>
+          </a:p>
+        </p:txBody>
+      </p:sp>
+      <p:sp>
+        <p:nvSpPr>
+          <p:cNvPr id="43" name="TextBox 42"/>
+          <p:cNvSpPr txBox="1"/>
+          <p:nvPr/>
+        </p:nvSpPr>
+        <p:spPr>
+          <a:xfrm>
+            <a:off x="4867665" y="4748957"/>
+            <a:ext cx="1524776" cy="369332"/>
+          </a:xfrm>
+          <a:prstGeom prst="rect">
+            <a:avLst/>
+          </a:prstGeom>
+          <a:noFill/>
+        </p:spPr>
+        <p:txBody>
+          <a:bodyPr wrap="none" rtlCol="0">
+            <a:spAutoFit/>
+          </a:bodyPr>
+          <a:lstStyle/>
+          <a:p>
+            <a:r>
+              <a:rPr lang="en-US" dirty="0" smtClean="0"/>
+              <a:t>Random Dude</a:t>
+            </a:r>
+            <a:endParaRPr lang="en-US" dirty="0"/>
+          </a:p>
+        </p:txBody>
+      </p:sp>
+      <p:pic>
+        <p:nvPicPr>
+          <p:cNvPr id="44" name="Picture 43"/>
+          <p:cNvPicPr>
+            <a:picLocks noChangeAspect="1"/>
+          </p:cNvPicPr>
+          <p:nvPr/>
+        </p:nvPicPr>
+        <p:blipFill>
+          <a:blip r:embed="rId5">
+            <a:extLst>
+              <a:ext uri="{28A0092B-C50C-407E-A947-70E740481C1C}">
+                <a14:useLocalDpi xmlns:a14="http://schemas.microsoft.com/office/drawing/2010/main" val="0"/>
+              </a:ext>
+            </a:extLst>
+          </a:blip>
+          <a:stretch>
+            <a:fillRect/>
+          </a:stretch>
+        </p:blipFill>
+        <p:spPr>
+          <a:xfrm>
+            <a:off x="6908564" y="4332655"/>
+            <a:ext cx="421451" cy="421451"/>
+          </a:xfrm>
+          <a:prstGeom prst="rect">
+            <a:avLst/>
+          </a:prstGeom>
+        </p:spPr>
+      </p:pic>
+      <p:pic>
+        <p:nvPicPr>
+          <p:cNvPr id="45" name="Picture 44"/>
+          <p:cNvPicPr>
+            <a:picLocks noChangeAspect="1"/>
+          </p:cNvPicPr>
+          <p:nvPr/>
+        </p:nvPicPr>
+        <p:blipFill>
+          <a:blip r:embed="rId6">
+            <a:extLst>
+              <a:ext uri="{28A0092B-C50C-407E-A947-70E740481C1C}">
+                <a14:useLocalDpi xmlns:a14="http://schemas.microsoft.com/office/drawing/2010/main" val="0"/>
+              </a:ext>
+            </a:extLst>
+          </a:blip>
+          <a:stretch>
+            <a:fillRect/>
+          </a:stretch>
+        </p:blipFill>
+        <p:spPr>
+          <a:xfrm>
+            <a:off x="6363687" y="4405686"/>
+            <a:ext cx="388918" cy="388918"/>
+          </a:xfrm>
+          <a:prstGeom prst="rect">
+            <a:avLst/>
+          </a:prstGeom>
+        </p:spPr>
+      </p:pic>
+      <p:sp>
+        <p:nvSpPr>
+          <p:cNvPr id="46" name="TextBox 45"/>
+          <p:cNvSpPr txBox="1"/>
+          <p:nvPr/>
+        </p:nvSpPr>
+        <p:spPr>
+          <a:xfrm>
+            <a:off x="7016666" y="4102526"/>
+            <a:ext cx="558994" cy="307777"/>
+          </a:xfrm>
+          <a:prstGeom prst="rect">
+            <a:avLst/>
+          </a:prstGeom>
+          <a:noFill/>
+        </p:spPr>
+        <p:txBody>
+          <a:bodyPr wrap="square" rtlCol="0">
+            <a:spAutoFit/>
+          </a:bodyPr>
+          <a:lstStyle/>
+          <a:p>
+            <a:r>
+              <a:rPr lang="en-US" sz="1400" b="1" dirty="0" smtClean="0">
+                <a:solidFill>
+                  <a:schemeClr val="accent6"/>
+                </a:solidFill>
+              </a:rPr>
+              <a:t>10</a:t>
+            </a:r>
+          </a:p>
+        </p:txBody>
+      </p:sp>
+      <p:sp>
+        <p:nvSpPr>
+          <p:cNvPr id="47" name="TextBox 46"/>
+          <p:cNvSpPr txBox="1"/>
+          <p:nvPr/>
+        </p:nvSpPr>
+        <p:spPr>
+          <a:xfrm>
+            <a:off x="6372206" y="4189832"/>
+            <a:ext cx="297871" cy="307777"/>
+          </a:xfrm>
+          <a:prstGeom prst="rect">
+            <a:avLst/>
+          </a:prstGeom>
+          <a:noFill/>
+        </p:spPr>
+        <p:txBody>
+          <a:bodyPr wrap="square" rtlCol="0">
+            <a:spAutoFit/>
+          </a:bodyPr>
+          <a:lstStyle/>
+          <a:p>
+            <a:r>
+              <a:rPr lang="en-US" sz="1400" b="1" dirty="0">
+                <a:solidFill>
+                  <a:schemeClr val="accent2"/>
+                </a:solidFill>
+              </a:rPr>
+              <a:t>1</a:t>
+            </a:r>
+            <a:endParaRPr lang="en-US" sz="1400" b="1" dirty="0" smtClean="0">
+              <a:solidFill>
+                <a:schemeClr val="accent2"/>
+              </a:solidFill>
+            </a:endParaRPr>
+          </a:p>
+        </p:txBody>
+      </p:sp>
+      <p:pic>
+        <p:nvPicPr>
+          <p:cNvPr id="48" name="Picture 47"/>
+          <p:cNvPicPr>
+            <a:picLocks noChangeAspect="1"/>
+          </p:cNvPicPr>
+          <p:nvPr/>
+        </p:nvPicPr>
+        <p:blipFill>
+          <a:blip r:embed="rId5">
+            <a:extLst>
+              <a:ext uri="{28A0092B-C50C-407E-A947-70E740481C1C}">
+                <a14:useLocalDpi xmlns:a14="http://schemas.microsoft.com/office/drawing/2010/main" val="0"/>
+              </a:ext>
+            </a:extLst>
+          </a:blip>
+          <a:stretch>
+            <a:fillRect/>
+          </a:stretch>
+        </p:blipFill>
+        <p:spPr>
+          <a:xfrm>
+            <a:off x="6942444" y="4960730"/>
+            <a:ext cx="421451" cy="421451"/>
+          </a:xfrm>
+          <a:prstGeom prst="rect">
+            <a:avLst/>
+          </a:prstGeom>
+        </p:spPr>
+      </p:pic>
+      <p:pic>
+        <p:nvPicPr>
+          <p:cNvPr id="49" name="Picture 48"/>
+          <p:cNvPicPr>
+            <a:picLocks noChangeAspect="1"/>
+          </p:cNvPicPr>
+          <p:nvPr/>
+        </p:nvPicPr>
+        <p:blipFill>
+          <a:blip r:embed="rId6">
+            <a:extLst>
+              <a:ext uri="{28A0092B-C50C-407E-A947-70E740481C1C}">
+                <a14:useLocalDpi xmlns:a14="http://schemas.microsoft.com/office/drawing/2010/main" val="0"/>
+              </a:ext>
+            </a:extLst>
+          </a:blip>
+          <a:stretch>
+            <a:fillRect/>
+          </a:stretch>
+        </p:blipFill>
+        <p:spPr>
+          <a:xfrm>
+            <a:off x="6406086" y="4988037"/>
+            <a:ext cx="388918" cy="388918"/>
+          </a:xfrm>
+          <a:prstGeom prst="rect">
+            <a:avLst/>
+          </a:prstGeom>
+        </p:spPr>
+      </p:pic>
+      <p:sp>
+        <p:nvSpPr>
+          <p:cNvPr id="50" name="TextBox 49"/>
+          <p:cNvSpPr txBox="1"/>
+          <p:nvPr/>
+        </p:nvSpPr>
+        <p:spPr>
+          <a:xfrm>
+            <a:off x="7050546" y="4730601"/>
+            <a:ext cx="558994" cy="307777"/>
+          </a:xfrm>
+          <a:prstGeom prst="rect">
+            <a:avLst/>
+          </a:prstGeom>
+          <a:noFill/>
+        </p:spPr>
+        <p:txBody>
+          <a:bodyPr wrap="square" rtlCol="0">
+            <a:spAutoFit/>
+          </a:bodyPr>
+          <a:lstStyle/>
+          <a:p>
+            <a:r>
+              <a:rPr lang="en-US" sz="1400" b="1" dirty="0" smtClean="0">
+                <a:solidFill>
+                  <a:schemeClr val="accent6"/>
+                </a:solidFill>
+              </a:rPr>
+              <a:t>10</a:t>
+            </a:r>
+          </a:p>
+        </p:txBody>
+      </p:sp>
+      <p:sp>
+        <p:nvSpPr>
+          <p:cNvPr id="51" name="TextBox 50"/>
+          <p:cNvSpPr txBox="1"/>
+          <p:nvPr/>
+        </p:nvSpPr>
+        <p:spPr>
+          <a:xfrm>
+            <a:off x="6406086" y="4779481"/>
+            <a:ext cx="388918" cy="307777"/>
+          </a:xfrm>
+          <a:prstGeom prst="rect">
+            <a:avLst/>
+          </a:prstGeom>
+          <a:noFill/>
+        </p:spPr>
+        <p:txBody>
+          <a:bodyPr wrap="square" rtlCol="0">
+            <a:spAutoFit/>
+          </a:bodyPr>
+          <a:lstStyle/>
+          <a:p>
+            <a:r>
+              <a:rPr lang="en-US" sz="1400" b="1" dirty="0">
+                <a:solidFill>
+                  <a:schemeClr val="accent2"/>
+                </a:solidFill>
+              </a:rPr>
+              <a:t>1</a:t>
+            </a:r>
+            <a:endParaRPr lang="en-US" sz="1400" b="1" dirty="0" smtClean="0">
+              <a:solidFill>
+                <a:schemeClr val="accent2"/>
+              </a:solidFill>
+            </a:endParaRPr>
+          </a:p>
+        </p:txBody>
+      </p:sp>
+      <p:sp>
+        <p:nvSpPr>
+          <p:cNvPr id="52" name="Lightning Bolt 51"/>
+          <p:cNvSpPr/>
+          <p:nvPr/>
+        </p:nvSpPr>
+        <p:spPr>
+          <a:xfrm>
+            <a:off x="6841682" y="5473706"/>
+            <a:ext cx="433412" cy="202637"/>
+          </a:xfrm>
+          <a:prstGeom prst="lightningBolt">
+            <a:avLst/>
+          </a:prstGeom>
+          <a:solidFill>
+            <a:srgbClr val="FFFF00"/>
+          </a:solidFill>
+        </p:spPr>
+        <p:style>
+          <a:lnRef idx="2">
+            <a:schemeClr val="accent1">
+              <a:shade val="50000"/>
+            </a:schemeClr>
+          </a:lnRef>
+          <a:fillRef idx="1">
+            <a:schemeClr val="accent1"/>
+          </a:fillRef>
+          <a:effectRef idx="0">
+            <a:schemeClr val="accent1"/>
+          </a:effectRef>
+          <a:fontRef idx="minor">
+            <a:schemeClr val="lt1"/>
+          </a:fontRef>
+        </p:style>
+        <p:txBody>
+          <a:bodyPr rtlCol="0" anchor="ctr"/>
+          <a:lstStyle/>
+          <a:p>
+            <a:pPr algn="ctr"/>
+            <a:endParaRPr lang="en-US"/>
+          </a:p>
+        </p:txBody>
+      </p:sp>
+    </p:spTree>
+    <p:extLst>
+      <p:ext uri="{BB962C8B-B14F-4D97-AF65-F5344CB8AC3E}">
+        <p14:creationId xmlns:p14="http://schemas.microsoft.com/office/powerpoint/2010/main" val="970007684"/>
+      </p:ext>
+    </p:extLst>
+  </p:cSld>
+  <p:clrMapOvr>
+    <a:masterClrMapping/>
+  </p:clrMapOvr>
+</p:sld>
+</file>
+
+<file path=ppt/slides/slide11.xml><?xml version="1.0" encoding="utf-8"?>
+<p:sld xmlns:a="http://schemas.openxmlformats.org/drawingml/2006/main" xmlns:r="http://schemas.openxmlformats.org/officeDocument/2006/relationships" xmlns:p="http://schemas.openxmlformats.org/presentationml/2006/main">
+  <p:cSld>
+    <p:spTree>
+      <p:nvGrpSpPr>
+        <p:cNvPr id="1" name=""/>
+        <p:cNvGrpSpPr/>
+        <p:nvPr/>
+      </p:nvGrpSpPr>
+      <p:grpSpPr>
+        <a:xfrm>
+          <a:off x="0" y="0"/>
+          <a:ext cx="0" cy="0"/>
+          <a:chOff x="0" y="0"/>
+          <a:chExt cx="0" cy="0"/>
+        </a:xfrm>
+      </p:grpSpPr>
+      <p:pic>
+        <p:nvPicPr>
           <p:cNvPr id="7" name="Picture 6"/>
           <p:cNvPicPr>
             <a:picLocks noChangeAspect="1"/>
@@ -5943,8 +7507,8 @@
         </p:nvSpPr>
         <p:spPr>
           <a:xfrm>
-            <a:off x="5901531" y="2585022"/>
-            <a:ext cx="1845428" cy="1077218"/>
+            <a:off x="9801256" y="2678338"/>
+            <a:ext cx="2314568" cy="1077218"/>
           </a:xfrm>
           <a:prstGeom prst="rect">
             <a:avLst/>
@@ -5959,13 +7523,18 @@
           <a:p>
             <a:pPr algn="ctr"/>
             <a:r>
-              <a:rPr lang="en-US" sz="3200" u="sng" dirty="0" smtClean="0">
+              <a:rPr lang="en-US" sz="3200" u="sng" smtClean="0">
                 <a:latin typeface="Arial" charset="0"/>
                 <a:ea typeface="Arial" charset="0"/>
                 <a:cs typeface="Arial" charset="0"/>
               </a:rPr>
-              <a:t>User</a:t>
-            </a:r>
+              <a:t>User/Admin</a:t>
+            </a:r>
+            <a:endParaRPr lang="en-US" sz="3200" u="sng" dirty="0" smtClean="0">
+              <a:latin typeface="Arial" charset="0"/>
+              <a:ea typeface="Arial" charset="0"/>
+              <a:cs typeface="Arial" charset="0"/>
+            </a:endParaRPr>
           </a:p>
           <a:p>
             <a:pPr algn="ctr"/>
@@ -6002,7 +7571,7 @@
         </p:blipFill>
         <p:spPr>
           <a:xfrm>
-            <a:off x="7781441" y="0"/>
+            <a:off x="6194919" y="0"/>
             <a:ext cx="3440545" cy="6858000"/>
           </a:xfrm>
           <a:prstGeom prst="rect">
@@ -6018,7 +7587,7 @@
         </p:nvSpPr>
         <p:spPr>
           <a:xfrm>
-            <a:off x="7947233" y="1234440"/>
+            <a:off x="6360711" y="1234440"/>
             <a:ext cx="3108960" cy="4480560"/>
           </a:xfrm>
           <a:prstGeom prst="rect">
@@ -6224,7 +7793,7 @@
         </p:nvSpPr>
         <p:spPr>
           <a:xfrm>
-            <a:off x="7966997" y="1244613"/>
+            <a:off x="6380475" y="1244613"/>
             <a:ext cx="3108960" cy="2204643"/>
           </a:xfrm>
           <a:prstGeom prst="rect">
@@ -6329,7 +7898,7 @@
         </p:nvSpPr>
         <p:spPr>
           <a:xfrm>
-            <a:off x="8012206" y="1653980"/>
+            <a:off x="6425684" y="1653980"/>
             <a:ext cx="1013501" cy="953175"/>
           </a:xfrm>
           <a:prstGeom prst="rect">
@@ -6381,7 +7950,7 @@
         </p:blipFill>
         <p:spPr>
           <a:xfrm>
-            <a:off x="8086167" y="1698657"/>
+            <a:off x="6499645" y="1698657"/>
             <a:ext cx="911828" cy="911828"/>
           </a:xfrm>
           <a:prstGeom prst="rect">
@@ -6397,7 +7966,7 @@
         </p:nvSpPr>
         <p:spPr>
           <a:xfrm>
-            <a:off x="8751347" y="1244613"/>
+            <a:off x="7164825" y="1244613"/>
             <a:ext cx="1524776" cy="369332"/>
           </a:xfrm>
           <a:prstGeom prst="rect">
@@ -6443,7 +8012,7 @@
         </p:nvSpPr>
         <p:spPr>
           <a:xfrm flipH="1">
-            <a:off x="9005174" y="1557007"/>
+            <a:off x="7418652" y="1557007"/>
             <a:ext cx="949124" cy="307777"/>
           </a:xfrm>
           <a:prstGeom prst="rect">
@@ -6477,7 +8046,7 @@
         </p:nvSpPr>
         <p:spPr>
           <a:xfrm flipH="1">
-            <a:off x="9013740" y="1772450"/>
+            <a:off x="7427218" y="1772450"/>
             <a:ext cx="1358270" cy="307777"/>
           </a:xfrm>
           <a:prstGeom prst="rect">
@@ -6511,7 +8080,7 @@
         </p:nvSpPr>
         <p:spPr>
           <a:xfrm flipH="1">
-            <a:off x="9013740" y="1994922"/>
+            <a:off x="7427218" y="1994922"/>
             <a:ext cx="1358270" cy="307777"/>
           </a:xfrm>
           <a:prstGeom prst="rect">
@@ -6545,7 +8114,7 @@
         </p:nvSpPr>
         <p:spPr>
           <a:xfrm flipH="1">
-            <a:off x="7966997" y="2596074"/>
+            <a:off x="6380475" y="2596074"/>
             <a:ext cx="3089196" cy="738664"/>
           </a:xfrm>
           <a:prstGeom prst="rect">
@@ -6585,7 +8154,7 @@
         </p:nvSpPr>
         <p:spPr>
           <a:xfrm>
-            <a:off x="10441915" y="1544768"/>
+            <a:off x="8855393" y="1544768"/>
             <a:ext cx="467500" cy="307777"/>
           </a:xfrm>
           <a:prstGeom prst="rect">
@@ -6627,7 +8196,7 @@
         </p:nvSpPr>
         <p:spPr>
           <a:xfrm>
-            <a:off x="10457604" y="1790032"/>
+            <a:off x="8871082" y="1790032"/>
             <a:ext cx="467500" cy="307777"/>
           </a:xfrm>
           <a:prstGeom prst="rect">
@@ -6669,7 +8238,7 @@
         </p:nvSpPr>
         <p:spPr>
           <a:xfrm>
-            <a:off x="10441915" y="2011047"/>
+            <a:off x="8855393" y="2011047"/>
             <a:ext cx="467500" cy="307777"/>
           </a:xfrm>
           <a:prstGeom prst="rect">
@@ -6711,7 +8280,7 @@
         </p:nvSpPr>
         <p:spPr>
           <a:xfrm>
-            <a:off x="9908317" y="3037134"/>
+            <a:off x="8321795" y="3037134"/>
             <a:ext cx="467500" cy="307777"/>
           </a:xfrm>
           <a:prstGeom prst="rect">
@@ -11239,15 +12808,7 @@
                 <a:ea typeface="Arial" charset="0"/>
                 <a:cs typeface="Arial" charset="0"/>
               </a:rPr>
-              <a:t>List</a:t>
-            </a:r>
-            <a:r>
-              <a:rPr lang="en-US" sz="3200" u="sng" dirty="0" smtClean="0">
-                <a:latin typeface="Arial" charset="0"/>
-                <a:ea typeface="Arial" charset="0"/>
-                <a:cs typeface="Arial" charset="0"/>
-              </a:rPr>
-              <a:t>-View</a:t>
+              <a:t>List-View</a:t>
             </a:r>
             <a:endParaRPr lang="en-US" sz="3200" u="sng" dirty="0">
               <a:latin typeface="Arial" charset="0"/>
@@ -12478,8 +14039,8 @@
         </p:nvSpPr>
         <p:spPr>
           <a:xfrm>
-            <a:off x="512039" y="2485598"/>
-            <a:ext cx="2251710" cy="1569660"/>
+            <a:off x="-402361" y="3342125"/>
+            <a:ext cx="2251710" cy="1077218"/>
           </a:xfrm>
           <a:prstGeom prst="rect">
             <a:avLst/>
@@ -12494,23 +14055,12 @@
           <a:p>
             <a:pPr algn="ctr"/>
             <a:r>
-              <a:rPr lang="en-US" sz="3200" u="sng" dirty="0" smtClean="0">
+              <a:rPr lang="en-US" sz="3200" u="sng" smtClean="0">
                 <a:latin typeface="Arial" charset="0"/>
                 <a:ea typeface="Arial" charset="0"/>
                 <a:cs typeface="Arial" charset="0"/>
               </a:rPr>
-              <a:t>Game </a:t>
-            </a:r>
-          </a:p>
-          <a:p>
-            <a:pPr algn="ctr"/>
-            <a:r>
-              <a:rPr lang="en-US" sz="3200" u="sng" dirty="0" smtClean="0">
-                <a:latin typeface="Arial" charset="0"/>
-                <a:ea typeface="Arial" charset="0"/>
-                <a:cs typeface="Arial" charset="0"/>
-              </a:rPr>
-              <a:t>Creation </a:t>
+              <a:t>Menu </a:t>
             </a:r>
           </a:p>
           <a:p>
@@ -12523,10 +14073,2051 @@
               </a:rPr>
               <a:t>View</a:t>
             </a:r>
-            <a:endParaRPr lang="en-US" sz="3200" u="sng" dirty="0">
+            <a:endParaRPr lang="en-US" sz="3200" u="sng" dirty="0" smtClean="0">
               <a:latin typeface="Arial" charset="0"/>
               <a:ea typeface="Arial" charset="0"/>
               <a:cs typeface="Arial" charset="0"/>
+            </a:endParaRPr>
+          </a:p>
+        </p:txBody>
+      </p:sp>
+      <p:pic>
+        <p:nvPicPr>
+          <p:cNvPr id="3" name="Picture 2"/>
+          <p:cNvPicPr>
+            <a:picLocks noChangeAspect="1"/>
+          </p:cNvPicPr>
+          <p:nvPr/>
+        </p:nvPicPr>
+        <p:blipFill>
+          <a:blip r:embed="rId2">
+            <a:extLst>
+              <a:ext uri="{28A0092B-C50C-407E-A947-70E740481C1C}">
+                <a14:useLocalDpi xmlns:a14="http://schemas.microsoft.com/office/drawing/2010/main" val="0"/>
+              </a:ext>
+            </a:extLst>
+          </a:blip>
+          <a:stretch>
+            <a:fillRect/>
+          </a:stretch>
+        </p:blipFill>
+        <p:spPr>
+          <a:xfrm>
+            <a:off x="1702803" y="0"/>
+            <a:ext cx="3440545" cy="6858000"/>
+          </a:xfrm>
+          <a:prstGeom prst="rect">
+            <a:avLst/>
+          </a:prstGeom>
+        </p:spPr>
+      </p:pic>
+      <p:sp>
+        <p:nvSpPr>
+          <p:cNvPr id="5" name="Rectangle 4"/>
+          <p:cNvSpPr/>
+          <p:nvPr/>
+        </p:nvSpPr>
+        <p:spPr>
+          <a:xfrm>
+            <a:off x="1868595" y="1234440"/>
+            <a:ext cx="3108960" cy="4480560"/>
+          </a:xfrm>
+          <a:prstGeom prst="rect">
+            <a:avLst/>
+          </a:prstGeom>
+        </p:spPr>
+        <p:style>
+          <a:lnRef idx="2">
+            <a:schemeClr val="accent1">
+              <a:shade val="50000"/>
+            </a:schemeClr>
+          </a:lnRef>
+          <a:fillRef idx="1003">
+            <a:schemeClr val="dk2"/>
+          </a:fillRef>
+          <a:effectRef idx="0">
+            <a:schemeClr val="accent1"/>
+          </a:effectRef>
+          <a:fontRef idx="minor">
+            <a:schemeClr val="lt1"/>
+          </a:fontRef>
+        </p:style>
+        <p:txBody>
+          <a:bodyPr rtlCol="0" anchor="ctr"/>
+          <a:lstStyle/>
+          <a:p>
+            <a:pPr algn="ctr"/>
+            <a:endParaRPr lang="en-US" dirty="0" smtClean="0">
+              <a:solidFill>
+                <a:schemeClr val="bg1">
+                  <a:lumMod val="75000"/>
+                </a:schemeClr>
+              </a:solidFill>
+              <a:effectLst>
+                <a:outerShdw blurRad="50800" dist="177800" dir="4080000" algn="ctr" rotWithShape="0">
+                  <a:srgbClr val="000000">
+                    <a:alpha val="43137"/>
+                  </a:srgbClr>
+                </a:outerShdw>
+              </a:effectLst>
+            </a:endParaRPr>
+          </a:p>
+          <a:p>
+            <a:pPr algn="ctr"/>
+            <a:endParaRPr lang="en-US" dirty="0" smtClean="0">
+              <a:solidFill>
+                <a:schemeClr val="bg1">
+                  <a:lumMod val="75000"/>
+                </a:schemeClr>
+              </a:solidFill>
+              <a:effectLst>
+                <a:outerShdw blurRad="50800" dist="177800" dir="4080000" algn="ctr" rotWithShape="0">
+                  <a:srgbClr val="000000">
+                    <a:alpha val="43137"/>
+                  </a:srgbClr>
+                </a:outerShdw>
+              </a:effectLst>
+            </a:endParaRPr>
+          </a:p>
+          <a:p>
+            <a:pPr algn="ctr"/>
+            <a:endParaRPr lang="en-US" dirty="0" smtClean="0">
+              <a:solidFill>
+                <a:schemeClr val="bg1">
+                  <a:lumMod val="75000"/>
+                </a:schemeClr>
+              </a:solidFill>
+              <a:effectLst>
+                <a:outerShdw blurRad="50800" dist="177800" dir="4080000" algn="ctr" rotWithShape="0">
+                  <a:srgbClr val="000000">
+                    <a:alpha val="43137"/>
+                  </a:srgbClr>
+                </a:outerShdw>
+              </a:effectLst>
+            </a:endParaRPr>
+          </a:p>
+          <a:p>
+            <a:pPr algn="ctr"/>
+            <a:endParaRPr lang="en-US" dirty="0" smtClean="0">
+              <a:solidFill>
+                <a:schemeClr val="bg1">
+                  <a:lumMod val="75000"/>
+                </a:schemeClr>
+              </a:solidFill>
+              <a:effectLst>
+                <a:outerShdw blurRad="50800" dist="177800" dir="4080000" algn="ctr" rotWithShape="0">
+                  <a:srgbClr val="000000">
+                    <a:alpha val="43137"/>
+                  </a:srgbClr>
+                </a:outerShdw>
+              </a:effectLst>
+            </a:endParaRPr>
+          </a:p>
+          <a:p>
+            <a:pPr algn="ctr"/>
+            <a:endParaRPr lang="en-US" dirty="0" smtClean="0">
+              <a:solidFill>
+                <a:schemeClr val="bg1">
+                  <a:lumMod val="75000"/>
+                </a:schemeClr>
+              </a:solidFill>
+              <a:effectLst>
+                <a:outerShdw blurRad="50800" dist="177800" dir="4080000" algn="ctr" rotWithShape="0">
+                  <a:srgbClr val="000000">
+                    <a:alpha val="43137"/>
+                  </a:srgbClr>
+                </a:outerShdw>
+              </a:effectLst>
+            </a:endParaRPr>
+          </a:p>
+          <a:p>
+            <a:pPr algn="ctr"/>
+            <a:endParaRPr lang="en-US" dirty="0" smtClean="0">
+              <a:solidFill>
+                <a:schemeClr val="bg1">
+                  <a:lumMod val="75000"/>
+                </a:schemeClr>
+              </a:solidFill>
+              <a:effectLst>
+                <a:outerShdw blurRad="50800" dist="177800" dir="4080000" algn="ctr" rotWithShape="0">
+                  <a:srgbClr val="000000">
+                    <a:alpha val="43137"/>
+                  </a:srgbClr>
+                </a:outerShdw>
+              </a:effectLst>
+            </a:endParaRPr>
+          </a:p>
+          <a:p>
+            <a:pPr algn="ctr"/>
+            <a:endParaRPr lang="en-US" dirty="0" smtClean="0">
+              <a:solidFill>
+                <a:schemeClr val="bg1">
+                  <a:lumMod val="75000"/>
+                </a:schemeClr>
+              </a:solidFill>
+              <a:effectLst>
+                <a:outerShdw blurRad="50800" dist="177800" dir="4080000" algn="ctr" rotWithShape="0">
+                  <a:srgbClr val="000000">
+                    <a:alpha val="43137"/>
+                  </a:srgbClr>
+                </a:outerShdw>
+              </a:effectLst>
+            </a:endParaRPr>
+          </a:p>
+          <a:p>
+            <a:pPr algn="ctr"/>
+            <a:endParaRPr lang="en-US" dirty="0" smtClean="0">
+              <a:solidFill>
+                <a:schemeClr val="bg1">
+                  <a:lumMod val="75000"/>
+                </a:schemeClr>
+              </a:solidFill>
+              <a:effectLst>
+                <a:outerShdw blurRad="50800" dist="177800" dir="4080000" algn="ctr" rotWithShape="0">
+                  <a:srgbClr val="000000">
+                    <a:alpha val="43137"/>
+                  </a:srgbClr>
+                </a:outerShdw>
+              </a:effectLst>
+            </a:endParaRPr>
+          </a:p>
+          <a:p>
+            <a:pPr algn="ctr"/>
+            <a:endParaRPr lang="en-US" dirty="0" smtClean="0">
+              <a:solidFill>
+                <a:schemeClr val="bg1">
+                  <a:lumMod val="75000"/>
+                </a:schemeClr>
+              </a:solidFill>
+              <a:effectLst>
+                <a:outerShdw blurRad="50800" dist="177800" dir="4080000" algn="ctr" rotWithShape="0">
+                  <a:srgbClr val="000000">
+                    <a:alpha val="43137"/>
+                  </a:srgbClr>
+                </a:outerShdw>
+              </a:effectLst>
+            </a:endParaRPr>
+          </a:p>
+          <a:p>
+            <a:pPr algn="ctr"/>
+            <a:endParaRPr lang="en-US" dirty="0" smtClean="0">
+              <a:solidFill>
+                <a:schemeClr val="bg1">
+                  <a:lumMod val="75000"/>
+                </a:schemeClr>
+              </a:solidFill>
+              <a:effectLst>
+                <a:outerShdw blurRad="50800" dist="177800" dir="4080000" algn="ctr" rotWithShape="0">
+                  <a:srgbClr val="000000">
+                    <a:alpha val="43137"/>
+                  </a:srgbClr>
+                </a:outerShdw>
+              </a:effectLst>
+            </a:endParaRPr>
+          </a:p>
+        </p:txBody>
+      </p:sp>
+      <p:pic>
+        <p:nvPicPr>
+          <p:cNvPr id="6" name="Picture 5"/>
+          <p:cNvPicPr>
+            <a:picLocks noChangeAspect="1"/>
+          </p:cNvPicPr>
+          <p:nvPr/>
+        </p:nvPicPr>
+        <p:blipFill>
+          <a:blip r:embed="rId2">
+            <a:extLst>
+              <a:ext uri="{28A0092B-C50C-407E-A947-70E740481C1C}">
+                <a14:useLocalDpi xmlns:a14="http://schemas.microsoft.com/office/drawing/2010/main" val="0"/>
+              </a:ext>
+            </a:extLst>
+          </a:blip>
+          <a:stretch>
+            <a:fillRect/>
+          </a:stretch>
+        </p:blipFill>
+        <p:spPr>
+          <a:xfrm>
+            <a:off x="6855467" y="0"/>
+            <a:ext cx="3440545" cy="6858000"/>
+          </a:xfrm>
+          <a:prstGeom prst="rect">
+            <a:avLst/>
+          </a:prstGeom>
+        </p:spPr>
+      </p:pic>
+      <p:sp>
+        <p:nvSpPr>
+          <p:cNvPr id="7" name="Rectangle 6"/>
+          <p:cNvSpPr/>
+          <p:nvPr/>
+        </p:nvSpPr>
+        <p:spPr>
+          <a:xfrm>
+            <a:off x="7010905" y="1234440"/>
+            <a:ext cx="3108960" cy="4480560"/>
+          </a:xfrm>
+          <a:prstGeom prst="rect">
+            <a:avLst/>
+          </a:prstGeom>
+        </p:spPr>
+        <p:style>
+          <a:lnRef idx="2">
+            <a:schemeClr val="accent1">
+              <a:shade val="50000"/>
+            </a:schemeClr>
+          </a:lnRef>
+          <a:fillRef idx="1003">
+            <a:schemeClr val="dk2"/>
+          </a:fillRef>
+          <a:effectRef idx="0">
+            <a:schemeClr val="accent1"/>
+          </a:effectRef>
+          <a:fontRef idx="minor">
+            <a:schemeClr val="lt1"/>
+          </a:fontRef>
+        </p:style>
+        <p:txBody>
+          <a:bodyPr rtlCol="0" anchor="ctr"/>
+          <a:lstStyle/>
+          <a:p>
+            <a:pPr algn="ctr"/>
+            <a:endParaRPr lang="en-US" dirty="0" smtClean="0">
+              <a:solidFill>
+                <a:schemeClr val="bg1">
+                  <a:lumMod val="75000"/>
+                </a:schemeClr>
+              </a:solidFill>
+              <a:effectLst>
+                <a:outerShdw blurRad="50800" dist="177800" dir="4080000" algn="ctr" rotWithShape="0">
+                  <a:srgbClr val="000000">
+                    <a:alpha val="43137"/>
+                  </a:srgbClr>
+                </a:outerShdw>
+              </a:effectLst>
+            </a:endParaRPr>
+          </a:p>
+          <a:p>
+            <a:pPr algn="ctr"/>
+            <a:endParaRPr lang="en-US" dirty="0" smtClean="0">
+              <a:solidFill>
+                <a:schemeClr val="bg1">
+                  <a:lumMod val="75000"/>
+                </a:schemeClr>
+              </a:solidFill>
+              <a:effectLst>
+                <a:outerShdw blurRad="50800" dist="177800" dir="4080000" algn="ctr" rotWithShape="0">
+                  <a:srgbClr val="000000">
+                    <a:alpha val="43137"/>
+                  </a:srgbClr>
+                </a:outerShdw>
+              </a:effectLst>
+            </a:endParaRPr>
+          </a:p>
+          <a:p>
+            <a:pPr algn="ctr"/>
+            <a:endParaRPr lang="en-US" dirty="0" smtClean="0">
+              <a:solidFill>
+                <a:schemeClr val="bg1">
+                  <a:lumMod val="75000"/>
+                </a:schemeClr>
+              </a:solidFill>
+              <a:effectLst>
+                <a:outerShdw blurRad="50800" dist="177800" dir="4080000" algn="ctr" rotWithShape="0">
+                  <a:srgbClr val="000000">
+                    <a:alpha val="43137"/>
+                  </a:srgbClr>
+                </a:outerShdw>
+              </a:effectLst>
+            </a:endParaRPr>
+          </a:p>
+          <a:p>
+            <a:pPr algn="ctr"/>
+            <a:endParaRPr lang="en-US" dirty="0" smtClean="0">
+              <a:solidFill>
+                <a:schemeClr val="bg1">
+                  <a:lumMod val="75000"/>
+                </a:schemeClr>
+              </a:solidFill>
+              <a:effectLst>
+                <a:outerShdw blurRad="50800" dist="177800" dir="4080000" algn="ctr" rotWithShape="0">
+                  <a:srgbClr val="000000">
+                    <a:alpha val="43137"/>
+                  </a:srgbClr>
+                </a:outerShdw>
+              </a:effectLst>
+            </a:endParaRPr>
+          </a:p>
+          <a:p>
+            <a:pPr algn="ctr"/>
+            <a:endParaRPr lang="en-US" dirty="0" smtClean="0">
+              <a:solidFill>
+                <a:schemeClr val="bg1">
+                  <a:lumMod val="75000"/>
+                </a:schemeClr>
+              </a:solidFill>
+              <a:effectLst>
+                <a:outerShdw blurRad="50800" dist="177800" dir="4080000" algn="ctr" rotWithShape="0">
+                  <a:srgbClr val="000000">
+                    <a:alpha val="43137"/>
+                  </a:srgbClr>
+                </a:outerShdw>
+              </a:effectLst>
+            </a:endParaRPr>
+          </a:p>
+          <a:p>
+            <a:pPr algn="ctr"/>
+            <a:endParaRPr lang="en-US" dirty="0" smtClean="0">
+              <a:solidFill>
+                <a:schemeClr val="bg1">
+                  <a:lumMod val="75000"/>
+                </a:schemeClr>
+              </a:solidFill>
+              <a:effectLst>
+                <a:outerShdw blurRad="50800" dist="177800" dir="4080000" algn="ctr" rotWithShape="0">
+                  <a:srgbClr val="000000">
+                    <a:alpha val="43137"/>
+                  </a:srgbClr>
+                </a:outerShdw>
+              </a:effectLst>
+            </a:endParaRPr>
+          </a:p>
+          <a:p>
+            <a:pPr algn="ctr"/>
+            <a:endParaRPr lang="en-US" dirty="0" smtClean="0">
+              <a:solidFill>
+                <a:schemeClr val="bg1">
+                  <a:lumMod val="75000"/>
+                </a:schemeClr>
+              </a:solidFill>
+              <a:effectLst>
+                <a:outerShdw blurRad="50800" dist="177800" dir="4080000" algn="ctr" rotWithShape="0">
+                  <a:srgbClr val="000000">
+                    <a:alpha val="43137"/>
+                  </a:srgbClr>
+                </a:outerShdw>
+              </a:effectLst>
+            </a:endParaRPr>
+          </a:p>
+          <a:p>
+            <a:pPr algn="ctr"/>
+            <a:endParaRPr lang="en-US" dirty="0" smtClean="0">
+              <a:solidFill>
+                <a:schemeClr val="bg1">
+                  <a:lumMod val="75000"/>
+                </a:schemeClr>
+              </a:solidFill>
+              <a:effectLst>
+                <a:outerShdw blurRad="50800" dist="177800" dir="4080000" algn="ctr" rotWithShape="0">
+                  <a:srgbClr val="000000">
+                    <a:alpha val="43137"/>
+                  </a:srgbClr>
+                </a:outerShdw>
+              </a:effectLst>
+            </a:endParaRPr>
+          </a:p>
+          <a:p>
+            <a:pPr algn="ctr"/>
+            <a:endParaRPr lang="en-US" dirty="0" smtClean="0">
+              <a:solidFill>
+                <a:schemeClr val="bg1">
+                  <a:lumMod val="75000"/>
+                </a:schemeClr>
+              </a:solidFill>
+              <a:effectLst>
+                <a:outerShdw blurRad="50800" dist="177800" dir="4080000" algn="ctr" rotWithShape="0">
+                  <a:srgbClr val="000000">
+                    <a:alpha val="43137"/>
+                  </a:srgbClr>
+                </a:outerShdw>
+              </a:effectLst>
+            </a:endParaRPr>
+          </a:p>
+          <a:p>
+            <a:pPr algn="ctr"/>
+            <a:endParaRPr lang="en-US" dirty="0" smtClean="0">
+              <a:solidFill>
+                <a:schemeClr val="bg1">
+                  <a:lumMod val="75000"/>
+                </a:schemeClr>
+              </a:solidFill>
+              <a:effectLst>
+                <a:outerShdw blurRad="50800" dist="177800" dir="4080000" algn="ctr" rotWithShape="0">
+                  <a:srgbClr val="000000">
+                    <a:alpha val="43137"/>
+                  </a:srgbClr>
+                </a:outerShdw>
+              </a:effectLst>
+            </a:endParaRPr>
+          </a:p>
+        </p:txBody>
+      </p:sp>
+      <p:sp>
+        <p:nvSpPr>
+          <p:cNvPr id="8" name="TextBox 7"/>
+          <p:cNvSpPr txBox="1"/>
+          <p:nvPr/>
+        </p:nvSpPr>
+        <p:spPr>
+          <a:xfrm>
+            <a:off x="10154692" y="3342125"/>
+            <a:ext cx="2251710" cy="1077218"/>
+          </a:xfrm>
+          <a:prstGeom prst="rect">
+            <a:avLst/>
+          </a:prstGeom>
+          <a:noFill/>
+        </p:spPr>
+        <p:txBody>
+          <a:bodyPr wrap="square" rtlCol="0">
+            <a:spAutoFit/>
+          </a:bodyPr>
+          <a:lstStyle/>
+          <a:p>
+            <a:pPr algn="ctr"/>
+            <a:r>
+              <a:rPr lang="en-US" sz="3200" u="sng" dirty="0" smtClean="0">
+                <a:latin typeface="Arial" charset="0"/>
+                <a:ea typeface="Arial" charset="0"/>
+                <a:cs typeface="Arial" charset="0"/>
+              </a:rPr>
+              <a:t>Misc.</a:t>
+            </a:r>
+          </a:p>
+          <a:p>
+            <a:pPr algn="ctr"/>
+            <a:r>
+              <a:rPr lang="en-US" sz="3200" u="sng" dirty="0" smtClean="0">
+                <a:latin typeface="Arial" charset="0"/>
+                <a:ea typeface="Arial" charset="0"/>
+                <a:cs typeface="Arial" charset="0"/>
+              </a:rPr>
+              <a:t>View</a:t>
+            </a:r>
+            <a:endParaRPr lang="en-US" sz="3200" u="sng" dirty="0" smtClean="0">
+              <a:latin typeface="Arial" charset="0"/>
+              <a:ea typeface="Arial" charset="0"/>
+              <a:cs typeface="Arial" charset="0"/>
+            </a:endParaRPr>
+          </a:p>
+        </p:txBody>
+      </p:sp>
+      <p:sp>
+        <p:nvSpPr>
+          <p:cNvPr id="9" name="Double Bracket 8"/>
+          <p:cNvSpPr/>
+          <p:nvPr/>
+        </p:nvSpPr>
+        <p:spPr>
+          <a:xfrm>
+            <a:off x="1713157" y="790936"/>
+            <a:ext cx="670008" cy="443504"/>
+          </a:xfrm>
+          <a:prstGeom prst="bracketPair">
+            <a:avLst/>
+          </a:prstGeom>
+          <a:noFill/>
+          <a:ln>
+            <a:solidFill>
+              <a:srgbClr val="FF0000"/>
+            </a:solidFill>
+          </a:ln>
+        </p:spPr>
+        <p:style>
+          <a:lnRef idx="1">
+            <a:schemeClr val="accent1"/>
+          </a:lnRef>
+          <a:fillRef idx="0">
+            <a:schemeClr val="accent1"/>
+          </a:fillRef>
+          <a:effectRef idx="0">
+            <a:schemeClr val="accent1"/>
+          </a:effectRef>
+          <a:fontRef idx="minor">
+            <a:schemeClr val="tx1"/>
+          </a:fontRef>
+        </p:style>
+        <p:txBody>
+          <a:bodyPr rtlCol="0" anchor="ctr"/>
+          <a:lstStyle/>
+          <a:p>
+            <a:pPr algn="ctr"/>
+            <a:endParaRPr lang="en-US">
+              <a:solidFill>
+                <a:srgbClr val="FF0000"/>
+              </a:solidFill>
+            </a:endParaRPr>
+          </a:p>
+        </p:txBody>
+      </p:sp>
+      <p:sp>
+        <p:nvSpPr>
+          <p:cNvPr id="10" name="Double Bracket 9"/>
+          <p:cNvSpPr/>
+          <p:nvPr/>
+        </p:nvSpPr>
+        <p:spPr>
+          <a:xfrm>
+            <a:off x="9487434" y="698790"/>
+            <a:ext cx="787869" cy="535650"/>
+          </a:xfrm>
+          <a:prstGeom prst="bracketPair">
+            <a:avLst/>
+          </a:prstGeom>
+          <a:noFill/>
+          <a:ln>
+            <a:solidFill>
+              <a:srgbClr val="FF0000"/>
+            </a:solidFill>
+          </a:ln>
+        </p:spPr>
+        <p:style>
+          <a:lnRef idx="1">
+            <a:schemeClr val="accent1"/>
+          </a:lnRef>
+          <a:fillRef idx="0">
+            <a:schemeClr val="accent1"/>
+          </a:fillRef>
+          <a:effectRef idx="0">
+            <a:schemeClr val="accent1"/>
+          </a:effectRef>
+          <a:fontRef idx="minor">
+            <a:schemeClr val="tx1"/>
+          </a:fontRef>
+        </p:style>
+        <p:txBody>
+          <a:bodyPr rtlCol="0" anchor="ctr"/>
+          <a:lstStyle/>
+          <a:p>
+            <a:pPr algn="ctr"/>
+            <a:endParaRPr lang="en-US">
+              <a:solidFill>
+                <a:srgbClr val="FF0000"/>
+              </a:solidFill>
+            </a:endParaRPr>
+          </a:p>
+        </p:txBody>
+      </p:sp>
+      <p:sp>
+        <p:nvSpPr>
+          <p:cNvPr id="12" name="Rectangle 11"/>
+          <p:cNvSpPr/>
+          <p:nvPr/>
+        </p:nvSpPr>
+        <p:spPr>
+          <a:xfrm>
+            <a:off x="2446509" y="1532653"/>
+            <a:ext cx="614271" cy="369332"/>
+          </a:xfrm>
+          <a:prstGeom prst="rect">
+            <a:avLst/>
+          </a:prstGeom>
+        </p:spPr>
+        <p:txBody>
+          <a:bodyPr wrap="none">
+            <a:spAutoFit/>
+          </a:bodyPr>
+          <a:lstStyle/>
+          <a:p>
+            <a:pPr algn="ctr"/>
+            <a:r>
+              <a:rPr lang="en-US" dirty="0" smtClean="0">
+                <a:solidFill>
+                  <a:schemeClr val="bg1">
+                    <a:lumMod val="75000"/>
+                  </a:schemeClr>
+                </a:solidFill>
+                <a:effectLst>
+                  <a:outerShdw blurRad="50800" dist="177800" dir="4080000" sx="105000" sy="105000" algn="ctr" rotWithShape="0">
+                    <a:srgbClr val="000000">
+                      <a:alpha val="43137"/>
+                    </a:srgbClr>
+                  </a:outerShdw>
+                </a:effectLst>
+              </a:rPr>
+              <a:t>Map</a:t>
+            </a:r>
+          </a:p>
+        </p:txBody>
+      </p:sp>
+      <p:sp>
+        <p:nvSpPr>
+          <p:cNvPr id="13" name="Rectangle 12"/>
+          <p:cNvSpPr/>
+          <p:nvPr/>
+        </p:nvSpPr>
+        <p:spPr>
+          <a:xfrm>
+            <a:off x="3832371" y="1532653"/>
+            <a:ext cx="499497" cy="369332"/>
+          </a:xfrm>
+          <a:prstGeom prst="rect">
+            <a:avLst/>
+          </a:prstGeom>
+        </p:spPr>
+        <p:txBody>
+          <a:bodyPr wrap="none">
+            <a:spAutoFit/>
+          </a:bodyPr>
+          <a:lstStyle/>
+          <a:p>
+            <a:pPr algn="ctr"/>
+            <a:r>
+              <a:rPr lang="en-US" u="sng" dirty="0" smtClean="0">
+                <a:solidFill>
+                  <a:schemeClr val="bg1">
+                    <a:lumMod val="75000"/>
+                  </a:schemeClr>
+                </a:solidFill>
+                <a:effectLst>
+                  <a:outerShdw blurRad="50800" dist="177800" dir="4080000" sx="105000" sy="105000" algn="ctr" rotWithShape="0">
+                    <a:srgbClr val="000000">
+                      <a:alpha val="43137"/>
+                    </a:srgbClr>
+                  </a:outerShdw>
+                </a:effectLst>
+              </a:rPr>
+              <a:t>List</a:t>
+            </a:r>
+          </a:p>
+        </p:txBody>
+      </p:sp>
+      <p:sp>
+        <p:nvSpPr>
+          <p:cNvPr id="14" name="Rectangle 13"/>
+          <p:cNvSpPr/>
+          <p:nvPr/>
+        </p:nvSpPr>
+        <p:spPr>
+          <a:xfrm>
+            <a:off x="1919395" y="2514633"/>
+            <a:ext cx="2943537" cy="2880464"/>
+          </a:xfrm>
+          <a:prstGeom prst="rect">
+            <a:avLst/>
+          </a:prstGeom>
+        </p:spPr>
+        <p:style>
+          <a:lnRef idx="0">
+            <a:schemeClr val="accent1"/>
+          </a:lnRef>
+          <a:fillRef idx="3">
+            <a:schemeClr val="accent1"/>
+          </a:fillRef>
+          <a:effectRef idx="3">
+            <a:schemeClr val="accent1"/>
+          </a:effectRef>
+          <a:fontRef idx="minor">
+            <a:schemeClr val="lt1"/>
+          </a:fontRef>
+        </p:style>
+        <p:txBody>
+          <a:bodyPr rtlCol="0" anchor="ctr"/>
+          <a:lstStyle/>
+          <a:p>
+            <a:pPr algn="ctr"/>
+            <a:endParaRPr lang="en-US"/>
+          </a:p>
+        </p:txBody>
+      </p:sp>
+      <p:pic>
+        <p:nvPicPr>
+          <p:cNvPr id="15" name="Picture 14"/>
+          <p:cNvPicPr>
+            <a:picLocks noChangeAspect="1"/>
+          </p:cNvPicPr>
+          <p:nvPr/>
+        </p:nvPicPr>
+        <p:blipFill>
+          <a:blip r:embed="rId3"/>
+          <a:stretch>
+            <a:fillRect/>
+          </a:stretch>
+        </p:blipFill>
+        <p:spPr>
+          <a:xfrm>
+            <a:off x="3511630" y="3463053"/>
+            <a:ext cx="266700" cy="254000"/>
+          </a:xfrm>
+          <a:prstGeom prst="rect">
+            <a:avLst/>
+          </a:prstGeom>
+        </p:spPr>
+      </p:pic>
+      <p:sp>
+        <p:nvSpPr>
+          <p:cNvPr id="16" name="Rounded Rectangle 15"/>
+          <p:cNvSpPr/>
+          <p:nvPr/>
+        </p:nvSpPr>
+        <p:spPr>
+          <a:xfrm>
+            <a:off x="2243591" y="1901985"/>
+            <a:ext cx="2295144" cy="190238"/>
+          </a:xfrm>
+          <a:prstGeom prst="roundRect">
+            <a:avLst/>
+          </a:prstGeom>
+        </p:spPr>
+        <p:style>
+          <a:lnRef idx="2">
+            <a:schemeClr val="accent5"/>
+          </a:lnRef>
+          <a:fillRef idx="1">
+            <a:schemeClr val="lt1"/>
+          </a:fillRef>
+          <a:effectRef idx="0">
+            <a:schemeClr val="accent5"/>
+          </a:effectRef>
+          <a:fontRef idx="minor">
+            <a:schemeClr val="dk1"/>
+          </a:fontRef>
+        </p:style>
+        <p:txBody>
+          <a:bodyPr rtlCol="0" anchor="ctr"/>
+          <a:lstStyle/>
+          <a:p>
+            <a:pPr algn="ctr"/>
+            <a:r>
+              <a:rPr lang="en-US" sz="1600" dirty="0" smtClean="0"/>
+              <a:t>Search</a:t>
+            </a:r>
+            <a:endParaRPr lang="en-US" sz="1600" dirty="0"/>
+          </a:p>
+        </p:txBody>
+      </p:sp>
+      <p:sp>
+        <p:nvSpPr>
+          <p:cNvPr id="17" name="Rectangle 16"/>
+          <p:cNvSpPr/>
+          <p:nvPr/>
+        </p:nvSpPr>
+        <p:spPr>
+          <a:xfrm>
+            <a:off x="2373908" y="2173216"/>
+            <a:ext cx="1818296" cy="252096"/>
+          </a:xfrm>
+          <a:prstGeom prst="rect">
+            <a:avLst/>
+          </a:prstGeom>
+        </p:spPr>
+        <p:style>
+          <a:lnRef idx="1">
+            <a:schemeClr val="accent4"/>
+          </a:lnRef>
+          <a:fillRef idx="2">
+            <a:schemeClr val="accent4"/>
+          </a:fillRef>
+          <a:effectRef idx="1">
+            <a:schemeClr val="accent4"/>
+          </a:effectRef>
+          <a:fontRef idx="minor">
+            <a:schemeClr val="dk1"/>
+          </a:fontRef>
+        </p:style>
+        <p:txBody>
+          <a:bodyPr rtlCol="0" anchor="ctr"/>
+          <a:lstStyle/>
+          <a:p>
+            <a:pPr algn="ctr"/>
+            <a:r>
+              <a:rPr lang="en-US" smtClean="0"/>
+              <a:t>Filter</a:t>
+            </a:r>
+            <a:endParaRPr lang="en-US"/>
+          </a:p>
+        </p:txBody>
+      </p:sp>
+      <p:sp>
+        <p:nvSpPr>
+          <p:cNvPr id="18" name="Rectangle 17"/>
+          <p:cNvSpPr/>
+          <p:nvPr/>
+        </p:nvSpPr>
+        <p:spPr>
+          <a:xfrm>
+            <a:off x="3985595" y="2173216"/>
+            <a:ext cx="289506" cy="252095"/>
+          </a:xfrm>
+          <a:prstGeom prst="rect">
+            <a:avLst/>
+          </a:prstGeom>
+        </p:spPr>
+        <p:style>
+          <a:lnRef idx="0">
+            <a:schemeClr val="accent4"/>
+          </a:lnRef>
+          <a:fillRef idx="3">
+            <a:schemeClr val="accent4"/>
+          </a:fillRef>
+          <a:effectRef idx="3">
+            <a:schemeClr val="accent4"/>
+          </a:effectRef>
+          <a:fontRef idx="minor">
+            <a:schemeClr val="lt1"/>
+          </a:fontRef>
+        </p:style>
+        <p:txBody>
+          <a:bodyPr rtlCol="0" anchor="ctr"/>
+          <a:lstStyle/>
+          <a:p>
+            <a:pPr algn="ctr"/>
+            <a:r>
+              <a:rPr lang="en-US" dirty="0" smtClean="0"/>
+              <a:t>V</a:t>
+            </a:r>
+            <a:endParaRPr lang="en-US" dirty="0"/>
+          </a:p>
+        </p:txBody>
+      </p:sp>
+      <p:cxnSp>
+        <p:nvCxnSpPr>
+          <p:cNvPr id="19" name="Straight Connector 18"/>
+          <p:cNvCxnSpPr/>
+          <p:nvPr/>
+        </p:nvCxnSpPr>
+        <p:spPr>
+          <a:xfrm>
+            <a:off x="1919395" y="2794525"/>
+            <a:ext cx="2943537" cy="0"/>
+          </a:xfrm>
+          <a:prstGeom prst="line">
+            <a:avLst/>
+          </a:prstGeom>
+          <a:ln>
+            <a:solidFill>
+              <a:schemeClr val="tx1"/>
+            </a:solidFill>
+          </a:ln>
+        </p:spPr>
+        <p:style>
+          <a:lnRef idx="1">
+            <a:schemeClr val="accent1"/>
+          </a:lnRef>
+          <a:fillRef idx="0">
+            <a:schemeClr val="accent1"/>
+          </a:fillRef>
+          <a:effectRef idx="0">
+            <a:schemeClr val="accent1"/>
+          </a:effectRef>
+          <a:fontRef idx="minor">
+            <a:schemeClr val="tx1"/>
+          </a:fontRef>
+        </p:style>
+      </p:cxnSp>
+      <p:cxnSp>
+        <p:nvCxnSpPr>
+          <p:cNvPr id="20" name="Straight Connector 19"/>
+          <p:cNvCxnSpPr/>
+          <p:nvPr/>
+        </p:nvCxnSpPr>
+        <p:spPr>
+          <a:xfrm>
+            <a:off x="1919395" y="3450861"/>
+            <a:ext cx="2943537" cy="0"/>
+          </a:xfrm>
+          <a:prstGeom prst="line">
+            <a:avLst/>
+          </a:prstGeom>
+          <a:ln>
+            <a:solidFill>
+              <a:schemeClr val="tx1"/>
+            </a:solidFill>
+          </a:ln>
+        </p:spPr>
+        <p:style>
+          <a:lnRef idx="1">
+            <a:schemeClr val="accent1"/>
+          </a:lnRef>
+          <a:fillRef idx="0">
+            <a:schemeClr val="accent1"/>
+          </a:fillRef>
+          <a:effectRef idx="0">
+            <a:schemeClr val="accent1"/>
+          </a:effectRef>
+          <a:fontRef idx="minor">
+            <a:schemeClr val="tx1"/>
+          </a:fontRef>
+        </p:style>
+      </p:cxnSp>
+      <p:cxnSp>
+        <p:nvCxnSpPr>
+          <p:cNvPr id="21" name="Straight Connector 20"/>
+          <p:cNvCxnSpPr/>
+          <p:nvPr/>
+        </p:nvCxnSpPr>
+        <p:spPr>
+          <a:xfrm>
+            <a:off x="1919395" y="4108213"/>
+            <a:ext cx="2943537" cy="0"/>
+          </a:xfrm>
+          <a:prstGeom prst="line">
+            <a:avLst/>
+          </a:prstGeom>
+          <a:ln>
+            <a:solidFill>
+              <a:schemeClr val="tx1"/>
+            </a:solidFill>
+          </a:ln>
+        </p:spPr>
+        <p:style>
+          <a:lnRef idx="1">
+            <a:schemeClr val="accent1"/>
+          </a:lnRef>
+          <a:fillRef idx="0">
+            <a:schemeClr val="accent1"/>
+          </a:fillRef>
+          <a:effectRef idx="0">
+            <a:schemeClr val="accent1"/>
+          </a:effectRef>
+          <a:fontRef idx="minor">
+            <a:schemeClr val="tx1"/>
+          </a:fontRef>
+        </p:style>
+      </p:cxnSp>
+      <p:cxnSp>
+        <p:nvCxnSpPr>
+          <p:cNvPr id="22" name="Straight Connector 21"/>
+          <p:cNvCxnSpPr/>
+          <p:nvPr/>
+        </p:nvCxnSpPr>
+        <p:spPr>
+          <a:xfrm>
+            <a:off x="1919395" y="4764549"/>
+            <a:ext cx="2943537" cy="0"/>
+          </a:xfrm>
+          <a:prstGeom prst="line">
+            <a:avLst/>
+          </a:prstGeom>
+          <a:ln>
+            <a:solidFill>
+              <a:schemeClr val="tx1"/>
+            </a:solidFill>
+          </a:ln>
+        </p:spPr>
+        <p:style>
+          <a:lnRef idx="1">
+            <a:schemeClr val="accent1"/>
+          </a:lnRef>
+          <a:fillRef idx="0">
+            <a:schemeClr val="accent1"/>
+          </a:fillRef>
+          <a:effectRef idx="0">
+            <a:schemeClr val="accent1"/>
+          </a:effectRef>
+          <a:fontRef idx="minor">
+            <a:schemeClr val="tx1"/>
+          </a:fontRef>
+        </p:style>
+      </p:cxnSp>
+      <p:cxnSp>
+        <p:nvCxnSpPr>
+          <p:cNvPr id="23" name="Straight Connector 22"/>
+          <p:cNvCxnSpPr/>
+          <p:nvPr/>
+        </p:nvCxnSpPr>
+        <p:spPr>
+          <a:xfrm>
+            <a:off x="1919395" y="5395097"/>
+            <a:ext cx="2943537" cy="0"/>
+          </a:xfrm>
+          <a:prstGeom prst="line">
+            <a:avLst/>
+          </a:prstGeom>
+          <a:ln>
+            <a:solidFill>
+              <a:schemeClr val="tx1"/>
+            </a:solidFill>
+          </a:ln>
+        </p:spPr>
+        <p:style>
+          <a:lnRef idx="1">
+            <a:schemeClr val="accent1"/>
+          </a:lnRef>
+          <a:fillRef idx="0">
+            <a:schemeClr val="accent1"/>
+          </a:fillRef>
+          <a:effectRef idx="0">
+            <a:schemeClr val="accent1"/>
+          </a:effectRef>
+          <a:fontRef idx="minor">
+            <a:schemeClr val="tx1"/>
+          </a:fontRef>
+        </p:style>
+      </p:cxnSp>
+      <p:sp>
+        <p:nvSpPr>
+          <p:cNvPr id="24" name="TextBox 23"/>
+          <p:cNvSpPr txBox="1"/>
+          <p:nvPr/>
+        </p:nvSpPr>
+        <p:spPr>
+          <a:xfrm>
+            <a:off x="1868595" y="2468880"/>
+            <a:ext cx="1343729" cy="369332"/>
+          </a:xfrm>
+          <a:prstGeom prst="rect">
+            <a:avLst/>
+          </a:prstGeom>
+          <a:noFill/>
+        </p:spPr>
+        <p:txBody>
+          <a:bodyPr wrap="square" rtlCol="0">
+            <a:spAutoFit/>
+          </a:bodyPr>
+          <a:lstStyle/>
+          <a:p>
+            <a:r>
+              <a:rPr lang="en-US" dirty="0" smtClean="0">
+                <a:solidFill>
+                  <a:schemeClr val="bg1"/>
+                </a:solidFill>
+              </a:rPr>
+              <a:t>Results: 4</a:t>
+            </a:r>
+            <a:endParaRPr lang="en-US" dirty="0">
+              <a:solidFill>
+                <a:schemeClr val="bg1"/>
+              </a:solidFill>
+            </a:endParaRPr>
+          </a:p>
+        </p:txBody>
+      </p:sp>
+      <p:sp>
+        <p:nvSpPr>
+          <p:cNvPr id="25" name="TextBox 24"/>
+          <p:cNvSpPr txBox="1"/>
+          <p:nvPr/>
+        </p:nvSpPr>
+        <p:spPr>
+          <a:xfrm>
+            <a:off x="2463097" y="3155187"/>
+            <a:ext cx="1444626" cy="276999"/>
+          </a:xfrm>
+          <a:prstGeom prst="rect">
+            <a:avLst/>
+          </a:prstGeom>
+          <a:noFill/>
+        </p:spPr>
+        <p:txBody>
+          <a:bodyPr wrap="none" rtlCol="0">
+            <a:spAutoFit/>
+          </a:bodyPr>
+          <a:lstStyle/>
+          <a:p>
+            <a:r>
+              <a:rPr lang="en-US" sz="1200" dirty="0" smtClean="0"/>
+              <a:t>10:00am – 12:00pm</a:t>
+            </a:r>
+            <a:endParaRPr lang="en-US" sz="1200" dirty="0"/>
+          </a:p>
+        </p:txBody>
+      </p:sp>
+      <p:sp>
+        <p:nvSpPr>
+          <p:cNvPr id="26" name="TextBox 25"/>
+          <p:cNvSpPr txBox="1"/>
+          <p:nvPr/>
+        </p:nvSpPr>
+        <p:spPr>
+          <a:xfrm>
+            <a:off x="2463097" y="2789360"/>
+            <a:ext cx="1430648" cy="307777"/>
+          </a:xfrm>
+          <a:prstGeom prst="rect">
+            <a:avLst/>
+          </a:prstGeom>
+          <a:noFill/>
+        </p:spPr>
+        <p:txBody>
+          <a:bodyPr wrap="none" rtlCol="0">
+            <a:spAutoFit/>
+          </a:bodyPr>
+          <a:lstStyle/>
+          <a:p>
+            <a:r>
+              <a:rPr lang="en-US" sz="1400" b="1" dirty="0" smtClean="0"/>
+              <a:t>Basketball Game</a:t>
+            </a:r>
+            <a:endParaRPr lang="en-US" sz="1400" b="1" dirty="0"/>
+          </a:p>
+        </p:txBody>
+      </p:sp>
+      <p:sp>
+        <p:nvSpPr>
+          <p:cNvPr id="27" name="TextBox 26"/>
+          <p:cNvSpPr txBox="1"/>
+          <p:nvPr/>
+        </p:nvSpPr>
+        <p:spPr>
+          <a:xfrm>
+            <a:off x="2477137" y="2982419"/>
+            <a:ext cx="1431802" cy="276999"/>
+          </a:xfrm>
+          <a:prstGeom prst="rect">
+            <a:avLst/>
+          </a:prstGeom>
+          <a:noFill/>
+        </p:spPr>
+        <p:txBody>
+          <a:bodyPr wrap="none" rtlCol="0">
+            <a:spAutoFit/>
+          </a:bodyPr>
+          <a:lstStyle/>
+          <a:p>
+            <a:r>
+              <a:rPr lang="en-US" sz="1200" dirty="0" smtClean="0"/>
+              <a:t>South Park (3 miles)</a:t>
+            </a:r>
+            <a:endParaRPr lang="en-US" sz="1200" dirty="0"/>
+          </a:p>
+        </p:txBody>
+      </p:sp>
+      <p:sp>
+        <p:nvSpPr>
+          <p:cNvPr id="28" name="Rectangle 27"/>
+          <p:cNvSpPr/>
+          <p:nvPr/>
+        </p:nvSpPr>
+        <p:spPr>
+          <a:xfrm>
+            <a:off x="1969271" y="2850397"/>
+            <a:ext cx="548640" cy="548640"/>
+          </a:xfrm>
+          <a:prstGeom prst="rect">
+            <a:avLst/>
+          </a:prstGeom>
+          <a:solidFill>
+            <a:schemeClr val="bg1"/>
+          </a:solidFill>
+        </p:spPr>
+        <p:style>
+          <a:lnRef idx="2">
+            <a:schemeClr val="accent1">
+              <a:shade val="50000"/>
+            </a:schemeClr>
+          </a:lnRef>
+          <a:fillRef idx="1">
+            <a:schemeClr val="accent1"/>
+          </a:fillRef>
+          <a:effectRef idx="0">
+            <a:schemeClr val="accent1"/>
+          </a:effectRef>
+          <a:fontRef idx="minor">
+            <a:schemeClr val="lt1"/>
+          </a:fontRef>
+        </p:style>
+        <p:txBody>
+          <a:bodyPr rtlCol="0" anchor="ctr"/>
+          <a:lstStyle/>
+          <a:p>
+            <a:pPr algn="ctr"/>
+            <a:endParaRPr lang="en-US"/>
+          </a:p>
+        </p:txBody>
+      </p:sp>
+      <p:pic>
+        <p:nvPicPr>
+          <p:cNvPr id="29" name="Picture 28"/>
+          <p:cNvPicPr>
+            <a:picLocks noChangeAspect="1"/>
+          </p:cNvPicPr>
+          <p:nvPr/>
+        </p:nvPicPr>
+        <p:blipFill>
+          <a:blip r:embed="rId4">
+            <a:extLst>
+              <a:ext uri="{28A0092B-C50C-407E-A947-70E740481C1C}">
+                <a14:useLocalDpi xmlns:a14="http://schemas.microsoft.com/office/drawing/2010/main" val="0"/>
+              </a:ext>
+            </a:extLst>
+          </a:blip>
+          <a:stretch>
+            <a:fillRect/>
+          </a:stretch>
+        </p:blipFill>
+        <p:spPr>
+          <a:xfrm>
+            <a:off x="2006263" y="2873958"/>
+            <a:ext cx="490359" cy="490359"/>
+          </a:xfrm>
+          <a:prstGeom prst="rect">
+            <a:avLst/>
+          </a:prstGeom>
+        </p:spPr>
+      </p:pic>
+      <p:sp>
+        <p:nvSpPr>
+          <p:cNvPr id="30" name="Rectangle 29"/>
+          <p:cNvSpPr/>
+          <p:nvPr/>
+        </p:nvSpPr>
+        <p:spPr>
+          <a:xfrm>
+            <a:off x="1969271" y="3505470"/>
+            <a:ext cx="548640" cy="548640"/>
+          </a:xfrm>
+          <a:prstGeom prst="rect">
+            <a:avLst/>
+          </a:prstGeom>
+          <a:solidFill>
+            <a:schemeClr val="bg1"/>
+          </a:solidFill>
+        </p:spPr>
+        <p:style>
+          <a:lnRef idx="2">
+            <a:schemeClr val="accent1">
+              <a:shade val="50000"/>
+            </a:schemeClr>
+          </a:lnRef>
+          <a:fillRef idx="1">
+            <a:schemeClr val="accent1"/>
+          </a:fillRef>
+          <a:effectRef idx="0">
+            <a:schemeClr val="accent1"/>
+          </a:effectRef>
+          <a:fontRef idx="minor">
+            <a:schemeClr val="lt1"/>
+          </a:fontRef>
+        </p:style>
+        <p:txBody>
+          <a:bodyPr rtlCol="0" anchor="ctr"/>
+          <a:lstStyle/>
+          <a:p>
+            <a:pPr algn="ctr"/>
+            <a:endParaRPr lang="en-US"/>
+          </a:p>
+        </p:txBody>
+      </p:sp>
+      <p:sp>
+        <p:nvSpPr>
+          <p:cNvPr id="31" name="Rectangle 30"/>
+          <p:cNvSpPr/>
+          <p:nvPr/>
+        </p:nvSpPr>
+        <p:spPr>
+          <a:xfrm>
+            <a:off x="1977582" y="4156035"/>
+            <a:ext cx="548640" cy="548640"/>
+          </a:xfrm>
+          <a:prstGeom prst="rect">
+            <a:avLst/>
+          </a:prstGeom>
+          <a:solidFill>
+            <a:schemeClr val="bg1"/>
+          </a:solidFill>
+        </p:spPr>
+        <p:style>
+          <a:lnRef idx="2">
+            <a:schemeClr val="accent1">
+              <a:shade val="50000"/>
+            </a:schemeClr>
+          </a:lnRef>
+          <a:fillRef idx="1">
+            <a:schemeClr val="accent1"/>
+          </a:fillRef>
+          <a:effectRef idx="0">
+            <a:schemeClr val="accent1"/>
+          </a:effectRef>
+          <a:fontRef idx="minor">
+            <a:schemeClr val="lt1"/>
+          </a:fontRef>
+        </p:style>
+        <p:txBody>
+          <a:bodyPr rtlCol="0" anchor="ctr"/>
+          <a:lstStyle/>
+          <a:p>
+            <a:pPr algn="ctr"/>
+            <a:endParaRPr lang="en-US"/>
+          </a:p>
+        </p:txBody>
+      </p:sp>
+      <p:sp>
+        <p:nvSpPr>
+          <p:cNvPr id="32" name="Rectangle 31"/>
+          <p:cNvSpPr/>
+          <p:nvPr/>
+        </p:nvSpPr>
+        <p:spPr>
+          <a:xfrm>
+            <a:off x="1980716" y="4820428"/>
+            <a:ext cx="548640" cy="548640"/>
+          </a:xfrm>
+          <a:prstGeom prst="rect">
+            <a:avLst/>
+          </a:prstGeom>
+          <a:solidFill>
+            <a:schemeClr val="bg1"/>
+          </a:solidFill>
+        </p:spPr>
+        <p:style>
+          <a:lnRef idx="2">
+            <a:schemeClr val="accent1">
+              <a:shade val="50000"/>
+            </a:schemeClr>
+          </a:lnRef>
+          <a:fillRef idx="1">
+            <a:schemeClr val="accent1"/>
+          </a:fillRef>
+          <a:effectRef idx="0">
+            <a:schemeClr val="accent1"/>
+          </a:effectRef>
+          <a:fontRef idx="minor">
+            <a:schemeClr val="lt1"/>
+          </a:fontRef>
+        </p:style>
+        <p:txBody>
+          <a:bodyPr rtlCol="0" anchor="ctr"/>
+          <a:lstStyle/>
+          <a:p>
+            <a:pPr algn="ctr"/>
+            <a:endParaRPr lang="en-US"/>
+          </a:p>
+        </p:txBody>
+      </p:sp>
+      <p:pic>
+        <p:nvPicPr>
+          <p:cNvPr id="33" name="Picture 32"/>
+          <p:cNvPicPr>
+            <a:picLocks noChangeAspect="1"/>
+          </p:cNvPicPr>
+          <p:nvPr/>
+        </p:nvPicPr>
+        <p:blipFill>
+          <a:blip r:embed="rId5">
+            <a:extLst>
+              <a:ext uri="{28A0092B-C50C-407E-A947-70E740481C1C}">
+                <a14:useLocalDpi xmlns:a14="http://schemas.microsoft.com/office/drawing/2010/main" val="0"/>
+              </a:ext>
+            </a:extLst>
+          </a:blip>
+          <a:stretch>
+            <a:fillRect/>
+          </a:stretch>
+        </p:blipFill>
+        <p:spPr>
+          <a:xfrm>
+            <a:off x="1937883" y="3482739"/>
+            <a:ext cx="600710" cy="600710"/>
+          </a:xfrm>
+          <a:prstGeom prst="rect">
+            <a:avLst/>
+          </a:prstGeom>
+        </p:spPr>
+      </p:pic>
+      <p:pic>
+        <p:nvPicPr>
+          <p:cNvPr id="34" name="Picture 33"/>
+          <p:cNvPicPr>
+            <a:picLocks noChangeAspect="1"/>
+          </p:cNvPicPr>
+          <p:nvPr/>
+        </p:nvPicPr>
+        <p:blipFill>
+          <a:blip r:embed="rId6">
+            <a:extLst>
+              <a:ext uri="{28A0092B-C50C-407E-A947-70E740481C1C}">
+                <a14:useLocalDpi xmlns:a14="http://schemas.microsoft.com/office/drawing/2010/main" val="0"/>
+              </a:ext>
+            </a:extLst>
+          </a:blip>
+          <a:stretch>
+            <a:fillRect/>
+          </a:stretch>
+        </p:blipFill>
+        <p:spPr>
+          <a:xfrm>
+            <a:off x="2037877" y="4216206"/>
+            <a:ext cx="427129" cy="427129"/>
+          </a:xfrm>
+          <a:prstGeom prst="rect">
+            <a:avLst/>
+          </a:prstGeom>
+        </p:spPr>
+      </p:pic>
+      <p:pic>
+        <p:nvPicPr>
+          <p:cNvPr id="35" name="Picture 34"/>
+          <p:cNvPicPr>
+            <a:picLocks noChangeAspect="1"/>
+          </p:cNvPicPr>
+          <p:nvPr/>
+        </p:nvPicPr>
+        <p:blipFill>
+          <a:blip r:embed="rId7">
+            <a:extLst>
+              <a:ext uri="{28A0092B-C50C-407E-A947-70E740481C1C}">
+                <a14:useLocalDpi xmlns:a14="http://schemas.microsoft.com/office/drawing/2010/main" val="0"/>
+              </a:ext>
+            </a:extLst>
+          </a:blip>
+          <a:stretch>
+            <a:fillRect/>
+          </a:stretch>
+        </p:blipFill>
+        <p:spPr>
+          <a:xfrm>
+            <a:off x="2008746" y="4857481"/>
+            <a:ext cx="497025" cy="497025"/>
+          </a:xfrm>
+          <a:prstGeom prst="rect">
+            <a:avLst/>
+          </a:prstGeom>
+        </p:spPr>
+      </p:pic>
+      <p:sp>
+        <p:nvSpPr>
+          <p:cNvPr id="36" name="TextBox 35"/>
+          <p:cNvSpPr txBox="1"/>
+          <p:nvPr/>
+        </p:nvSpPr>
+        <p:spPr>
+          <a:xfrm>
+            <a:off x="4347059" y="2944075"/>
+            <a:ext cx="508473" cy="369332"/>
+          </a:xfrm>
+          <a:prstGeom prst="rect">
+            <a:avLst/>
+          </a:prstGeom>
+          <a:noFill/>
+        </p:spPr>
+        <p:txBody>
+          <a:bodyPr wrap="none" rtlCol="0">
+            <a:spAutoFit/>
+          </a:bodyPr>
+          <a:lstStyle/>
+          <a:p>
+            <a:r>
+              <a:rPr lang="en-US" dirty="0" smtClean="0"/>
+              <a:t>3/6</a:t>
+            </a:r>
+            <a:endParaRPr lang="en-US" dirty="0"/>
+          </a:p>
+        </p:txBody>
+      </p:sp>
+      <p:sp>
+        <p:nvSpPr>
+          <p:cNvPr id="37" name="TextBox 36"/>
+          <p:cNvSpPr txBox="1"/>
+          <p:nvPr/>
+        </p:nvSpPr>
+        <p:spPr>
+          <a:xfrm>
+            <a:off x="4337735" y="3598347"/>
+            <a:ext cx="508473" cy="369332"/>
+          </a:xfrm>
+          <a:prstGeom prst="rect">
+            <a:avLst/>
+          </a:prstGeom>
+          <a:noFill/>
+        </p:spPr>
+        <p:txBody>
+          <a:bodyPr wrap="none" rtlCol="0">
+            <a:spAutoFit/>
+          </a:bodyPr>
+          <a:lstStyle/>
+          <a:p>
+            <a:r>
+              <a:rPr lang="en-US" dirty="0" smtClean="0"/>
+              <a:t>1/2</a:t>
+            </a:r>
+            <a:endParaRPr lang="en-US" dirty="0"/>
+          </a:p>
+        </p:txBody>
+      </p:sp>
+      <p:sp>
+        <p:nvSpPr>
+          <p:cNvPr id="38" name="TextBox 37"/>
+          <p:cNvSpPr txBox="1"/>
+          <p:nvPr/>
+        </p:nvSpPr>
+        <p:spPr>
+          <a:xfrm>
+            <a:off x="4217371" y="4247881"/>
+            <a:ext cx="625492" cy="369332"/>
+          </a:xfrm>
+          <a:prstGeom prst="rect">
+            <a:avLst/>
+          </a:prstGeom>
+          <a:noFill/>
+        </p:spPr>
+        <p:txBody>
+          <a:bodyPr wrap="none" rtlCol="0">
+            <a:spAutoFit/>
+          </a:bodyPr>
+          <a:lstStyle/>
+          <a:p>
+            <a:r>
+              <a:rPr lang="en-US" smtClean="0"/>
+              <a:t>7/10</a:t>
+            </a:r>
+            <a:endParaRPr lang="en-US" dirty="0"/>
+          </a:p>
+        </p:txBody>
+      </p:sp>
+      <p:sp>
+        <p:nvSpPr>
+          <p:cNvPr id="39" name="TextBox 38"/>
+          <p:cNvSpPr txBox="1"/>
+          <p:nvPr/>
+        </p:nvSpPr>
+        <p:spPr>
+          <a:xfrm>
+            <a:off x="4271588" y="4910082"/>
+            <a:ext cx="625492" cy="369332"/>
+          </a:xfrm>
+          <a:prstGeom prst="rect">
+            <a:avLst/>
+          </a:prstGeom>
+          <a:noFill/>
+        </p:spPr>
+        <p:txBody>
+          <a:bodyPr wrap="none" rtlCol="0">
+            <a:spAutoFit/>
+          </a:bodyPr>
+          <a:lstStyle/>
+          <a:p>
+            <a:r>
+              <a:rPr lang="en-US" smtClean="0"/>
+              <a:t>4/15</a:t>
+            </a:r>
+            <a:endParaRPr lang="en-US" dirty="0"/>
+          </a:p>
+        </p:txBody>
+      </p:sp>
+      <p:sp>
+        <p:nvSpPr>
+          <p:cNvPr id="40" name="TextBox 39"/>
+          <p:cNvSpPr txBox="1"/>
+          <p:nvPr/>
+        </p:nvSpPr>
+        <p:spPr>
+          <a:xfrm>
+            <a:off x="2490011" y="3800945"/>
+            <a:ext cx="1293944" cy="276999"/>
+          </a:xfrm>
+          <a:prstGeom prst="rect">
+            <a:avLst/>
+          </a:prstGeom>
+          <a:noFill/>
+        </p:spPr>
+        <p:txBody>
+          <a:bodyPr wrap="none" rtlCol="0">
+            <a:spAutoFit/>
+          </a:bodyPr>
+          <a:lstStyle/>
+          <a:p>
+            <a:r>
+              <a:rPr lang="en-US" sz="1200" dirty="0" smtClean="0"/>
+              <a:t>3:00pm – 4:30pm</a:t>
+            </a:r>
+            <a:endParaRPr lang="en-US" sz="1200" dirty="0"/>
+          </a:p>
+        </p:txBody>
+      </p:sp>
+      <p:sp>
+        <p:nvSpPr>
+          <p:cNvPr id="41" name="TextBox 40"/>
+          <p:cNvSpPr txBox="1"/>
+          <p:nvPr/>
+        </p:nvSpPr>
+        <p:spPr>
+          <a:xfrm>
+            <a:off x="2490011" y="3435118"/>
+            <a:ext cx="656526" cy="307777"/>
+          </a:xfrm>
+          <a:prstGeom prst="rect">
+            <a:avLst/>
+          </a:prstGeom>
+          <a:noFill/>
+        </p:spPr>
+        <p:txBody>
+          <a:bodyPr wrap="none" rtlCol="0">
+            <a:spAutoFit/>
+          </a:bodyPr>
+          <a:lstStyle/>
+          <a:p>
+            <a:r>
+              <a:rPr lang="en-US" sz="1400" b="1" dirty="0" smtClean="0"/>
+              <a:t>Tennis</a:t>
+            </a:r>
+            <a:endParaRPr lang="en-US" sz="1400" b="1" dirty="0"/>
+          </a:p>
+        </p:txBody>
+      </p:sp>
+      <p:sp>
+        <p:nvSpPr>
+          <p:cNvPr id="42" name="TextBox 41"/>
+          <p:cNvSpPr txBox="1"/>
+          <p:nvPr/>
+        </p:nvSpPr>
+        <p:spPr>
+          <a:xfrm>
+            <a:off x="2504051" y="3628177"/>
+            <a:ext cx="1433406" cy="276999"/>
+          </a:xfrm>
+          <a:prstGeom prst="rect">
+            <a:avLst/>
+          </a:prstGeom>
+          <a:noFill/>
+        </p:spPr>
+        <p:txBody>
+          <a:bodyPr wrap="none" rtlCol="0">
+            <a:spAutoFit/>
+          </a:bodyPr>
+          <a:lstStyle/>
+          <a:p>
+            <a:r>
+              <a:rPr lang="en-US" sz="1200" dirty="0" smtClean="0"/>
+              <a:t>North Park (4 miles)</a:t>
+            </a:r>
+            <a:endParaRPr lang="en-US" sz="1200" dirty="0"/>
+          </a:p>
+        </p:txBody>
+      </p:sp>
+      <p:sp>
+        <p:nvSpPr>
+          <p:cNvPr id="43" name="TextBox 42"/>
+          <p:cNvSpPr txBox="1"/>
+          <p:nvPr/>
+        </p:nvSpPr>
+        <p:spPr>
+          <a:xfrm>
+            <a:off x="2515133" y="4478713"/>
+            <a:ext cx="1293944" cy="276999"/>
+          </a:xfrm>
+          <a:prstGeom prst="rect">
+            <a:avLst/>
+          </a:prstGeom>
+          <a:noFill/>
+        </p:spPr>
+        <p:txBody>
+          <a:bodyPr wrap="none" rtlCol="0">
+            <a:spAutoFit/>
+          </a:bodyPr>
+          <a:lstStyle/>
+          <a:p>
+            <a:r>
+              <a:rPr lang="en-US" sz="1200" dirty="0" smtClean="0"/>
+              <a:t>6:00pm – 8:00pm</a:t>
+            </a:r>
+            <a:endParaRPr lang="en-US" sz="1200" dirty="0"/>
+          </a:p>
+        </p:txBody>
+      </p:sp>
+      <p:sp>
+        <p:nvSpPr>
+          <p:cNvPr id="44" name="TextBox 43"/>
+          <p:cNvSpPr txBox="1"/>
+          <p:nvPr/>
+        </p:nvSpPr>
+        <p:spPr>
+          <a:xfrm>
+            <a:off x="2515133" y="4112886"/>
+            <a:ext cx="1418978" cy="307777"/>
+          </a:xfrm>
+          <a:prstGeom prst="rect">
+            <a:avLst/>
+          </a:prstGeom>
+          <a:noFill/>
+        </p:spPr>
+        <p:txBody>
+          <a:bodyPr wrap="none" rtlCol="0">
+            <a:spAutoFit/>
+          </a:bodyPr>
+          <a:lstStyle/>
+          <a:p>
+            <a:r>
+              <a:rPr lang="en-US" sz="1400" b="1" dirty="0" smtClean="0"/>
+              <a:t>Big Soccer Game</a:t>
+            </a:r>
+            <a:endParaRPr lang="en-US" sz="1400" b="1" dirty="0"/>
+          </a:p>
+        </p:txBody>
+      </p:sp>
+      <p:sp>
+        <p:nvSpPr>
+          <p:cNvPr id="45" name="TextBox 44"/>
+          <p:cNvSpPr txBox="1"/>
+          <p:nvPr/>
+        </p:nvSpPr>
+        <p:spPr>
+          <a:xfrm>
+            <a:off x="2529173" y="4305945"/>
+            <a:ext cx="1520673" cy="276999"/>
+          </a:xfrm>
+          <a:prstGeom prst="rect">
+            <a:avLst/>
+          </a:prstGeom>
+          <a:noFill/>
+        </p:spPr>
+        <p:txBody>
+          <a:bodyPr wrap="none" rtlCol="0">
+            <a:spAutoFit/>
+          </a:bodyPr>
+          <a:lstStyle/>
+          <a:p>
+            <a:r>
+              <a:rPr lang="en-US" sz="1200" dirty="0" smtClean="0"/>
+              <a:t>East Park (3.75 miles)</a:t>
+            </a:r>
+            <a:endParaRPr lang="en-US" sz="1200" dirty="0"/>
+          </a:p>
+        </p:txBody>
+      </p:sp>
+      <p:sp>
+        <p:nvSpPr>
+          <p:cNvPr id="46" name="TextBox 45"/>
+          <p:cNvSpPr txBox="1"/>
+          <p:nvPr/>
+        </p:nvSpPr>
+        <p:spPr>
+          <a:xfrm>
+            <a:off x="2533801" y="5118098"/>
+            <a:ext cx="1287532" cy="276999"/>
+          </a:xfrm>
+          <a:prstGeom prst="rect">
+            <a:avLst/>
+          </a:prstGeom>
+          <a:noFill/>
+        </p:spPr>
+        <p:txBody>
+          <a:bodyPr wrap="none" rtlCol="0">
+            <a:spAutoFit/>
+          </a:bodyPr>
+          <a:lstStyle/>
+          <a:p>
+            <a:r>
+              <a:rPr lang="en-US" sz="1200" dirty="0" smtClean="0"/>
+              <a:t>6:00am – 7:00pm</a:t>
+            </a:r>
+            <a:endParaRPr lang="en-US" sz="1200" dirty="0"/>
+          </a:p>
+        </p:txBody>
+      </p:sp>
+      <p:sp>
+        <p:nvSpPr>
+          <p:cNvPr id="47" name="TextBox 46"/>
+          <p:cNvSpPr txBox="1"/>
+          <p:nvPr/>
+        </p:nvSpPr>
+        <p:spPr>
+          <a:xfrm>
+            <a:off x="2533801" y="4752271"/>
+            <a:ext cx="1430648" cy="307777"/>
+          </a:xfrm>
+          <a:prstGeom prst="rect">
+            <a:avLst/>
+          </a:prstGeom>
+          <a:noFill/>
+        </p:spPr>
+        <p:txBody>
+          <a:bodyPr wrap="none" rtlCol="0">
+            <a:spAutoFit/>
+          </a:bodyPr>
+          <a:lstStyle/>
+          <a:p>
+            <a:r>
+              <a:rPr lang="en-US" sz="1400" b="1" dirty="0" smtClean="0"/>
+              <a:t>Basketball Game</a:t>
+            </a:r>
+            <a:endParaRPr lang="en-US" sz="1400" b="1" dirty="0"/>
+          </a:p>
+        </p:txBody>
+      </p:sp>
+      <p:sp>
+        <p:nvSpPr>
+          <p:cNvPr id="48" name="TextBox 47"/>
+          <p:cNvSpPr txBox="1"/>
+          <p:nvPr/>
+        </p:nvSpPr>
+        <p:spPr>
+          <a:xfrm>
+            <a:off x="2547841" y="4945330"/>
+            <a:ext cx="1101584" cy="276999"/>
+          </a:xfrm>
+          <a:prstGeom prst="rect">
+            <a:avLst/>
+          </a:prstGeom>
+          <a:noFill/>
+        </p:spPr>
+        <p:txBody>
+          <a:bodyPr wrap="none" rtlCol="0">
+            <a:spAutoFit/>
+          </a:bodyPr>
+          <a:lstStyle/>
+          <a:p>
+            <a:r>
+              <a:rPr lang="en-US" sz="1200" dirty="0" smtClean="0"/>
+              <a:t>The Y (2 miles)</a:t>
+            </a:r>
+            <a:endParaRPr lang="en-US" sz="1200" dirty="0"/>
+          </a:p>
+        </p:txBody>
+      </p:sp>
+      <p:sp>
+        <p:nvSpPr>
+          <p:cNvPr id="49" name="Rectangle 48"/>
+          <p:cNvSpPr/>
+          <p:nvPr/>
+        </p:nvSpPr>
+        <p:spPr>
+          <a:xfrm>
+            <a:off x="1868595" y="1234440"/>
+            <a:ext cx="2117000" cy="4480560"/>
+          </a:xfrm>
+          <a:prstGeom prst="rect">
+            <a:avLst/>
+          </a:prstGeom>
+          <a:solidFill>
+            <a:schemeClr val="bg1">
+              <a:lumMod val="85000"/>
+            </a:schemeClr>
+          </a:solidFill>
+        </p:spPr>
+        <p:style>
+          <a:lnRef idx="2">
+            <a:schemeClr val="accent1">
+              <a:shade val="50000"/>
+            </a:schemeClr>
+          </a:lnRef>
+          <a:fillRef idx="1">
+            <a:schemeClr val="accent1"/>
+          </a:fillRef>
+          <a:effectRef idx="0">
+            <a:schemeClr val="accent1"/>
+          </a:effectRef>
+          <a:fontRef idx="minor">
+            <a:schemeClr val="lt1"/>
+          </a:fontRef>
+        </p:style>
+        <p:txBody>
+          <a:bodyPr rtlCol="0" anchor="ctr"/>
+          <a:lstStyle/>
+          <a:p>
+            <a:pPr algn="ctr"/>
+            <a:endParaRPr lang="en-US"/>
+          </a:p>
+        </p:txBody>
+      </p:sp>
+      <p:sp>
+        <p:nvSpPr>
+          <p:cNvPr id="50" name="TextBox 49"/>
+          <p:cNvSpPr txBox="1"/>
+          <p:nvPr/>
+        </p:nvSpPr>
+        <p:spPr>
+          <a:xfrm>
+            <a:off x="2441769" y="1363771"/>
+            <a:ext cx="748923" cy="369332"/>
+          </a:xfrm>
+          <a:prstGeom prst="rect">
+            <a:avLst/>
+          </a:prstGeom>
+          <a:noFill/>
+        </p:spPr>
+        <p:txBody>
+          <a:bodyPr wrap="none" rtlCol="0">
+            <a:spAutoFit/>
+          </a:bodyPr>
+          <a:lstStyle/>
+          <a:p>
+            <a:r>
+              <a:rPr lang="en-US" b="1" u="sng" smtClean="0">
+                <a:latin typeface="Apple Color Emoji" charset="0"/>
+                <a:ea typeface="Apple Color Emoji" charset="0"/>
+                <a:cs typeface="Apple Color Emoji" charset="0"/>
+              </a:rPr>
+              <a:t>Menu</a:t>
+            </a:r>
+            <a:endParaRPr lang="en-US" b="1" u="sng">
+              <a:latin typeface="Apple Color Emoji" charset="0"/>
+              <a:ea typeface="Apple Color Emoji" charset="0"/>
+              <a:cs typeface="Apple Color Emoji" charset="0"/>
+            </a:endParaRPr>
+          </a:p>
+        </p:txBody>
+      </p:sp>
+      <p:sp>
+        <p:nvSpPr>
+          <p:cNvPr id="88" name="Rectangle 87"/>
+          <p:cNvSpPr/>
+          <p:nvPr/>
+        </p:nvSpPr>
+        <p:spPr>
+          <a:xfrm>
+            <a:off x="7998497" y="1242459"/>
+            <a:ext cx="2117000" cy="4480560"/>
+          </a:xfrm>
+          <a:prstGeom prst="rect">
+            <a:avLst/>
+          </a:prstGeom>
+          <a:solidFill>
+            <a:schemeClr val="bg1">
+              <a:lumMod val="85000"/>
+            </a:schemeClr>
+          </a:solidFill>
+        </p:spPr>
+        <p:style>
+          <a:lnRef idx="2">
+            <a:schemeClr val="accent1">
+              <a:shade val="50000"/>
+            </a:schemeClr>
+          </a:lnRef>
+          <a:fillRef idx="1">
+            <a:schemeClr val="accent1"/>
+          </a:fillRef>
+          <a:effectRef idx="0">
+            <a:schemeClr val="accent1"/>
+          </a:effectRef>
+          <a:fontRef idx="minor">
+            <a:schemeClr val="lt1"/>
+          </a:fontRef>
+        </p:style>
+        <p:txBody>
+          <a:bodyPr rtlCol="0" anchor="ctr"/>
+          <a:lstStyle/>
+          <a:p>
+            <a:pPr algn="ctr"/>
+            <a:endParaRPr lang="en-US"/>
+          </a:p>
+        </p:txBody>
+      </p:sp>
+      <p:sp>
+        <p:nvSpPr>
+          <p:cNvPr id="89" name="TextBox 88"/>
+          <p:cNvSpPr txBox="1"/>
+          <p:nvPr/>
+        </p:nvSpPr>
+        <p:spPr>
+          <a:xfrm>
+            <a:off x="8571671" y="1371790"/>
+            <a:ext cx="691215" cy="369332"/>
+          </a:xfrm>
+          <a:prstGeom prst="rect">
+            <a:avLst/>
+          </a:prstGeom>
+          <a:noFill/>
+        </p:spPr>
+        <p:txBody>
+          <a:bodyPr wrap="none" rtlCol="0">
+            <a:spAutoFit/>
+          </a:bodyPr>
+          <a:lstStyle/>
+          <a:p>
+            <a:r>
+              <a:rPr lang="en-US" b="1" u="sng" dirty="0" smtClean="0">
+                <a:latin typeface="Apple Color Emoji" charset="0"/>
+                <a:ea typeface="Apple Color Emoji" charset="0"/>
+                <a:cs typeface="Apple Color Emoji" charset="0"/>
+              </a:rPr>
+              <a:t>Misc.</a:t>
+            </a:r>
+            <a:endParaRPr lang="en-US" b="1" u="sng" dirty="0">
+              <a:latin typeface="Apple Color Emoji" charset="0"/>
+              <a:ea typeface="Apple Color Emoji" charset="0"/>
+              <a:cs typeface="Apple Color Emoji" charset="0"/>
             </a:endParaRPr>
           </a:p>
         </p:txBody>
@@ -12561,9 +16152,48 @@
           <a:chExt cx="0" cy="0"/>
         </a:xfrm>
       </p:grpSpPr>
+      <p:sp>
+        <p:nvSpPr>
+          <p:cNvPr id="4" name="TextBox 3"/>
+          <p:cNvSpPr txBox="1"/>
+          <p:nvPr/>
+        </p:nvSpPr>
+        <p:spPr>
+          <a:xfrm>
+            <a:off x="512039" y="2485598"/>
+            <a:ext cx="2251710" cy="584775"/>
+          </a:xfrm>
+          <a:prstGeom prst="rect">
+            <a:avLst/>
+          </a:prstGeom>
+          <a:noFill/>
+        </p:spPr>
+        <p:txBody>
+          <a:bodyPr wrap="square" rtlCol="0">
+            <a:spAutoFit/>
+          </a:bodyPr>
+          <a:lstStyle/>
+          <a:p>
+            <a:pPr algn="ctr"/>
+            <a:r>
+              <a:rPr lang="en-US" sz="3200" u="sng" dirty="0" smtClean="0">
+                <a:latin typeface="Arial" charset="0"/>
+                <a:ea typeface="Arial" charset="0"/>
+                <a:cs typeface="Arial" charset="0"/>
+              </a:rPr>
+              <a:t>Chat View</a:t>
+            </a:r>
+            <a:endParaRPr lang="en-US" sz="3200" u="sng" dirty="0" smtClean="0">
+              <a:latin typeface="Arial" charset="0"/>
+              <a:ea typeface="Arial" charset="0"/>
+              <a:cs typeface="Arial" charset="0"/>
+            </a:endParaRPr>
+          </a:p>
+        </p:txBody>
+      </p:sp>
       <p:pic>
         <p:nvPicPr>
-          <p:cNvPr id="4" name="Picture 3"/>
+          <p:cNvPr id="3" name="Picture 2"/>
           <p:cNvPicPr>
             <a:picLocks noChangeAspect="1"/>
           </p:cNvPicPr>
@@ -12799,52 +16429,14 @@
       </p:sp>
       <p:sp>
         <p:nvSpPr>
-          <p:cNvPr id="8" name="Rectangle 7"/>
+          <p:cNvPr id="6" name="Rectangle 5"/>
           <p:cNvSpPr/>
           <p:nvPr/>
         </p:nvSpPr>
         <p:spPr>
           <a:xfrm>
-            <a:off x="4304291" y="1668490"/>
-            <a:ext cx="3108960" cy="1762246"/>
-          </a:xfrm>
-          <a:prstGeom prst="rect">
-            <a:avLst/>
-          </a:prstGeom>
-        </p:spPr>
-        <p:style>
-          <a:lnRef idx="1">
-            <a:schemeClr val="accent4"/>
-          </a:lnRef>
-          <a:fillRef idx="2">
-            <a:schemeClr val="accent4"/>
-          </a:fillRef>
-          <a:effectRef idx="1">
-            <a:schemeClr val="accent4"/>
-          </a:effectRef>
-          <a:fontRef idx="minor">
-            <a:schemeClr val="dk1"/>
-          </a:fontRef>
-        </p:style>
-        <p:txBody>
-          <a:bodyPr rtlCol="0" anchor="ctr"/>
-          <a:lstStyle/>
-          <a:p>
-            <a:pPr algn="ctr"/>
-            <a:endParaRPr lang="en-US"/>
-          </a:p>
-        </p:txBody>
-      </p:sp>
-      <p:sp>
-        <p:nvSpPr>
-          <p:cNvPr id="9" name="Rectangle 8"/>
-          <p:cNvSpPr/>
-          <p:nvPr/>
-        </p:nvSpPr>
-        <p:spPr>
-          <a:xfrm>
-            <a:off x="4287704" y="3861315"/>
-            <a:ext cx="3108960" cy="1510414"/>
+            <a:off x="4287704" y="1512918"/>
+            <a:ext cx="3108960" cy="3864139"/>
           </a:xfrm>
           <a:prstGeom prst="rect">
             <a:avLst/>
@@ -12875,312 +16467,7 @@
       </p:sp>
       <p:sp>
         <p:nvSpPr>
-          <p:cNvPr id="11" name="TextBox 10"/>
-          <p:cNvSpPr txBox="1"/>
-          <p:nvPr/>
-        </p:nvSpPr>
-        <p:spPr>
-          <a:xfrm flipH="1">
-            <a:off x="5101114" y="1265931"/>
-            <a:ext cx="1482140" cy="369332"/>
-          </a:xfrm>
-          <a:prstGeom prst="rect">
-            <a:avLst/>
-          </a:prstGeom>
-          <a:noFill/>
-        </p:spPr>
-        <p:txBody>
-          <a:bodyPr wrap="square" rtlCol="0">
-            <a:spAutoFit/>
-          </a:bodyPr>
-          <a:lstStyle/>
-          <a:p>
-            <a:pPr algn="ctr"/>
-            <a:r>
-              <a:rPr lang="en-US" dirty="0" smtClean="0">
-                <a:gradFill flip="none" rotWithShape="1">
-                  <a:gsLst>
-                    <a:gs pos="0">
-                      <a:schemeClr val="accent4">
-                        <a:lumMod val="89000"/>
-                      </a:schemeClr>
-                    </a:gs>
-                    <a:gs pos="23000">
-                      <a:schemeClr val="accent4">
-                        <a:lumMod val="89000"/>
-                      </a:schemeClr>
-                    </a:gs>
-                    <a:gs pos="69000">
-                      <a:schemeClr val="accent4">
-                        <a:lumMod val="75000"/>
-                      </a:schemeClr>
-                    </a:gs>
-                    <a:gs pos="97000">
-                      <a:schemeClr val="accent4">
-                        <a:lumMod val="70000"/>
-                      </a:schemeClr>
-                    </a:gs>
-                  </a:gsLst>
-                  <a:path path="circle">
-                    <a:fillToRect l="50000" t="50000" r="50000" b="50000"/>
-                  </a:path>
-                  <a:tileRect/>
-                </a:gradFill>
-              </a:rPr>
-              <a:t>Game Title</a:t>
-            </a:r>
-            <a:endParaRPr lang="en-US" dirty="0">
-              <a:gradFill flip="none" rotWithShape="1">
-                <a:gsLst>
-                  <a:gs pos="0">
-                    <a:schemeClr val="accent4">
-                      <a:lumMod val="89000"/>
-                    </a:schemeClr>
-                  </a:gs>
-                  <a:gs pos="23000">
-                    <a:schemeClr val="accent4">
-                      <a:lumMod val="89000"/>
-                    </a:schemeClr>
-                  </a:gs>
-                  <a:gs pos="69000">
-                    <a:schemeClr val="accent4">
-                      <a:lumMod val="75000"/>
-                    </a:schemeClr>
-                  </a:gs>
-                  <a:gs pos="97000">
-                    <a:schemeClr val="accent4">
-                      <a:lumMod val="70000"/>
-                    </a:schemeClr>
-                  </a:gs>
-                </a:gsLst>
-                <a:path path="circle">
-                  <a:fillToRect l="50000" t="50000" r="50000" b="50000"/>
-                </a:path>
-                <a:tileRect/>
-              </a:gradFill>
-            </a:endParaRPr>
-          </a:p>
-        </p:txBody>
-      </p:sp>
-      <p:sp>
-        <p:nvSpPr>
-          <p:cNvPr id="13" name="TextBox 12"/>
-          <p:cNvSpPr txBox="1"/>
-          <p:nvPr/>
-        </p:nvSpPr>
-        <p:spPr>
-          <a:xfrm>
-            <a:off x="5050055" y="1663281"/>
-            <a:ext cx="1693733" cy="338554"/>
-          </a:xfrm>
-          <a:prstGeom prst="rect">
-            <a:avLst/>
-          </a:prstGeom>
-          <a:noFill/>
-        </p:spPr>
-        <p:txBody>
-          <a:bodyPr wrap="none" rtlCol="0">
-            <a:spAutoFit/>
-          </a:bodyPr>
-          <a:lstStyle/>
-          <a:p>
-            <a:r>
-              <a:rPr lang="en-US" sz="1200" b="1" dirty="0" smtClean="0"/>
-              <a:t>Captain: </a:t>
-            </a:r>
-            <a:r>
-              <a:rPr lang="en-US" sz="1600" b="1" dirty="0" smtClean="0">
-                <a:solidFill>
-                  <a:srgbClr val="00B0F0"/>
-                </a:solidFill>
-              </a:rPr>
-              <a:t>Mike Jones</a:t>
-            </a:r>
-            <a:endParaRPr lang="en-US" sz="1600" b="1" dirty="0">
-              <a:solidFill>
-                <a:srgbClr val="00B0F0"/>
-              </a:solidFill>
-            </a:endParaRPr>
-          </a:p>
-        </p:txBody>
-      </p:sp>
-      <p:sp>
-        <p:nvSpPr>
-          <p:cNvPr id="14" name="TextBox 13"/>
-          <p:cNvSpPr txBox="1"/>
-          <p:nvPr/>
-        </p:nvSpPr>
-        <p:spPr>
-          <a:xfrm>
-            <a:off x="4282079" y="1940992"/>
-            <a:ext cx="1467646" cy="276999"/>
-          </a:xfrm>
-          <a:prstGeom prst="rect">
-            <a:avLst/>
-          </a:prstGeom>
-          <a:noFill/>
-        </p:spPr>
-        <p:txBody>
-          <a:bodyPr wrap="none" rtlCol="0">
-            <a:spAutoFit/>
-          </a:bodyPr>
-          <a:lstStyle/>
-          <a:p>
-            <a:r>
-              <a:rPr lang="en-US" sz="1200" dirty="0" smtClean="0"/>
-              <a:t>Location: North Park</a:t>
-            </a:r>
-            <a:endParaRPr lang="en-US" sz="1200" dirty="0"/>
-          </a:p>
-        </p:txBody>
-      </p:sp>
-      <p:sp>
-        <p:nvSpPr>
-          <p:cNvPr id="16" name="TextBox 15"/>
-          <p:cNvSpPr txBox="1"/>
-          <p:nvPr/>
-        </p:nvSpPr>
-        <p:spPr>
-          <a:xfrm>
-            <a:off x="4282079" y="2732518"/>
-            <a:ext cx="3039102" cy="646331"/>
-          </a:xfrm>
-          <a:prstGeom prst="rect">
-            <a:avLst/>
-          </a:prstGeom>
-          <a:noFill/>
-        </p:spPr>
-        <p:txBody>
-          <a:bodyPr wrap="none" rtlCol="0">
-            <a:spAutoFit/>
-          </a:bodyPr>
-          <a:lstStyle/>
-          <a:p>
-            <a:r>
-              <a:rPr lang="en-US" sz="1200" dirty="0" smtClean="0"/>
-              <a:t>Description:</a:t>
-            </a:r>
-          </a:p>
-          <a:p>
-            <a:r>
-              <a:rPr lang="en-US" sz="1200" dirty="0" smtClean="0"/>
-              <a:t>      We want to get a game of 3 on 3 together </a:t>
-            </a:r>
-          </a:p>
-          <a:p>
-            <a:r>
-              <a:rPr lang="en-US" sz="1200" dirty="0" smtClean="0"/>
-              <a:t>around noon.  Any skill level is welcome.</a:t>
-            </a:r>
-            <a:endParaRPr lang="en-US" sz="1200" dirty="0"/>
-          </a:p>
-        </p:txBody>
-      </p:sp>
-      <p:sp>
-        <p:nvSpPr>
-          <p:cNvPr id="17" name="TextBox 16"/>
-          <p:cNvSpPr txBox="1"/>
-          <p:nvPr/>
-        </p:nvSpPr>
-        <p:spPr>
-          <a:xfrm>
-            <a:off x="4282079" y="2431388"/>
-            <a:ext cx="919611" cy="276999"/>
-          </a:xfrm>
-          <a:prstGeom prst="rect">
-            <a:avLst/>
-          </a:prstGeom>
-          <a:noFill/>
-        </p:spPr>
-        <p:txBody>
-          <a:bodyPr wrap="none" rtlCol="0">
-            <a:spAutoFit/>
-          </a:bodyPr>
-          <a:lstStyle/>
-          <a:p>
-            <a:r>
-              <a:rPr lang="en-US" sz="1200" dirty="0" smtClean="0"/>
-              <a:t>Players: 3/6</a:t>
-            </a:r>
-            <a:endParaRPr lang="en-US" sz="1200" dirty="0"/>
-          </a:p>
-        </p:txBody>
-      </p:sp>
-      <p:sp>
-        <p:nvSpPr>
-          <p:cNvPr id="18" name="TextBox 17"/>
-          <p:cNvSpPr txBox="1"/>
-          <p:nvPr/>
-        </p:nvSpPr>
-        <p:spPr>
-          <a:xfrm>
-            <a:off x="4301907" y="2182224"/>
-            <a:ext cx="1901033" cy="276999"/>
-          </a:xfrm>
-          <a:prstGeom prst="rect">
-            <a:avLst/>
-          </a:prstGeom>
-          <a:noFill/>
-        </p:spPr>
-        <p:txBody>
-          <a:bodyPr wrap="none" rtlCol="0">
-            <a:spAutoFit/>
-          </a:bodyPr>
-          <a:lstStyle/>
-          <a:p>
-            <a:r>
-              <a:rPr lang="en-US" sz="1200" dirty="0" smtClean="0"/>
-              <a:t>Time: 12:00pm – whenever</a:t>
-            </a:r>
-            <a:endParaRPr lang="en-US" sz="1200" dirty="0"/>
-          </a:p>
-        </p:txBody>
-      </p:sp>
-      <p:sp>
-        <p:nvSpPr>
-          <p:cNvPr id="19" name="Rounded Rectangle 18"/>
-          <p:cNvSpPr/>
-          <p:nvPr/>
-        </p:nvSpPr>
-        <p:spPr>
-          <a:xfrm>
-            <a:off x="4593901" y="3485414"/>
-            <a:ext cx="2606040" cy="329523"/>
-          </a:xfrm>
-          <a:prstGeom prst="roundRect">
-            <a:avLst/>
-          </a:prstGeom>
-        </p:spPr>
-        <p:style>
-          <a:lnRef idx="3">
-            <a:schemeClr val="lt1"/>
-          </a:lnRef>
-          <a:fillRef idx="1">
-            <a:schemeClr val="accent2"/>
-          </a:fillRef>
-          <a:effectRef idx="1">
-            <a:schemeClr val="accent2"/>
-          </a:effectRef>
-          <a:fontRef idx="minor">
-            <a:schemeClr val="lt1"/>
-          </a:fontRef>
-        </p:style>
-        <p:txBody>
-          <a:bodyPr rtlCol="0" anchor="ctr"/>
-          <a:lstStyle/>
-          <a:p>
-            <a:pPr algn="ctr"/>
-            <a:r>
-              <a:rPr lang="en-US" dirty="0" smtClean="0"/>
-              <a:t>JOIN GAME</a:t>
-            </a:r>
-            <a:endParaRPr lang="en-US" dirty="0"/>
-          </a:p>
-        </p:txBody>
-      </p:sp>
-      <p:sp>
-        <p:nvSpPr>
-          <p:cNvPr id="21" name="Rounded Rectangle 20"/>
+          <p:cNvPr id="7" name="Rounded Rectangle 6"/>
           <p:cNvSpPr/>
           <p:nvPr/>
         </p:nvSpPr>
@@ -13224,7 +16511,7 @@
       </p:sp>
       <p:sp>
         <p:nvSpPr>
-          <p:cNvPr id="22" name="Rounded Rectangle 21"/>
+          <p:cNvPr id="8" name="Rounded Rectangle 7"/>
           <p:cNvSpPr/>
           <p:nvPr/>
         </p:nvSpPr>
@@ -13268,13 +16555,13 @@
       </p:sp>
       <p:sp>
         <p:nvSpPr>
-          <p:cNvPr id="23" name="TextBox 22"/>
+          <p:cNvPr id="9" name="TextBox 8"/>
           <p:cNvSpPr txBox="1"/>
           <p:nvPr/>
         </p:nvSpPr>
         <p:spPr>
           <a:xfrm>
-            <a:off x="4302565" y="3900503"/>
+            <a:off x="4273501" y="1614435"/>
             <a:ext cx="913905" cy="276999"/>
           </a:xfrm>
           <a:prstGeom prst="rect">
@@ -13298,13 +16585,13 @@
       </p:sp>
       <p:sp>
         <p:nvSpPr>
-          <p:cNvPr id="24" name="TextBox 23"/>
+          <p:cNvPr id="10" name="TextBox 9"/>
           <p:cNvSpPr txBox="1"/>
           <p:nvPr/>
         </p:nvSpPr>
         <p:spPr>
           <a:xfrm>
-            <a:off x="4433691" y="4128285"/>
+            <a:off x="4404627" y="1842217"/>
             <a:ext cx="1535998" cy="430887"/>
           </a:xfrm>
           <a:prstGeom prst="rect">
@@ -13347,13 +16634,13 @@
       </p:sp>
       <p:sp>
         <p:nvSpPr>
-          <p:cNvPr id="26" name="TextBox 25"/>
+          <p:cNvPr id="11" name="TextBox 10"/>
           <p:cNvSpPr txBox="1"/>
           <p:nvPr/>
         </p:nvSpPr>
         <p:spPr>
           <a:xfrm>
-            <a:off x="6400129" y="4613289"/>
+            <a:off x="6371065" y="2327221"/>
             <a:ext cx="1074333" cy="276999"/>
           </a:xfrm>
           <a:prstGeom prst="rect">
@@ -13377,13 +16664,13 @@
       </p:sp>
       <p:sp>
         <p:nvSpPr>
-          <p:cNvPr id="27" name="TextBox 26"/>
+          <p:cNvPr id="12" name="TextBox 11"/>
           <p:cNvSpPr txBox="1"/>
           <p:nvPr/>
         </p:nvSpPr>
         <p:spPr>
           <a:xfrm>
-            <a:off x="5828108" y="4846480"/>
+            <a:off x="5799044" y="2560412"/>
             <a:ext cx="1522746" cy="430887"/>
           </a:xfrm>
           <a:prstGeom prst="rect">
@@ -13420,163 +16707,248 @@
       </p:sp>
       <p:sp>
         <p:nvSpPr>
-          <p:cNvPr id="28" name="Rectangle 27"/>
-          <p:cNvSpPr/>
-          <p:nvPr/>
-        </p:nvSpPr>
-        <p:spPr>
-          <a:xfrm>
-            <a:off x="8649573" y="2225055"/>
-            <a:ext cx="2606040" cy="2629043"/>
-          </a:xfrm>
-          <a:prstGeom prst="rect">
-            <a:avLst/>
-          </a:prstGeom>
-          <a:solidFill>
-            <a:schemeClr val="bg1">
-              <a:lumMod val="50000"/>
-            </a:schemeClr>
-          </a:solidFill>
-          <a:ln>
-            <a:solidFill>
-              <a:schemeClr val="tx1"/>
-            </a:solidFill>
-          </a:ln>
+          <p:cNvPr id="13" name="TextBox 12"/>
+          <p:cNvSpPr txBox="1"/>
+          <p:nvPr/>
+        </p:nvSpPr>
+        <p:spPr>
+          <a:xfrm>
+            <a:off x="4277689" y="2947491"/>
+            <a:ext cx="878638" cy="276999"/>
+          </a:xfrm>
+          <a:prstGeom prst="rect">
+            <a:avLst/>
+          </a:prstGeom>
+          <a:noFill/>
+        </p:spPr>
+        <p:txBody>
+          <a:bodyPr wrap="none" rtlCol="0">
+            <a:spAutoFit/>
+          </a:bodyPr>
+          <a:lstStyle/>
+          <a:p>
+            <a:r>
+              <a:rPr lang="en-US" sz="1200" dirty="0" smtClean="0"/>
+              <a:t>Mike Jones</a:t>
+            </a:r>
+            <a:endParaRPr lang="en-US" sz="1200" dirty="0"/>
+          </a:p>
+        </p:txBody>
+      </p:sp>
+      <p:sp>
+        <p:nvSpPr>
+          <p:cNvPr id="14" name="TextBox 13"/>
+          <p:cNvSpPr txBox="1"/>
+          <p:nvPr/>
+        </p:nvSpPr>
+        <p:spPr>
+          <a:xfrm>
+            <a:off x="4408815" y="3175273"/>
+            <a:ext cx="1885453" cy="600164"/>
+          </a:xfrm>
+          <a:prstGeom prst="rect">
+            <a:avLst/>
+          </a:prstGeom>
         </p:spPr>
         <p:style>
-          <a:lnRef idx="2">
-            <a:schemeClr val="accent1">
-              <a:shade val="50000"/>
-            </a:schemeClr>
+          <a:lnRef idx="1">
+            <a:schemeClr val="accent6"/>
           </a:lnRef>
-          <a:fillRef idx="1">
-            <a:schemeClr val="accent1"/>
+          <a:fillRef idx="2">
+            <a:schemeClr val="accent6"/>
           </a:fillRef>
-          <a:effectRef idx="0">
-            <a:schemeClr val="accent1"/>
+          <a:effectRef idx="1">
+            <a:schemeClr val="accent6"/>
           </a:effectRef>
           <a:fontRef idx="minor">
-            <a:schemeClr val="lt1"/>
+            <a:schemeClr val="dk1"/>
           </a:fontRef>
         </p:style>
         <p:txBody>
-          <a:bodyPr rtlCol="0" anchor="ctr"/>
-          <a:lstStyle/>
-          <a:p>
-            <a:pPr algn="ctr"/>
-            <a:r>
-              <a:rPr lang="en-US" dirty="0" smtClean="0"/>
-              <a:t>Pop up (“joined”)</a:t>
-            </a:r>
-          </a:p>
-          <a:p>
-            <a:pPr algn="ctr"/>
-            <a:r>
-              <a:rPr lang="en-US" dirty="0" smtClean="0"/>
-              <a:t>Button changes to </a:t>
-            </a:r>
-          </a:p>
-          <a:p>
-            <a:pPr algn="ctr"/>
-            <a:r>
-              <a:rPr lang="en-US" dirty="0" smtClean="0"/>
-              <a:t>”Leave Game”</a:t>
-            </a:r>
-            <a:endParaRPr lang="en-US" dirty="0"/>
-          </a:p>
-        </p:txBody>
-      </p:sp>
-      <p:sp>
-        <p:nvSpPr>
-          <p:cNvPr id="29" name="Left Arrow 28"/>
-          <p:cNvSpPr/>
-          <p:nvPr/>
-        </p:nvSpPr>
-        <p:spPr>
-          <a:xfrm>
-            <a:off x="7314115" y="3513867"/>
-            <a:ext cx="1314449" cy="296698"/>
-          </a:xfrm>
-          <a:prstGeom prst="leftArrow">
-            <a:avLst/>
-          </a:prstGeom>
-          <a:solidFill>
-            <a:schemeClr val="bg1">
-              <a:lumMod val="50000"/>
-            </a:schemeClr>
-          </a:solidFill>
+          <a:bodyPr wrap="none" rtlCol="0">
+            <a:spAutoFit/>
+          </a:bodyPr>
+          <a:lstStyle/>
+          <a:p>
+            <a:r>
+              <a:rPr lang="en-US" sz="1100" dirty="0" smtClean="0"/>
+              <a:t>If you could bring a black and </a:t>
+            </a:r>
+          </a:p>
+          <a:p>
+            <a:r>
+              <a:rPr lang="en-US" sz="1100" dirty="0" smtClean="0"/>
+              <a:t>White shirt that would be </a:t>
+            </a:r>
+          </a:p>
+          <a:p>
+            <a:r>
+              <a:rPr lang="en-US" sz="1100" dirty="0" smtClean="0"/>
+              <a:t>great.</a:t>
+            </a:r>
+            <a:endParaRPr lang="en-US" sz="1100" dirty="0"/>
+          </a:p>
+        </p:txBody>
+      </p:sp>
+      <p:sp>
+        <p:nvSpPr>
+          <p:cNvPr id="15" name="TextBox 14"/>
+          <p:cNvSpPr txBox="1"/>
+          <p:nvPr/>
+        </p:nvSpPr>
+        <p:spPr>
+          <a:xfrm>
+            <a:off x="6385268" y="3820911"/>
+            <a:ext cx="1074333" cy="276999"/>
+          </a:xfrm>
+          <a:prstGeom prst="rect">
+            <a:avLst/>
+          </a:prstGeom>
+          <a:noFill/>
+        </p:spPr>
+        <p:txBody>
+          <a:bodyPr wrap="none" rtlCol="0">
+            <a:spAutoFit/>
+          </a:bodyPr>
+          <a:lstStyle/>
+          <a:p>
+            <a:r>
+              <a:rPr lang="en-US" sz="1200" dirty="0" smtClean="0"/>
+              <a:t>Random Dude</a:t>
+            </a:r>
+            <a:endParaRPr lang="en-US" sz="1200" dirty="0"/>
+          </a:p>
+        </p:txBody>
+      </p:sp>
+      <p:sp>
+        <p:nvSpPr>
+          <p:cNvPr id="16" name="TextBox 15"/>
+          <p:cNvSpPr txBox="1"/>
+          <p:nvPr/>
+        </p:nvSpPr>
+        <p:spPr>
+          <a:xfrm>
+            <a:off x="5813247" y="4054102"/>
+            <a:ext cx="1522746" cy="261610"/>
+          </a:xfrm>
+          <a:prstGeom prst="rect">
+            <a:avLst/>
+          </a:prstGeom>
         </p:spPr>
         <p:style>
-          <a:lnRef idx="2">
-            <a:schemeClr val="accent1">
-              <a:shade val="50000"/>
-            </a:schemeClr>
+          <a:lnRef idx="1">
+            <a:schemeClr val="accent3"/>
           </a:lnRef>
-          <a:fillRef idx="1">
-            <a:schemeClr val="accent1"/>
+          <a:fillRef idx="2">
+            <a:schemeClr val="accent3"/>
           </a:fillRef>
-          <a:effectRef idx="0">
-            <a:schemeClr val="accent1"/>
+          <a:effectRef idx="1">
+            <a:schemeClr val="accent3"/>
           </a:effectRef>
           <a:fontRef idx="minor">
-            <a:schemeClr val="lt1"/>
+            <a:schemeClr val="dk1"/>
           </a:fontRef>
         </p:style>
-        <p:txBody>
-          <a:bodyPr rtlCol="0" anchor="ctr"/>
-          <a:lstStyle/>
-          <a:p>
-            <a:pPr algn="ctr"/>
-            <a:endParaRPr lang="en-US"/>
-          </a:p>
-        </p:txBody>
-      </p:sp>
-      <p:sp>
-        <p:nvSpPr>
-          <p:cNvPr id="30" name="TextBox 29"/>
-          <p:cNvSpPr txBox="1"/>
-          <p:nvPr/>
-        </p:nvSpPr>
-        <p:spPr>
-          <a:xfrm>
-            <a:off x="326844" y="2784097"/>
-            <a:ext cx="2251710" cy="1077218"/>
-          </a:xfrm>
-          <a:prstGeom prst="rect">
-            <a:avLst/>
-          </a:prstGeom>
-          <a:noFill/>
-        </p:spPr>
         <p:txBody>
           <a:bodyPr wrap="square" rtlCol="0">
             <a:spAutoFit/>
           </a:bodyPr>
           <a:lstStyle/>
           <a:p>
-            <a:pPr algn="ctr"/>
-            <a:r>
-              <a:rPr lang="en-US" sz="3200" u="sng" dirty="0" smtClean="0">
-                <a:latin typeface="Arial" charset="0"/>
-                <a:ea typeface="Arial" charset="0"/>
-                <a:cs typeface="Arial" charset="0"/>
+            <a:r>
+              <a:rPr lang="en-US" sz="1100" dirty="0" smtClean="0"/>
+              <a:t>Ok will do!</a:t>
+            </a:r>
+            <a:endParaRPr lang="en-US" sz="1100" dirty="0"/>
+          </a:p>
+        </p:txBody>
+      </p:sp>
+      <p:sp>
+        <p:nvSpPr>
+          <p:cNvPr id="2" name="TextBox 1"/>
+          <p:cNvSpPr txBox="1"/>
+          <p:nvPr/>
+        </p:nvSpPr>
+        <p:spPr>
+          <a:xfrm>
+            <a:off x="4767440" y="1235920"/>
+            <a:ext cx="2214219" cy="276999"/>
+          </a:xfrm>
+          <a:prstGeom prst="rect">
+            <a:avLst/>
+          </a:prstGeom>
+          <a:noFill/>
+        </p:spPr>
+        <p:txBody>
+          <a:bodyPr wrap="square" rtlCol="0">
+            <a:spAutoFit/>
+          </a:bodyPr>
+          <a:lstStyle/>
+          <a:p>
+            <a:r>
+              <a:rPr lang="en-US" sz="1200" dirty="0" smtClean="0">
+                <a:solidFill>
+                  <a:schemeClr val="bg1">
+                    <a:lumMod val="95000"/>
+                  </a:schemeClr>
+                </a:solidFill>
               </a:rPr>
-              <a:t>Game</a:t>
-            </a:r>
-          </a:p>
-          <a:p>
-            <a:pPr algn="ctr"/>
-            <a:r>
-              <a:rPr lang="en-US" sz="3200" u="sng" dirty="0" smtClean="0">
-                <a:latin typeface="Arial" charset="0"/>
-                <a:ea typeface="Arial" charset="0"/>
-                <a:cs typeface="Arial" charset="0"/>
+              <a:t>Chat: Mike Jones, </a:t>
+            </a:r>
+            <a:r>
+              <a:rPr lang="en-US" sz="1200" smtClean="0">
+                <a:solidFill>
+                  <a:schemeClr val="bg1">
+                    <a:lumMod val="95000"/>
+                  </a:schemeClr>
+                </a:solidFill>
               </a:rPr>
-              <a:t>View</a:t>
-            </a:r>
-            <a:endParaRPr lang="en-US" sz="3200" u="sng" dirty="0">
-              <a:latin typeface="Arial" charset="0"/>
-              <a:ea typeface="Arial" charset="0"/>
-              <a:cs typeface="Arial" charset="0"/>
+              <a:t>Random Dude  </a:t>
+            </a:r>
+            <a:endParaRPr lang="en-US" sz="1200" dirty="0">
+              <a:solidFill>
+                <a:schemeClr val="bg1">
+                  <a:lumMod val="95000"/>
+                </a:schemeClr>
+              </a:solidFill>
+            </a:endParaRPr>
+          </a:p>
+        </p:txBody>
+      </p:sp>
+      <p:sp>
+        <p:nvSpPr>
+          <p:cNvPr id="17" name="TextBox 16"/>
+          <p:cNvSpPr txBox="1"/>
+          <p:nvPr/>
+        </p:nvSpPr>
+        <p:spPr>
+          <a:xfrm flipH="1">
+            <a:off x="7074447" y="1189753"/>
+            <a:ext cx="405114" cy="369332"/>
+          </a:xfrm>
+          <a:prstGeom prst="rect">
+            <a:avLst/>
+          </a:prstGeom>
+          <a:noFill/>
+        </p:spPr>
+        <p:txBody>
+          <a:bodyPr wrap="square" rtlCol="0">
+            <a:spAutoFit/>
+          </a:bodyPr>
+          <a:lstStyle/>
+          <a:p>
+            <a:r>
+              <a:rPr lang="en-US" dirty="0" smtClean="0">
+                <a:solidFill>
+                  <a:srgbClr val="FF0000"/>
+                </a:solidFill>
+              </a:rPr>
+              <a:t>+</a:t>
+            </a:r>
+            <a:endParaRPr lang="en-US" dirty="0">
+              <a:solidFill>
+                <a:srgbClr val="FF0000"/>
+              </a:solidFill>
             </a:endParaRPr>
           </a:p>
         </p:txBody>
@@ -13584,7 +16956,7 @@
     </p:spTree>
     <p:extLst>
       <p:ext uri="{BB962C8B-B14F-4D97-AF65-F5344CB8AC3E}">
-        <p14:creationId xmlns:p14="http://schemas.microsoft.com/office/powerpoint/2010/main" val="970007684"/>
+        <p14:creationId xmlns:p14="http://schemas.microsoft.com/office/powerpoint/2010/main" val="796559674"/>
       </p:ext>
     </p:extLst>
   </p:cSld>
